--- a/11_23_to_11_27_fourth/4.LSTM.pptx
+++ b/11_23_to_11_27_fourth/4.LSTM.pptx
@@ -5,10 +5,10 @@
     <p:sldMasterId id="2147483648" r:id="rId1"/>
   </p:sldMasterIdLst>
   <p:notesMasterIdLst>
-    <p:notesMasterId r:id="rId28"/>
+    <p:notesMasterId r:id="rId25"/>
   </p:notesMasterIdLst>
   <p:handoutMasterIdLst>
-    <p:handoutMasterId r:id="rId29"/>
+    <p:handoutMasterId r:id="rId26"/>
   </p:handoutMasterIdLst>
   <p:sldIdLst>
     <p:sldId id="256" r:id="rId2"/>
@@ -30,18 +30,15 @@
     <p:sldId id="301" r:id="rId18"/>
     <p:sldId id="296" r:id="rId19"/>
     <p:sldId id="292" r:id="rId20"/>
-    <p:sldId id="293" r:id="rId21"/>
-    <p:sldId id="294" r:id="rId22"/>
-    <p:sldId id="295" r:id="rId23"/>
-    <p:sldId id="280" r:id="rId24"/>
-    <p:sldId id="299" r:id="rId25"/>
-    <p:sldId id="270" r:id="rId26"/>
-    <p:sldId id="261" r:id="rId27"/>
+    <p:sldId id="280" r:id="rId21"/>
+    <p:sldId id="299" r:id="rId22"/>
+    <p:sldId id="270" r:id="rId23"/>
+    <p:sldId id="261" r:id="rId24"/>
   </p:sldIdLst>
   <p:sldSz cx="12192000" cy="6858000"/>
   <p:notesSz cx="6858000" cy="9144000"/>
   <p:custDataLst>
-    <p:tags r:id="rId30"/>
+    <p:tags r:id="rId27"/>
   </p:custDataLst>
   <p:defaultTextStyle>
     <a:defPPr>
@@ -140,7 +137,7 @@
   </p:defaultTextStyle>
   <p:extLst>
     <p:ext uri="{EFAFB233-063F-42B5-8137-9DF3F51BA10A}">
-      <p15:sldGuideLst xmlns:p15="http://schemas.microsoft.com/office/powerpoint/2012/main" xmlns="">
+      <p15:sldGuideLst xmlns="" xmlns:p15="http://schemas.microsoft.com/office/powerpoint/2012/main">
         <p15:guide id="1" orient="horz" pos="2160">
           <p15:clr>
             <a:srgbClr val="A4A3A4"/>
@@ -154,7 +151,7 @@
       </p15:sldGuideLst>
     </p:ext>
     <p:ext uri="{2D200454-40CA-4A62-9FC3-DE9A4176ACB9}">
-      <p15:notesGuideLst xmlns:p15="http://schemas.microsoft.com/office/powerpoint/2012/main" xmlns=""/>
+      <p15:notesGuideLst xmlns="" xmlns:p15="http://schemas.microsoft.com/office/powerpoint/2012/main"/>
     </p:ext>
   </p:extLst>
 </p:presentation>
@@ -380,7 +377,7 @@
           <p:cNvPr id="2" name="页眉占位符 1">
             <a:extLst>
               <a:ext uri="{FF2B5EF4-FFF2-40B4-BE49-F238E27FC236}">
-                <a16:creationId xmlns:a16="http://schemas.microsoft.com/office/drawing/2014/main" xmlns="" id="{B9A56829-66AA-42AA-918E-5C6DB1AE50A7}"/>
+                <a16:creationId xmlns="" xmlns:a16="http://schemas.microsoft.com/office/drawing/2014/main" id="{B9A56829-66AA-42AA-918E-5C6DB1AE50A7}"/>
               </a:ext>
             </a:extLst>
           </p:cNvPr>
@@ -417,7 +414,7 @@
           <p:cNvPr id="3" name="日期占位符 2">
             <a:extLst>
               <a:ext uri="{FF2B5EF4-FFF2-40B4-BE49-F238E27FC236}">
-                <a16:creationId xmlns:a16="http://schemas.microsoft.com/office/drawing/2014/main" xmlns="" id="{241084A9-BC5C-4420-B17C-51E328D45576}"/>
+                <a16:creationId xmlns="" xmlns:a16="http://schemas.microsoft.com/office/drawing/2014/main" id="{241084A9-BC5C-4420-B17C-51E328D45576}"/>
               </a:ext>
             </a:extLst>
           </p:cNvPr>
@@ -447,7 +444,7 @@
           <a:p>
             <a:fld id="{B478E0E4-DC06-4041-AFA7-BB6F527FFA3F}" type="datetimeFigureOut">
               <a:rPr lang="zh-CN" altLang="en-US" smtClean="0"/>
-              <a:t>2020/11/21</a:t>
+              <a:t>2020/11/25</a:t>
             </a:fld>
             <a:endParaRPr lang="zh-CN" altLang="en-US"/>
           </a:p>
@@ -458,7 +455,7 @@
           <p:cNvPr id="4" name="页脚占位符 3">
             <a:extLst>
               <a:ext uri="{FF2B5EF4-FFF2-40B4-BE49-F238E27FC236}">
-                <a16:creationId xmlns:a16="http://schemas.microsoft.com/office/drawing/2014/main" xmlns="" id="{0D6F2124-7B35-4E59-B9E8-DB09EE1408A4}"/>
+                <a16:creationId xmlns="" xmlns:a16="http://schemas.microsoft.com/office/drawing/2014/main" id="{0D6F2124-7B35-4E59-B9E8-DB09EE1408A4}"/>
               </a:ext>
             </a:extLst>
           </p:cNvPr>
@@ -495,7 +492,7 @@
           <p:cNvPr id="5" name="灯片编号占位符 4">
             <a:extLst>
               <a:ext uri="{FF2B5EF4-FFF2-40B4-BE49-F238E27FC236}">
-                <a16:creationId xmlns:a16="http://schemas.microsoft.com/office/drawing/2014/main" xmlns="" id="{F2BF8FFE-D997-4E34-9A01-CD2014B95241}"/>
+                <a16:creationId xmlns="" xmlns:a16="http://schemas.microsoft.com/office/drawing/2014/main" id="{F2BF8FFE-D997-4E34-9A01-CD2014B95241}"/>
               </a:ext>
             </a:extLst>
           </p:cNvPr>
@@ -624,7 +621,7 @@
           <a:p>
             <a:fld id="{E86D8963-CFCD-4740-AF60-049850373CDF}" type="datetimeFigureOut">
               <a:rPr lang="zh-CN" altLang="en-US" smtClean="0"/>
-              <a:t>2020/11/21</a:t>
+              <a:t>2020/11/25</a:t>
             </a:fld>
             <a:endParaRPr lang="zh-CN" altLang="en-US"/>
           </a:p>
@@ -913,7 +910,7 @@
           <p:cNvPr id="2" name="îṩ1ïdê">
             <a:extLst>
               <a:ext uri="{FF2B5EF4-FFF2-40B4-BE49-F238E27FC236}">
-                <a16:creationId xmlns:a16="http://schemas.microsoft.com/office/drawing/2014/main" xmlns="" id="{B165F2F7-32E4-4AF8-8657-36AC30D78579}"/>
+                <a16:creationId xmlns="" xmlns:a16="http://schemas.microsoft.com/office/drawing/2014/main" id="{B165F2F7-32E4-4AF8-8657-36AC30D78579}"/>
               </a:ext>
             </a:extLst>
           </p:cNvPr>
@@ -1073,7 +1070,7 @@
           <p:cNvPr id="7" name="组合 6">
             <a:extLst>
               <a:ext uri="{FF2B5EF4-FFF2-40B4-BE49-F238E27FC236}">
-                <a16:creationId xmlns:a16="http://schemas.microsoft.com/office/drawing/2014/main" xmlns="" id="{3491D0C5-E57C-45B4-AFE5-02F7704CDCF6}"/>
+                <a16:creationId xmlns="" xmlns:a16="http://schemas.microsoft.com/office/drawing/2014/main" id="{3491D0C5-E57C-45B4-AFE5-02F7704CDCF6}"/>
               </a:ext>
             </a:extLst>
           </p:cNvPr>
@@ -1093,7 +1090,7 @@
             <p:cNvPr id="11" name="ïş1ïḓe">
               <a:extLst>
                 <a:ext uri="{FF2B5EF4-FFF2-40B4-BE49-F238E27FC236}">
-                  <a16:creationId xmlns:a16="http://schemas.microsoft.com/office/drawing/2014/main" xmlns="" id="{AAEF8C50-AF93-4B64-9F64-BC188B9CC986}"/>
+                  <a16:creationId xmlns="" xmlns:a16="http://schemas.microsoft.com/office/drawing/2014/main" id="{AAEF8C50-AF93-4B64-9F64-BC188B9CC986}"/>
                 </a:ext>
               </a:extLst>
             </p:cNvPr>
@@ -1177,7 +1174,7 @@
             <p:cNvPr id="14" name="ïş1îḓé">
               <a:extLst>
                 <a:ext uri="{FF2B5EF4-FFF2-40B4-BE49-F238E27FC236}">
-                  <a16:creationId xmlns:a16="http://schemas.microsoft.com/office/drawing/2014/main" xmlns="" id="{D1034528-61F0-451C-8439-59044CBBC42D}"/>
+                  <a16:creationId xmlns="" xmlns:a16="http://schemas.microsoft.com/office/drawing/2014/main" id="{D1034528-61F0-451C-8439-59044CBBC42D}"/>
                 </a:ext>
               </a:extLst>
             </p:cNvPr>
@@ -1270,7 +1267,7 @@
             <p:cNvPr id="15" name="íṡ1íḑè">
               <a:extLst>
                 <a:ext uri="{FF2B5EF4-FFF2-40B4-BE49-F238E27FC236}">
-                  <a16:creationId xmlns:a16="http://schemas.microsoft.com/office/drawing/2014/main" xmlns="" id="{443590D7-CA87-4478-AB6B-8DA2AC5C485A}"/>
+                  <a16:creationId xmlns="" xmlns:a16="http://schemas.microsoft.com/office/drawing/2014/main" id="{443590D7-CA87-4478-AB6B-8DA2AC5C485A}"/>
                 </a:ext>
               </a:extLst>
             </p:cNvPr>
@@ -1355,7 +1352,7 @@
             <p:cNvPr id="16" name="îṥḻiḍê">
               <a:extLst>
                 <a:ext uri="{FF2B5EF4-FFF2-40B4-BE49-F238E27FC236}">
-                  <a16:creationId xmlns:a16="http://schemas.microsoft.com/office/drawing/2014/main" xmlns="" id="{FD92C89C-9731-46F9-9B6E-376810BFF18B}"/>
+                  <a16:creationId xmlns="" xmlns:a16="http://schemas.microsoft.com/office/drawing/2014/main" id="{FD92C89C-9731-46F9-9B6E-376810BFF18B}"/>
                 </a:ext>
               </a:extLst>
             </p:cNvPr>
@@ -1440,7 +1437,7 @@
             <p:cNvPr id="17" name="iṥḷiḑè">
               <a:extLst>
                 <a:ext uri="{FF2B5EF4-FFF2-40B4-BE49-F238E27FC236}">
-                  <a16:creationId xmlns:a16="http://schemas.microsoft.com/office/drawing/2014/main" xmlns="" id="{A8591A9D-5538-4DEC-B405-54C510558903}"/>
+                  <a16:creationId xmlns="" xmlns:a16="http://schemas.microsoft.com/office/drawing/2014/main" id="{A8591A9D-5538-4DEC-B405-54C510558903}"/>
                 </a:ext>
               </a:extLst>
             </p:cNvPr>
@@ -1505,7 +1502,7 @@
             <p:cNvPr id="18" name="íṥḻíḑé">
               <a:extLst>
                 <a:ext uri="{FF2B5EF4-FFF2-40B4-BE49-F238E27FC236}">
-                  <a16:creationId xmlns:a16="http://schemas.microsoft.com/office/drawing/2014/main" xmlns="" id="{FC116EBF-5653-4BA4-837E-95BEB302B1FC}"/>
+                  <a16:creationId xmlns="" xmlns:a16="http://schemas.microsoft.com/office/drawing/2014/main" id="{FC116EBF-5653-4BA4-837E-95BEB302B1FC}"/>
                 </a:ext>
               </a:extLst>
             </p:cNvPr>
@@ -1570,7 +1567,7 @@
             <p:cNvPr id="19" name="ïsḷiďê">
               <a:extLst>
                 <a:ext uri="{FF2B5EF4-FFF2-40B4-BE49-F238E27FC236}">
-                  <a16:creationId xmlns:a16="http://schemas.microsoft.com/office/drawing/2014/main" xmlns="" id="{D7181733-982F-4ADC-B787-E92C178D9BE9}"/>
+                  <a16:creationId xmlns="" xmlns:a16="http://schemas.microsoft.com/office/drawing/2014/main" id="{D7181733-982F-4ADC-B787-E92C178D9BE9}"/>
                 </a:ext>
               </a:extLst>
             </p:cNvPr>
@@ -1665,7 +1662,7 @@
             <p:cNvPr id="20" name="îs1iḓê">
               <a:extLst>
                 <a:ext uri="{FF2B5EF4-FFF2-40B4-BE49-F238E27FC236}">
-                  <a16:creationId xmlns:a16="http://schemas.microsoft.com/office/drawing/2014/main" xmlns="" id="{75B1573A-D6DA-4E40-B952-FC6A6E899942}"/>
+                  <a16:creationId xmlns="" xmlns:a16="http://schemas.microsoft.com/office/drawing/2014/main" id="{75B1573A-D6DA-4E40-B952-FC6A6E899942}"/>
                 </a:ext>
               </a:extLst>
             </p:cNvPr>
@@ -1740,7 +1737,7 @@
             <p:cNvPr id="21" name="íṡḻïdé">
               <a:extLst>
                 <a:ext uri="{FF2B5EF4-FFF2-40B4-BE49-F238E27FC236}">
-                  <a16:creationId xmlns:a16="http://schemas.microsoft.com/office/drawing/2014/main" xmlns="" id="{A3C16CC0-0D98-42C3-ACDA-6C6B1AAA14CB}"/>
+                  <a16:creationId xmlns="" xmlns:a16="http://schemas.microsoft.com/office/drawing/2014/main" id="{A3C16CC0-0D98-42C3-ACDA-6C6B1AAA14CB}"/>
                 </a:ext>
               </a:extLst>
             </p:cNvPr>
@@ -1815,7 +1812,7 @@
             <p:cNvPr id="22" name="ïṧľiḑè">
               <a:extLst>
                 <a:ext uri="{FF2B5EF4-FFF2-40B4-BE49-F238E27FC236}">
-                  <a16:creationId xmlns:a16="http://schemas.microsoft.com/office/drawing/2014/main" xmlns="" id="{2EEC5EF2-9731-49D2-8E01-4BAE06CF1807}"/>
+                  <a16:creationId xmlns="" xmlns:a16="http://schemas.microsoft.com/office/drawing/2014/main" id="{2EEC5EF2-9731-49D2-8E01-4BAE06CF1807}"/>
                 </a:ext>
               </a:extLst>
             </p:cNvPr>
@@ -1890,7 +1887,7 @@
             <p:cNvPr id="23" name="íşľîḋè">
               <a:extLst>
                 <a:ext uri="{FF2B5EF4-FFF2-40B4-BE49-F238E27FC236}">
-                  <a16:creationId xmlns:a16="http://schemas.microsoft.com/office/drawing/2014/main" xmlns="" id="{07D33D98-ECF4-43C9-8F9B-502B76AA375A}"/>
+                  <a16:creationId xmlns="" xmlns:a16="http://schemas.microsoft.com/office/drawing/2014/main" id="{07D33D98-ECF4-43C9-8F9B-502B76AA375A}"/>
                 </a:ext>
               </a:extLst>
             </p:cNvPr>
@@ -1955,7 +1952,7 @@
             <p:cNvPr id="24" name="îšḷîḍè">
               <a:extLst>
                 <a:ext uri="{FF2B5EF4-FFF2-40B4-BE49-F238E27FC236}">
-                  <a16:creationId xmlns:a16="http://schemas.microsoft.com/office/drawing/2014/main" xmlns="" id="{06AFAADD-E47D-403A-8BCE-6B991B488491}"/>
+                  <a16:creationId xmlns="" xmlns:a16="http://schemas.microsoft.com/office/drawing/2014/main" id="{06AFAADD-E47D-403A-8BCE-6B991B488491}"/>
                 </a:ext>
               </a:extLst>
             </p:cNvPr>
@@ -2020,7 +2017,7 @@
             <p:cNvPr id="25" name="îŝļiḑè">
               <a:extLst>
                 <a:ext uri="{FF2B5EF4-FFF2-40B4-BE49-F238E27FC236}">
-                  <a16:creationId xmlns:a16="http://schemas.microsoft.com/office/drawing/2014/main" xmlns="" id="{F20679ED-F04B-48C0-86C1-4F4678D0EF44}"/>
+                  <a16:creationId xmlns="" xmlns:a16="http://schemas.microsoft.com/office/drawing/2014/main" id="{F20679ED-F04B-48C0-86C1-4F4678D0EF44}"/>
                 </a:ext>
               </a:extLst>
             </p:cNvPr>
@@ -2082,7 +2079,7 @@
             <p:cNvPr id="26" name="ïsḻïḓe">
               <a:extLst>
                 <a:ext uri="{FF2B5EF4-FFF2-40B4-BE49-F238E27FC236}">
-                  <a16:creationId xmlns:a16="http://schemas.microsoft.com/office/drawing/2014/main" xmlns="" id="{178FE26C-EAE2-489E-9818-2AD90604A6E7}"/>
+                  <a16:creationId xmlns="" xmlns:a16="http://schemas.microsoft.com/office/drawing/2014/main" id="{178FE26C-EAE2-489E-9818-2AD90604A6E7}"/>
                 </a:ext>
               </a:extLst>
             </p:cNvPr>
@@ -2144,7 +2141,7 @@
             <p:cNvPr id="27" name="îṥľíḑê">
               <a:extLst>
                 <a:ext uri="{FF2B5EF4-FFF2-40B4-BE49-F238E27FC236}">
-                  <a16:creationId xmlns:a16="http://schemas.microsoft.com/office/drawing/2014/main" xmlns="" id="{54C937FE-182B-4B4C-8B56-94274EF8727A}"/>
+                  <a16:creationId xmlns="" xmlns:a16="http://schemas.microsoft.com/office/drawing/2014/main" id="{54C937FE-182B-4B4C-8B56-94274EF8727A}"/>
                 </a:ext>
               </a:extLst>
             </p:cNvPr>
@@ -2206,7 +2203,7 @@
             <p:cNvPr id="28" name="iṧľíḑe">
               <a:extLst>
                 <a:ext uri="{FF2B5EF4-FFF2-40B4-BE49-F238E27FC236}">
-                  <a16:creationId xmlns:a16="http://schemas.microsoft.com/office/drawing/2014/main" xmlns="" id="{9EC454E6-4E34-40A0-B134-E27356DF1BD3}"/>
+                  <a16:creationId xmlns="" xmlns:a16="http://schemas.microsoft.com/office/drawing/2014/main" id="{9EC454E6-4E34-40A0-B134-E27356DF1BD3}"/>
                 </a:ext>
               </a:extLst>
             </p:cNvPr>
@@ -2268,7 +2265,7 @@
             <p:cNvPr id="29" name="íşḻïḑê">
               <a:extLst>
                 <a:ext uri="{FF2B5EF4-FFF2-40B4-BE49-F238E27FC236}">
-                  <a16:creationId xmlns:a16="http://schemas.microsoft.com/office/drawing/2014/main" xmlns="" id="{F02A9D5E-CFB2-42AA-A5C5-5E5778C6FCBE}"/>
+                  <a16:creationId xmlns="" xmlns:a16="http://schemas.microsoft.com/office/drawing/2014/main" id="{F02A9D5E-CFB2-42AA-A5C5-5E5778C6FCBE}"/>
                 </a:ext>
               </a:extLst>
             </p:cNvPr>
@@ -2364,7 +2361,7 @@
             <p:cNvPr id="30" name="išḻîḋè">
               <a:extLst>
                 <a:ext uri="{FF2B5EF4-FFF2-40B4-BE49-F238E27FC236}">
-                  <a16:creationId xmlns:a16="http://schemas.microsoft.com/office/drawing/2014/main" xmlns="" id="{2B76FEBA-B0C4-4066-ABF2-E33CBD44C45F}"/>
+                  <a16:creationId xmlns="" xmlns:a16="http://schemas.microsoft.com/office/drawing/2014/main" id="{2B76FEBA-B0C4-4066-ABF2-E33CBD44C45F}"/>
                 </a:ext>
               </a:extLst>
             </p:cNvPr>
@@ -2426,7 +2423,7 @@
             <p:cNvPr id="31" name="ïšliḋé">
               <a:extLst>
                 <a:ext uri="{FF2B5EF4-FFF2-40B4-BE49-F238E27FC236}">
-                  <a16:creationId xmlns:a16="http://schemas.microsoft.com/office/drawing/2014/main" xmlns="" id="{17F7742C-0E9E-453F-BF74-0A1870F594D9}"/>
+                  <a16:creationId xmlns="" xmlns:a16="http://schemas.microsoft.com/office/drawing/2014/main" id="{17F7742C-0E9E-453F-BF74-0A1870F594D9}"/>
                 </a:ext>
               </a:extLst>
             </p:cNvPr>
@@ -2488,7 +2485,7 @@
             <p:cNvPr id="32" name="íṣlídé">
               <a:extLst>
                 <a:ext uri="{FF2B5EF4-FFF2-40B4-BE49-F238E27FC236}">
-                  <a16:creationId xmlns:a16="http://schemas.microsoft.com/office/drawing/2014/main" xmlns="" id="{3B98F7CF-64A1-4A5B-B8EC-9178705C9901}"/>
+                  <a16:creationId xmlns="" xmlns:a16="http://schemas.microsoft.com/office/drawing/2014/main" id="{3B98F7CF-64A1-4A5B-B8EC-9178705C9901}"/>
                 </a:ext>
               </a:extLst>
             </p:cNvPr>
@@ -2550,7 +2547,7 @@
             <p:cNvPr id="33" name="ï$ľïḍé">
               <a:extLst>
                 <a:ext uri="{FF2B5EF4-FFF2-40B4-BE49-F238E27FC236}">
-                  <a16:creationId xmlns:a16="http://schemas.microsoft.com/office/drawing/2014/main" xmlns="" id="{8EB33BF9-35EF-4068-A574-8FBC5EEAC895}"/>
+                  <a16:creationId xmlns="" xmlns:a16="http://schemas.microsoft.com/office/drawing/2014/main" id="{8EB33BF9-35EF-4068-A574-8FBC5EEAC895}"/>
                 </a:ext>
               </a:extLst>
             </p:cNvPr>
@@ -2612,7 +2609,7 @@
             <p:cNvPr id="34" name="ï$1îḑé">
               <a:extLst>
                 <a:ext uri="{FF2B5EF4-FFF2-40B4-BE49-F238E27FC236}">
-                  <a16:creationId xmlns:a16="http://schemas.microsoft.com/office/drawing/2014/main" xmlns="" id="{66235EE7-FC71-4720-94D6-AE9E5A6E3B32}"/>
+                  <a16:creationId xmlns="" xmlns:a16="http://schemas.microsoft.com/office/drawing/2014/main" id="{66235EE7-FC71-4720-94D6-AE9E5A6E3B32}"/>
                 </a:ext>
               </a:extLst>
             </p:cNvPr>
@@ -2674,7 +2671,7 @@
             <p:cNvPr id="35" name="íşļiḓê">
               <a:extLst>
                 <a:ext uri="{FF2B5EF4-FFF2-40B4-BE49-F238E27FC236}">
-                  <a16:creationId xmlns:a16="http://schemas.microsoft.com/office/drawing/2014/main" xmlns="" id="{464E50F4-2AD9-4646-95B0-C615F448F8D7}"/>
+                  <a16:creationId xmlns="" xmlns:a16="http://schemas.microsoft.com/office/drawing/2014/main" id="{464E50F4-2AD9-4646-95B0-C615F448F8D7}"/>
                 </a:ext>
               </a:extLst>
             </p:cNvPr>
@@ -2736,7 +2733,7 @@
             <p:cNvPr id="36" name="iSliḍé">
               <a:extLst>
                 <a:ext uri="{FF2B5EF4-FFF2-40B4-BE49-F238E27FC236}">
-                  <a16:creationId xmlns:a16="http://schemas.microsoft.com/office/drawing/2014/main" xmlns="" id="{08FD15B7-89FA-4BA0-832E-9B9D9FF852D5}"/>
+                  <a16:creationId xmlns="" xmlns:a16="http://schemas.microsoft.com/office/drawing/2014/main" id="{08FD15B7-89FA-4BA0-832E-9B9D9FF852D5}"/>
                 </a:ext>
               </a:extLst>
             </p:cNvPr>
@@ -2798,7 +2795,7 @@
             <p:cNvPr id="37" name="îşļïde">
               <a:extLst>
                 <a:ext uri="{FF2B5EF4-FFF2-40B4-BE49-F238E27FC236}">
-                  <a16:creationId xmlns:a16="http://schemas.microsoft.com/office/drawing/2014/main" xmlns="" id="{4DACA41F-DADA-4149-8933-31488F26C8AD}"/>
+                  <a16:creationId xmlns="" xmlns:a16="http://schemas.microsoft.com/office/drawing/2014/main" id="{4DACA41F-DADA-4149-8933-31488F26C8AD}"/>
                 </a:ext>
               </a:extLst>
             </p:cNvPr>
@@ -2860,7 +2857,7 @@
             <p:cNvPr id="38" name="ï$ḻídè">
               <a:extLst>
                 <a:ext uri="{FF2B5EF4-FFF2-40B4-BE49-F238E27FC236}">
-                  <a16:creationId xmlns:a16="http://schemas.microsoft.com/office/drawing/2014/main" xmlns="" id="{C28E4710-C2A1-4505-AD75-E91E319AE73A}"/>
+                  <a16:creationId xmlns="" xmlns:a16="http://schemas.microsoft.com/office/drawing/2014/main" id="{C28E4710-C2A1-4505-AD75-E91E319AE73A}"/>
                 </a:ext>
               </a:extLst>
             </p:cNvPr>
@@ -2956,7 +2953,7 @@
             <p:cNvPr id="39" name="ísľíḑe">
               <a:extLst>
                 <a:ext uri="{FF2B5EF4-FFF2-40B4-BE49-F238E27FC236}">
-                  <a16:creationId xmlns:a16="http://schemas.microsoft.com/office/drawing/2014/main" xmlns="" id="{C323CC97-7CC7-4FA5-A665-16F8A2FDB29A}"/>
+                  <a16:creationId xmlns="" xmlns:a16="http://schemas.microsoft.com/office/drawing/2014/main" id="{C323CC97-7CC7-4FA5-A665-16F8A2FDB29A}"/>
                 </a:ext>
               </a:extLst>
             </p:cNvPr>
@@ -3021,7 +3018,7 @@
             <p:cNvPr id="40" name="íṩlîḑè">
               <a:extLst>
                 <a:ext uri="{FF2B5EF4-FFF2-40B4-BE49-F238E27FC236}">
-                  <a16:creationId xmlns:a16="http://schemas.microsoft.com/office/drawing/2014/main" xmlns="" id="{26A96D82-53D7-454D-B8F0-08C85B54A508}"/>
+                  <a16:creationId xmlns="" xmlns:a16="http://schemas.microsoft.com/office/drawing/2014/main" id="{26A96D82-53D7-454D-B8F0-08C85B54A508}"/>
                 </a:ext>
               </a:extLst>
             </p:cNvPr>
@@ -3161,7 +3158,7 @@
             <p:cNvPr id="41" name="iṡḻídê">
               <a:extLst>
                 <a:ext uri="{FF2B5EF4-FFF2-40B4-BE49-F238E27FC236}">
-                  <a16:creationId xmlns:a16="http://schemas.microsoft.com/office/drawing/2014/main" xmlns="" id="{00A55C22-40A5-4BCE-AB5C-0DBD7B43CF15}"/>
+                  <a16:creationId xmlns="" xmlns:a16="http://schemas.microsoft.com/office/drawing/2014/main" id="{00A55C22-40A5-4BCE-AB5C-0DBD7B43CF15}"/>
                 </a:ext>
               </a:extLst>
             </p:cNvPr>
@@ -3223,7 +3220,7 @@
             <p:cNvPr id="42" name="íŝḷîḋè">
               <a:extLst>
                 <a:ext uri="{FF2B5EF4-FFF2-40B4-BE49-F238E27FC236}">
-                  <a16:creationId xmlns:a16="http://schemas.microsoft.com/office/drawing/2014/main" xmlns="" id="{1E7E1B5A-4BA7-4930-AB12-641C32CB9B5D}"/>
+                  <a16:creationId xmlns="" xmlns:a16="http://schemas.microsoft.com/office/drawing/2014/main" id="{1E7E1B5A-4BA7-4930-AB12-641C32CB9B5D}"/>
                 </a:ext>
               </a:extLst>
             </p:cNvPr>
@@ -3285,7 +3282,7 @@
             <p:cNvPr id="43" name="işliḓè">
               <a:extLst>
                 <a:ext uri="{FF2B5EF4-FFF2-40B4-BE49-F238E27FC236}">
-                  <a16:creationId xmlns:a16="http://schemas.microsoft.com/office/drawing/2014/main" xmlns="" id="{463C39C0-BA97-46C8-947C-6A6BB4E7C9D1}"/>
+                  <a16:creationId xmlns="" xmlns:a16="http://schemas.microsoft.com/office/drawing/2014/main" id="{463C39C0-BA97-46C8-947C-6A6BB4E7C9D1}"/>
                 </a:ext>
               </a:extLst>
             </p:cNvPr>
@@ -3347,7 +3344,7 @@
             <p:cNvPr id="44" name="îsḻiḑé">
               <a:extLst>
                 <a:ext uri="{FF2B5EF4-FFF2-40B4-BE49-F238E27FC236}">
-                  <a16:creationId xmlns:a16="http://schemas.microsoft.com/office/drawing/2014/main" xmlns="" id="{DF04E304-5F07-4415-828B-0989704C8FE6}"/>
+                  <a16:creationId xmlns="" xmlns:a16="http://schemas.microsoft.com/office/drawing/2014/main" id="{DF04E304-5F07-4415-828B-0989704C8FE6}"/>
                 </a:ext>
               </a:extLst>
             </p:cNvPr>
@@ -3409,7 +3406,7 @@
             <p:cNvPr id="45" name="íṧľiḓê">
               <a:extLst>
                 <a:ext uri="{FF2B5EF4-FFF2-40B4-BE49-F238E27FC236}">
-                  <a16:creationId xmlns:a16="http://schemas.microsoft.com/office/drawing/2014/main" xmlns="" id="{9DE34A69-BC75-47AD-8DE0-15FDFEF5D179}"/>
+                  <a16:creationId xmlns="" xmlns:a16="http://schemas.microsoft.com/office/drawing/2014/main" id="{9DE34A69-BC75-47AD-8DE0-15FDFEF5D179}"/>
                 </a:ext>
               </a:extLst>
             </p:cNvPr>
@@ -3471,7 +3468,7 @@
             <p:cNvPr id="46" name="íSlíďé">
               <a:extLst>
                 <a:ext uri="{FF2B5EF4-FFF2-40B4-BE49-F238E27FC236}">
-                  <a16:creationId xmlns:a16="http://schemas.microsoft.com/office/drawing/2014/main" xmlns="" id="{F19E1891-22A9-4238-9A0E-D54742EB9A67}"/>
+                  <a16:creationId xmlns="" xmlns:a16="http://schemas.microsoft.com/office/drawing/2014/main" id="{F19E1891-22A9-4238-9A0E-D54742EB9A67}"/>
                 </a:ext>
               </a:extLst>
             </p:cNvPr>
@@ -3533,7 +3530,7 @@
             <p:cNvPr id="47" name="iś1ïdè">
               <a:extLst>
                 <a:ext uri="{FF2B5EF4-FFF2-40B4-BE49-F238E27FC236}">
-                  <a16:creationId xmlns:a16="http://schemas.microsoft.com/office/drawing/2014/main" xmlns="" id="{26F87FC7-C5C8-4289-A0E2-8F0511BE4D0F}"/>
+                  <a16:creationId xmlns="" xmlns:a16="http://schemas.microsoft.com/office/drawing/2014/main" id="{26F87FC7-C5C8-4289-A0E2-8F0511BE4D0F}"/>
                 </a:ext>
               </a:extLst>
             </p:cNvPr>
@@ -3595,7 +3592,7 @@
             <p:cNvPr id="48" name="îŝḷïḍé">
               <a:extLst>
                 <a:ext uri="{FF2B5EF4-FFF2-40B4-BE49-F238E27FC236}">
-                  <a16:creationId xmlns:a16="http://schemas.microsoft.com/office/drawing/2014/main" xmlns="" id="{AF3C94AB-652D-4CCA-BFC8-3BC7A5181E1F}"/>
+                  <a16:creationId xmlns="" xmlns:a16="http://schemas.microsoft.com/office/drawing/2014/main" id="{AF3C94AB-652D-4CCA-BFC8-3BC7A5181E1F}"/>
                 </a:ext>
               </a:extLst>
             </p:cNvPr>
@@ -3666,7 +3663,7 @@
             <p:cNvPr id="49" name="ïśļïďé">
               <a:extLst>
                 <a:ext uri="{FF2B5EF4-FFF2-40B4-BE49-F238E27FC236}">
-                  <a16:creationId xmlns:a16="http://schemas.microsoft.com/office/drawing/2014/main" xmlns="" id="{10BC1FCD-F8F1-411F-8B4C-46E128380494}"/>
+                  <a16:creationId xmlns="" xmlns:a16="http://schemas.microsoft.com/office/drawing/2014/main" id="{10BC1FCD-F8F1-411F-8B4C-46E128380494}"/>
                 </a:ext>
               </a:extLst>
             </p:cNvPr>
@@ -3737,7 +3734,7 @@
             <p:cNvPr id="50" name="íṧḷídè">
               <a:extLst>
                 <a:ext uri="{FF2B5EF4-FFF2-40B4-BE49-F238E27FC236}">
-                  <a16:creationId xmlns:a16="http://schemas.microsoft.com/office/drawing/2014/main" xmlns="" id="{D6954D73-841B-4674-94DA-57899B5C83FA}"/>
+                  <a16:creationId xmlns="" xmlns:a16="http://schemas.microsoft.com/office/drawing/2014/main" id="{D6954D73-841B-4674-94DA-57899B5C83FA}"/>
                 </a:ext>
               </a:extLst>
             </p:cNvPr>
@@ -4208,7 +4205,7 @@
           <p:cNvPr id="3" name="组合 2">
             <a:extLst>
               <a:ext uri="{FF2B5EF4-FFF2-40B4-BE49-F238E27FC236}">
-                <a16:creationId xmlns:a16="http://schemas.microsoft.com/office/drawing/2014/main" xmlns="" id="{C629003E-14DA-4608-82C8-F702B03C8C62}"/>
+                <a16:creationId xmlns="" xmlns:a16="http://schemas.microsoft.com/office/drawing/2014/main" id="{C629003E-14DA-4608-82C8-F702B03C8C62}"/>
               </a:ext>
             </a:extLst>
           </p:cNvPr>
@@ -4234,7 +4231,7 @@
             <p:cNvPr id="34" name="iSliḓê">
               <a:extLst>
                 <a:ext uri="{FF2B5EF4-FFF2-40B4-BE49-F238E27FC236}">
-                  <a16:creationId xmlns:a16="http://schemas.microsoft.com/office/drawing/2014/main" xmlns="" id="{80A47D5A-673E-4EDC-8FB1-C2A2486C802A}"/>
+                  <a16:creationId xmlns="" xmlns:a16="http://schemas.microsoft.com/office/drawing/2014/main" id="{80A47D5A-673E-4EDC-8FB1-C2A2486C802A}"/>
                 </a:ext>
               </a:extLst>
             </p:cNvPr>
@@ -4372,7 +4369,7 @@
             <p:cNvPr id="38" name="ïṣlîḓê">
               <a:extLst>
                 <a:ext uri="{FF2B5EF4-FFF2-40B4-BE49-F238E27FC236}">
-                  <a16:creationId xmlns:a16="http://schemas.microsoft.com/office/drawing/2014/main" xmlns="" id="{DCD89878-3878-44CD-816E-D1DB497D642B}"/>
+                  <a16:creationId xmlns="" xmlns:a16="http://schemas.microsoft.com/office/drawing/2014/main" id="{DCD89878-3878-44CD-816E-D1DB497D642B}"/>
                 </a:ext>
               </a:extLst>
             </p:cNvPr>
@@ -4438,7 +4435,7 @@
             <p:cNvPr id="39" name="îṧḻiďê">
               <a:extLst>
                 <a:ext uri="{FF2B5EF4-FFF2-40B4-BE49-F238E27FC236}">
-                  <a16:creationId xmlns:a16="http://schemas.microsoft.com/office/drawing/2014/main" xmlns="" id="{927A350C-74E8-4289-AD50-D152B2F20760}"/>
+                  <a16:creationId xmlns="" xmlns:a16="http://schemas.microsoft.com/office/drawing/2014/main" id="{927A350C-74E8-4289-AD50-D152B2F20760}"/>
                 </a:ext>
               </a:extLst>
             </p:cNvPr>
@@ -4504,7 +4501,7 @@
             <p:cNvPr id="40" name="îsļiďé">
               <a:extLst>
                 <a:ext uri="{FF2B5EF4-FFF2-40B4-BE49-F238E27FC236}">
-                  <a16:creationId xmlns:a16="http://schemas.microsoft.com/office/drawing/2014/main" xmlns="" id="{FA1565F5-351B-46F7-94BA-8DE2B624E1D4}"/>
+                  <a16:creationId xmlns="" xmlns:a16="http://schemas.microsoft.com/office/drawing/2014/main" id="{FA1565F5-351B-46F7-94BA-8DE2B624E1D4}"/>
                 </a:ext>
               </a:extLst>
             </p:cNvPr>
@@ -4570,7 +4567,7 @@
             <p:cNvPr id="41" name="ísľîḑê">
               <a:extLst>
                 <a:ext uri="{FF2B5EF4-FFF2-40B4-BE49-F238E27FC236}">
-                  <a16:creationId xmlns:a16="http://schemas.microsoft.com/office/drawing/2014/main" xmlns="" id="{F46A0CCC-6110-407E-8E6D-A1E655B7B10A}"/>
+                  <a16:creationId xmlns="" xmlns:a16="http://schemas.microsoft.com/office/drawing/2014/main" id="{F46A0CCC-6110-407E-8E6D-A1E655B7B10A}"/>
                 </a:ext>
               </a:extLst>
             </p:cNvPr>
@@ -4636,7 +4633,7 @@
             <p:cNvPr id="42" name="iṥlïďé">
               <a:extLst>
                 <a:ext uri="{FF2B5EF4-FFF2-40B4-BE49-F238E27FC236}">
-                  <a16:creationId xmlns:a16="http://schemas.microsoft.com/office/drawing/2014/main" xmlns="" id="{D83D0A40-C194-4C9B-8119-3AA087712412}"/>
+                  <a16:creationId xmlns="" xmlns:a16="http://schemas.microsoft.com/office/drawing/2014/main" id="{D83D0A40-C194-4C9B-8119-3AA087712412}"/>
                 </a:ext>
               </a:extLst>
             </p:cNvPr>
@@ -4707,7 +4704,7 @@
             <p:cNvPr id="43" name="îşḷiḍè">
               <a:extLst>
                 <a:ext uri="{FF2B5EF4-FFF2-40B4-BE49-F238E27FC236}">
-                  <a16:creationId xmlns:a16="http://schemas.microsoft.com/office/drawing/2014/main" xmlns="" id="{DE854E02-9D47-4D10-A040-E952102AC62D}"/>
+                  <a16:creationId xmlns="" xmlns:a16="http://schemas.microsoft.com/office/drawing/2014/main" id="{DE854E02-9D47-4D10-A040-E952102AC62D}"/>
                 </a:ext>
               </a:extLst>
             </p:cNvPr>
@@ -4809,7 +4806,7 @@
           <p:cNvPr id="3" name="日期占位符 2">
             <a:extLst>
               <a:ext uri="{FF2B5EF4-FFF2-40B4-BE49-F238E27FC236}">
-                <a16:creationId xmlns:a16="http://schemas.microsoft.com/office/drawing/2014/main" xmlns="" id="{9888B6D7-9D3F-49D7-BACE-73A9D1149A74}"/>
+                <a16:creationId xmlns="" xmlns:a16="http://schemas.microsoft.com/office/drawing/2014/main" id="{9888B6D7-9D3F-49D7-BACE-73A9D1149A74}"/>
               </a:ext>
             </a:extLst>
           </p:cNvPr>
@@ -4834,7 +4831,7 @@
           <p:cNvPr id="4" name="页脚占位符 3">
             <a:extLst>
               <a:ext uri="{FF2B5EF4-FFF2-40B4-BE49-F238E27FC236}">
-                <a16:creationId xmlns:a16="http://schemas.microsoft.com/office/drawing/2014/main" xmlns="" id="{7AC997A4-1DD8-4731-B9FD-42398A20FF85}"/>
+                <a16:creationId xmlns="" xmlns:a16="http://schemas.microsoft.com/office/drawing/2014/main" id="{7AC997A4-1DD8-4731-B9FD-42398A20FF85}"/>
               </a:ext>
             </a:extLst>
           </p:cNvPr>
@@ -4871,7 +4868,7 @@
           <p:cNvPr id="5" name="灯片编号占位符 4">
             <a:extLst>
               <a:ext uri="{FF2B5EF4-FFF2-40B4-BE49-F238E27FC236}">
-                <a16:creationId xmlns:a16="http://schemas.microsoft.com/office/drawing/2014/main" xmlns="" id="{DBA9825E-1876-42AD-ABCF-E0E100F351CA}"/>
+                <a16:creationId xmlns="" xmlns:a16="http://schemas.microsoft.com/office/drawing/2014/main" id="{DBA9825E-1876-42AD-ABCF-E0E100F351CA}"/>
               </a:ext>
             </a:extLst>
           </p:cNvPr>
@@ -4901,7 +4898,7 @@
           <p:cNvPr id="6" name="标题 5">
             <a:extLst>
               <a:ext uri="{FF2B5EF4-FFF2-40B4-BE49-F238E27FC236}">
-                <a16:creationId xmlns:a16="http://schemas.microsoft.com/office/drawing/2014/main" xmlns="" id="{D124F9DB-C87A-423F-9657-38C7A2901430}"/>
+                <a16:creationId xmlns="" xmlns:a16="http://schemas.microsoft.com/office/drawing/2014/main" id="{D124F9DB-C87A-423F-9657-38C7A2901430}"/>
               </a:ext>
             </a:extLst>
           </p:cNvPr>
@@ -4934,7 +4931,7 @@
           <p:cNvPr id="8" name="内容占位符 7">
             <a:extLst>
               <a:ext uri="{FF2B5EF4-FFF2-40B4-BE49-F238E27FC236}">
-                <a16:creationId xmlns:a16="http://schemas.microsoft.com/office/drawing/2014/main" xmlns="" id="{2070191C-4093-409C-8FD5-7369A79637AD}"/>
+                <a16:creationId xmlns="" xmlns:a16="http://schemas.microsoft.com/office/drawing/2014/main" id="{2070191C-4093-409C-8FD5-7369A79637AD}"/>
               </a:ext>
             </a:extLst>
           </p:cNvPr>
@@ -5043,7 +5040,7 @@
           <p:cNvPr id="2" name="标题 1">
             <a:extLst>
               <a:ext uri="{FF2B5EF4-FFF2-40B4-BE49-F238E27FC236}">
-                <a16:creationId xmlns:a16="http://schemas.microsoft.com/office/drawing/2014/main" xmlns="" id="{F21C7A1C-3684-4AAF-A408-C63B6CB64104}"/>
+                <a16:creationId xmlns="" xmlns:a16="http://schemas.microsoft.com/office/drawing/2014/main" id="{F21C7A1C-3684-4AAF-A408-C63B6CB64104}"/>
               </a:ext>
             </a:extLst>
           </p:cNvPr>
@@ -5076,7 +5073,7 @@
           <p:cNvPr id="3" name="日期占位符 2">
             <a:extLst>
               <a:ext uri="{FF2B5EF4-FFF2-40B4-BE49-F238E27FC236}">
-                <a16:creationId xmlns:a16="http://schemas.microsoft.com/office/drawing/2014/main" xmlns="" id="{8986EA5F-D77D-4318-90E9-C04AA8ADC0D1}"/>
+                <a16:creationId xmlns="" xmlns:a16="http://schemas.microsoft.com/office/drawing/2014/main" id="{8986EA5F-D77D-4318-90E9-C04AA8ADC0D1}"/>
               </a:ext>
             </a:extLst>
           </p:cNvPr>
@@ -5101,7 +5098,7 @@
           <p:cNvPr id="4" name="页脚占位符 3">
             <a:extLst>
               <a:ext uri="{FF2B5EF4-FFF2-40B4-BE49-F238E27FC236}">
-                <a16:creationId xmlns:a16="http://schemas.microsoft.com/office/drawing/2014/main" xmlns="" id="{00832621-D9D9-445E-BFF9-F8348FA1E262}"/>
+                <a16:creationId xmlns="" xmlns:a16="http://schemas.microsoft.com/office/drawing/2014/main" id="{00832621-D9D9-445E-BFF9-F8348FA1E262}"/>
               </a:ext>
             </a:extLst>
           </p:cNvPr>
@@ -5138,7 +5135,7 @@
           <p:cNvPr id="5" name="灯片编号占位符 4">
             <a:extLst>
               <a:ext uri="{FF2B5EF4-FFF2-40B4-BE49-F238E27FC236}">
-                <a16:creationId xmlns:a16="http://schemas.microsoft.com/office/drawing/2014/main" xmlns="" id="{8371151B-F790-4A9F-962F-B8718A9560A9}"/>
+                <a16:creationId xmlns="" xmlns:a16="http://schemas.microsoft.com/office/drawing/2014/main" id="{8371151B-F790-4A9F-962F-B8718A9560A9}"/>
               </a:ext>
             </a:extLst>
           </p:cNvPr>
@@ -5334,7 +5331,7 @@
           <p:cNvPr id="6" name="文本占位符 5">
             <a:extLst>
               <a:ext uri="{FF2B5EF4-FFF2-40B4-BE49-F238E27FC236}">
-                <a16:creationId xmlns:a16="http://schemas.microsoft.com/office/drawing/2014/main" xmlns="" id="{05EBDA4F-7210-4CAE-8333-80DB24212E78}"/>
+                <a16:creationId xmlns="" xmlns:a16="http://schemas.microsoft.com/office/drawing/2014/main" id="{05EBDA4F-7210-4CAE-8333-80DB24212E78}"/>
               </a:ext>
             </a:extLst>
           </p:cNvPr>
@@ -5395,7 +5392,7 @@
           <p:cNvPr id="7" name="组合 6">
             <a:extLst>
               <a:ext uri="{FF2B5EF4-FFF2-40B4-BE49-F238E27FC236}">
-                <a16:creationId xmlns:a16="http://schemas.microsoft.com/office/drawing/2014/main" xmlns="" id="{5B77603F-656A-4E2F-9228-E30568A2F1D6}"/>
+                <a16:creationId xmlns="" xmlns:a16="http://schemas.microsoft.com/office/drawing/2014/main" id="{5B77603F-656A-4E2F-9228-E30568A2F1D6}"/>
               </a:ext>
             </a:extLst>
           </p:cNvPr>
@@ -5415,7 +5412,7 @@
             <p:cNvPr id="8" name="îSḻïḍè">
               <a:extLst>
                 <a:ext uri="{FF2B5EF4-FFF2-40B4-BE49-F238E27FC236}">
-                  <a16:creationId xmlns:a16="http://schemas.microsoft.com/office/drawing/2014/main" xmlns="" id="{61BDFEB9-90AA-43E9-A12B-EFFF9287F99D}"/>
+                  <a16:creationId xmlns="" xmlns:a16="http://schemas.microsoft.com/office/drawing/2014/main" id="{61BDFEB9-90AA-43E9-A12B-EFFF9287F99D}"/>
                 </a:ext>
               </a:extLst>
             </p:cNvPr>
@@ -5499,7 +5496,7 @@
             <p:cNvPr id="9" name="iṧ1îďè">
               <a:extLst>
                 <a:ext uri="{FF2B5EF4-FFF2-40B4-BE49-F238E27FC236}">
-                  <a16:creationId xmlns:a16="http://schemas.microsoft.com/office/drawing/2014/main" xmlns="" id="{D6E33435-E28A-463E-9EC6-4FEF1432AC96}"/>
+                  <a16:creationId xmlns="" xmlns:a16="http://schemas.microsoft.com/office/drawing/2014/main" id="{D6E33435-E28A-463E-9EC6-4FEF1432AC96}"/>
                 </a:ext>
               </a:extLst>
             </p:cNvPr>
@@ -5592,7 +5589,7 @@
             <p:cNvPr id="10" name="íŝ1îḑê">
               <a:extLst>
                 <a:ext uri="{FF2B5EF4-FFF2-40B4-BE49-F238E27FC236}">
-                  <a16:creationId xmlns:a16="http://schemas.microsoft.com/office/drawing/2014/main" xmlns="" id="{9304A826-F780-4CF2-AEA1-5EB7122B87CE}"/>
+                  <a16:creationId xmlns="" xmlns:a16="http://schemas.microsoft.com/office/drawing/2014/main" id="{9304A826-F780-4CF2-AEA1-5EB7122B87CE}"/>
                 </a:ext>
               </a:extLst>
             </p:cNvPr>
@@ -5677,7 +5674,7 @@
             <p:cNvPr id="11" name="îṩľîḋè">
               <a:extLst>
                 <a:ext uri="{FF2B5EF4-FFF2-40B4-BE49-F238E27FC236}">
-                  <a16:creationId xmlns:a16="http://schemas.microsoft.com/office/drawing/2014/main" xmlns="" id="{276A2E36-748D-419C-9EE2-5DF2A51BE0C6}"/>
+                  <a16:creationId xmlns="" xmlns:a16="http://schemas.microsoft.com/office/drawing/2014/main" id="{276A2E36-748D-419C-9EE2-5DF2A51BE0C6}"/>
                 </a:ext>
               </a:extLst>
             </p:cNvPr>
@@ -5762,7 +5759,7 @@
             <p:cNvPr id="12" name="íṡ1ïḓe">
               <a:extLst>
                 <a:ext uri="{FF2B5EF4-FFF2-40B4-BE49-F238E27FC236}">
-                  <a16:creationId xmlns:a16="http://schemas.microsoft.com/office/drawing/2014/main" xmlns="" id="{20A4A09F-DE16-4168-819D-7F31D973EC1A}"/>
+                  <a16:creationId xmlns="" xmlns:a16="http://schemas.microsoft.com/office/drawing/2014/main" id="{20A4A09F-DE16-4168-819D-7F31D973EC1A}"/>
                 </a:ext>
               </a:extLst>
             </p:cNvPr>
@@ -5827,7 +5824,7 @@
             <p:cNvPr id="14" name="ïŝlîḍê">
               <a:extLst>
                 <a:ext uri="{FF2B5EF4-FFF2-40B4-BE49-F238E27FC236}">
-                  <a16:creationId xmlns:a16="http://schemas.microsoft.com/office/drawing/2014/main" xmlns="" id="{F8657E4E-B533-4A5A-9F5F-E5BE8ACB5AD2}"/>
+                  <a16:creationId xmlns="" xmlns:a16="http://schemas.microsoft.com/office/drawing/2014/main" id="{F8657E4E-B533-4A5A-9F5F-E5BE8ACB5AD2}"/>
                 </a:ext>
               </a:extLst>
             </p:cNvPr>
@@ -5892,7 +5889,7 @@
             <p:cNvPr id="16" name="íṧlîḓé">
               <a:extLst>
                 <a:ext uri="{FF2B5EF4-FFF2-40B4-BE49-F238E27FC236}">
-                  <a16:creationId xmlns:a16="http://schemas.microsoft.com/office/drawing/2014/main" xmlns="" id="{FD71861F-C75F-4733-AFC9-3907B077276A}"/>
+                  <a16:creationId xmlns="" xmlns:a16="http://schemas.microsoft.com/office/drawing/2014/main" id="{FD71861F-C75F-4733-AFC9-3907B077276A}"/>
                 </a:ext>
               </a:extLst>
             </p:cNvPr>
@@ -5987,7 +5984,7 @@
             <p:cNvPr id="17" name="îṡľiḑè">
               <a:extLst>
                 <a:ext uri="{FF2B5EF4-FFF2-40B4-BE49-F238E27FC236}">
-                  <a16:creationId xmlns:a16="http://schemas.microsoft.com/office/drawing/2014/main" xmlns="" id="{C5F246DD-0425-467A-8E23-DF1922ED4240}"/>
+                  <a16:creationId xmlns="" xmlns:a16="http://schemas.microsoft.com/office/drawing/2014/main" id="{C5F246DD-0425-467A-8E23-DF1922ED4240}"/>
                 </a:ext>
               </a:extLst>
             </p:cNvPr>
@@ -6062,7 +6059,7 @@
             <p:cNvPr id="18" name="íš1ïḑé">
               <a:extLst>
                 <a:ext uri="{FF2B5EF4-FFF2-40B4-BE49-F238E27FC236}">
-                  <a16:creationId xmlns:a16="http://schemas.microsoft.com/office/drawing/2014/main" xmlns="" id="{EB196468-BCAE-4BF5-B491-B37AF459C2E0}"/>
+                  <a16:creationId xmlns="" xmlns:a16="http://schemas.microsoft.com/office/drawing/2014/main" id="{EB196468-BCAE-4BF5-B491-B37AF459C2E0}"/>
                 </a:ext>
               </a:extLst>
             </p:cNvPr>
@@ -6137,7 +6134,7 @@
             <p:cNvPr id="19" name="ïṧḷîḍe">
               <a:extLst>
                 <a:ext uri="{FF2B5EF4-FFF2-40B4-BE49-F238E27FC236}">
-                  <a16:creationId xmlns:a16="http://schemas.microsoft.com/office/drawing/2014/main" xmlns="" id="{9A980BB4-0B9C-4CE7-B965-86D1DCCFF04C}"/>
+                  <a16:creationId xmlns="" xmlns:a16="http://schemas.microsoft.com/office/drawing/2014/main" id="{9A980BB4-0B9C-4CE7-B965-86D1DCCFF04C}"/>
                 </a:ext>
               </a:extLst>
             </p:cNvPr>
@@ -6212,7 +6209,7 @@
             <p:cNvPr id="20" name="iṡḻïḑe">
               <a:extLst>
                 <a:ext uri="{FF2B5EF4-FFF2-40B4-BE49-F238E27FC236}">
-                  <a16:creationId xmlns:a16="http://schemas.microsoft.com/office/drawing/2014/main" xmlns="" id="{D932A797-F983-471B-BFA8-F7F77258FAF6}"/>
+                  <a16:creationId xmlns="" xmlns:a16="http://schemas.microsoft.com/office/drawing/2014/main" id="{D932A797-F983-471B-BFA8-F7F77258FAF6}"/>
                 </a:ext>
               </a:extLst>
             </p:cNvPr>
@@ -6277,7 +6274,7 @@
             <p:cNvPr id="21" name="iṣliḋê">
               <a:extLst>
                 <a:ext uri="{FF2B5EF4-FFF2-40B4-BE49-F238E27FC236}">
-                  <a16:creationId xmlns:a16="http://schemas.microsoft.com/office/drawing/2014/main" xmlns="" id="{14E4C1FF-2C4A-414E-B7C1-76FC09803579}"/>
+                  <a16:creationId xmlns="" xmlns:a16="http://schemas.microsoft.com/office/drawing/2014/main" id="{14E4C1FF-2C4A-414E-B7C1-76FC09803579}"/>
                 </a:ext>
               </a:extLst>
             </p:cNvPr>
@@ -6342,7 +6339,7 @@
             <p:cNvPr id="22" name="îsḷïdê">
               <a:extLst>
                 <a:ext uri="{FF2B5EF4-FFF2-40B4-BE49-F238E27FC236}">
-                  <a16:creationId xmlns:a16="http://schemas.microsoft.com/office/drawing/2014/main" xmlns="" id="{22AC134A-B7EA-4D73-BF21-DE75251C3AB3}"/>
+                  <a16:creationId xmlns="" xmlns:a16="http://schemas.microsoft.com/office/drawing/2014/main" id="{22AC134A-B7EA-4D73-BF21-DE75251C3AB3}"/>
                 </a:ext>
               </a:extLst>
             </p:cNvPr>
@@ -6404,7 +6401,7 @@
             <p:cNvPr id="23" name="i$ḻïḍê">
               <a:extLst>
                 <a:ext uri="{FF2B5EF4-FFF2-40B4-BE49-F238E27FC236}">
-                  <a16:creationId xmlns:a16="http://schemas.microsoft.com/office/drawing/2014/main" xmlns="" id="{B2525ADC-09FA-43DB-8CDF-85CDAC67D7D6}"/>
+                  <a16:creationId xmlns="" xmlns:a16="http://schemas.microsoft.com/office/drawing/2014/main" id="{B2525ADC-09FA-43DB-8CDF-85CDAC67D7D6}"/>
                 </a:ext>
               </a:extLst>
             </p:cNvPr>
@@ -6466,7 +6463,7 @@
             <p:cNvPr id="24" name="iş1îďé">
               <a:extLst>
                 <a:ext uri="{FF2B5EF4-FFF2-40B4-BE49-F238E27FC236}">
-                  <a16:creationId xmlns:a16="http://schemas.microsoft.com/office/drawing/2014/main" xmlns="" id="{5797D739-E4EF-4020-8521-6BC146B06A4D}"/>
+                  <a16:creationId xmlns="" xmlns:a16="http://schemas.microsoft.com/office/drawing/2014/main" id="{5797D739-E4EF-4020-8521-6BC146B06A4D}"/>
                 </a:ext>
               </a:extLst>
             </p:cNvPr>
@@ -6528,7 +6525,7 @@
             <p:cNvPr id="25" name="iṧľiḍè">
               <a:extLst>
                 <a:ext uri="{FF2B5EF4-FFF2-40B4-BE49-F238E27FC236}">
-                  <a16:creationId xmlns:a16="http://schemas.microsoft.com/office/drawing/2014/main" xmlns="" id="{420139AB-8C14-45D0-B524-2B38E2B5CC4C}"/>
+                  <a16:creationId xmlns="" xmlns:a16="http://schemas.microsoft.com/office/drawing/2014/main" id="{420139AB-8C14-45D0-B524-2B38E2B5CC4C}"/>
                 </a:ext>
               </a:extLst>
             </p:cNvPr>
@@ -6590,7 +6587,7 @@
             <p:cNvPr id="26" name="îŝḷiďê">
               <a:extLst>
                 <a:ext uri="{FF2B5EF4-FFF2-40B4-BE49-F238E27FC236}">
-                  <a16:creationId xmlns:a16="http://schemas.microsoft.com/office/drawing/2014/main" xmlns="" id="{C2086326-1FF1-4885-9F22-89D180415FAD}"/>
+                  <a16:creationId xmlns="" xmlns:a16="http://schemas.microsoft.com/office/drawing/2014/main" id="{C2086326-1FF1-4885-9F22-89D180415FAD}"/>
                 </a:ext>
               </a:extLst>
             </p:cNvPr>
@@ -6686,7 +6683,7 @@
             <p:cNvPr id="27" name="ï$ḷiḍé">
               <a:extLst>
                 <a:ext uri="{FF2B5EF4-FFF2-40B4-BE49-F238E27FC236}">
-                  <a16:creationId xmlns:a16="http://schemas.microsoft.com/office/drawing/2014/main" xmlns="" id="{6DB36021-5313-40A9-920B-CBDED876EF45}"/>
+                  <a16:creationId xmlns="" xmlns:a16="http://schemas.microsoft.com/office/drawing/2014/main" id="{6DB36021-5313-40A9-920B-CBDED876EF45}"/>
                 </a:ext>
               </a:extLst>
             </p:cNvPr>
@@ -6748,7 +6745,7 @@
             <p:cNvPr id="28" name="ïşḷïḍe">
               <a:extLst>
                 <a:ext uri="{FF2B5EF4-FFF2-40B4-BE49-F238E27FC236}">
-                  <a16:creationId xmlns:a16="http://schemas.microsoft.com/office/drawing/2014/main" xmlns="" id="{6E199C5B-BAA8-49E4-BEB5-B476BF8BC2B1}"/>
+                  <a16:creationId xmlns="" xmlns:a16="http://schemas.microsoft.com/office/drawing/2014/main" id="{6E199C5B-BAA8-49E4-BEB5-B476BF8BC2B1}"/>
                 </a:ext>
               </a:extLst>
             </p:cNvPr>
@@ -6810,7 +6807,7 @@
             <p:cNvPr id="29" name="i$ḻïďé">
               <a:extLst>
                 <a:ext uri="{FF2B5EF4-FFF2-40B4-BE49-F238E27FC236}">
-                  <a16:creationId xmlns:a16="http://schemas.microsoft.com/office/drawing/2014/main" xmlns="" id="{6D1C2096-6C60-4112-830E-BF0A8DBC9AFC}"/>
+                  <a16:creationId xmlns="" xmlns:a16="http://schemas.microsoft.com/office/drawing/2014/main" id="{6D1C2096-6C60-4112-830E-BF0A8DBC9AFC}"/>
                 </a:ext>
               </a:extLst>
             </p:cNvPr>
@@ -6872,7 +6869,7 @@
             <p:cNvPr id="30" name="iṩḷîďè">
               <a:extLst>
                 <a:ext uri="{FF2B5EF4-FFF2-40B4-BE49-F238E27FC236}">
-                  <a16:creationId xmlns:a16="http://schemas.microsoft.com/office/drawing/2014/main" xmlns="" id="{8E2F55A0-1F8B-4DF8-9692-0E52FB38C449}"/>
+                  <a16:creationId xmlns="" xmlns:a16="http://schemas.microsoft.com/office/drawing/2014/main" id="{8E2F55A0-1F8B-4DF8-9692-0E52FB38C449}"/>
                 </a:ext>
               </a:extLst>
             </p:cNvPr>
@@ -6934,7 +6931,7 @@
             <p:cNvPr id="31" name="îśḷiḋè">
               <a:extLst>
                 <a:ext uri="{FF2B5EF4-FFF2-40B4-BE49-F238E27FC236}">
-                  <a16:creationId xmlns:a16="http://schemas.microsoft.com/office/drawing/2014/main" xmlns="" id="{FAEFDB25-C311-444C-8211-CA9D0D3E76C7}"/>
+                  <a16:creationId xmlns="" xmlns:a16="http://schemas.microsoft.com/office/drawing/2014/main" id="{FAEFDB25-C311-444C-8211-CA9D0D3E76C7}"/>
                 </a:ext>
               </a:extLst>
             </p:cNvPr>
@@ -6996,7 +6993,7 @@
             <p:cNvPr id="32" name="işlïďe">
               <a:extLst>
                 <a:ext uri="{FF2B5EF4-FFF2-40B4-BE49-F238E27FC236}">
-                  <a16:creationId xmlns:a16="http://schemas.microsoft.com/office/drawing/2014/main" xmlns="" id="{6F7FE01D-44F0-4E78-AA22-48B1A54F44A8}"/>
+                  <a16:creationId xmlns="" xmlns:a16="http://schemas.microsoft.com/office/drawing/2014/main" id="{6F7FE01D-44F0-4E78-AA22-48B1A54F44A8}"/>
                 </a:ext>
               </a:extLst>
             </p:cNvPr>
@@ -7058,7 +7055,7 @@
             <p:cNvPr id="33" name="iṧļîďê">
               <a:extLst>
                 <a:ext uri="{FF2B5EF4-FFF2-40B4-BE49-F238E27FC236}">
-                  <a16:creationId xmlns:a16="http://schemas.microsoft.com/office/drawing/2014/main" xmlns="" id="{E43ABFED-9DCE-4780-A17B-F275913025D6}"/>
+                  <a16:creationId xmlns="" xmlns:a16="http://schemas.microsoft.com/office/drawing/2014/main" id="{E43ABFED-9DCE-4780-A17B-F275913025D6}"/>
                 </a:ext>
               </a:extLst>
             </p:cNvPr>
@@ -7120,7 +7117,7 @@
             <p:cNvPr id="34" name="ïśľide">
               <a:extLst>
                 <a:ext uri="{FF2B5EF4-FFF2-40B4-BE49-F238E27FC236}">
-                  <a16:creationId xmlns:a16="http://schemas.microsoft.com/office/drawing/2014/main" xmlns="" id="{764B5643-59A7-4278-9C6C-C0772E988BD1}"/>
+                  <a16:creationId xmlns="" xmlns:a16="http://schemas.microsoft.com/office/drawing/2014/main" id="{764B5643-59A7-4278-9C6C-C0772E988BD1}"/>
                 </a:ext>
               </a:extLst>
             </p:cNvPr>
@@ -7182,7 +7179,7 @@
             <p:cNvPr id="35" name="îṣḷiďè">
               <a:extLst>
                 <a:ext uri="{FF2B5EF4-FFF2-40B4-BE49-F238E27FC236}">
-                  <a16:creationId xmlns:a16="http://schemas.microsoft.com/office/drawing/2014/main" xmlns="" id="{A35CCFB0-B280-422B-A372-F1E8A7B37BB7}"/>
+                  <a16:creationId xmlns="" xmlns:a16="http://schemas.microsoft.com/office/drawing/2014/main" id="{A35CCFB0-B280-422B-A372-F1E8A7B37BB7}"/>
                 </a:ext>
               </a:extLst>
             </p:cNvPr>
@@ -7278,7 +7275,7 @@
             <p:cNvPr id="36" name="i$líḓe">
               <a:extLst>
                 <a:ext uri="{FF2B5EF4-FFF2-40B4-BE49-F238E27FC236}">
-                  <a16:creationId xmlns:a16="http://schemas.microsoft.com/office/drawing/2014/main" xmlns="" id="{7F0DCF35-E893-4225-90D5-FBFE48B4C496}"/>
+                  <a16:creationId xmlns="" xmlns:a16="http://schemas.microsoft.com/office/drawing/2014/main" id="{7F0DCF35-E893-4225-90D5-FBFE48B4C496}"/>
                 </a:ext>
               </a:extLst>
             </p:cNvPr>
@@ -7343,7 +7340,7 @@
             <p:cNvPr id="37" name="ïṣḷíḓè">
               <a:extLst>
                 <a:ext uri="{FF2B5EF4-FFF2-40B4-BE49-F238E27FC236}">
-                  <a16:creationId xmlns:a16="http://schemas.microsoft.com/office/drawing/2014/main" xmlns="" id="{A4220D05-442F-428F-ACAE-0BDB7327EE45}"/>
+                  <a16:creationId xmlns="" xmlns:a16="http://schemas.microsoft.com/office/drawing/2014/main" id="{A4220D05-442F-428F-ACAE-0BDB7327EE45}"/>
                 </a:ext>
               </a:extLst>
             </p:cNvPr>
@@ -7483,7 +7480,7 @@
             <p:cNvPr id="38" name="ïślîḓe">
               <a:extLst>
                 <a:ext uri="{FF2B5EF4-FFF2-40B4-BE49-F238E27FC236}">
-                  <a16:creationId xmlns:a16="http://schemas.microsoft.com/office/drawing/2014/main" xmlns="" id="{CA00A810-C422-493F-8762-928602E1666F}"/>
+                  <a16:creationId xmlns="" xmlns:a16="http://schemas.microsoft.com/office/drawing/2014/main" id="{CA00A810-C422-493F-8762-928602E1666F}"/>
                 </a:ext>
               </a:extLst>
             </p:cNvPr>
@@ -7545,7 +7542,7 @@
             <p:cNvPr id="39" name="iṥļïďé">
               <a:extLst>
                 <a:ext uri="{FF2B5EF4-FFF2-40B4-BE49-F238E27FC236}">
-                  <a16:creationId xmlns:a16="http://schemas.microsoft.com/office/drawing/2014/main" xmlns="" id="{8731F971-066B-40AA-B136-58B67564B7ED}"/>
+                  <a16:creationId xmlns="" xmlns:a16="http://schemas.microsoft.com/office/drawing/2014/main" id="{8731F971-066B-40AA-B136-58B67564B7ED}"/>
                 </a:ext>
               </a:extLst>
             </p:cNvPr>
@@ -7607,7 +7604,7 @@
             <p:cNvPr id="40" name="iślíḓé">
               <a:extLst>
                 <a:ext uri="{FF2B5EF4-FFF2-40B4-BE49-F238E27FC236}">
-                  <a16:creationId xmlns:a16="http://schemas.microsoft.com/office/drawing/2014/main" xmlns="" id="{2AABD586-6310-40FF-82C3-735CEE851897}"/>
+                  <a16:creationId xmlns="" xmlns:a16="http://schemas.microsoft.com/office/drawing/2014/main" id="{2AABD586-6310-40FF-82C3-735CEE851897}"/>
                 </a:ext>
               </a:extLst>
             </p:cNvPr>
@@ -7669,7 +7666,7 @@
             <p:cNvPr id="41" name="îşḻïḑé">
               <a:extLst>
                 <a:ext uri="{FF2B5EF4-FFF2-40B4-BE49-F238E27FC236}">
-                  <a16:creationId xmlns:a16="http://schemas.microsoft.com/office/drawing/2014/main" xmlns="" id="{0BDE1E9B-62A3-46F4-AB87-D02F1D6E213F}"/>
+                  <a16:creationId xmlns="" xmlns:a16="http://schemas.microsoft.com/office/drawing/2014/main" id="{0BDE1E9B-62A3-46F4-AB87-D02F1D6E213F}"/>
                 </a:ext>
               </a:extLst>
             </p:cNvPr>
@@ -7731,7 +7728,7 @@
             <p:cNvPr id="42" name="iš1îḓe">
               <a:extLst>
                 <a:ext uri="{FF2B5EF4-FFF2-40B4-BE49-F238E27FC236}">
-                  <a16:creationId xmlns:a16="http://schemas.microsoft.com/office/drawing/2014/main" xmlns="" id="{1846F9CF-B441-4677-B6B7-A82071C6A24C}"/>
+                  <a16:creationId xmlns="" xmlns:a16="http://schemas.microsoft.com/office/drawing/2014/main" id="{1846F9CF-B441-4677-B6B7-A82071C6A24C}"/>
                 </a:ext>
               </a:extLst>
             </p:cNvPr>
@@ -7793,7 +7790,7 @@
             <p:cNvPr id="43" name="iṣļïḋê">
               <a:extLst>
                 <a:ext uri="{FF2B5EF4-FFF2-40B4-BE49-F238E27FC236}">
-                  <a16:creationId xmlns:a16="http://schemas.microsoft.com/office/drawing/2014/main" xmlns="" id="{E6025A34-46AE-457E-AC6F-3CE06D5B4606}"/>
+                  <a16:creationId xmlns="" xmlns:a16="http://schemas.microsoft.com/office/drawing/2014/main" id="{E6025A34-46AE-457E-AC6F-3CE06D5B4606}"/>
                 </a:ext>
               </a:extLst>
             </p:cNvPr>
@@ -7855,7 +7852,7 @@
             <p:cNvPr id="44" name="ïṧḻîdè">
               <a:extLst>
                 <a:ext uri="{FF2B5EF4-FFF2-40B4-BE49-F238E27FC236}">
-                  <a16:creationId xmlns:a16="http://schemas.microsoft.com/office/drawing/2014/main" xmlns="" id="{B3B1207A-F631-4D74-AF71-25164BFA4732}"/>
+                  <a16:creationId xmlns="" xmlns:a16="http://schemas.microsoft.com/office/drawing/2014/main" id="{B3B1207A-F631-4D74-AF71-25164BFA4732}"/>
                 </a:ext>
               </a:extLst>
             </p:cNvPr>
@@ -7917,7 +7914,7 @@
             <p:cNvPr id="45" name="ïṩlîḋè">
               <a:extLst>
                 <a:ext uri="{FF2B5EF4-FFF2-40B4-BE49-F238E27FC236}">
-                  <a16:creationId xmlns:a16="http://schemas.microsoft.com/office/drawing/2014/main" xmlns="" id="{BD4629EF-6FD7-495B-BABC-2117635C362D}"/>
+                  <a16:creationId xmlns="" xmlns:a16="http://schemas.microsoft.com/office/drawing/2014/main" id="{BD4629EF-6FD7-495B-BABC-2117635C362D}"/>
                 </a:ext>
               </a:extLst>
             </p:cNvPr>
@@ -7988,7 +7985,7 @@
             <p:cNvPr id="46" name="îśḻiḑê">
               <a:extLst>
                 <a:ext uri="{FF2B5EF4-FFF2-40B4-BE49-F238E27FC236}">
-                  <a16:creationId xmlns:a16="http://schemas.microsoft.com/office/drawing/2014/main" xmlns="" id="{CEEE656F-2B58-452E-8C4C-A5DC9C34C5FE}"/>
+                  <a16:creationId xmlns="" xmlns:a16="http://schemas.microsoft.com/office/drawing/2014/main" id="{CEEE656F-2B58-452E-8C4C-A5DC9C34C5FE}"/>
                 </a:ext>
               </a:extLst>
             </p:cNvPr>
@@ -8059,7 +8056,7 @@
             <p:cNvPr id="47" name="ísļîḓê">
               <a:extLst>
                 <a:ext uri="{FF2B5EF4-FFF2-40B4-BE49-F238E27FC236}">
-                  <a16:creationId xmlns:a16="http://schemas.microsoft.com/office/drawing/2014/main" xmlns="" id="{30046525-C92C-4D8E-AA3B-B52FFA1759D5}"/>
+                  <a16:creationId xmlns="" xmlns:a16="http://schemas.microsoft.com/office/drawing/2014/main" id="{30046525-C92C-4D8E-AA3B-B52FFA1759D5}"/>
                 </a:ext>
               </a:extLst>
             </p:cNvPr>
@@ -8397,7 +8394,7 @@
           <p:cNvPr id="8" name="日期占位符 7">
             <a:extLst>
               <a:ext uri="{FF2B5EF4-FFF2-40B4-BE49-F238E27FC236}">
-                <a16:creationId xmlns:a16="http://schemas.microsoft.com/office/drawing/2014/main" xmlns="" id="{04388434-9949-479C-A9C3-67A953F6A939}"/>
+                <a16:creationId xmlns="" xmlns:a16="http://schemas.microsoft.com/office/drawing/2014/main" id="{04388434-9949-479C-A9C3-67A953F6A939}"/>
               </a:ext>
             </a:extLst>
           </p:cNvPr>
@@ -8441,7 +8438,7 @@
           <p:cNvPr id="9" name="页脚占位符 8">
             <a:extLst>
               <a:ext uri="{FF2B5EF4-FFF2-40B4-BE49-F238E27FC236}">
-                <a16:creationId xmlns:a16="http://schemas.microsoft.com/office/drawing/2014/main" xmlns="" id="{50A5656E-7A33-4865-A262-1F96263BAA16}"/>
+                <a16:creationId xmlns="" xmlns:a16="http://schemas.microsoft.com/office/drawing/2014/main" id="{50A5656E-7A33-4865-A262-1F96263BAA16}"/>
               </a:ext>
             </a:extLst>
           </p:cNvPr>
@@ -8497,7 +8494,7 @@
           <p:cNvPr id="10" name="灯片编号占位符 9">
             <a:extLst>
               <a:ext uri="{FF2B5EF4-FFF2-40B4-BE49-F238E27FC236}">
-                <a16:creationId xmlns:a16="http://schemas.microsoft.com/office/drawing/2014/main" xmlns="" id="{5BF52F79-380E-4278-8B67-588AFE5840F9}"/>
+                <a16:creationId xmlns="" xmlns:a16="http://schemas.microsoft.com/office/drawing/2014/main" id="{5BF52F79-380E-4278-8B67-588AFE5840F9}"/>
               </a:ext>
             </a:extLst>
           </p:cNvPr>
@@ -8840,7 +8837,7 @@
   </p:txStyles>
   <p:extLst>
     <p:ext uri="{27BBF7A9-308A-43DC-89C8-2F10F3537804}">
-      <p15:sldGuideLst xmlns:p15="http://schemas.microsoft.com/office/powerpoint/2012/main" xmlns="">
+      <p15:sldGuideLst xmlns="" xmlns:p15="http://schemas.microsoft.com/office/powerpoint/2012/main">
         <p15:guide id="1" pos="422" userDrawn="1">
           <p15:clr>
             <a:srgbClr val="F26B43"/>
@@ -8899,7 +8896,7 @@
           <p:cNvPr id="3" name="ïṩḷiḑé" hidden="1">
             <a:extLst>
               <a:ext uri="{FF2B5EF4-FFF2-40B4-BE49-F238E27FC236}">
-                <a16:creationId xmlns:a16="http://schemas.microsoft.com/office/drawing/2014/main" xmlns="" id="{3C326D0B-7DAB-41B6-8030-2E4A18CC949B}"/>
+                <a16:creationId xmlns="" xmlns:a16="http://schemas.microsoft.com/office/drawing/2014/main" id="{3C326D0B-7DAB-41B6-8030-2E4A18CC949B}"/>
               </a:ext>
             </a:extLst>
           </p:cNvPr>
@@ -8922,7 +8919,7 @@
           <a:graphicData uri="http://schemas.openxmlformats.org/presentationml/2006/ole">
             <mc:AlternateContent xmlns:mc="http://schemas.openxmlformats.org/markup-compatibility/2006">
               <mc:Choice xmlns:v="urn:schemas-microsoft-com:vml" Requires="v">
-                <p:oleObj spid="_x0000_s1116" name="think-cell Slide" r:id="rId5" imgW="347" imgH="348" progId="TCLayout.ActiveDocument.1">
+                <p:oleObj spid="_x0000_s1121" name="think-cell Slide" r:id="rId5" imgW="347" imgH="348" progId="TCLayout.ActiveDocument.1">
                   <p:embed/>
                 </p:oleObj>
               </mc:Choice>
@@ -8934,7 +8931,7 @@
                       <p:cNvPr id="3" name="iş1iďé" hidden="1">
                         <a:extLst>
                           <a:ext uri="{FF2B5EF4-FFF2-40B4-BE49-F238E27FC236}">
-                            <a16:creationId xmlns:a16="http://schemas.microsoft.com/office/drawing/2014/main" xmlns="" id="{3C326D0B-7DAB-41B6-8030-2E4A18CC949B}"/>
+                            <a16:creationId xmlns="" xmlns:a16="http://schemas.microsoft.com/office/drawing/2014/main" id="{3C326D0B-7DAB-41B6-8030-2E4A18CC949B}"/>
                           </a:ext>
                         </a:extLst>
                       </p:cNvPr>
@@ -8968,7 +8965,7 @@
           <p:cNvPr id="2" name="ïsľîḑè" hidden="1">
             <a:extLst>
               <a:ext uri="{FF2B5EF4-FFF2-40B4-BE49-F238E27FC236}">
-                <a16:creationId xmlns:a16="http://schemas.microsoft.com/office/drawing/2014/main" xmlns="" id="{EC933494-1B63-4A32-964F-D05236799BAA}"/>
+                <a16:creationId xmlns="" xmlns:a16="http://schemas.microsoft.com/office/drawing/2014/main" id="{EC933494-1B63-4A32-964F-D05236799BAA}"/>
               </a:ext>
             </a:extLst>
           </p:cNvPr>
@@ -9049,11 +9046,7 @@
             </a:r>
             <a:r>
               <a:rPr lang="zh-TW" altLang="en-US" sz="6000" dirty="0" smtClean="0"/>
-              <a:t>記憶</a:t>
-            </a:r>
-            <a:r>
-              <a:rPr lang="zh-TW" altLang="en-US" sz="6000" dirty="0" smtClean="0"/>
-              <a:t>網路 </a:t>
+              <a:t>記憶網路 </a:t>
             </a:r>
             <a:r>
               <a:rPr lang="en-US" altLang="zh-TW" sz="6000" dirty="0"/>
@@ -9326,7 +9319,6 @@
               <a:rPr lang="zh-TW" altLang="en-US" dirty="0"/>
               <a:t>記憶細胞</a:t>
             </a:r>
-            <a:endParaRPr lang="zh-TW" altLang="en-US" dirty="0"/>
           </a:p>
         </p:txBody>
       </p:sp>
@@ -9411,7 +9403,6 @@
               <a:rPr lang="zh-TW" altLang="en-US" dirty="0"/>
               <a:t>的計算組合了上一時間步記憶細胞和當前時間步候選記憶細胞的信息，並通過遺忘門和輸入門來控制信息的流動：</a:t>
             </a:r>
-            <a:endParaRPr lang="zh-TW" altLang="en-US" dirty="0"/>
           </a:p>
         </p:txBody>
       </p:sp>
@@ -9754,7 +9745,6 @@
               <a:rPr lang="zh-TW" altLang="en-US" dirty="0"/>
               <a:t>記憶細胞</a:t>
             </a:r>
-            <a:endParaRPr lang="zh-TW" altLang="en-US" dirty="0"/>
           </a:p>
         </p:txBody>
       </p:sp>
@@ -9859,7 +9849,6 @@
               <a:rPr lang="zh-TW" altLang="en-US" dirty="0"/>
               <a:t>好地捕捉時間序列中時間步距離較大的依賴關系。</a:t>
             </a:r>
-            <a:endParaRPr lang="zh-TW" altLang="en-US" dirty="0"/>
           </a:p>
         </p:txBody>
       </p:sp>
@@ -10108,7 +10097,6 @@
               <a:rPr lang="zh-TW" altLang="en-US" dirty="0"/>
               <a:t>隱藏狀態</a:t>
             </a:r>
-            <a:endParaRPr lang="zh-TW" altLang="en-US" dirty="0"/>
           </a:p>
         </p:txBody>
       </p:sp>
@@ -10149,7 +10137,6 @@
               <a:rPr lang="zh-TW" altLang="en-US" sz="2000" b="1" dirty="0"/>
               <a:t>的信息的流動：</a:t>
             </a:r>
-            <a:endParaRPr lang="zh-TW" altLang="en-US" sz="2000" b="1" dirty="0"/>
           </a:p>
         </p:txBody>
       </p:sp>
@@ -10317,7 +10304,7 @@
           <p:cNvPr id="9" name="î$ḷíḋé">
             <a:extLst>
               <a:ext uri="{FF2B5EF4-FFF2-40B4-BE49-F238E27FC236}">
-                <a16:creationId xmlns:a16="http://schemas.microsoft.com/office/drawing/2014/main" xmlns="" id="{04F69230-F3A6-4586-9371-A858F4763E9F}"/>
+                <a16:creationId xmlns="" xmlns:a16="http://schemas.microsoft.com/office/drawing/2014/main" id="{04F69230-F3A6-4586-9371-A858F4763E9F}"/>
               </a:ext>
             </a:extLst>
           </p:cNvPr>
@@ -10644,7 +10631,6 @@
               <a:rPr lang="zh-TW" altLang="en-US" dirty="0"/>
               <a:t>核心思想</a:t>
             </a:r>
-            <a:endParaRPr lang="zh-TW" altLang="en-US" dirty="0"/>
           </a:p>
         </p:txBody>
       </p:sp>
@@ -10686,7 +10672,6 @@
               <a:rPr lang="zh-TW" altLang="en-US" dirty="0"/>
               <a:t>狀態類似於傳送帶。直接在整個鏈上運行，只有一些少量的線性交互。信息在上面流傳保持不變會很容易。示意圖如下所示：</a:t>
             </a:r>
-            <a:endParaRPr lang="zh-TW" altLang="en-US" dirty="0"/>
           </a:p>
         </p:txBody>
       </p:sp>
@@ -10976,7 +10961,6 @@
               <a:rPr lang="zh-TW" altLang="en-US" dirty="0"/>
               <a:t>忘記門</a:t>
             </a:r>
-            <a:endParaRPr lang="zh-TW" altLang="en-US" dirty="0"/>
           </a:p>
         </p:txBody>
       </p:sp>
@@ -11390,7 +11374,6 @@
               <a:rPr lang="zh-TW" altLang="en-US" dirty="0"/>
               <a:t>輸入門</a:t>
             </a:r>
-            <a:endParaRPr lang="zh-TW" altLang="en-US" dirty="0"/>
           </a:p>
         </p:txBody>
       </p:sp>
@@ -11776,7 +11759,6 @@
               <a:rPr lang="zh-TW" altLang="en-US" dirty="0"/>
               <a:t>輸入門</a:t>
             </a:r>
-            <a:endParaRPr lang="zh-TW" altLang="en-US" dirty="0"/>
           </a:p>
         </p:txBody>
       </p:sp>
@@ -11815,7 +11797,6 @@
               <a:rPr lang="zh-TW" altLang="en-US" dirty="0"/>
               <a:t>更新為*𝑐𝑡*。將舊狀態與*𝑓𝑡*相乘，丟棄掉我們確定需要丟棄的信息。接著加上*𝑖𝑡*∗*𝐶*̃ *𝑡*得到新的候選值，根據我們決定更新每個狀態的程度進行變化。：</a:t>
             </a:r>
-            <a:endParaRPr lang="zh-TW" altLang="en-US" dirty="0"/>
           </a:p>
         </p:txBody>
       </p:sp>
@@ -11982,7 +11963,6 @@
               <a:rPr lang="zh-TW" altLang="en-US" dirty="0"/>
               <a:t>輸出門</a:t>
             </a:r>
-            <a:endParaRPr lang="zh-TW" altLang="en-US" dirty="0"/>
           </a:p>
         </p:txBody>
       </p:sp>
@@ -12431,7 +12411,7 @@
           <p:cNvPr id="2" name="íSliḓè">
             <a:extLst>
               <a:ext uri="{FF2B5EF4-FFF2-40B4-BE49-F238E27FC236}">
-                <a16:creationId xmlns:a16="http://schemas.microsoft.com/office/drawing/2014/main" xmlns="" id="{C0498D3A-B738-48EC-A39C-94C58B88932B}"/>
+                <a16:creationId xmlns="" xmlns:a16="http://schemas.microsoft.com/office/drawing/2014/main" id="{C0498D3A-B738-48EC-A39C-94C58B88932B}"/>
               </a:ext>
             </a:extLst>
           </p:cNvPr>
@@ -12451,7 +12431,7 @@
             <p:cNvPr id="6" name="íSļïdè" descr="本素材由iSlide™ 提供&#10;iSlide™尊重知识产权并注重保护用户享有的各项权利。郑重提醒您：&#10;iSlide™插件中提供的任何信息内容的所有权、知识产权归其原始权利人或权利受让人所有，您免费/购买获得的是信息内容的使用权，并受下述条款的约束；&#10;1. 您仅可以个人非商业用途使用该等信息内容，不可将信息内容的全部或部分用于出售，或以出租、出借、转让、分销、发布等其他任何方式供他人使用；&#10;2. 禁止在接入互联网或移动互联网的任何网站、平台、应用或程序上以任何方式为他人提供iSlide™插件资源内容的下载。&#10;The resource is supplied by iSlide™.&#10;iSlide™ respects all intellectual property rights and protects all the rights its users acquired.Solemnly remind you:&#10;The ownership and intellectual property of the resources supplied in iSlide Add-in belongs to its owner or the assignee of this ownership.you only acquired the usage of the resources supplied in iSlide Add-in, as well as respected the following restrain terms:&#10;1.You are only allowed to use such resource for personal and non-commercial aim, not allowed to use such resource or part of it for the sale; or rent, lend, transfer to others; or distribution or release it in any way.&#10;2.You are not permitted to provide the resource of iSlide Add-in in any website, platform, application access to the Internet or mobile Internet." title="iSlide™ 版权声明  COPYRIGHT NOTICE">
               <a:extLst>
                 <a:ext uri="{FF2B5EF4-FFF2-40B4-BE49-F238E27FC236}">
-                  <a16:creationId xmlns:a16="http://schemas.microsoft.com/office/drawing/2014/main" xmlns="" id="{A759C196-DA28-4241-ABB5-975367026FE9}"/>
+                  <a16:creationId xmlns="" xmlns:a16="http://schemas.microsoft.com/office/drawing/2014/main" id="{A759C196-DA28-4241-ABB5-975367026FE9}"/>
                 </a:ext>
               </a:extLst>
             </p:cNvPr>
@@ -12473,7 +12453,7 @@
               <p:cNvPr id="7" name="îṩḷiḓè">
                 <a:extLst>
                   <a:ext uri="{FF2B5EF4-FFF2-40B4-BE49-F238E27FC236}">
-                    <a16:creationId xmlns:a16="http://schemas.microsoft.com/office/drawing/2014/main" xmlns="" id="{48F70259-7598-4270-874A-6F50772D10F6}"/>
+                    <a16:creationId xmlns="" xmlns:a16="http://schemas.microsoft.com/office/drawing/2014/main" id="{48F70259-7598-4270-874A-6F50772D10F6}"/>
                   </a:ext>
                 </a:extLst>
               </p:cNvPr>
@@ -12616,15 +12596,7 @@
                     <a:ea typeface="+mn-ea"/>
                     <a:sym typeface="+mn-lt"/>
                   </a:rPr>
-                  <a:t>LSTM</a:t>
-                </a:r>
-                <a:r>
-                  <a:rPr lang="en-US" altLang="zh-CN" dirty="0" smtClean="0">
-                    <a:latin typeface="+mn-lt"/>
-                    <a:ea typeface="+mn-ea"/>
-                    <a:sym typeface="+mn-lt"/>
-                  </a:rPr>
-                  <a:t> </a:t>
+                  <a:t>LSTM </a:t>
                 </a:r>
                 <a:r>
                   <a:rPr lang="zh-TW" altLang="en-US" dirty="0">
@@ -12654,15 +12626,7 @@
                     <a:ea typeface="+mn-ea"/>
                     <a:sym typeface="+mn-lt"/>
                   </a:rPr>
-                  <a:t>LSTM</a:t>
-                </a:r>
-                <a:r>
-                  <a:rPr lang="en-US" altLang="zh-CN" dirty="0" smtClean="0">
-                    <a:latin typeface="+mn-lt"/>
-                    <a:ea typeface="+mn-ea"/>
-                    <a:sym typeface="+mn-lt"/>
-                  </a:rPr>
-                  <a:t> </a:t>
+                  <a:t>LSTM </a:t>
                 </a:r>
                 <a:r>
                   <a:rPr lang="zh-TW" altLang="en-US" dirty="0" smtClean="0">
@@ -12754,7 +12718,7 @@
               <p:cNvPr id="8" name="îŝľiḋê">
                 <a:extLst>
                   <a:ext uri="{FF2B5EF4-FFF2-40B4-BE49-F238E27FC236}">
-                    <a16:creationId xmlns:a16="http://schemas.microsoft.com/office/drawing/2014/main" xmlns="" id="{DA1FB18E-FA01-4588-BEF9-FB96A98A84D4}"/>
+                    <a16:creationId xmlns="" xmlns:a16="http://schemas.microsoft.com/office/drawing/2014/main" id="{DA1FB18E-FA01-4588-BEF9-FB96A98A84D4}"/>
                   </a:ext>
                 </a:extLst>
               </p:cNvPr>
@@ -12793,7 +12757,7 @@
               <p:cNvPr id="9" name="ïsľiďé">
                 <a:extLst>
                   <a:ext uri="{FF2B5EF4-FFF2-40B4-BE49-F238E27FC236}">
-                    <a16:creationId xmlns:a16="http://schemas.microsoft.com/office/drawing/2014/main" xmlns="" id="{0DB1D0A1-2667-455C-9387-D7ABF0A00B8C}"/>
+                    <a16:creationId xmlns="" xmlns:a16="http://schemas.microsoft.com/office/drawing/2014/main" id="{0DB1D0A1-2667-455C-9387-D7ABF0A00B8C}"/>
                   </a:ext>
                 </a:extLst>
               </p:cNvPr>
@@ -12865,7 +12829,7 @@
             <p:cNvPr id="10" name="ïṩļiḋe">
               <a:extLst>
                 <a:ext uri="{FF2B5EF4-FFF2-40B4-BE49-F238E27FC236}">
-                  <a16:creationId xmlns:a16="http://schemas.microsoft.com/office/drawing/2014/main" xmlns="" id="{ADAD6BE3-DC11-4582-9F68-50D831ADD001}"/>
+                  <a16:creationId xmlns="" xmlns:a16="http://schemas.microsoft.com/office/drawing/2014/main" id="{ADAD6BE3-DC11-4582-9F68-50D831ADD001}"/>
                 </a:ext>
               </a:extLst>
             </p:cNvPr>
@@ -13588,702 +13552,6 @@
   <p:cSld>
     <p:spTree>
       <p:nvGrpSpPr>
-        <p:cNvPr id="1" name=""/>
-        <p:cNvGrpSpPr/>
-        <p:nvPr/>
-      </p:nvGrpSpPr>
-      <p:grpSpPr>
-        <a:xfrm>
-          <a:off x="0" y="0"/>
-          <a:ext cx="0" cy="0"/>
-          <a:chOff x="0" y="0"/>
-          <a:chExt cx="0" cy="0"/>
-        </a:xfrm>
-      </p:grpSpPr>
-      <p:sp>
-        <p:nvSpPr>
-          <p:cNvPr id="2" name="頁尾版面配置區 1"/>
-          <p:cNvSpPr>
-            <a:spLocks noGrp="1"/>
-          </p:cNvSpPr>
-          <p:nvPr>
-            <p:ph type="ftr" sz="quarter" idx="11"/>
-          </p:nvPr>
-        </p:nvSpPr>
-        <p:spPr/>
-        <p:txBody>
-          <a:bodyPr/>
-          <a:lstStyle/>
-          <a:p>
-            <a:r>
-              <a:rPr lang="zh-CN" altLang="en-US"/>
-              <a:t>请在插入菜单</a:t>
-            </a:r>
-            <a:r>
-              <a:rPr lang="en-US" altLang="zh-CN"/>
-              <a:t>—</a:t>
-            </a:r>
-            <a:r>
-              <a:rPr lang="zh-CN" altLang="en-US"/>
-              <a:t>页眉和页脚中修改此文本</a:t>
-            </a:r>
-            <a:endParaRPr lang="zh-CN" altLang="en-US" dirty="0"/>
-          </a:p>
-        </p:txBody>
-      </p:sp>
-      <p:sp>
-        <p:nvSpPr>
-          <p:cNvPr id="3" name="投影片編號版面配置區 2"/>
-          <p:cNvSpPr>
-            <a:spLocks noGrp="1"/>
-          </p:cNvSpPr>
-          <p:nvPr>
-            <p:ph type="sldNum" sz="quarter" idx="12"/>
-          </p:nvPr>
-        </p:nvSpPr>
-        <p:spPr/>
-        <p:txBody>
-          <a:bodyPr/>
-          <a:lstStyle/>
-          <a:p>
-            <a:fld id="{5DD3DB80-B894-403A-B48E-6FDC1A72010E}" type="slidenum">
-              <a:rPr lang="zh-CN" altLang="en-US" smtClean="0"/>
-              <a:pPr/>
-              <a:t>20</a:t>
-            </a:fld>
-            <a:endParaRPr lang="zh-CN" altLang="en-US"/>
-          </a:p>
-        </p:txBody>
-      </p:sp>
-      <p:sp>
-        <p:nvSpPr>
-          <p:cNvPr id="4" name="標題 3"/>
-          <p:cNvSpPr>
-            <a:spLocks noGrp="1"/>
-          </p:cNvSpPr>
-          <p:nvPr>
-            <p:ph type="title"/>
-          </p:nvPr>
-        </p:nvSpPr>
-        <p:spPr/>
-        <p:txBody>
-          <a:bodyPr/>
-          <a:lstStyle/>
-          <a:p>
-            <a:r>
-              <a:rPr lang="zh-TW" altLang="en-US" dirty="0"/>
-              <a:t>典型</a:t>
-            </a:r>
-            <a:r>
-              <a:rPr lang="en-US" altLang="zh-TW" dirty="0"/>
-              <a:t>RNN</a:t>
-            </a:r>
-            <a:r>
-              <a:rPr lang="zh-TW" altLang="en-US" dirty="0"/>
-              <a:t>模型</a:t>
-            </a:r>
-          </a:p>
-        </p:txBody>
-      </p:sp>
-      <p:sp>
-        <p:nvSpPr>
-          <p:cNvPr id="5" name="內容版面配置區 4"/>
-          <p:cNvSpPr>
-            <a:spLocks noGrp="1"/>
-          </p:cNvSpPr>
-          <p:nvPr>
-            <p:ph sz="quarter" idx="13"/>
-          </p:nvPr>
-        </p:nvSpPr>
-        <p:spPr/>
-        <p:txBody>
-          <a:bodyPr/>
-          <a:lstStyle/>
-          <a:p>
-            <a:endParaRPr lang="zh-TW" altLang="en-US" dirty="0"/>
-          </a:p>
-        </p:txBody>
-      </p:sp>
-      <p:pic>
-        <p:nvPicPr>
-          <p:cNvPr id="15362" name="Picture 2" descr="E:\Delete\git_r\two_month_report\202011_2021_1\11_16_to_11_20_third\img\rnn_classic.png"/>
-          <p:cNvPicPr>
-            <a:picLocks noChangeAspect="1" noChangeArrowheads="1"/>
-          </p:cNvPicPr>
-          <p:nvPr/>
-        </p:nvPicPr>
-        <p:blipFill>
-          <a:blip r:embed="rId2" cstate="print">
-            <a:extLst>
-              <a:ext uri="{28A0092B-C50C-407E-A947-70E740481C1C}">
-                <a14:useLocalDpi xmlns:a14="http://schemas.microsoft.com/office/drawing/2010/main" val="0"/>
-              </a:ext>
-            </a:extLst>
-          </a:blip>
-          <a:srcRect/>
-          <a:stretch>
-            <a:fillRect/>
-          </a:stretch>
-        </p:blipFill>
-        <p:spPr bwMode="auto">
-          <a:xfrm>
-            <a:off x="1900238" y="1524000"/>
-            <a:ext cx="7786580" cy="4438650"/>
-          </a:xfrm>
-          <a:prstGeom prst="rect">
-            <a:avLst/>
-          </a:prstGeom>
-          <a:noFill/>
-          <a:extLst>
-            <a:ext uri="{909E8E84-426E-40DD-AFC4-6F175D3DCCD1}">
-              <a14:hiddenFill xmlns:a14="http://schemas.microsoft.com/office/drawing/2010/main">
-                <a:solidFill>
-                  <a:srgbClr val="FFFFFF"/>
-                </a:solidFill>
-              </a14:hiddenFill>
-            </a:ext>
-          </a:extLst>
-        </p:spPr>
-      </p:pic>
-    </p:spTree>
-    <p:extLst>
-      <p:ext uri="{BB962C8B-B14F-4D97-AF65-F5344CB8AC3E}">
-        <p14:creationId xmlns:p14="http://schemas.microsoft.com/office/powerpoint/2010/main" val="2821566931"/>
-      </p:ext>
-    </p:extLst>
-  </p:cSld>
-  <p:clrMapOvr>
-    <a:masterClrMapping/>
-  </p:clrMapOvr>
-  <p:timing>
-    <p:tnLst>
-      <p:par>
-        <p:cTn id="1" dur="indefinite" restart="never" nodeType="tmRoot"/>
-      </p:par>
-    </p:tnLst>
-  </p:timing>
-</p:sld>
-</file>
-
-<file path=ppt/slides/slide21.xml><?xml version="1.0" encoding="utf-8"?>
-<p:sld xmlns:a="http://schemas.openxmlformats.org/drawingml/2006/main" xmlns:r="http://schemas.openxmlformats.org/officeDocument/2006/relationships" xmlns:p="http://schemas.openxmlformats.org/presentationml/2006/main">
-  <p:cSld>
-    <p:spTree>
-      <p:nvGrpSpPr>
-        <p:cNvPr id="1" name=""/>
-        <p:cNvGrpSpPr/>
-        <p:nvPr/>
-      </p:nvGrpSpPr>
-      <p:grpSpPr>
-        <a:xfrm>
-          <a:off x="0" y="0"/>
-          <a:ext cx="0" cy="0"/>
-          <a:chOff x="0" y="0"/>
-          <a:chExt cx="0" cy="0"/>
-        </a:xfrm>
-      </p:grpSpPr>
-      <p:sp>
-        <p:nvSpPr>
-          <p:cNvPr id="2" name="頁尾版面配置區 1"/>
-          <p:cNvSpPr>
-            <a:spLocks noGrp="1"/>
-          </p:cNvSpPr>
-          <p:nvPr>
-            <p:ph type="ftr" sz="quarter" idx="11"/>
-          </p:nvPr>
-        </p:nvSpPr>
-        <p:spPr/>
-        <p:txBody>
-          <a:bodyPr/>
-          <a:lstStyle/>
-          <a:p>
-            <a:r>
-              <a:rPr lang="zh-CN" altLang="en-US"/>
-              <a:t>请在插入菜单</a:t>
-            </a:r>
-            <a:r>
-              <a:rPr lang="en-US" altLang="zh-CN"/>
-              <a:t>—</a:t>
-            </a:r>
-            <a:r>
-              <a:rPr lang="zh-CN" altLang="en-US"/>
-              <a:t>页眉和页脚中修改此文本</a:t>
-            </a:r>
-            <a:endParaRPr lang="zh-CN" altLang="en-US" dirty="0"/>
-          </a:p>
-        </p:txBody>
-      </p:sp>
-      <p:sp>
-        <p:nvSpPr>
-          <p:cNvPr id="3" name="投影片編號版面配置區 2"/>
-          <p:cNvSpPr>
-            <a:spLocks noGrp="1"/>
-          </p:cNvSpPr>
-          <p:nvPr>
-            <p:ph type="sldNum" sz="quarter" idx="12"/>
-          </p:nvPr>
-        </p:nvSpPr>
-        <p:spPr/>
-        <p:txBody>
-          <a:bodyPr/>
-          <a:lstStyle/>
-          <a:p>
-            <a:fld id="{5DD3DB80-B894-403A-B48E-6FDC1A72010E}" type="slidenum">
-              <a:rPr lang="zh-CN" altLang="en-US" smtClean="0"/>
-              <a:pPr/>
-              <a:t>21</a:t>
-            </a:fld>
-            <a:endParaRPr lang="zh-CN" altLang="en-US"/>
-          </a:p>
-        </p:txBody>
-      </p:sp>
-      <p:sp>
-        <p:nvSpPr>
-          <p:cNvPr id="4" name="標題 3"/>
-          <p:cNvSpPr>
-            <a:spLocks noGrp="1"/>
-          </p:cNvSpPr>
-          <p:nvPr>
-            <p:ph type="title"/>
-          </p:nvPr>
-        </p:nvSpPr>
-        <p:spPr/>
-        <p:txBody>
-          <a:bodyPr/>
-          <a:lstStyle/>
-          <a:p>
-            <a:r>
-              <a:rPr lang="en-US" altLang="zh-TW" dirty="0" err="1"/>
-              <a:t>Softmax</a:t>
-            </a:r>
-            <a:r>
-              <a:rPr lang="en-US" altLang="zh-TW" dirty="0"/>
-              <a:t> function</a:t>
-            </a:r>
-            <a:endParaRPr lang="zh-TW" altLang="en-US" dirty="0"/>
-          </a:p>
-        </p:txBody>
-      </p:sp>
-      <p:sp>
-        <p:nvSpPr>
-          <p:cNvPr id="5" name="內容版面配置區 4"/>
-          <p:cNvSpPr>
-            <a:spLocks noGrp="1"/>
-          </p:cNvSpPr>
-          <p:nvPr>
-            <p:ph sz="quarter" idx="13"/>
-          </p:nvPr>
-        </p:nvSpPr>
-        <p:spPr/>
-        <p:txBody>
-          <a:bodyPr/>
-          <a:lstStyle/>
-          <a:p>
-            <a:r>
-              <a:rPr lang="zh-CN" altLang="en-US" dirty="0"/>
-              <a:t>在机器学习尤其是深度学习中，</a:t>
-            </a:r>
-            <a:r>
-              <a:rPr lang="en-US" altLang="zh-CN" dirty="0" err="1"/>
-              <a:t>softmax</a:t>
-            </a:r>
-            <a:r>
-              <a:rPr lang="zh-CN" altLang="en-US" dirty="0"/>
-              <a:t>是个非常常用而且比较重要的函数，</a:t>
-            </a:r>
-            <a:endParaRPr lang="en-US" altLang="zh-CN" dirty="0"/>
-          </a:p>
-          <a:p>
-            <a:pPr marL="0" indent="0">
-              <a:buNone/>
-            </a:pPr>
-            <a:r>
-              <a:rPr lang="zh-CN" altLang="en-US" dirty="0"/>
-              <a:t>尤其在多分类的场景中使用广泛。</a:t>
-            </a:r>
-            <a:endParaRPr lang="en-US" altLang="zh-CN" dirty="0"/>
-          </a:p>
-          <a:p>
-            <a:r>
-              <a:rPr lang="zh-CN" altLang="en-US" dirty="0"/>
-              <a:t>他把一些输入映射为</a:t>
-            </a:r>
-            <a:r>
-              <a:rPr lang="en-US" altLang="zh-CN" dirty="0"/>
-              <a:t>0-1</a:t>
-            </a:r>
-            <a:r>
-              <a:rPr lang="zh-CN" altLang="en-US" dirty="0"/>
-              <a:t>之间的实数，并且归一化保证和为</a:t>
-            </a:r>
-            <a:r>
-              <a:rPr lang="en-US" altLang="zh-CN" dirty="0"/>
-              <a:t>1</a:t>
-            </a:r>
-            <a:r>
-              <a:rPr lang="zh-CN" altLang="en-US" dirty="0"/>
-              <a:t>，因此多分类的概率之和也刚好为</a:t>
-            </a:r>
-            <a:r>
-              <a:rPr lang="en-US" altLang="zh-CN" dirty="0"/>
-              <a:t>1</a:t>
-            </a:r>
-            <a:endParaRPr lang="zh-TW" altLang="en-US" dirty="0"/>
-          </a:p>
-        </p:txBody>
-      </p:sp>
-      <p:pic>
-        <p:nvPicPr>
-          <p:cNvPr id="13314" name="Picture 2" descr="E:\Delete\git_r\two_month_report\202011_2021_1\11_16_to_11_20_third\img\softmax_function.png"/>
-          <p:cNvPicPr>
-            <a:picLocks noChangeAspect="1" noChangeArrowheads="1"/>
-          </p:cNvPicPr>
-          <p:nvPr/>
-        </p:nvPicPr>
-        <p:blipFill>
-          <a:blip r:embed="rId2">
-            <a:extLst>
-              <a:ext uri="{28A0092B-C50C-407E-A947-70E740481C1C}">
-                <a14:useLocalDpi xmlns:a14="http://schemas.microsoft.com/office/drawing/2010/main" val="0"/>
-              </a:ext>
-            </a:extLst>
-          </a:blip>
-          <a:srcRect/>
-          <a:stretch>
-            <a:fillRect/>
-          </a:stretch>
-        </p:blipFill>
-        <p:spPr bwMode="auto">
-          <a:xfrm>
-            <a:off x="1754188" y="2862263"/>
-            <a:ext cx="8233112" cy="1862137"/>
-          </a:xfrm>
-          <a:prstGeom prst="rect">
-            <a:avLst/>
-          </a:prstGeom>
-          <a:noFill/>
-          <a:extLst>
-            <a:ext uri="{909E8E84-426E-40DD-AFC4-6F175D3DCCD1}">
-              <a14:hiddenFill xmlns:a14="http://schemas.microsoft.com/office/drawing/2010/main">
-                <a:solidFill>
-                  <a:srgbClr val="FFFFFF"/>
-                </a:solidFill>
-              </a14:hiddenFill>
-            </a:ext>
-          </a:extLst>
-        </p:spPr>
-      </p:pic>
-    </p:spTree>
-    <p:extLst>
-      <p:ext uri="{BB962C8B-B14F-4D97-AF65-F5344CB8AC3E}">
-        <p14:creationId xmlns:p14="http://schemas.microsoft.com/office/powerpoint/2010/main" val="2677063189"/>
-      </p:ext>
-    </p:extLst>
-  </p:cSld>
-  <p:clrMapOvr>
-    <a:masterClrMapping/>
-  </p:clrMapOvr>
-  <p:timing>
-    <p:tnLst>
-      <p:par>
-        <p:cTn id="1" dur="indefinite" restart="never" nodeType="tmRoot">
-          <p:childTnLst>
-            <p:seq concurrent="1" nextAc="seek">
-              <p:cTn id="2" dur="indefinite" nodeType="mainSeq">
-                <p:childTnLst>
-                  <p:par>
-                    <p:cTn id="3" fill="hold">
-                      <p:stCondLst>
-                        <p:cond delay="indefinite"/>
-                      </p:stCondLst>
-                      <p:childTnLst>
-                        <p:par>
-                          <p:cTn id="4" fill="hold">
-                            <p:stCondLst>
-                              <p:cond delay="0"/>
-                            </p:stCondLst>
-                            <p:childTnLst>
-                              <p:par>
-                                <p:cTn id="5" presetID="2" presetClass="entr" presetSubtype="4" fill="hold" nodeType="clickEffect">
-                                  <p:stCondLst>
-                                    <p:cond delay="0"/>
-                                  </p:stCondLst>
-                                  <p:childTnLst>
-                                    <p:set>
-                                      <p:cBhvr>
-                                        <p:cTn id="6" dur="1" fill="hold">
-                                          <p:stCondLst>
-                                            <p:cond delay="0"/>
-                                          </p:stCondLst>
-                                        </p:cTn>
-                                        <p:tgtEl>
-                                          <p:spTgt spid="13314"/>
-                                        </p:tgtEl>
-                                        <p:attrNameLst>
-                                          <p:attrName>style.visibility</p:attrName>
-                                        </p:attrNameLst>
-                                      </p:cBhvr>
-                                      <p:to>
-                                        <p:strVal val="visible"/>
-                                      </p:to>
-                                    </p:set>
-                                    <p:anim calcmode="lin" valueType="num">
-                                      <p:cBhvr additive="base">
-                                        <p:cTn id="7" dur="500" fill="hold"/>
-                                        <p:tgtEl>
-                                          <p:spTgt spid="13314"/>
-                                        </p:tgtEl>
-                                        <p:attrNameLst>
-                                          <p:attrName>ppt_x</p:attrName>
-                                        </p:attrNameLst>
-                                      </p:cBhvr>
-                                      <p:tavLst>
-                                        <p:tav tm="0">
-                                          <p:val>
-                                            <p:strVal val="#ppt_x"/>
-                                          </p:val>
-                                        </p:tav>
-                                        <p:tav tm="100000">
-                                          <p:val>
-                                            <p:strVal val="#ppt_x"/>
-                                          </p:val>
-                                        </p:tav>
-                                      </p:tavLst>
-                                    </p:anim>
-                                    <p:anim calcmode="lin" valueType="num">
-                                      <p:cBhvr additive="base">
-                                        <p:cTn id="8" dur="500" fill="hold"/>
-                                        <p:tgtEl>
-                                          <p:spTgt spid="13314"/>
-                                        </p:tgtEl>
-                                        <p:attrNameLst>
-                                          <p:attrName>ppt_y</p:attrName>
-                                        </p:attrNameLst>
-                                      </p:cBhvr>
-                                      <p:tavLst>
-                                        <p:tav tm="0">
-                                          <p:val>
-                                            <p:strVal val="1+#ppt_h/2"/>
-                                          </p:val>
-                                        </p:tav>
-                                        <p:tav tm="100000">
-                                          <p:val>
-                                            <p:strVal val="#ppt_y"/>
-                                          </p:val>
-                                        </p:tav>
-                                      </p:tavLst>
-                                    </p:anim>
-                                  </p:childTnLst>
-                                </p:cTn>
-                              </p:par>
-                            </p:childTnLst>
-                          </p:cTn>
-                        </p:par>
-                      </p:childTnLst>
-                    </p:cTn>
-                  </p:par>
-                </p:childTnLst>
-              </p:cTn>
-              <p:prevCondLst>
-                <p:cond evt="onPrev" delay="0">
-                  <p:tgtEl>
-                    <p:sldTgt/>
-                  </p:tgtEl>
-                </p:cond>
-              </p:prevCondLst>
-              <p:nextCondLst>
-                <p:cond evt="onNext" delay="0">
-                  <p:tgtEl>
-                    <p:sldTgt/>
-                  </p:tgtEl>
-                </p:cond>
-              </p:nextCondLst>
-            </p:seq>
-          </p:childTnLst>
-        </p:cTn>
-      </p:par>
-    </p:tnLst>
-  </p:timing>
-</p:sld>
-</file>
-
-<file path=ppt/slides/slide22.xml><?xml version="1.0" encoding="utf-8"?>
-<p:sld xmlns:a="http://schemas.openxmlformats.org/drawingml/2006/main" xmlns:r="http://schemas.openxmlformats.org/officeDocument/2006/relationships" xmlns:p="http://schemas.openxmlformats.org/presentationml/2006/main">
-  <p:cSld>
-    <p:spTree>
-      <p:nvGrpSpPr>
-        <p:cNvPr id="1" name=""/>
-        <p:cNvGrpSpPr/>
-        <p:nvPr/>
-      </p:nvGrpSpPr>
-      <p:grpSpPr>
-        <a:xfrm>
-          <a:off x="0" y="0"/>
-          <a:ext cx="0" cy="0"/>
-          <a:chOff x="0" y="0"/>
-          <a:chExt cx="0" cy="0"/>
-        </a:xfrm>
-      </p:grpSpPr>
-      <p:sp>
-        <p:nvSpPr>
-          <p:cNvPr id="2" name="頁尾版面配置區 1"/>
-          <p:cNvSpPr>
-            <a:spLocks noGrp="1"/>
-          </p:cNvSpPr>
-          <p:nvPr>
-            <p:ph type="ftr" sz="quarter" idx="11"/>
-          </p:nvPr>
-        </p:nvSpPr>
-        <p:spPr/>
-        <p:txBody>
-          <a:bodyPr/>
-          <a:lstStyle/>
-          <a:p>
-            <a:r>
-              <a:rPr lang="zh-CN" altLang="en-US"/>
-              <a:t>请在插入菜单</a:t>
-            </a:r>
-            <a:r>
-              <a:rPr lang="en-US" altLang="zh-CN"/>
-              <a:t>—</a:t>
-            </a:r>
-            <a:r>
-              <a:rPr lang="zh-CN" altLang="en-US"/>
-              <a:t>页眉和页脚中修改此文本</a:t>
-            </a:r>
-            <a:endParaRPr lang="zh-CN" altLang="en-US" dirty="0"/>
-          </a:p>
-        </p:txBody>
-      </p:sp>
-      <p:sp>
-        <p:nvSpPr>
-          <p:cNvPr id="3" name="投影片編號版面配置區 2"/>
-          <p:cNvSpPr>
-            <a:spLocks noGrp="1"/>
-          </p:cNvSpPr>
-          <p:nvPr>
-            <p:ph type="sldNum" sz="quarter" idx="12"/>
-          </p:nvPr>
-        </p:nvSpPr>
-        <p:spPr/>
-        <p:txBody>
-          <a:bodyPr/>
-          <a:lstStyle/>
-          <a:p>
-            <a:fld id="{5DD3DB80-B894-403A-B48E-6FDC1A72010E}" type="slidenum">
-              <a:rPr lang="zh-CN" altLang="en-US" smtClean="0"/>
-              <a:pPr/>
-              <a:t>22</a:t>
-            </a:fld>
-            <a:endParaRPr lang="zh-CN" altLang="en-US"/>
-          </a:p>
-        </p:txBody>
-      </p:sp>
-      <p:sp>
-        <p:nvSpPr>
-          <p:cNvPr id="4" name="標題 3"/>
-          <p:cNvSpPr>
-            <a:spLocks noGrp="1"/>
-          </p:cNvSpPr>
-          <p:nvPr>
-            <p:ph type="title"/>
-          </p:nvPr>
-        </p:nvSpPr>
-        <p:spPr/>
-        <p:txBody>
-          <a:bodyPr/>
-          <a:lstStyle/>
-          <a:p>
-            <a:r>
-              <a:rPr lang="en-US" altLang="zh-TW" dirty="0" err="1"/>
-              <a:t>Softmax</a:t>
-            </a:r>
-            <a:r>
-              <a:rPr lang="en-US" altLang="zh-TW" dirty="0"/>
-              <a:t> function</a:t>
-            </a:r>
-            <a:endParaRPr lang="zh-TW" altLang="en-US" dirty="0"/>
-          </a:p>
-        </p:txBody>
-      </p:sp>
-      <p:sp>
-        <p:nvSpPr>
-          <p:cNvPr id="5" name="內容版面配置區 4"/>
-          <p:cNvSpPr>
-            <a:spLocks noGrp="1"/>
-          </p:cNvSpPr>
-          <p:nvPr>
-            <p:ph sz="quarter" idx="13"/>
-          </p:nvPr>
-        </p:nvSpPr>
-        <p:spPr/>
-        <p:txBody>
-          <a:bodyPr/>
-          <a:lstStyle/>
-          <a:p>
-            <a:endParaRPr lang="zh-TW" altLang="en-US" dirty="0"/>
-          </a:p>
-        </p:txBody>
-      </p:sp>
-      <p:pic>
-        <p:nvPicPr>
-          <p:cNvPr id="14338" name="Picture 2" descr="E:\Delete\git_r\two_month_report\202011_2021_1\11_16_to_11_20_third\img\Softmax_arch.jpg"/>
-          <p:cNvPicPr>
-            <a:picLocks noChangeAspect="1" noChangeArrowheads="1"/>
-          </p:cNvPicPr>
-          <p:nvPr/>
-        </p:nvPicPr>
-        <p:blipFill>
-          <a:blip r:embed="rId2">
-            <a:extLst>
-              <a:ext uri="{28A0092B-C50C-407E-A947-70E740481C1C}">
-                <a14:useLocalDpi xmlns:a14="http://schemas.microsoft.com/office/drawing/2010/main" val="0"/>
-              </a:ext>
-            </a:extLst>
-          </a:blip>
-          <a:srcRect/>
-          <a:stretch>
-            <a:fillRect/>
-          </a:stretch>
-        </p:blipFill>
-        <p:spPr bwMode="auto">
-          <a:xfrm>
-            <a:off x="1933574" y="1223963"/>
-            <a:ext cx="7955619" cy="4452937"/>
-          </a:xfrm>
-          <a:prstGeom prst="rect">
-            <a:avLst/>
-          </a:prstGeom>
-          <a:noFill/>
-          <a:extLst>
-            <a:ext uri="{909E8E84-426E-40DD-AFC4-6F175D3DCCD1}">
-              <a14:hiddenFill xmlns:a14="http://schemas.microsoft.com/office/drawing/2010/main">
-                <a:solidFill>
-                  <a:srgbClr val="FFFFFF"/>
-                </a:solidFill>
-              </a14:hiddenFill>
-            </a:ext>
-          </a:extLst>
-        </p:spPr>
-      </p:pic>
-    </p:spTree>
-    <p:extLst>
-      <p:ext uri="{BB962C8B-B14F-4D97-AF65-F5344CB8AC3E}">
-        <p14:creationId xmlns:p14="http://schemas.microsoft.com/office/powerpoint/2010/main" val="2984232902"/>
-      </p:ext>
-    </p:extLst>
-  </p:cSld>
-  <p:clrMapOvr>
-    <a:masterClrMapping/>
-  </p:clrMapOvr>
-</p:sld>
-</file>
-
-<file path=ppt/slides/slide23.xml><?xml version="1.0" encoding="utf-8"?>
-<p:sld xmlns:a="http://schemas.openxmlformats.org/drawingml/2006/main" xmlns:r="http://schemas.openxmlformats.org/officeDocument/2006/relationships" xmlns:p="http://schemas.openxmlformats.org/presentationml/2006/main">
-  <p:cSld>
-    <p:spTree>
-      <p:nvGrpSpPr>
         <p:cNvPr id="1" name="î$ḷîḓé"/>
         <p:cNvGrpSpPr/>
         <p:nvPr/>
@@ -14328,7 +13596,7 @@
           <p:cNvPr id="9" name="î$ḷíḋé">
             <a:extLst>
               <a:ext uri="{FF2B5EF4-FFF2-40B4-BE49-F238E27FC236}">
-                <a16:creationId xmlns:a16="http://schemas.microsoft.com/office/drawing/2014/main" xmlns="" id="{04F69230-F3A6-4586-9371-A858F4763E9F}"/>
+                <a16:creationId xmlns="" xmlns:a16="http://schemas.microsoft.com/office/drawing/2014/main" id="{04F69230-F3A6-4586-9371-A858F4763E9F}"/>
               </a:ext>
             </a:extLst>
           </p:cNvPr>
@@ -14439,7 +13707,7 @@
 </p:sld>
 </file>
 
-<file path=ppt/slides/slide24.xml><?xml version="1.0" encoding="utf-8"?>
+<file path=ppt/slides/slide21.xml><?xml version="1.0" encoding="utf-8"?>
 <p:sld xmlns:a="http://schemas.openxmlformats.org/drawingml/2006/main" xmlns:r="http://schemas.openxmlformats.org/officeDocument/2006/relationships" xmlns:p="http://schemas.openxmlformats.org/presentationml/2006/main">
   <p:cSld>
     <p:spTree>
@@ -14461,7 +13729,7 @@
           <p:cNvPr id="4" name="標題 3">
             <a:extLst>
               <a:ext uri="{FF2B5EF4-FFF2-40B4-BE49-F238E27FC236}">
-                <a16:creationId xmlns:a16="http://schemas.microsoft.com/office/drawing/2014/main" xmlns="" id="{DBF93AE9-6C3C-43A2-A10D-A15C50A25746}"/>
+                <a16:creationId xmlns="" xmlns:a16="http://schemas.microsoft.com/office/drawing/2014/main" id="{DBF93AE9-6C3C-43A2-A10D-A15C50A25746}"/>
               </a:ext>
             </a:extLst>
           </p:cNvPr>
@@ -14478,8 +13746,16 @@
           <a:lstStyle/>
           <a:p>
             <a:r>
+              <a:rPr lang="en-US" altLang="zh-TW" dirty="0" smtClean="0"/>
+              <a:t>LSTM</a:t>
+            </a:r>
+            <a:r>
+              <a:rPr lang="en-US" altLang="zh-TW" dirty="0" smtClean="0"/>
+              <a:t> </a:t>
+            </a:r>
+            <a:r>
               <a:rPr lang="en-US" altLang="zh-TW" dirty="0"/>
-              <a:t>RNN Demo	</a:t>
+              <a:t>Demo	</a:t>
             </a:r>
             <a:endParaRPr lang="zh-TW" altLang="en-US" dirty="0"/>
           </a:p>
@@ -14490,7 +13766,7 @@
           <p:cNvPr id="7" name="內容版面配置區 6">
             <a:extLst>
               <a:ext uri="{FF2B5EF4-FFF2-40B4-BE49-F238E27FC236}">
-                <a16:creationId xmlns:a16="http://schemas.microsoft.com/office/drawing/2014/main" xmlns="" id="{E7D68A11-0594-451B-B564-C1C4E791DF02}"/>
+                <a16:creationId xmlns="" xmlns:a16="http://schemas.microsoft.com/office/drawing/2014/main" id="{E7D68A11-0594-451B-B564-C1C4E791DF02}"/>
               </a:ext>
             </a:extLst>
           </p:cNvPr>
@@ -14508,7 +13784,7 @@
                 <a14:useLocalDpi xmlns:a14="http://schemas.microsoft.com/office/drawing/2010/main" val="0"/>
               </a:ext>
               <a:ext uri="{96DAC541-7B7A-43D3-8B79-37D633B846F1}">
-                <asvg:svgBlip xmlns:asvg="http://schemas.microsoft.com/office/drawing/2016/SVG/main" xmlns="" r:embed="rId3"/>
+                <asvg:svgBlip xmlns="" xmlns:asvg="http://schemas.microsoft.com/office/drawing/2016/SVG/main" r:embed="rId3"/>
               </a:ext>
             </a:extLst>
           </a:blip>
@@ -14536,7 +13812,7 @@
 </p:sld>
 </file>
 
-<file path=ppt/slides/slide25.xml><?xml version="1.0" encoding="utf-8"?>
+<file path=ppt/slides/slide22.xml><?xml version="1.0" encoding="utf-8"?>
 <p:sld xmlns:a="http://schemas.openxmlformats.org/drawingml/2006/main" xmlns:r="http://schemas.openxmlformats.org/officeDocument/2006/relationships" xmlns:p="http://schemas.openxmlformats.org/presentationml/2006/main">
   <p:cSld>
     <p:spTree>
@@ -14610,7 +13886,7 @@
             <a:fld id="{5DD3DB80-B894-403A-B48E-6FDC1A72010E}" type="slidenum">
               <a:rPr lang="zh-CN" altLang="en-US" smtClean="0"/>
               <a:pPr/>
-              <a:t>25</a:t>
+              <a:t>22</a:t>
             </a:fld>
             <a:endParaRPr lang="zh-CN" altLang="en-US"/>
           </a:p>
@@ -14632,8 +13908,12 @@
           <a:lstStyle/>
           <a:p>
             <a:r>
+              <a:rPr lang="en-US" altLang="zh-CN" dirty="0" smtClean="0"/>
+              <a:t>LSTM </a:t>
+            </a:r>
+            <a:r>
               <a:rPr lang="en-US" altLang="zh-CN" dirty="0"/>
-              <a:t>RNN Demo</a:t>
+              <a:t>Demo</a:t>
             </a:r>
             <a:endParaRPr lang="zh-CN" altLang="en-US" dirty="0"/>
           </a:p>
@@ -14655,38 +13935,46 @@
           <a:lstStyle/>
           <a:p>
             <a:r>
-              <a:rPr lang="en-US" altLang="zh-TW" dirty="0">
-                <a:hlinkClick r:id="rId3"/>
-              </a:rPr>
-              <a:t>http://www.gunniliang.com/notebooks/Delete/git_r/two_month_report/202011_2021_1/11_16_to_11_20_third/code/RNN_Keras.ipynb</a:t>
-            </a:r>
-            <a:endParaRPr lang="en-US" altLang="zh-TW" dirty="0"/>
+              <a:rPr lang="en-US" altLang="zh-TW" dirty="0" smtClean="0"/>
+              <a:t>(</a:t>
+            </a:r>
+            <a:r>
+              <a:rPr lang="zh-TW" altLang="en-US" dirty="0"/>
+              <a:t>代碼</a:t>
+            </a:r>
+            <a:r>
+              <a:rPr lang="zh-TW" altLang="en-US" dirty="0" smtClean="0"/>
+              <a:t>部分 </a:t>
+            </a:r>
+            <a:r>
+              <a:rPr lang="en-US" altLang="zh-TW" dirty="0" smtClean="0"/>
+              <a:t>Demo </a:t>
+            </a:r>
+            <a:r>
+              <a:rPr lang="zh-TW" altLang="en-US" dirty="0" smtClean="0"/>
+              <a:t> </a:t>
+            </a:r>
+            <a:r>
+              <a:rPr lang="zh-TW" altLang="en-US" dirty="0"/>
+              <a:t>有些部分尚待整理解修正</a:t>
+            </a:r>
+            <a:r>
+              <a:rPr lang="en-US" altLang="zh-TW" dirty="0" smtClean="0"/>
+              <a:t>)</a:t>
+            </a:r>
           </a:p>
           <a:p>
-            <a:endParaRPr lang="en-US" altLang="zh-TW" dirty="0"/>
+            <a:r>
+              <a:rPr lang="en-US" altLang="zh-TW" dirty="0" smtClean="0"/>
+              <a:t>Present </a:t>
+            </a:r>
+            <a:r>
+              <a:rPr lang="zh-TW" altLang="en-US" dirty="0" smtClean="0"/>
+              <a:t>時會再修正</a:t>
+            </a:r>
+            <a:endParaRPr lang="en-US" altLang="zh-TW" dirty="0" smtClean="0"/>
           </a:p>
           <a:p>
-            <a:r>
-              <a:rPr lang="en-US" altLang="zh-TW" dirty="0">
-                <a:hlinkClick r:id="rId4"/>
-              </a:rPr>
-              <a:t>http://www.gunniliang.com/notebooks/Delete/git_r/two_month_report/202011_2021_1/11_16_to_11_20_third/code/RNN_Scratch.ipynb</a:t>
-            </a:r>
-            <a:endParaRPr lang="en-US" altLang="zh-TW" dirty="0"/>
-          </a:p>
-          <a:p>
-            <a:r>
-              <a:rPr lang="en-US" altLang="zh-TW" dirty="0"/>
-              <a:t>(</a:t>
-            </a:r>
-            <a:r>
-              <a:rPr lang="zh-TW" altLang="en-US"/>
-              <a:t>代碼部分 有些部分尚待整理解修正</a:t>
-            </a:r>
-            <a:r>
-              <a:rPr lang="en-US" altLang="zh-TW"/>
-              <a:t>)</a:t>
-            </a:r>
             <a:endParaRPr lang="zh-TW" altLang="en-US" dirty="0"/>
           </a:p>
         </p:txBody>
@@ -14707,7 +13995,7 @@
 </p:sld>
 </file>
 
-<file path=ppt/slides/slide26.xml><?xml version="1.0" encoding="utf-8"?>
+<file path=ppt/slides/slide23.xml><?xml version="1.0" encoding="utf-8"?>
 <p:sld xmlns:a="http://schemas.openxmlformats.org/drawingml/2006/main" xmlns:r="http://schemas.openxmlformats.org/officeDocument/2006/relationships" xmlns:p="http://schemas.openxmlformats.org/presentationml/2006/main">
   <p:cSld>
     <p:spTree>
@@ -14729,7 +14017,7 @@
           <p:cNvPr id="3" name="íṡḻiḓé" hidden="1">
             <a:extLst>
               <a:ext uri="{FF2B5EF4-FFF2-40B4-BE49-F238E27FC236}">
-                <a16:creationId xmlns:a16="http://schemas.microsoft.com/office/drawing/2014/main" xmlns="" id="{A6A819F1-33AF-45D7-8BF6-2B0A9769CAD4}"/>
+                <a16:creationId xmlns="" xmlns:a16="http://schemas.microsoft.com/office/drawing/2014/main" id="{A6A819F1-33AF-45D7-8BF6-2B0A9769CAD4}"/>
               </a:ext>
             </a:extLst>
           </p:cNvPr>
@@ -14752,7 +14040,7 @@
           <a:graphicData uri="http://schemas.openxmlformats.org/presentationml/2006/ole">
             <mc:AlternateContent xmlns:mc="http://schemas.openxmlformats.org/markup-compatibility/2006">
               <mc:Choice xmlns:v="urn:schemas-microsoft-com:vml" Requires="v">
-                <p:oleObj spid="_x0000_s3164" name="think-cell Slide" r:id="rId5" imgW="347" imgH="348" progId="TCLayout.ActiveDocument.1">
+                <p:oleObj spid="_x0000_s3169" name="think-cell Slide" r:id="rId5" imgW="347" imgH="348" progId="TCLayout.ActiveDocument.1">
                   <p:embed/>
                 </p:oleObj>
               </mc:Choice>
@@ -14764,7 +14052,7 @@
                       <p:cNvPr id="3" name="íṩ1iḑé" hidden="1">
                         <a:extLst>
                           <a:ext uri="{FF2B5EF4-FFF2-40B4-BE49-F238E27FC236}">
-                            <a16:creationId xmlns:a16="http://schemas.microsoft.com/office/drawing/2014/main" xmlns="" id="{A6A819F1-33AF-45D7-8BF6-2B0A9769CAD4}"/>
+                            <a16:creationId xmlns="" xmlns:a16="http://schemas.microsoft.com/office/drawing/2014/main" id="{A6A819F1-33AF-45D7-8BF6-2B0A9769CAD4}"/>
                           </a:ext>
                         </a:extLst>
                       </p:cNvPr>
@@ -14798,7 +14086,7 @@
           <p:cNvPr id="2" name="išľïďe" hidden="1">
             <a:extLst>
               <a:ext uri="{FF2B5EF4-FFF2-40B4-BE49-F238E27FC236}">
-                <a16:creationId xmlns:a16="http://schemas.microsoft.com/office/drawing/2014/main" xmlns="" id="{FF51F16D-1BAD-46EE-A6F4-B8B94C9DF628}"/>
+                <a16:creationId xmlns="" xmlns:a16="http://schemas.microsoft.com/office/drawing/2014/main" id="{FF51F16D-1BAD-46EE-A6F4-B8B94C9DF628}"/>
               </a:ext>
             </a:extLst>
           </p:cNvPr>
@@ -14962,7 +14250,7 @@
           <p:cNvPr id="13" name="îṣlíḍe">
             <a:extLst>
               <a:ext uri="{FF2B5EF4-FFF2-40B4-BE49-F238E27FC236}">
-                <a16:creationId xmlns:a16="http://schemas.microsoft.com/office/drawing/2014/main" xmlns="" id="{394FC8CD-4FAD-452B-A6ED-A378816FAA36}"/>
+                <a16:creationId xmlns="" xmlns:a16="http://schemas.microsoft.com/office/drawing/2014/main" id="{394FC8CD-4FAD-452B-A6ED-A378816FAA36}"/>
               </a:ext>
             </a:extLst>
           </p:cNvPr>
@@ -15005,7 +14293,7 @@
           <p:cNvPr id="14" name="ïSḻíďê">
             <a:extLst>
               <a:ext uri="{FF2B5EF4-FFF2-40B4-BE49-F238E27FC236}">
-                <a16:creationId xmlns:a16="http://schemas.microsoft.com/office/drawing/2014/main" xmlns="" id="{7C549D2A-4C2D-40D9-B2D1-E96901BFF877}"/>
+                <a16:creationId xmlns="" xmlns:a16="http://schemas.microsoft.com/office/drawing/2014/main" id="{7C549D2A-4C2D-40D9-B2D1-E96901BFF877}"/>
               </a:ext>
             </a:extLst>
           </p:cNvPr>
@@ -15108,7 +14396,7 @@
           <p:cNvPr id="9" name="î$ḷíḋé">
             <a:extLst>
               <a:ext uri="{FF2B5EF4-FFF2-40B4-BE49-F238E27FC236}">
-                <a16:creationId xmlns:a16="http://schemas.microsoft.com/office/drawing/2014/main" xmlns="" id="{04F69230-F3A6-4586-9371-A858F4763E9F}"/>
+                <a16:creationId xmlns="" xmlns:a16="http://schemas.microsoft.com/office/drawing/2014/main" id="{04F69230-F3A6-4586-9371-A858F4763E9F}"/>
               </a:ext>
             </a:extLst>
           </p:cNvPr>
@@ -15253,11 +14541,7 @@
           <a:p>
             <a:r>
               <a:rPr lang="en-US" altLang="zh-TW" dirty="0" smtClean="0"/>
-              <a:t>1.LSTM</a:t>
-            </a:r>
-            <a:r>
-              <a:rPr lang="en-US" altLang="zh-TW" dirty="0" smtClean="0"/>
-              <a:t> </a:t>
+              <a:t>1.LSTM </a:t>
             </a:r>
             <a:r>
               <a:rPr lang="zh-TW" altLang="en-US" dirty="0"/>
@@ -15313,7 +14597,6 @@
               <a:rPr lang="zh-TW" altLang="en-US" dirty="0"/>
               <a:t>層，如下圖所示：</a:t>
             </a:r>
-            <a:endParaRPr lang="zh-TW" altLang="en-US" dirty="0"/>
           </a:p>
         </p:txBody>
       </p:sp>
@@ -15473,7 +14756,6 @@
               <a:rPr lang="zh-TW" altLang="en-US" dirty="0"/>
               <a:t>簡介</a:t>
             </a:r>
-            <a:endParaRPr lang="zh-TW" altLang="en-US" dirty="0"/>
           </a:p>
         </p:txBody>
       </p:sp>
@@ -15621,7 +14903,6 @@
               <a:rPr lang="zh-TW" altLang="en-US" dirty="0"/>
               <a:t>），而是有四個層，以特別的方式進行溝通，如圖：</a:t>
             </a:r>
-            <a:endParaRPr lang="zh-TW" altLang="en-US" dirty="0"/>
           </a:p>
         </p:txBody>
       </p:sp>
@@ -15857,7 +15138,7 @@
           <p:cNvPr id="9" name="î$ḷíḋé">
             <a:extLst>
               <a:ext uri="{FF2B5EF4-FFF2-40B4-BE49-F238E27FC236}">
-                <a16:creationId xmlns:a16="http://schemas.microsoft.com/office/drawing/2014/main" xmlns="" id="{04F69230-F3A6-4586-9371-A858F4763E9F}"/>
+                <a16:creationId xmlns="" xmlns:a16="http://schemas.microsoft.com/office/drawing/2014/main" id="{04F69230-F3A6-4586-9371-A858F4763E9F}"/>
               </a:ext>
             </a:extLst>
           </p:cNvPr>
@@ -16570,7 +15851,6 @@
               <a:rPr lang="zh-TW" altLang="en-US" dirty="0"/>
               <a:t>輸入門 遺忘門 輸出門</a:t>
             </a:r>
-            <a:endParaRPr lang="zh-TW" altLang="en-US" dirty="0"/>
           </a:p>
         </p:txBody>
       </p:sp>
@@ -16730,7 +16010,6 @@
               <a:rPr lang="zh-TW" altLang="en-US" dirty="0"/>
               <a:t>候選記憶細胞</a:t>
             </a:r>
-            <a:endParaRPr lang="zh-TW" altLang="en-US" dirty="0"/>
           </a:p>
         </p:txBody>
       </p:sp>
@@ -17404,7 +16683,7 @@
   <a:extraClrSchemeLst/>
   <a:extLst>
     <a:ext uri="{05A4C25C-085E-4340-85A3-A5531E510DB2}">
-      <thm15:themeFamily xmlns:thm15="http://schemas.microsoft.com/office/thememl/2012/main" xmlns="" name="主题5" id="{B8EDB911-D765-4A7B-BBC7-40DBB672FBA6}" vid="{AECAB1C0-5DF6-436C-85E8-20094DBE11C0}"/>
+      <thm15:themeFamily xmlns="" xmlns:thm15="http://schemas.microsoft.com/office/thememl/2012/main" name="主题5" id="{B8EDB911-D765-4A7B-BBC7-40DBB672FBA6}" vid="{AECAB1C0-5DF6-436C-85E8-20094DBE11C0}"/>
     </a:ext>
   </a:extLst>
 </a:theme>
@@ -17665,7 +16944,7 @@
   <a:extraClrSchemeLst/>
   <a:extLst>
     <a:ext uri="{05A4C25C-085E-4340-85A3-A5531E510DB2}">
-      <thm15:themeFamily xmlns:thm15="http://schemas.microsoft.com/office/thememl/2012/main" xmlns="" name="Office Theme" id="{62F939B6-93AF-4DB8-9C6B-D6C7DFDC589F}" vid="{4A3C46E8-61CC-4603-A589-7422A47A8E4A}"/>
+      <thm15:themeFamily xmlns="" xmlns:thm15="http://schemas.microsoft.com/office/thememl/2012/main" name="Office Theme" id="{62F939B6-93AF-4DB8-9C6B-D6C7DFDC589F}" vid="{4A3C46E8-61CC-4603-A589-7422A47A8E4A}"/>
     </a:ext>
   </a:extLst>
 </a:theme>
@@ -17960,7 +17239,7 @@
   <a:extraClrSchemeLst/>
   <a:extLst>
     <a:ext uri="{05A4C25C-085E-4340-85A3-A5531E510DB2}">
-      <thm15:themeFamily xmlns:thm15="http://schemas.microsoft.com/office/thememl/2012/main" xmlns="" name="Office Theme" id="{62F939B6-93AF-4DB8-9C6B-D6C7DFDC589F}" vid="{4A3C46E8-61CC-4603-A589-7422A47A8E4A}"/>
+      <thm15:themeFamily xmlns="" xmlns:thm15="http://schemas.microsoft.com/office/thememl/2012/main" name="Office Theme" id="{62F939B6-93AF-4DB8-9C6B-D6C7DFDC589F}" vid="{4A3C46E8-61CC-4603-A589-7422A47A8E4A}"/>
     </a:ext>
   </a:extLst>
 </a:theme>

--- a/11_23_to_11_27_fourth/4.LSTM.pptx
+++ b/11_23_to_11_27_fourth/4.LSTM.pptx
@@ -137,7 +137,7 @@
   </p:defaultTextStyle>
   <p:extLst>
     <p:ext uri="{EFAFB233-063F-42B5-8137-9DF3F51BA10A}">
-      <p15:sldGuideLst xmlns="" xmlns:p15="http://schemas.microsoft.com/office/powerpoint/2012/main">
+      <p15:sldGuideLst xmlns:p15="http://schemas.microsoft.com/office/powerpoint/2012/main" xmlns="">
         <p15:guide id="1" orient="horz" pos="2160">
           <p15:clr>
             <a:srgbClr val="A4A3A4"/>
@@ -151,7 +151,7 @@
       </p15:sldGuideLst>
     </p:ext>
     <p:ext uri="{2D200454-40CA-4A62-9FC3-DE9A4176ACB9}">
-      <p15:notesGuideLst xmlns="" xmlns:p15="http://schemas.microsoft.com/office/powerpoint/2012/main"/>
+      <p15:notesGuideLst xmlns:p15="http://schemas.microsoft.com/office/powerpoint/2012/main" xmlns=""/>
     </p:ext>
   </p:extLst>
 </p:presentation>
@@ -377,7 +377,7 @@
           <p:cNvPr id="2" name="页眉占位符 1">
             <a:extLst>
               <a:ext uri="{FF2B5EF4-FFF2-40B4-BE49-F238E27FC236}">
-                <a16:creationId xmlns="" xmlns:a16="http://schemas.microsoft.com/office/drawing/2014/main" id="{B9A56829-66AA-42AA-918E-5C6DB1AE50A7}"/>
+                <a16:creationId xmlns:a16="http://schemas.microsoft.com/office/drawing/2014/main" xmlns="" id="{B9A56829-66AA-42AA-918E-5C6DB1AE50A7}"/>
               </a:ext>
             </a:extLst>
           </p:cNvPr>
@@ -414,7 +414,7 @@
           <p:cNvPr id="3" name="日期占位符 2">
             <a:extLst>
               <a:ext uri="{FF2B5EF4-FFF2-40B4-BE49-F238E27FC236}">
-                <a16:creationId xmlns="" xmlns:a16="http://schemas.microsoft.com/office/drawing/2014/main" id="{241084A9-BC5C-4420-B17C-51E328D45576}"/>
+                <a16:creationId xmlns:a16="http://schemas.microsoft.com/office/drawing/2014/main" xmlns="" id="{241084A9-BC5C-4420-B17C-51E328D45576}"/>
               </a:ext>
             </a:extLst>
           </p:cNvPr>
@@ -444,7 +444,7 @@
           <a:p>
             <a:fld id="{B478E0E4-DC06-4041-AFA7-BB6F527FFA3F}" type="datetimeFigureOut">
               <a:rPr lang="zh-CN" altLang="en-US" smtClean="0"/>
-              <a:t>2020/11/25</a:t>
+              <a:t>2020/11/26</a:t>
             </a:fld>
             <a:endParaRPr lang="zh-CN" altLang="en-US"/>
           </a:p>
@@ -455,7 +455,7 @@
           <p:cNvPr id="4" name="页脚占位符 3">
             <a:extLst>
               <a:ext uri="{FF2B5EF4-FFF2-40B4-BE49-F238E27FC236}">
-                <a16:creationId xmlns="" xmlns:a16="http://schemas.microsoft.com/office/drawing/2014/main" id="{0D6F2124-7B35-4E59-B9E8-DB09EE1408A4}"/>
+                <a16:creationId xmlns:a16="http://schemas.microsoft.com/office/drawing/2014/main" xmlns="" id="{0D6F2124-7B35-4E59-B9E8-DB09EE1408A4}"/>
               </a:ext>
             </a:extLst>
           </p:cNvPr>
@@ -492,7 +492,7 @@
           <p:cNvPr id="5" name="灯片编号占位符 4">
             <a:extLst>
               <a:ext uri="{FF2B5EF4-FFF2-40B4-BE49-F238E27FC236}">
-                <a16:creationId xmlns="" xmlns:a16="http://schemas.microsoft.com/office/drawing/2014/main" id="{F2BF8FFE-D997-4E34-9A01-CD2014B95241}"/>
+                <a16:creationId xmlns:a16="http://schemas.microsoft.com/office/drawing/2014/main" xmlns="" id="{F2BF8FFE-D997-4E34-9A01-CD2014B95241}"/>
               </a:ext>
             </a:extLst>
           </p:cNvPr>
@@ -621,7 +621,7 @@
           <a:p>
             <a:fld id="{E86D8963-CFCD-4740-AF60-049850373CDF}" type="datetimeFigureOut">
               <a:rPr lang="zh-CN" altLang="en-US" smtClean="0"/>
-              <a:t>2020/11/25</a:t>
+              <a:t>2020/11/26</a:t>
             </a:fld>
             <a:endParaRPr lang="zh-CN" altLang="en-US"/>
           </a:p>
@@ -910,7 +910,7 @@
           <p:cNvPr id="2" name="îṩ1ïdê">
             <a:extLst>
               <a:ext uri="{FF2B5EF4-FFF2-40B4-BE49-F238E27FC236}">
-                <a16:creationId xmlns="" xmlns:a16="http://schemas.microsoft.com/office/drawing/2014/main" id="{B165F2F7-32E4-4AF8-8657-36AC30D78579}"/>
+                <a16:creationId xmlns:a16="http://schemas.microsoft.com/office/drawing/2014/main" xmlns="" id="{B165F2F7-32E4-4AF8-8657-36AC30D78579}"/>
               </a:ext>
             </a:extLst>
           </p:cNvPr>
@@ -1070,7 +1070,7 @@
           <p:cNvPr id="7" name="组合 6">
             <a:extLst>
               <a:ext uri="{FF2B5EF4-FFF2-40B4-BE49-F238E27FC236}">
-                <a16:creationId xmlns="" xmlns:a16="http://schemas.microsoft.com/office/drawing/2014/main" id="{3491D0C5-E57C-45B4-AFE5-02F7704CDCF6}"/>
+                <a16:creationId xmlns:a16="http://schemas.microsoft.com/office/drawing/2014/main" xmlns="" id="{3491D0C5-E57C-45B4-AFE5-02F7704CDCF6}"/>
               </a:ext>
             </a:extLst>
           </p:cNvPr>
@@ -1090,7 +1090,7 @@
             <p:cNvPr id="11" name="ïş1ïḓe">
               <a:extLst>
                 <a:ext uri="{FF2B5EF4-FFF2-40B4-BE49-F238E27FC236}">
-                  <a16:creationId xmlns="" xmlns:a16="http://schemas.microsoft.com/office/drawing/2014/main" id="{AAEF8C50-AF93-4B64-9F64-BC188B9CC986}"/>
+                  <a16:creationId xmlns:a16="http://schemas.microsoft.com/office/drawing/2014/main" xmlns="" id="{AAEF8C50-AF93-4B64-9F64-BC188B9CC986}"/>
                 </a:ext>
               </a:extLst>
             </p:cNvPr>
@@ -1174,7 +1174,7 @@
             <p:cNvPr id="14" name="ïş1îḓé">
               <a:extLst>
                 <a:ext uri="{FF2B5EF4-FFF2-40B4-BE49-F238E27FC236}">
-                  <a16:creationId xmlns="" xmlns:a16="http://schemas.microsoft.com/office/drawing/2014/main" id="{D1034528-61F0-451C-8439-59044CBBC42D}"/>
+                  <a16:creationId xmlns:a16="http://schemas.microsoft.com/office/drawing/2014/main" xmlns="" id="{D1034528-61F0-451C-8439-59044CBBC42D}"/>
                 </a:ext>
               </a:extLst>
             </p:cNvPr>
@@ -1267,7 +1267,7 @@
             <p:cNvPr id="15" name="íṡ1íḑè">
               <a:extLst>
                 <a:ext uri="{FF2B5EF4-FFF2-40B4-BE49-F238E27FC236}">
-                  <a16:creationId xmlns="" xmlns:a16="http://schemas.microsoft.com/office/drawing/2014/main" id="{443590D7-CA87-4478-AB6B-8DA2AC5C485A}"/>
+                  <a16:creationId xmlns:a16="http://schemas.microsoft.com/office/drawing/2014/main" xmlns="" id="{443590D7-CA87-4478-AB6B-8DA2AC5C485A}"/>
                 </a:ext>
               </a:extLst>
             </p:cNvPr>
@@ -1352,7 +1352,7 @@
             <p:cNvPr id="16" name="îṥḻiḍê">
               <a:extLst>
                 <a:ext uri="{FF2B5EF4-FFF2-40B4-BE49-F238E27FC236}">
-                  <a16:creationId xmlns="" xmlns:a16="http://schemas.microsoft.com/office/drawing/2014/main" id="{FD92C89C-9731-46F9-9B6E-376810BFF18B}"/>
+                  <a16:creationId xmlns:a16="http://schemas.microsoft.com/office/drawing/2014/main" xmlns="" id="{FD92C89C-9731-46F9-9B6E-376810BFF18B}"/>
                 </a:ext>
               </a:extLst>
             </p:cNvPr>
@@ -1437,7 +1437,7 @@
             <p:cNvPr id="17" name="iṥḷiḑè">
               <a:extLst>
                 <a:ext uri="{FF2B5EF4-FFF2-40B4-BE49-F238E27FC236}">
-                  <a16:creationId xmlns="" xmlns:a16="http://schemas.microsoft.com/office/drawing/2014/main" id="{A8591A9D-5538-4DEC-B405-54C510558903}"/>
+                  <a16:creationId xmlns:a16="http://schemas.microsoft.com/office/drawing/2014/main" xmlns="" id="{A8591A9D-5538-4DEC-B405-54C510558903}"/>
                 </a:ext>
               </a:extLst>
             </p:cNvPr>
@@ -1502,7 +1502,7 @@
             <p:cNvPr id="18" name="íṥḻíḑé">
               <a:extLst>
                 <a:ext uri="{FF2B5EF4-FFF2-40B4-BE49-F238E27FC236}">
-                  <a16:creationId xmlns="" xmlns:a16="http://schemas.microsoft.com/office/drawing/2014/main" id="{FC116EBF-5653-4BA4-837E-95BEB302B1FC}"/>
+                  <a16:creationId xmlns:a16="http://schemas.microsoft.com/office/drawing/2014/main" xmlns="" id="{FC116EBF-5653-4BA4-837E-95BEB302B1FC}"/>
                 </a:ext>
               </a:extLst>
             </p:cNvPr>
@@ -1567,7 +1567,7 @@
             <p:cNvPr id="19" name="ïsḷiďê">
               <a:extLst>
                 <a:ext uri="{FF2B5EF4-FFF2-40B4-BE49-F238E27FC236}">
-                  <a16:creationId xmlns="" xmlns:a16="http://schemas.microsoft.com/office/drawing/2014/main" id="{D7181733-982F-4ADC-B787-E92C178D9BE9}"/>
+                  <a16:creationId xmlns:a16="http://schemas.microsoft.com/office/drawing/2014/main" xmlns="" id="{D7181733-982F-4ADC-B787-E92C178D9BE9}"/>
                 </a:ext>
               </a:extLst>
             </p:cNvPr>
@@ -1662,7 +1662,7 @@
             <p:cNvPr id="20" name="îs1iḓê">
               <a:extLst>
                 <a:ext uri="{FF2B5EF4-FFF2-40B4-BE49-F238E27FC236}">
-                  <a16:creationId xmlns="" xmlns:a16="http://schemas.microsoft.com/office/drawing/2014/main" id="{75B1573A-D6DA-4E40-B952-FC6A6E899942}"/>
+                  <a16:creationId xmlns:a16="http://schemas.microsoft.com/office/drawing/2014/main" xmlns="" id="{75B1573A-D6DA-4E40-B952-FC6A6E899942}"/>
                 </a:ext>
               </a:extLst>
             </p:cNvPr>
@@ -1737,7 +1737,7 @@
             <p:cNvPr id="21" name="íṡḻïdé">
               <a:extLst>
                 <a:ext uri="{FF2B5EF4-FFF2-40B4-BE49-F238E27FC236}">
-                  <a16:creationId xmlns="" xmlns:a16="http://schemas.microsoft.com/office/drawing/2014/main" id="{A3C16CC0-0D98-42C3-ACDA-6C6B1AAA14CB}"/>
+                  <a16:creationId xmlns:a16="http://schemas.microsoft.com/office/drawing/2014/main" xmlns="" id="{A3C16CC0-0D98-42C3-ACDA-6C6B1AAA14CB}"/>
                 </a:ext>
               </a:extLst>
             </p:cNvPr>
@@ -1812,7 +1812,7 @@
             <p:cNvPr id="22" name="ïṧľiḑè">
               <a:extLst>
                 <a:ext uri="{FF2B5EF4-FFF2-40B4-BE49-F238E27FC236}">
-                  <a16:creationId xmlns="" xmlns:a16="http://schemas.microsoft.com/office/drawing/2014/main" id="{2EEC5EF2-9731-49D2-8E01-4BAE06CF1807}"/>
+                  <a16:creationId xmlns:a16="http://schemas.microsoft.com/office/drawing/2014/main" xmlns="" id="{2EEC5EF2-9731-49D2-8E01-4BAE06CF1807}"/>
                 </a:ext>
               </a:extLst>
             </p:cNvPr>
@@ -1887,7 +1887,7 @@
             <p:cNvPr id="23" name="íşľîḋè">
               <a:extLst>
                 <a:ext uri="{FF2B5EF4-FFF2-40B4-BE49-F238E27FC236}">
-                  <a16:creationId xmlns="" xmlns:a16="http://schemas.microsoft.com/office/drawing/2014/main" id="{07D33D98-ECF4-43C9-8F9B-502B76AA375A}"/>
+                  <a16:creationId xmlns:a16="http://schemas.microsoft.com/office/drawing/2014/main" xmlns="" id="{07D33D98-ECF4-43C9-8F9B-502B76AA375A}"/>
                 </a:ext>
               </a:extLst>
             </p:cNvPr>
@@ -1952,7 +1952,7 @@
             <p:cNvPr id="24" name="îšḷîḍè">
               <a:extLst>
                 <a:ext uri="{FF2B5EF4-FFF2-40B4-BE49-F238E27FC236}">
-                  <a16:creationId xmlns="" xmlns:a16="http://schemas.microsoft.com/office/drawing/2014/main" id="{06AFAADD-E47D-403A-8BCE-6B991B488491}"/>
+                  <a16:creationId xmlns:a16="http://schemas.microsoft.com/office/drawing/2014/main" xmlns="" id="{06AFAADD-E47D-403A-8BCE-6B991B488491}"/>
                 </a:ext>
               </a:extLst>
             </p:cNvPr>
@@ -2017,7 +2017,7 @@
             <p:cNvPr id="25" name="îŝļiḑè">
               <a:extLst>
                 <a:ext uri="{FF2B5EF4-FFF2-40B4-BE49-F238E27FC236}">
-                  <a16:creationId xmlns="" xmlns:a16="http://schemas.microsoft.com/office/drawing/2014/main" id="{F20679ED-F04B-48C0-86C1-4F4678D0EF44}"/>
+                  <a16:creationId xmlns:a16="http://schemas.microsoft.com/office/drawing/2014/main" xmlns="" id="{F20679ED-F04B-48C0-86C1-4F4678D0EF44}"/>
                 </a:ext>
               </a:extLst>
             </p:cNvPr>
@@ -2079,7 +2079,7 @@
             <p:cNvPr id="26" name="ïsḻïḓe">
               <a:extLst>
                 <a:ext uri="{FF2B5EF4-FFF2-40B4-BE49-F238E27FC236}">
-                  <a16:creationId xmlns="" xmlns:a16="http://schemas.microsoft.com/office/drawing/2014/main" id="{178FE26C-EAE2-489E-9818-2AD90604A6E7}"/>
+                  <a16:creationId xmlns:a16="http://schemas.microsoft.com/office/drawing/2014/main" xmlns="" id="{178FE26C-EAE2-489E-9818-2AD90604A6E7}"/>
                 </a:ext>
               </a:extLst>
             </p:cNvPr>
@@ -2141,7 +2141,7 @@
             <p:cNvPr id="27" name="îṥľíḑê">
               <a:extLst>
                 <a:ext uri="{FF2B5EF4-FFF2-40B4-BE49-F238E27FC236}">
-                  <a16:creationId xmlns="" xmlns:a16="http://schemas.microsoft.com/office/drawing/2014/main" id="{54C937FE-182B-4B4C-8B56-94274EF8727A}"/>
+                  <a16:creationId xmlns:a16="http://schemas.microsoft.com/office/drawing/2014/main" xmlns="" id="{54C937FE-182B-4B4C-8B56-94274EF8727A}"/>
                 </a:ext>
               </a:extLst>
             </p:cNvPr>
@@ -2203,7 +2203,7 @@
             <p:cNvPr id="28" name="iṧľíḑe">
               <a:extLst>
                 <a:ext uri="{FF2B5EF4-FFF2-40B4-BE49-F238E27FC236}">
-                  <a16:creationId xmlns="" xmlns:a16="http://schemas.microsoft.com/office/drawing/2014/main" id="{9EC454E6-4E34-40A0-B134-E27356DF1BD3}"/>
+                  <a16:creationId xmlns:a16="http://schemas.microsoft.com/office/drawing/2014/main" xmlns="" id="{9EC454E6-4E34-40A0-B134-E27356DF1BD3}"/>
                 </a:ext>
               </a:extLst>
             </p:cNvPr>
@@ -2265,7 +2265,7 @@
             <p:cNvPr id="29" name="íşḻïḑê">
               <a:extLst>
                 <a:ext uri="{FF2B5EF4-FFF2-40B4-BE49-F238E27FC236}">
-                  <a16:creationId xmlns="" xmlns:a16="http://schemas.microsoft.com/office/drawing/2014/main" id="{F02A9D5E-CFB2-42AA-A5C5-5E5778C6FCBE}"/>
+                  <a16:creationId xmlns:a16="http://schemas.microsoft.com/office/drawing/2014/main" xmlns="" id="{F02A9D5E-CFB2-42AA-A5C5-5E5778C6FCBE}"/>
                 </a:ext>
               </a:extLst>
             </p:cNvPr>
@@ -2361,7 +2361,7 @@
             <p:cNvPr id="30" name="išḻîḋè">
               <a:extLst>
                 <a:ext uri="{FF2B5EF4-FFF2-40B4-BE49-F238E27FC236}">
-                  <a16:creationId xmlns="" xmlns:a16="http://schemas.microsoft.com/office/drawing/2014/main" id="{2B76FEBA-B0C4-4066-ABF2-E33CBD44C45F}"/>
+                  <a16:creationId xmlns:a16="http://schemas.microsoft.com/office/drawing/2014/main" xmlns="" id="{2B76FEBA-B0C4-4066-ABF2-E33CBD44C45F}"/>
                 </a:ext>
               </a:extLst>
             </p:cNvPr>
@@ -2423,7 +2423,7 @@
             <p:cNvPr id="31" name="ïšliḋé">
               <a:extLst>
                 <a:ext uri="{FF2B5EF4-FFF2-40B4-BE49-F238E27FC236}">
-                  <a16:creationId xmlns="" xmlns:a16="http://schemas.microsoft.com/office/drawing/2014/main" id="{17F7742C-0E9E-453F-BF74-0A1870F594D9}"/>
+                  <a16:creationId xmlns:a16="http://schemas.microsoft.com/office/drawing/2014/main" xmlns="" id="{17F7742C-0E9E-453F-BF74-0A1870F594D9}"/>
                 </a:ext>
               </a:extLst>
             </p:cNvPr>
@@ -2485,7 +2485,7 @@
             <p:cNvPr id="32" name="íṣlídé">
               <a:extLst>
                 <a:ext uri="{FF2B5EF4-FFF2-40B4-BE49-F238E27FC236}">
-                  <a16:creationId xmlns="" xmlns:a16="http://schemas.microsoft.com/office/drawing/2014/main" id="{3B98F7CF-64A1-4A5B-B8EC-9178705C9901}"/>
+                  <a16:creationId xmlns:a16="http://schemas.microsoft.com/office/drawing/2014/main" xmlns="" id="{3B98F7CF-64A1-4A5B-B8EC-9178705C9901}"/>
                 </a:ext>
               </a:extLst>
             </p:cNvPr>
@@ -2547,7 +2547,7 @@
             <p:cNvPr id="33" name="ï$ľïḍé">
               <a:extLst>
                 <a:ext uri="{FF2B5EF4-FFF2-40B4-BE49-F238E27FC236}">
-                  <a16:creationId xmlns="" xmlns:a16="http://schemas.microsoft.com/office/drawing/2014/main" id="{8EB33BF9-35EF-4068-A574-8FBC5EEAC895}"/>
+                  <a16:creationId xmlns:a16="http://schemas.microsoft.com/office/drawing/2014/main" xmlns="" id="{8EB33BF9-35EF-4068-A574-8FBC5EEAC895}"/>
                 </a:ext>
               </a:extLst>
             </p:cNvPr>
@@ -2609,7 +2609,7 @@
             <p:cNvPr id="34" name="ï$1îḑé">
               <a:extLst>
                 <a:ext uri="{FF2B5EF4-FFF2-40B4-BE49-F238E27FC236}">
-                  <a16:creationId xmlns="" xmlns:a16="http://schemas.microsoft.com/office/drawing/2014/main" id="{66235EE7-FC71-4720-94D6-AE9E5A6E3B32}"/>
+                  <a16:creationId xmlns:a16="http://schemas.microsoft.com/office/drawing/2014/main" xmlns="" id="{66235EE7-FC71-4720-94D6-AE9E5A6E3B32}"/>
                 </a:ext>
               </a:extLst>
             </p:cNvPr>
@@ -2671,7 +2671,7 @@
             <p:cNvPr id="35" name="íşļiḓê">
               <a:extLst>
                 <a:ext uri="{FF2B5EF4-FFF2-40B4-BE49-F238E27FC236}">
-                  <a16:creationId xmlns="" xmlns:a16="http://schemas.microsoft.com/office/drawing/2014/main" id="{464E50F4-2AD9-4646-95B0-C615F448F8D7}"/>
+                  <a16:creationId xmlns:a16="http://schemas.microsoft.com/office/drawing/2014/main" xmlns="" id="{464E50F4-2AD9-4646-95B0-C615F448F8D7}"/>
                 </a:ext>
               </a:extLst>
             </p:cNvPr>
@@ -2733,7 +2733,7 @@
             <p:cNvPr id="36" name="iSliḍé">
               <a:extLst>
                 <a:ext uri="{FF2B5EF4-FFF2-40B4-BE49-F238E27FC236}">
-                  <a16:creationId xmlns="" xmlns:a16="http://schemas.microsoft.com/office/drawing/2014/main" id="{08FD15B7-89FA-4BA0-832E-9B9D9FF852D5}"/>
+                  <a16:creationId xmlns:a16="http://schemas.microsoft.com/office/drawing/2014/main" xmlns="" id="{08FD15B7-89FA-4BA0-832E-9B9D9FF852D5}"/>
                 </a:ext>
               </a:extLst>
             </p:cNvPr>
@@ -2795,7 +2795,7 @@
             <p:cNvPr id="37" name="îşļïde">
               <a:extLst>
                 <a:ext uri="{FF2B5EF4-FFF2-40B4-BE49-F238E27FC236}">
-                  <a16:creationId xmlns="" xmlns:a16="http://schemas.microsoft.com/office/drawing/2014/main" id="{4DACA41F-DADA-4149-8933-31488F26C8AD}"/>
+                  <a16:creationId xmlns:a16="http://schemas.microsoft.com/office/drawing/2014/main" xmlns="" id="{4DACA41F-DADA-4149-8933-31488F26C8AD}"/>
                 </a:ext>
               </a:extLst>
             </p:cNvPr>
@@ -2857,7 +2857,7 @@
             <p:cNvPr id="38" name="ï$ḻídè">
               <a:extLst>
                 <a:ext uri="{FF2B5EF4-FFF2-40B4-BE49-F238E27FC236}">
-                  <a16:creationId xmlns="" xmlns:a16="http://schemas.microsoft.com/office/drawing/2014/main" id="{C28E4710-C2A1-4505-AD75-E91E319AE73A}"/>
+                  <a16:creationId xmlns:a16="http://schemas.microsoft.com/office/drawing/2014/main" xmlns="" id="{C28E4710-C2A1-4505-AD75-E91E319AE73A}"/>
                 </a:ext>
               </a:extLst>
             </p:cNvPr>
@@ -2953,7 +2953,7 @@
             <p:cNvPr id="39" name="ísľíḑe">
               <a:extLst>
                 <a:ext uri="{FF2B5EF4-FFF2-40B4-BE49-F238E27FC236}">
-                  <a16:creationId xmlns="" xmlns:a16="http://schemas.microsoft.com/office/drawing/2014/main" id="{C323CC97-7CC7-4FA5-A665-16F8A2FDB29A}"/>
+                  <a16:creationId xmlns:a16="http://schemas.microsoft.com/office/drawing/2014/main" xmlns="" id="{C323CC97-7CC7-4FA5-A665-16F8A2FDB29A}"/>
                 </a:ext>
               </a:extLst>
             </p:cNvPr>
@@ -3018,7 +3018,7 @@
             <p:cNvPr id="40" name="íṩlîḑè">
               <a:extLst>
                 <a:ext uri="{FF2B5EF4-FFF2-40B4-BE49-F238E27FC236}">
-                  <a16:creationId xmlns="" xmlns:a16="http://schemas.microsoft.com/office/drawing/2014/main" id="{26A96D82-53D7-454D-B8F0-08C85B54A508}"/>
+                  <a16:creationId xmlns:a16="http://schemas.microsoft.com/office/drawing/2014/main" xmlns="" id="{26A96D82-53D7-454D-B8F0-08C85B54A508}"/>
                 </a:ext>
               </a:extLst>
             </p:cNvPr>
@@ -3158,7 +3158,7 @@
             <p:cNvPr id="41" name="iṡḻídê">
               <a:extLst>
                 <a:ext uri="{FF2B5EF4-FFF2-40B4-BE49-F238E27FC236}">
-                  <a16:creationId xmlns="" xmlns:a16="http://schemas.microsoft.com/office/drawing/2014/main" id="{00A55C22-40A5-4BCE-AB5C-0DBD7B43CF15}"/>
+                  <a16:creationId xmlns:a16="http://schemas.microsoft.com/office/drawing/2014/main" xmlns="" id="{00A55C22-40A5-4BCE-AB5C-0DBD7B43CF15}"/>
                 </a:ext>
               </a:extLst>
             </p:cNvPr>
@@ -3220,7 +3220,7 @@
             <p:cNvPr id="42" name="íŝḷîḋè">
               <a:extLst>
                 <a:ext uri="{FF2B5EF4-FFF2-40B4-BE49-F238E27FC236}">
-                  <a16:creationId xmlns="" xmlns:a16="http://schemas.microsoft.com/office/drawing/2014/main" id="{1E7E1B5A-4BA7-4930-AB12-641C32CB9B5D}"/>
+                  <a16:creationId xmlns:a16="http://schemas.microsoft.com/office/drawing/2014/main" xmlns="" id="{1E7E1B5A-4BA7-4930-AB12-641C32CB9B5D}"/>
                 </a:ext>
               </a:extLst>
             </p:cNvPr>
@@ -3282,7 +3282,7 @@
             <p:cNvPr id="43" name="işliḓè">
               <a:extLst>
                 <a:ext uri="{FF2B5EF4-FFF2-40B4-BE49-F238E27FC236}">
-                  <a16:creationId xmlns="" xmlns:a16="http://schemas.microsoft.com/office/drawing/2014/main" id="{463C39C0-BA97-46C8-947C-6A6BB4E7C9D1}"/>
+                  <a16:creationId xmlns:a16="http://schemas.microsoft.com/office/drawing/2014/main" xmlns="" id="{463C39C0-BA97-46C8-947C-6A6BB4E7C9D1}"/>
                 </a:ext>
               </a:extLst>
             </p:cNvPr>
@@ -3344,7 +3344,7 @@
             <p:cNvPr id="44" name="îsḻiḑé">
               <a:extLst>
                 <a:ext uri="{FF2B5EF4-FFF2-40B4-BE49-F238E27FC236}">
-                  <a16:creationId xmlns="" xmlns:a16="http://schemas.microsoft.com/office/drawing/2014/main" id="{DF04E304-5F07-4415-828B-0989704C8FE6}"/>
+                  <a16:creationId xmlns:a16="http://schemas.microsoft.com/office/drawing/2014/main" xmlns="" id="{DF04E304-5F07-4415-828B-0989704C8FE6}"/>
                 </a:ext>
               </a:extLst>
             </p:cNvPr>
@@ -3406,7 +3406,7 @@
             <p:cNvPr id="45" name="íṧľiḓê">
               <a:extLst>
                 <a:ext uri="{FF2B5EF4-FFF2-40B4-BE49-F238E27FC236}">
-                  <a16:creationId xmlns="" xmlns:a16="http://schemas.microsoft.com/office/drawing/2014/main" id="{9DE34A69-BC75-47AD-8DE0-15FDFEF5D179}"/>
+                  <a16:creationId xmlns:a16="http://schemas.microsoft.com/office/drawing/2014/main" xmlns="" id="{9DE34A69-BC75-47AD-8DE0-15FDFEF5D179}"/>
                 </a:ext>
               </a:extLst>
             </p:cNvPr>
@@ -3468,7 +3468,7 @@
             <p:cNvPr id="46" name="íSlíďé">
               <a:extLst>
                 <a:ext uri="{FF2B5EF4-FFF2-40B4-BE49-F238E27FC236}">
-                  <a16:creationId xmlns="" xmlns:a16="http://schemas.microsoft.com/office/drawing/2014/main" id="{F19E1891-22A9-4238-9A0E-D54742EB9A67}"/>
+                  <a16:creationId xmlns:a16="http://schemas.microsoft.com/office/drawing/2014/main" xmlns="" id="{F19E1891-22A9-4238-9A0E-D54742EB9A67}"/>
                 </a:ext>
               </a:extLst>
             </p:cNvPr>
@@ -3530,7 +3530,7 @@
             <p:cNvPr id="47" name="iś1ïdè">
               <a:extLst>
                 <a:ext uri="{FF2B5EF4-FFF2-40B4-BE49-F238E27FC236}">
-                  <a16:creationId xmlns="" xmlns:a16="http://schemas.microsoft.com/office/drawing/2014/main" id="{26F87FC7-C5C8-4289-A0E2-8F0511BE4D0F}"/>
+                  <a16:creationId xmlns:a16="http://schemas.microsoft.com/office/drawing/2014/main" xmlns="" id="{26F87FC7-C5C8-4289-A0E2-8F0511BE4D0F}"/>
                 </a:ext>
               </a:extLst>
             </p:cNvPr>
@@ -3592,7 +3592,7 @@
             <p:cNvPr id="48" name="îŝḷïḍé">
               <a:extLst>
                 <a:ext uri="{FF2B5EF4-FFF2-40B4-BE49-F238E27FC236}">
-                  <a16:creationId xmlns="" xmlns:a16="http://schemas.microsoft.com/office/drawing/2014/main" id="{AF3C94AB-652D-4CCA-BFC8-3BC7A5181E1F}"/>
+                  <a16:creationId xmlns:a16="http://schemas.microsoft.com/office/drawing/2014/main" xmlns="" id="{AF3C94AB-652D-4CCA-BFC8-3BC7A5181E1F}"/>
                 </a:ext>
               </a:extLst>
             </p:cNvPr>
@@ -3663,7 +3663,7 @@
             <p:cNvPr id="49" name="ïśļïďé">
               <a:extLst>
                 <a:ext uri="{FF2B5EF4-FFF2-40B4-BE49-F238E27FC236}">
-                  <a16:creationId xmlns="" xmlns:a16="http://schemas.microsoft.com/office/drawing/2014/main" id="{10BC1FCD-F8F1-411F-8B4C-46E128380494}"/>
+                  <a16:creationId xmlns:a16="http://schemas.microsoft.com/office/drawing/2014/main" xmlns="" id="{10BC1FCD-F8F1-411F-8B4C-46E128380494}"/>
                 </a:ext>
               </a:extLst>
             </p:cNvPr>
@@ -3734,7 +3734,7 @@
             <p:cNvPr id="50" name="íṧḷídè">
               <a:extLst>
                 <a:ext uri="{FF2B5EF4-FFF2-40B4-BE49-F238E27FC236}">
-                  <a16:creationId xmlns="" xmlns:a16="http://schemas.microsoft.com/office/drawing/2014/main" id="{D6954D73-841B-4674-94DA-57899B5C83FA}"/>
+                  <a16:creationId xmlns:a16="http://schemas.microsoft.com/office/drawing/2014/main" xmlns="" id="{D6954D73-841B-4674-94DA-57899B5C83FA}"/>
                 </a:ext>
               </a:extLst>
             </p:cNvPr>
@@ -4205,7 +4205,7 @@
           <p:cNvPr id="3" name="组合 2">
             <a:extLst>
               <a:ext uri="{FF2B5EF4-FFF2-40B4-BE49-F238E27FC236}">
-                <a16:creationId xmlns="" xmlns:a16="http://schemas.microsoft.com/office/drawing/2014/main" id="{C629003E-14DA-4608-82C8-F702B03C8C62}"/>
+                <a16:creationId xmlns:a16="http://schemas.microsoft.com/office/drawing/2014/main" xmlns="" id="{C629003E-14DA-4608-82C8-F702B03C8C62}"/>
               </a:ext>
             </a:extLst>
           </p:cNvPr>
@@ -4231,7 +4231,7 @@
             <p:cNvPr id="34" name="iSliḓê">
               <a:extLst>
                 <a:ext uri="{FF2B5EF4-FFF2-40B4-BE49-F238E27FC236}">
-                  <a16:creationId xmlns="" xmlns:a16="http://schemas.microsoft.com/office/drawing/2014/main" id="{80A47D5A-673E-4EDC-8FB1-C2A2486C802A}"/>
+                  <a16:creationId xmlns:a16="http://schemas.microsoft.com/office/drawing/2014/main" xmlns="" id="{80A47D5A-673E-4EDC-8FB1-C2A2486C802A}"/>
                 </a:ext>
               </a:extLst>
             </p:cNvPr>
@@ -4369,7 +4369,7 @@
             <p:cNvPr id="38" name="ïṣlîḓê">
               <a:extLst>
                 <a:ext uri="{FF2B5EF4-FFF2-40B4-BE49-F238E27FC236}">
-                  <a16:creationId xmlns="" xmlns:a16="http://schemas.microsoft.com/office/drawing/2014/main" id="{DCD89878-3878-44CD-816E-D1DB497D642B}"/>
+                  <a16:creationId xmlns:a16="http://schemas.microsoft.com/office/drawing/2014/main" xmlns="" id="{DCD89878-3878-44CD-816E-D1DB497D642B}"/>
                 </a:ext>
               </a:extLst>
             </p:cNvPr>
@@ -4435,7 +4435,7 @@
             <p:cNvPr id="39" name="îṧḻiďê">
               <a:extLst>
                 <a:ext uri="{FF2B5EF4-FFF2-40B4-BE49-F238E27FC236}">
-                  <a16:creationId xmlns="" xmlns:a16="http://schemas.microsoft.com/office/drawing/2014/main" id="{927A350C-74E8-4289-AD50-D152B2F20760}"/>
+                  <a16:creationId xmlns:a16="http://schemas.microsoft.com/office/drawing/2014/main" xmlns="" id="{927A350C-74E8-4289-AD50-D152B2F20760}"/>
                 </a:ext>
               </a:extLst>
             </p:cNvPr>
@@ -4501,7 +4501,7 @@
             <p:cNvPr id="40" name="îsļiďé">
               <a:extLst>
                 <a:ext uri="{FF2B5EF4-FFF2-40B4-BE49-F238E27FC236}">
-                  <a16:creationId xmlns="" xmlns:a16="http://schemas.microsoft.com/office/drawing/2014/main" id="{FA1565F5-351B-46F7-94BA-8DE2B624E1D4}"/>
+                  <a16:creationId xmlns:a16="http://schemas.microsoft.com/office/drawing/2014/main" xmlns="" id="{FA1565F5-351B-46F7-94BA-8DE2B624E1D4}"/>
                 </a:ext>
               </a:extLst>
             </p:cNvPr>
@@ -4567,7 +4567,7 @@
             <p:cNvPr id="41" name="ísľîḑê">
               <a:extLst>
                 <a:ext uri="{FF2B5EF4-FFF2-40B4-BE49-F238E27FC236}">
-                  <a16:creationId xmlns="" xmlns:a16="http://schemas.microsoft.com/office/drawing/2014/main" id="{F46A0CCC-6110-407E-8E6D-A1E655B7B10A}"/>
+                  <a16:creationId xmlns:a16="http://schemas.microsoft.com/office/drawing/2014/main" xmlns="" id="{F46A0CCC-6110-407E-8E6D-A1E655B7B10A}"/>
                 </a:ext>
               </a:extLst>
             </p:cNvPr>
@@ -4633,7 +4633,7 @@
             <p:cNvPr id="42" name="iṥlïďé">
               <a:extLst>
                 <a:ext uri="{FF2B5EF4-FFF2-40B4-BE49-F238E27FC236}">
-                  <a16:creationId xmlns="" xmlns:a16="http://schemas.microsoft.com/office/drawing/2014/main" id="{D83D0A40-C194-4C9B-8119-3AA087712412}"/>
+                  <a16:creationId xmlns:a16="http://schemas.microsoft.com/office/drawing/2014/main" xmlns="" id="{D83D0A40-C194-4C9B-8119-3AA087712412}"/>
                 </a:ext>
               </a:extLst>
             </p:cNvPr>
@@ -4704,7 +4704,7 @@
             <p:cNvPr id="43" name="îşḷiḍè">
               <a:extLst>
                 <a:ext uri="{FF2B5EF4-FFF2-40B4-BE49-F238E27FC236}">
-                  <a16:creationId xmlns="" xmlns:a16="http://schemas.microsoft.com/office/drawing/2014/main" id="{DE854E02-9D47-4D10-A040-E952102AC62D}"/>
+                  <a16:creationId xmlns:a16="http://schemas.microsoft.com/office/drawing/2014/main" xmlns="" id="{DE854E02-9D47-4D10-A040-E952102AC62D}"/>
                 </a:ext>
               </a:extLst>
             </p:cNvPr>
@@ -4806,7 +4806,7 @@
           <p:cNvPr id="3" name="日期占位符 2">
             <a:extLst>
               <a:ext uri="{FF2B5EF4-FFF2-40B4-BE49-F238E27FC236}">
-                <a16:creationId xmlns="" xmlns:a16="http://schemas.microsoft.com/office/drawing/2014/main" id="{9888B6D7-9D3F-49D7-BACE-73A9D1149A74}"/>
+                <a16:creationId xmlns:a16="http://schemas.microsoft.com/office/drawing/2014/main" xmlns="" id="{9888B6D7-9D3F-49D7-BACE-73A9D1149A74}"/>
               </a:ext>
             </a:extLst>
           </p:cNvPr>
@@ -4831,7 +4831,7 @@
           <p:cNvPr id="4" name="页脚占位符 3">
             <a:extLst>
               <a:ext uri="{FF2B5EF4-FFF2-40B4-BE49-F238E27FC236}">
-                <a16:creationId xmlns="" xmlns:a16="http://schemas.microsoft.com/office/drawing/2014/main" id="{7AC997A4-1DD8-4731-B9FD-42398A20FF85}"/>
+                <a16:creationId xmlns:a16="http://schemas.microsoft.com/office/drawing/2014/main" xmlns="" id="{7AC997A4-1DD8-4731-B9FD-42398A20FF85}"/>
               </a:ext>
             </a:extLst>
           </p:cNvPr>
@@ -4868,7 +4868,7 @@
           <p:cNvPr id="5" name="灯片编号占位符 4">
             <a:extLst>
               <a:ext uri="{FF2B5EF4-FFF2-40B4-BE49-F238E27FC236}">
-                <a16:creationId xmlns="" xmlns:a16="http://schemas.microsoft.com/office/drawing/2014/main" id="{DBA9825E-1876-42AD-ABCF-E0E100F351CA}"/>
+                <a16:creationId xmlns:a16="http://schemas.microsoft.com/office/drawing/2014/main" xmlns="" id="{DBA9825E-1876-42AD-ABCF-E0E100F351CA}"/>
               </a:ext>
             </a:extLst>
           </p:cNvPr>
@@ -4898,7 +4898,7 @@
           <p:cNvPr id="6" name="标题 5">
             <a:extLst>
               <a:ext uri="{FF2B5EF4-FFF2-40B4-BE49-F238E27FC236}">
-                <a16:creationId xmlns="" xmlns:a16="http://schemas.microsoft.com/office/drawing/2014/main" id="{D124F9DB-C87A-423F-9657-38C7A2901430}"/>
+                <a16:creationId xmlns:a16="http://schemas.microsoft.com/office/drawing/2014/main" xmlns="" id="{D124F9DB-C87A-423F-9657-38C7A2901430}"/>
               </a:ext>
             </a:extLst>
           </p:cNvPr>
@@ -4931,7 +4931,7 @@
           <p:cNvPr id="8" name="内容占位符 7">
             <a:extLst>
               <a:ext uri="{FF2B5EF4-FFF2-40B4-BE49-F238E27FC236}">
-                <a16:creationId xmlns="" xmlns:a16="http://schemas.microsoft.com/office/drawing/2014/main" id="{2070191C-4093-409C-8FD5-7369A79637AD}"/>
+                <a16:creationId xmlns:a16="http://schemas.microsoft.com/office/drawing/2014/main" xmlns="" id="{2070191C-4093-409C-8FD5-7369A79637AD}"/>
               </a:ext>
             </a:extLst>
           </p:cNvPr>
@@ -5040,7 +5040,7 @@
           <p:cNvPr id="2" name="标题 1">
             <a:extLst>
               <a:ext uri="{FF2B5EF4-FFF2-40B4-BE49-F238E27FC236}">
-                <a16:creationId xmlns="" xmlns:a16="http://schemas.microsoft.com/office/drawing/2014/main" id="{F21C7A1C-3684-4AAF-A408-C63B6CB64104}"/>
+                <a16:creationId xmlns:a16="http://schemas.microsoft.com/office/drawing/2014/main" xmlns="" id="{F21C7A1C-3684-4AAF-A408-C63B6CB64104}"/>
               </a:ext>
             </a:extLst>
           </p:cNvPr>
@@ -5073,7 +5073,7 @@
           <p:cNvPr id="3" name="日期占位符 2">
             <a:extLst>
               <a:ext uri="{FF2B5EF4-FFF2-40B4-BE49-F238E27FC236}">
-                <a16:creationId xmlns="" xmlns:a16="http://schemas.microsoft.com/office/drawing/2014/main" id="{8986EA5F-D77D-4318-90E9-C04AA8ADC0D1}"/>
+                <a16:creationId xmlns:a16="http://schemas.microsoft.com/office/drawing/2014/main" xmlns="" id="{8986EA5F-D77D-4318-90E9-C04AA8ADC0D1}"/>
               </a:ext>
             </a:extLst>
           </p:cNvPr>
@@ -5098,7 +5098,7 @@
           <p:cNvPr id="4" name="页脚占位符 3">
             <a:extLst>
               <a:ext uri="{FF2B5EF4-FFF2-40B4-BE49-F238E27FC236}">
-                <a16:creationId xmlns="" xmlns:a16="http://schemas.microsoft.com/office/drawing/2014/main" id="{00832621-D9D9-445E-BFF9-F8348FA1E262}"/>
+                <a16:creationId xmlns:a16="http://schemas.microsoft.com/office/drawing/2014/main" xmlns="" id="{00832621-D9D9-445E-BFF9-F8348FA1E262}"/>
               </a:ext>
             </a:extLst>
           </p:cNvPr>
@@ -5135,7 +5135,7 @@
           <p:cNvPr id="5" name="灯片编号占位符 4">
             <a:extLst>
               <a:ext uri="{FF2B5EF4-FFF2-40B4-BE49-F238E27FC236}">
-                <a16:creationId xmlns="" xmlns:a16="http://schemas.microsoft.com/office/drawing/2014/main" id="{8371151B-F790-4A9F-962F-B8718A9560A9}"/>
+                <a16:creationId xmlns:a16="http://schemas.microsoft.com/office/drawing/2014/main" xmlns="" id="{8371151B-F790-4A9F-962F-B8718A9560A9}"/>
               </a:ext>
             </a:extLst>
           </p:cNvPr>
@@ -5331,7 +5331,7 @@
           <p:cNvPr id="6" name="文本占位符 5">
             <a:extLst>
               <a:ext uri="{FF2B5EF4-FFF2-40B4-BE49-F238E27FC236}">
-                <a16:creationId xmlns="" xmlns:a16="http://schemas.microsoft.com/office/drawing/2014/main" id="{05EBDA4F-7210-4CAE-8333-80DB24212E78}"/>
+                <a16:creationId xmlns:a16="http://schemas.microsoft.com/office/drawing/2014/main" xmlns="" id="{05EBDA4F-7210-4CAE-8333-80DB24212E78}"/>
               </a:ext>
             </a:extLst>
           </p:cNvPr>
@@ -5392,7 +5392,7 @@
           <p:cNvPr id="7" name="组合 6">
             <a:extLst>
               <a:ext uri="{FF2B5EF4-FFF2-40B4-BE49-F238E27FC236}">
-                <a16:creationId xmlns="" xmlns:a16="http://schemas.microsoft.com/office/drawing/2014/main" id="{5B77603F-656A-4E2F-9228-E30568A2F1D6}"/>
+                <a16:creationId xmlns:a16="http://schemas.microsoft.com/office/drawing/2014/main" xmlns="" id="{5B77603F-656A-4E2F-9228-E30568A2F1D6}"/>
               </a:ext>
             </a:extLst>
           </p:cNvPr>
@@ -5412,7 +5412,7 @@
             <p:cNvPr id="8" name="îSḻïḍè">
               <a:extLst>
                 <a:ext uri="{FF2B5EF4-FFF2-40B4-BE49-F238E27FC236}">
-                  <a16:creationId xmlns="" xmlns:a16="http://schemas.microsoft.com/office/drawing/2014/main" id="{61BDFEB9-90AA-43E9-A12B-EFFF9287F99D}"/>
+                  <a16:creationId xmlns:a16="http://schemas.microsoft.com/office/drawing/2014/main" xmlns="" id="{61BDFEB9-90AA-43E9-A12B-EFFF9287F99D}"/>
                 </a:ext>
               </a:extLst>
             </p:cNvPr>
@@ -5496,7 +5496,7 @@
             <p:cNvPr id="9" name="iṧ1îďè">
               <a:extLst>
                 <a:ext uri="{FF2B5EF4-FFF2-40B4-BE49-F238E27FC236}">
-                  <a16:creationId xmlns="" xmlns:a16="http://schemas.microsoft.com/office/drawing/2014/main" id="{D6E33435-E28A-463E-9EC6-4FEF1432AC96}"/>
+                  <a16:creationId xmlns:a16="http://schemas.microsoft.com/office/drawing/2014/main" xmlns="" id="{D6E33435-E28A-463E-9EC6-4FEF1432AC96}"/>
                 </a:ext>
               </a:extLst>
             </p:cNvPr>
@@ -5589,7 +5589,7 @@
             <p:cNvPr id="10" name="íŝ1îḑê">
               <a:extLst>
                 <a:ext uri="{FF2B5EF4-FFF2-40B4-BE49-F238E27FC236}">
-                  <a16:creationId xmlns="" xmlns:a16="http://schemas.microsoft.com/office/drawing/2014/main" id="{9304A826-F780-4CF2-AEA1-5EB7122B87CE}"/>
+                  <a16:creationId xmlns:a16="http://schemas.microsoft.com/office/drawing/2014/main" xmlns="" id="{9304A826-F780-4CF2-AEA1-5EB7122B87CE}"/>
                 </a:ext>
               </a:extLst>
             </p:cNvPr>
@@ -5674,7 +5674,7 @@
             <p:cNvPr id="11" name="îṩľîḋè">
               <a:extLst>
                 <a:ext uri="{FF2B5EF4-FFF2-40B4-BE49-F238E27FC236}">
-                  <a16:creationId xmlns="" xmlns:a16="http://schemas.microsoft.com/office/drawing/2014/main" id="{276A2E36-748D-419C-9EE2-5DF2A51BE0C6}"/>
+                  <a16:creationId xmlns:a16="http://schemas.microsoft.com/office/drawing/2014/main" xmlns="" id="{276A2E36-748D-419C-9EE2-5DF2A51BE0C6}"/>
                 </a:ext>
               </a:extLst>
             </p:cNvPr>
@@ -5759,7 +5759,7 @@
             <p:cNvPr id="12" name="íṡ1ïḓe">
               <a:extLst>
                 <a:ext uri="{FF2B5EF4-FFF2-40B4-BE49-F238E27FC236}">
-                  <a16:creationId xmlns="" xmlns:a16="http://schemas.microsoft.com/office/drawing/2014/main" id="{20A4A09F-DE16-4168-819D-7F31D973EC1A}"/>
+                  <a16:creationId xmlns:a16="http://schemas.microsoft.com/office/drawing/2014/main" xmlns="" id="{20A4A09F-DE16-4168-819D-7F31D973EC1A}"/>
                 </a:ext>
               </a:extLst>
             </p:cNvPr>
@@ -5824,7 +5824,7 @@
             <p:cNvPr id="14" name="ïŝlîḍê">
               <a:extLst>
                 <a:ext uri="{FF2B5EF4-FFF2-40B4-BE49-F238E27FC236}">
-                  <a16:creationId xmlns="" xmlns:a16="http://schemas.microsoft.com/office/drawing/2014/main" id="{F8657E4E-B533-4A5A-9F5F-E5BE8ACB5AD2}"/>
+                  <a16:creationId xmlns:a16="http://schemas.microsoft.com/office/drawing/2014/main" xmlns="" id="{F8657E4E-B533-4A5A-9F5F-E5BE8ACB5AD2}"/>
                 </a:ext>
               </a:extLst>
             </p:cNvPr>
@@ -5889,7 +5889,7 @@
             <p:cNvPr id="16" name="íṧlîḓé">
               <a:extLst>
                 <a:ext uri="{FF2B5EF4-FFF2-40B4-BE49-F238E27FC236}">
-                  <a16:creationId xmlns="" xmlns:a16="http://schemas.microsoft.com/office/drawing/2014/main" id="{FD71861F-C75F-4733-AFC9-3907B077276A}"/>
+                  <a16:creationId xmlns:a16="http://schemas.microsoft.com/office/drawing/2014/main" xmlns="" id="{FD71861F-C75F-4733-AFC9-3907B077276A}"/>
                 </a:ext>
               </a:extLst>
             </p:cNvPr>
@@ -5984,7 +5984,7 @@
             <p:cNvPr id="17" name="îṡľiḑè">
               <a:extLst>
                 <a:ext uri="{FF2B5EF4-FFF2-40B4-BE49-F238E27FC236}">
-                  <a16:creationId xmlns="" xmlns:a16="http://schemas.microsoft.com/office/drawing/2014/main" id="{C5F246DD-0425-467A-8E23-DF1922ED4240}"/>
+                  <a16:creationId xmlns:a16="http://schemas.microsoft.com/office/drawing/2014/main" xmlns="" id="{C5F246DD-0425-467A-8E23-DF1922ED4240}"/>
                 </a:ext>
               </a:extLst>
             </p:cNvPr>
@@ -6059,7 +6059,7 @@
             <p:cNvPr id="18" name="íš1ïḑé">
               <a:extLst>
                 <a:ext uri="{FF2B5EF4-FFF2-40B4-BE49-F238E27FC236}">
-                  <a16:creationId xmlns="" xmlns:a16="http://schemas.microsoft.com/office/drawing/2014/main" id="{EB196468-BCAE-4BF5-B491-B37AF459C2E0}"/>
+                  <a16:creationId xmlns:a16="http://schemas.microsoft.com/office/drawing/2014/main" xmlns="" id="{EB196468-BCAE-4BF5-B491-B37AF459C2E0}"/>
                 </a:ext>
               </a:extLst>
             </p:cNvPr>
@@ -6134,7 +6134,7 @@
             <p:cNvPr id="19" name="ïṧḷîḍe">
               <a:extLst>
                 <a:ext uri="{FF2B5EF4-FFF2-40B4-BE49-F238E27FC236}">
-                  <a16:creationId xmlns="" xmlns:a16="http://schemas.microsoft.com/office/drawing/2014/main" id="{9A980BB4-0B9C-4CE7-B965-86D1DCCFF04C}"/>
+                  <a16:creationId xmlns:a16="http://schemas.microsoft.com/office/drawing/2014/main" xmlns="" id="{9A980BB4-0B9C-4CE7-B965-86D1DCCFF04C}"/>
                 </a:ext>
               </a:extLst>
             </p:cNvPr>
@@ -6209,7 +6209,7 @@
             <p:cNvPr id="20" name="iṡḻïḑe">
               <a:extLst>
                 <a:ext uri="{FF2B5EF4-FFF2-40B4-BE49-F238E27FC236}">
-                  <a16:creationId xmlns="" xmlns:a16="http://schemas.microsoft.com/office/drawing/2014/main" id="{D932A797-F983-471B-BFA8-F7F77258FAF6}"/>
+                  <a16:creationId xmlns:a16="http://schemas.microsoft.com/office/drawing/2014/main" xmlns="" id="{D932A797-F983-471B-BFA8-F7F77258FAF6}"/>
                 </a:ext>
               </a:extLst>
             </p:cNvPr>
@@ -6274,7 +6274,7 @@
             <p:cNvPr id="21" name="iṣliḋê">
               <a:extLst>
                 <a:ext uri="{FF2B5EF4-FFF2-40B4-BE49-F238E27FC236}">
-                  <a16:creationId xmlns="" xmlns:a16="http://schemas.microsoft.com/office/drawing/2014/main" id="{14E4C1FF-2C4A-414E-B7C1-76FC09803579}"/>
+                  <a16:creationId xmlns:a16="http://schemas.microsoft.com/office/drawing/2014/main" xmlns="" id="{14E4C1FF-2C4A-414E-B7C1-76FC09803579}"/>
                 </a:ext>
               </a:extLst>
             </p:cNvPr>
@@ -6339,7 +6339,7 @@
             <p:cNvPr id="22" name="îsḷïdê">
               <a:extLst>
                 <a:ext uri="{FF2B5EF4-FFF2-40B4-BE49-F238E27FC236}">
-                  <a16:creationId xmlns="" xmlns:a16="http://schemas.microsoft.com/office/drawing/2014/main" id="{22AC134A-B7EA-4D73-BF21-DE75251C3AB3}"/>
+                  <a16:creationId xmlns:a16="http://schemas.microsoft.com/office/drawing/2014/main" xmlns="" id="{22AC134A-B7EA-4D73-BF21-DE75251C3AB3}"/>
                 </a:ext>
               </a:extLst>
             </p:cNvPr>
@@ -6401,7 +6401,7 @@
             <p:cNvPr id="23" name="i$ḻïḍê">
               <a:extLst>
                 <a:ext uri="{FF2B5EF4-FFF2-40B4-BE49-F238E27FC236}">
-                  <a16:creationId xmlns="" xmlns:a16="http://schemas.microsoft.com/office/drawing/2014/main" id="{B2525ADC-09FA-43DB-8CDF-85CDAC67D7D6}"/>
+                  <a16:creationId xmlns:a16="http://schemas.microsoft.com/office/drawing/2014/main" xmlns="" id="{B2525ADC-09FA-43DB-8CDF-85CDAC67D7D6}"/>
                 </a:ext>
               </a:extLst>
             </p:cNvPr>
@@ -6463,7 +6463,7 @@
             <p:cNvPr id="24" name="iş1îďé">
               <a:extLst>
                 <a:ext uri="{FF2B5EF4-FFF2-40B4-BE49-F238E27FC236}">
-                  <a16:creationId xmlns="" xmlns:a16="http://schemas.microsoft.com/office/drawing/2014/main" id="{5797D739-E4EF-4020-8521-6BC146B06A4D}"/>
+                  <a16:creationId xmlns:a16="http://schemas.microsoft.com/office/drawing/2014/main" xmlns="" id="{5797D739-E4EF-4020-8521-6BC146B06A4D}"/>
                 </a:ext>
               </a:extLst>
             </p:cNvPr>
@@ -6525,7 +6525,7 @@
             <p:cNvPr id="25" name="iṧľiḍè">
               <a:extLst>
                 <a:ext uri="{FF2B5EF4-FFF2-40B4-BE49-F238E27FC236}">
-                  <a16:creationId xmlns="" xmlns:a16="http://schemas.microsoft.com/office/drawing/2014/main" id="{420139AB-8C14-45D0-B524-2B38E2B5CC4C}"/>
+                  <a16:creationId xmlns:a16="http://schemas.microsoft.com/office/drawing/2014/main" xmlns="" id="{420139AB-8C14-45D0-B524-2B38E2B5CC4C}"/>
                 </a:ext>
               </a:extLst>
             </p:cNvPr>
@@ -6587,7 +6587,7 @@
             <p:cNvPr id="26" name="îŝḷiďê">
               <a:extLst>
                 <a:ext uri="{FF2B5EF4-FFF2-40B4-BE49-F238E27FC236}">
-                  <a16:creationId xmlns="" xmlns:a16="http://schemas.microsoft.com/office/drawing/2014/main" id="{C2086326-1FF1-4885-9F22-89D180415FAD}"/>
+                  <a16:creationId xmlns:a16="http://schemas.microsoft.com/office/drawing/2014/main" xmlns="" id="{C2086326-1FF1-4885-9F22-89D180415FAD}"/>
                 </a:ext>
               </a:extLst>
             </p:cNvPr>
@@ -6683,7 +6683,7 @@
             <p:cNvPr id="27" name="ï$ḷiḍé">
               <a:extLst>
                 <a:ext uri="{FF2B5EF4-FFF2-40B4-BE49-F238E27FC236}">
-                  <a16:creationId xmlns="" xmlns:a16="http://schemas.microsoft.com/office/drawing/2014/main" id="{6DB36021-5313-40A9-920B-CBDED876EF45}"/>
+                  <a16:creationId xmlns:a16="http://schemas.microsoft.com/office/drawing/2014/main" xmlns="" id="{6DB36021-5313-40A9-920B-CBDED876EF45}"/>
                 </a:ext>
               </a:extLst>
             </p:cNvPr>
@@ -6745,7 +6745,7 @@
             <p:cNvPr id="28" name="ïşḷïḍe">
               <a:extLst>
                 <a:ext uri="{FF2B5EF4-FFF2-40B4-BE49-F238E27FC236}">
-                  <a16:creationId xmlns="" xmlns:a16="http://schemas.microsoft.com/office/drawing/2014/main" id="{6E199C5B-BAA8-49E4-BEB5-B476BF8BC2B1}"/>
+                  <a16:creationId xmlns:a16="http://schemas.microsoft.com/office/drawing/2014/main" xmlns="" id="{6E199C5B-BAA8-49E4-BEB5-B476BF8BC2B1}"/>
                 </a:ext>
               </a:extLst>
             </p:cNvPr>
@@ -6807,7 +6807,7 @@
             <p:cNvPr id="29" name="i$ḻïďé">
               <a:extLst>
                 <a:ext uri="{FF2B5EF4-FFF2-40B4-BE49-F238E27FC236}">
-                  <a16:creationId xmlns="" xmlns:a16="http://schemas.microsoft.com/office/drawing/2014/main" id="{6D1C2096-6C60-4112-830E-BF0A8DBC9AFC}"/>
+                  <a16:creationId xmlns:a16="http://schemas.microsoft.com/office/drawing/2014/main" xmlns="" id="{6D1C2096-6C60-4112-830E-BF0A8DBC9AFC}"/>
                 </a:ext>
               </a:extLst>
             </p:cNvPr>
@@ -6869,7 +6869,7 @@
             <p:cNvPr id="30" name="iṩḷîďè">
               <a:extLst>
                 <a:ext uri="{FF2B5EF4-FFF2-40B4-BE49-F238E27FC236}">
-                  <a16:creationId xmlns="" xmlns:a16="http://schemas.microsoft.com/office/drawing/2014/main" id="{8E2F55A0-1F8B-4DF8-9692-0E52FB38C449}"/>
+                  <a16:creationId xmlns:a16="http://schemas.microsoft.com/office/drawing/2014/main" xmlns="" id="{8E2F55A0-1F8B-4DF8-9692-0E52FB38C449}"/>
                 </a:ext>
               </a:extLst>
             </p:cNvPr>
@@ -6931,7 +6931,7 @@
             <p:cNvPr id="31" name="îśḷiḋè">
               <a:extLst>
                 <a:ext uri="{FF2B5EF4-FFF2-40B4-BE49-F238E27FC236}">
-                  <a16:creationId xmlns="" xmlns:a16="http://schemas.microsoft.com/office/drawing/2014/main" id="{FAEFDB25-C311-444C-8211-CA9D0D3E76C7}"/>
+                  <a16:creationId xmlns:a16="http://schemas.microsoft.com/office/drawing/2014/main" xmlns="" id="{FAEFDB25-C311-444C-8211-CA9D0D3E76C7}"/>
                 </a:ext>
               </a:extLst>
             </p:cNvPr>
@@ -6993,7 +6993,7 @@
             <p:cNvPr id="32" name="işlïďe">
               <a:extLst>
                 <a:ext uri="{FF2B5EF4-FFF2-40B4-BE49-F238E27FC236}">
-                  <a16:creationId xmlns="" xmlns:a16="http://schemas.microsoft.com/office/drawing/2014/main" id="{6F7FE01D-44F0-4E78-AA22-48B1A54F44A8}"/>
+                  <a16:creationId xmlns:a16="http://schemas.microsoft.com/office/drawing/2014/main" xmlns="" id="{6F7FE01D-44F0-4E78-AA22-48B1A54F44A8}"/>
                 </a:ext>
               </a:extLst>
             </p:cNvPr>
@@ -7055,7 +7055,7 @@
             <p:cNvPr id="33" name="iṧļîďê">
               <a:extLst>
                 <a:ext uri="{FF2B5EF4-FFF2-40B4-BE49-F238E27FC236}">
-                  <a16:creationId xmlns="" xmlns:a16="http://schemas.microsoft.com/office/drawing/2014/main" id="{E43ABFED-9DCE-4780-A17B-F275913025D6}"/>
+                  <a16:creationId xmlns:a16="http://schemas.microsoft.com/office/drawing/2014/main" xmlns="" id="{E43ABFED-9DCE-4780-A17B-F275913025D6}"/>
                 </a:ext>
               </a:extLst>
             </p:cNvPr>
@@ -7117,7 +7117,7 @@
             <p:cNvPr id="34" name="ïśľide">
               <a:extLst>
                 <a:ext uri="{FF2B5EF4-FFF2-40B4-BE49-F238E27FC236}">
-                  <a16:creationId xmlns="" xmlns:a16="http://schemas.microsoft.com/office/drawing/2014/main" id="{764B5643-59A7-4278-9C6C-C0772E988BD1}"/>
+                  <a16:creationId xmlns:a16="http://schemas.microsoft.com/office/drawing/2014/main" xmlns="" id="{764B5643-59A7-4278-9C6C-C0772E988BD1}"/>
                 </a:ext>
               </a:extLst>
             </p:cNvPr>
@@ -7179,7 +7179,7 @@
             <p:cNvPr id="35" name="îṣḷiďè">
               <a:extLst>
                 <a:ext uri="{FF2B5EF4-FFF2-40B4-BE49-F238E27FC236}">
-                  <a16:creationId xmlns="" xmlns:a16="http://schemas.microsoft.com/office/drawing/2014/main" id="{A35CCFB0-B280-422B-A372-F1E8A7B37BB7}"/>
+                  <a16:creationId xmlns:a16="http://schemas.microsoft.com/office/drawing/2014/main" xmlns="" id="{A35CCFB0-B280-422B-A372-F1E8A7B37BB7}"/>
                 </a:ext>
               </a:extLst>
             </p:cNvPr>
@@ -7275,7 +7275,7 @@
             <p:cNvPr id="36" name="i$líḓe">
               <a:extLst>
                 <a:ext uri="{FF2B5EF4-FFF2-40B4-BE49-F238E27FC236}">
-                  <a16:creationId xmlns="" xmlns:a16="http://schemas.microsoft.com/office/drawing/2014/main" id="{7F0DCF35-E893-4225-90D5-FBFE48B4C496}"/>
+                  <a16:creationId xmlns:a16="http://schemas.microsoft.com/office/drawing/2014/main" xmlns="" id="{7F0DCF35-E893-4225-90D5-FBFE48B4C496}"/>
                 </a:ext>
               </a:extLst>
             </p:cNvPr>
@@ -7340,7 +7340,7 @@
             <p:cNvPr id="37" name="ïṣḷíḓè">
               <a:extLst>
                 <a:ext uri="{FF2B5EF4-FFF2-40B4-BE49-F238E27FC236}">
-                  <a16:creationId xmlns="" xmlns:a16="http://schemas.microsoft.com/office/drawing/2014/main" id="{A4220D05-442F-428F-ACAE-0BDB7327EE45}"/>
+                  <a16:creationId xmlns:a16="http://schemas.microsoft.com/office/drawing/2014/main" xmlns="" id="{A4220D05-442F-428F-ACAE-0BDB7327EE45}"/>
                 </a:ext>
               </a:extLst>
             </p:cNvPr>
@@ -7480,7 +7480,7 @@
             <p:cNvPr id="38" name="ïślîḓe">
               <a:extLst>
                 <a:ext uri="{FF2B5EF4-FFF2-40B4-BE49-F238E27FC236}">
-                  <a16:creationId xmlns="" xmlns:a16="http://schemas.microsoft.com/office/drawing/2014/main" id="{CA00A810-C422-493F-8762-928602E1666F}"/>
+                  <a16:creationId xmlns:a16="http://schemas.microsoft.com/office/drawing/2014/main" xmlns="" id="{CA00A810-C422-493F-8762-928602E1666F}"/>
                 </a:ext>
               </a:extLst>
             </p:cNvPr>
@@ -7542,7 +7542,7 @@
             <p:cNvPr id="39" name="iṥļïďé">
               <a:extLst>
                 <a:ext uri="{FF2B5EF4-FFF2-40B4-BE49-F238E27FC236}">
-                  <a16:creationId xmlns="" xmlns:a16="http://schemas.microsoft.com/office/drawing/2014/main" id="{8731F971-066B-40AA-B136-58B67564B7ED}"/>
+                  <a16:creationId xmlns:a16="http://schemas.microsoft.com/office/drawing/2014/main" xmlns="" id="{8731F971-066B-40AA-B136-58B67564B7ED}"/>
                 </a:ext>
               </a:extLst>
             </p:cNvPr>
@@ -7604,7 +7604,7 @@
             <p:cNvPr id="40" name="iślíḓé">
               <a:extLst>
                 <a:ext uri="{FF2B5EF4-FFF2-40B4-BE49-F238E27FC236}">
-                  <a16:creationId xmlns="" xmlns:a16="http://schemas.microsoft.com/office/drawing/2014/main" id="{2AABD586-6310-40FF-82C3-735CEE851897}"/>
+                  <a16:creationId xmlns:a16="http://schemas.microsoft.com/office/drawing/2014/main" xmlns="" id="{2AABD586-6310-40FF-82C3-735CEE851897}"/>
                 </a:ext>
               </a:extLst>
             </p:cNvPr>
@@ -7666,7 +7666,7 @@
             <p:cNvPr id="41" name="îşḻïḑé">
               <a:extLst>
                 <a:ext uri="{FF2B5EF4-FFF2-40B4-BE49-F238E27FC236}">
-                  <a16:creationId xmlns="" xmlns:a16="http://schemas.microsoft.com/office/drawing/2014/main" id="{0BDE1E9B-62A3-46F4-AB87-D02F1D6E213F}"/>
+                  <a16:creationId xmlns:a16="http://schemas.microsoft.com/office/drawing/2014/main" xmlns="" id="{0BDE1E9B-62A3-46F4-AB87-D02F1D6E213F}"/>
                 </a:ext>
               </a:extLst>
             </p:cNvPr>
@@ -7728,7 +7728,7 @@
             <p:cNvPr id="42" name="iš1îḓe">
               <a:extLst>
                 <a:ext uri="{FF2B5EF4-FFF2-40B4-BE49-F238E27FC236}">
-                  <a16:creationId xmlns="" xmlns:a16="http://schemas.microsoft.com/office/drawing/2014/main" id="{1846F9CF-B441-4677-B6B7-A82071C6A24C}"/>
+                  <a16:creationId xmlns:a16="http://schemas.microsoft.com/office/drawing/2014/main" xmlns="" id="{1846F9CF-B441-4677-B6B7-A82071C6A24C}"/>
                 </a:ext>
               </a:extLst>
             </p:cNvPr>
@@ -7790,7 +7790,7 @@
             <p:cNvPr id="43" name="iṣļïḋê">
               <a:extLst>
                 <a:ext uri="{FF2B5EF4-FFF2-40B4-BE49-F238E27FC236}">
-                  <a16:creationId xmlns="" xmlns:a16="http://schemas.microsoft.com/office/drawing/2014/main" id="{E6025A34-46AE-457E-AC6F-3CE06D5B4606}"/>
+                  <a16:creationId xmlns:a16="http://schemas.microsoft.com/office/drawing/2014/main" xmlns="" id="{E6025A34-46AE-457E-AC6F-3CE06D5B4606}"/>
                 </a:ext>
               </a:extLst>
             </p:cNvPr>
@@ -7852,7 +7852,7 @@
             <p:cNvPr id="44" name="ïṧḻîdè">
               <a:extLst>
                 <a:ext uri="{FF2B5EF4-FFF2-40B4-BE49-F238E27FC236}">
-                  <a16:creationId xmlns="" xmlns:a16="http://schemas.microsoft.com/office/drawing/2014/main" id="{B3B1207A-F631-4D74-AF71-25164BFA4732}"/>
+                  <a16:creationId xmlns:a16="http://schemas.microsoft.com/office/drawing/2014/main" xmlns="" id="{B3B1207A-F631-4D74-AF71-25164BFA4732}"/>
                 </a:ext>
               </a:extLst>
             </p:cNvPr>
@@ -7914,7 +7914,7 @@
             <p:cNvPr id="45" name="ïṩlîḋè">
               <a:extLst>
                 <a:ext uri="{FF2B5EF4-FFF2-40B4-BE49-F238E27FC236}">
-                  <a16:creationId xmlns="" xmlns:a16="http://schemas.microsoft.com/office/drawing/2014/main" id="{BD4629EF-6FD7-495B-BABC-2117635C362D}"/>
+                  <a16:creationId xmlns:a16="http://schemas.microsoft.com/office/drawing/2014/main" xmlns="" id="{BD4629EF-6FD7-495B-BABC-2117635C362D}"/>
                 </a:ext>
               </a:extLst>
             </p:cNvPr>
@@ -7985,7 +7985,7 @@
             <p:cNvPr id="46" name="îśḻiḑê">
               <a:extLst>
                 <a:ext uri="{FF2B5EF4-FFF2-40B4-BE49-F238E27FC236}">
-                  <a16:creationId xmlns="" xmlns:a16="http://schemas.microsoft.com/office/drawing/2014/main" id="{CEEE656F-2B58-452E-8C4C-A5DC9C34C5FE}"/>
+                  <a16:creationId xmlns:a16="http://schemas.microsoft.com/office/drawing/2014/main" xmlns="" id="{CEEE656F-2B58-452E-8C4C-A5DC9C34C5FE}"/>
                 </a:ext>
               </a:extLst>
             </p:cNvPr>
@@ -8056,7 +8056,7 @@
             <p:cNvPr id="47" name="ísļîḓê">
               <a:extLst>
                 <a:ext uri="{FF2B5EF4-FFF2-40B4-BE49-F238E27FC236}">
-                  <a16:creationId xmlns="" xmlns:a16="http://schemas.microsoft.com/office/drawing/2014/main" id="{30046525-C92C-4D8E-AA3B-B52FFA1759D5}"/>
+                  <a16:creationId xmlns:a16="http://schemas.microsoft.com/office/drawing/2014/main" xmlns="" id="{30046525-C92C-4D8E-AA3B-B52FFA1759D5}"/>
                 </a:ext>
               </a:extLst>
             </p:cNvPr>
@@ -8394,7 +8394,7 @@
           <p:cNvPr id="8" name="日期占位符 7">
             <a:extLst>
               <a:ext uri="{FF2B5EF4-FFF2-40B4-BE49-F238E27FC236}">
-                <a16:creationId xmlns="" xmlns:a16="http://schemas.microsoft.com/office/drawing/2014/main" id="{04388434-9949-479C-A9C3-67A953F6A939}"/>
+                <a16:creationId xmlns:a16="http://schemas.microsoft.com/office/drawing/2014/main" xmlns="" id="{04388434-9949-479C-A9C3-67A953F6A939}"/>
               </a:ext>
             </a:extLst>
           </p:cNvPr>
@@ -8438,7 +8438,7 @@
           <p:cNvPr id="9" name="页脚占位符 8">
             <a:extLst>
               <a:ext uri="{FF2B5EF4-FFF2-40B4-BE49-F238E27FC236}">
-                <a16:creationId xmlns="" xmlns:a16="http://schemas.microsoft.com/office/drawing/2014/main" id="{50A5656E-7A33-4865-A262-1F96263BAA16}"/>
+                <a16:creationId xmlns:a16="http://schemas.microsoft.com/office/drawing/2014/main" xmlns="" id="{50A5656E-7A33-4865-A262-1F96263BAA16}"/>
               </a:ext>
             </a:extLst>
           </p:cNvPr>
@@ -8494,7 +8494,7 @@
           <p:cNvPr id="10" name="灯片编号占位符 9">
             <a:extLst>
               <a:ext uri="{FF2B5EF4-FFF2-40B4-BE49-F238E27FC236}">
-                <a16:creationId xmlns="" xmlns:a16="http://schemas.microsoft.com/office/drawing/2014/main" id="{5BF52F79-380E-4278-8B67-588AFE5840F9}"/>
+                <a16:creationId xmlns:a16="http://schemas.microsoft.com/office/drawing/2014/main" xmlns="" id="{5BF52F79-380E-4278-8B67-588AFE5840F9}"/>
               </a:ext>
             </a:extLst>
           </p:cNvPr>
@@ -8837,7 +8837,7 @@
   </p:txStyles>
   <p:extLst>
     <p:ext uri="{27BBF7A9-308A-43DC-89C8-2F10F3537804}">
-      <p15:sldGuideLst xmlns="" xmlns:p15="http://schemas.microsoft.com/office/powerpoint/2012/main">
+      <p15:sldGuideLst xmlns:p15="http://schemas.microsoft.com/office/powerpoint/2012/main" xmlns="">
         <p15:guide id="1" pos="422" userDrawn="1">
           <p15:clr>
             <a:srgbClr val="F26B43"/>
@@ -8896,7 +8896,7 @@
           <p:cNvPr id="3" name="ïṩḷiḑé" hidden="1">
             <a:extLst>
               <a:ext uri="{FF2B5EF4-FFF2-40B4-BE49-F238E27FC236}">
-                <a16:creationId xmlns="" xmlns:a16="http://schemas.microsoft.com/office/drawing/2014/main" id="{3C326D0B-7DAB-41B6-8030-2E4A18CC949B}"/>
+                <a16:creationId xmlns:a16="http://schemas.microsoft.com/office/drawing/2014/main" xmlns="" id="{3C326D0B-7DAB-41B6-8030-2E4A18CC949B}"/>
               </a:ext>
             </a:extLst>
           </p:cNvPr>
@@ -8919,7 +8919,7 @@
           <a:graphicData uri="http://schemas.openxmlformats.org/presentationml/2006/ole">
             <mc:AlternateContent xmlns:mc="http://schemas.openxmlformats.org/markup-compatibility/2006">
               <mc:Choice xmlns:v="urn:schemas-microsoft-com:vml" Requires="v">
-                <p:oleObj spid="_x0000_s1121" name="think-cell Slide" r:id="rId5" imgW="347" imgH="348" progId="TCLayout.ActiveDocument.1">
+                <p:oleObj spid="_x0000_s1124" name="think-cell Slide" r:id="rId5" imgW="347" imgH="348" progId="TCLayout.ActiveDocument.1">
                   <p:embed/>
                 </p:oleObj>
               </mc:Choice>
@@ -8931,7 +8931,7 @@
                       <p:cNvPr id="3" name="iş1iďé" hidden="1">
                         <a:extLst>
                           <a:ext uri="{FF2B5EF4-FFF2-40B4-BE49-F238E27FC236}">
-                            <a16:creationId xmlns="" xmlns:a16="http://schemas.microsoft.com/office/drawing/2014/main" id="{3C326D0B-7DAB-41B6-8030-2E4A18CC949B}"/>
+                            <a16:creationId xmlns:a16="http://schemas.microsoft.com/office/drawing/2014/main" xmlns="" id="{3C326D0B-7DAB-41B6-8030-2E4A18CC949B}"/>
                           </a:ext>
                         </a:extLst>
                       </p:cNvPr>
@@ -8965,7 +8965,7 @@
           <p:cNvPr id="2" name="ïsľîḑè" hidden="1">
             <a:extLst>
               <a:ext uri="{FF2B5EF4-FFF2-40B4-BE49-F238E27FC236}">
-                <a16:creationId xmlns="" xmlns:a16="http://schemas.microsoft.com/office/drawing/2014/main" id="{EC933494-1B63-4A32-964F-D05236799BAA}"/>
+                <a16:creationId xmlns:a16="http://schemas.microsoft.com/office/drawing/2014/main" xmlns="" id="{EC933494-1B63-4A32-964F-D05236799BAA}"/>
               </a:ext>
             </a:extLst>
           </p:cNvPr>
@@ -10304,7 +10304,7 @@
           <p:cNvPr id="9" name="î$ḷíḋé">
             <a:extLst>
               <a:ext uri="{FF2B5EF4-FFF2-40B4-BE49-F238E27FC236}">
-                <a16:creationId xmlns="" xmlns:a16="http://schemas.microsoft.com/office/drawing/2014/main" id="{04F69230-F3A6-4586-9371-A858F4763E9F}"/>
+                <a16:creationId xmlns:a16="http://schemas.microsoft.com/office/drawing/2014/main" xmlns="" id="{04F69230-F3A6-4586-9371-A858F4763E9F}"/>
               </a:ext>
             </a:extLst>
           </p:cNvPr>
@@ -12411,7 +12411,7 @@
           <p:cNvPr id="2" name="íSliḓè">
             <a:extLst>
               <a:ext uri="{FF2B5EF4-FFF2-40B4-BE49-F238E27FC236}">
-                <a16:creationId xmlns="" xmlns:a16="http://schemas.microsoft.com/office/drawing/2014/main" id="{C0498D3A-B738-48EC-A39C-94C58B88932B}"/>
+                <a16:creationId xmlns:a16="http://schemas.microsoft.com/office/drawing/2014/main" xmlns="" id="{C0498D3A-B738-48EC-A39C-94C58B88932B}"/>
               </a:ext>
             </a:extLst>
           </p:cNvPr>
@@ -12431,7 +12431,7 @@
             <p:cNvPr id="6" name="íSļïdè" descr="本素材由iSlide™ 提供&#10;iSlide™尊重知识产权并注重保护用户享有的各项权利。郑重提醒您：&#10;iSlide™插件中提供的任何信息内容的所有权、知识产权归其原始权利人或权利受让人所有，您免费/购买获得的是信息内容的使用权，并受下述条款的约束；&#10;1. 您仅可以个人非商业用途使用该等信息内容，不可将信息内容的全部或部分用于出售，或以出租、出借、转让、分销、发布等其他任何方式供他人使用；&#10;2. 禁止在接入互联网或移动互联网的任何网站、平台、应用或程序上以任何方式为他人提供iSlide™插件资源内容的下载。&#10;The resource is supplied by iSlide™.&#10;iSlide™ respects all intellectual property rights and protects all the rights its users acquired.Solemnly remind you:&#10;The ownership and intellectual property of the resources supplied in iSlide Add-in belongs to its owner or the assignee of this ownership.you only acquired the usage of the resources supplied in iSlide Add-in, as well as respected the following restrain terms:&#10;1.You are only allowed to use such resource for personal and non-commercial aim, not allowed to use such resource or part of it for the sale; or rent, lend, transfer to others; or distribution or release it in any way.&#10;2.You are not permitted to provide the resource of iSlide Add-in in any website, platform, application access to the Internet or mobile Internet." title="iSlide™ 版权声明  COPYRIGHT NOTICE">
               <a:extLst>
                 <a:ext uri="{FF2B5EF4-FFF2-40B4-BE49-F238E27FC236}">
-                  <a16:creationId xmlns="" xmlns:a16="http://schemas.microsoft.com/office/drawing/2014/main" id="{A759C196-DA28-4241-ABB5-975367026FE9}"/>
+                  <a16:creationId xmlns:a16="http://schemas.microsoft.com/office/drawing/2014/main" xmlns="" id="{A759C196-DA28-4241-ABB5-975367026FE9}"/>
                 </a:ext>
               </a:extLst>
             </p:cNvPr>
@@ -12453,7 +12453,7 @@
               <p:cNvPr id="7" name="îṩḷiḓè">
                 <a:extLst>
                   <a:ext uri="{FF2B5EF4-FFF2-40B4-BE49-F238E27FC236}">
-                    <a16:creationId xmlns="" xmlns:a16="http://schemas.microsoft.com/office/drawing/2014/main" id="{48F70259-7598-4270-874A-6F50772D10F6}"/>
+                    <a16:creationId xmlns:a16="http://schemas.microsoft.com/office/drawing/2014/main" xmlns="" id="{48F70259-7598-4270-874A-6F50772D10F6}"/>
                   </a:ext>
                 </a:extLst>
               </p:cNvPr>
@@ -12718,7 +12718,7 @@
               <p:cNvPr id="8" name="îŝľiḋê">
                 <a:extLst>
                   <a:ext uri="{FF2B5EF4-FFF2-40B4-BE49-F238E27FC236}">
-                    <a16:creationId xmlns="" xmlns:a16="http://schemas.microsoft.com/office/drawing/2014/main" id="{DA1FB18E-FA01-4588-BEF9-FB96A98A84D4}"/>
+                    <a16:creationId xmlns:a16="http://schemas.microsoft.com/office/drawing/2014/main" xmlns="" id="{DA1FB18E-FA01-4588-BEF9-FB96A98A84D4}"/>
                   </a:ext>
                 </a:extLst>
               </p:cNvPr>
@@ -12757,7 +12757,7 @@
               <p:cNvPr id="9" name="ïsľiďé">
                 <a:extLst>
                   <a:ext uri="{FF2B5EF4-FFF2-40B4-BE49-F238E27FC236}">
-                    <a16:creationId xmlns="" xmlns:a16="http://schemas.microsoft.com/office/drawing/2014/main" id="{0DB1D0A1-2667-455C-9387-D7ABF0A00B8C}"/>
+                    <a16:creationId xmlns:a16="http://schemas.microsoft.com/office/drawing/2014/main" xmlns="" id="{0DB1D0A1-2667-455C-9387-D7ABF0A00B8C}"/>
                   </a:ext>
                 </a:extLst>
               </p:cNvPr>
@@ -12829,7 +12829,7 @@
             <p:cNvPr id="10" name="ïṩļiḋe">
               <a:extLst>
                 <a:ext uri="{FF2B5EF4-FFF2-40B4-BE49-F238E27FC236}">
-                  <a16:creationId xmlns="" xmlns:a16="http://schemas.microsoft.com/office/drawing/2014/main" id="{ADAD6BE3-DC11-4582-9F68-50D831ADD001}"/>
+                  <a16:creationId xmlns:a16="http://schemas.microsoft.com/office/drawing/2014/main" xmlns="" id="{ADAD6BE3-DC11-4582-9F68-50D831ADD001}"/>
                 </a:ext>
               </a:extLst>
             </p:cNvPr>
@@ -13596,7 +13596,7 @@
           <p:cNvPr id="9" name="î$ḷíḋé">
             <a:extLst>
               <a:ext uri="{FF2B5EF4-FFF2-40B4-BE49-F238E27FC236}">
-                <a16:creationId xmlns="" xmlns:a16="http://schemas.microsoft.com/office/drawing/2014/main" id="{04F69230-F3A6-4586-9371-A858F4763E9F}"/>
+                <a16:creationId xmlns:a16="http://schemas.microsoft.com/office/drawing/2014/main" xmlns="" id="{04F69230-F3A6-4586-9371-A858F4763E9F}"/>
               </a:ext>
             </a:extLst>
           </p:cNvPr>
@@ -13729,7 +13729,7 @@
           <p:cNvPr id="4" name="標題 3">
             <a:extLst>
               <a:ext uri="{FF2B5EF4-FFF2-40B4-BE49-F238E27FC236}">
-                <a16:creationId xmlns="" xmlns:a16="http://schemas.microsoft.com/office/drawing/2014/main" id="{DBF93AE9-6C3C-43A2-A10D-A15C50A25746}"/>
+                <a16:creationId xmlns:a16="http://schemas.microsoft.com/office/drawing/2014/main" xmlns="" id="{DBF93AE9-6C3C-43A2-A10D-A15C50A25746}"/>
               </a:ext>
             </a:extLst>
           </p:cNvPr>
@@ -13747,11 +13747,7 @@
           <a:p>
             <a:r>
               <a:rPr lang="en-US" altLang="zh-TW" dirty="0" smtClean="0"/>
-              <a:t>LSTM</a:t>
-            </a:r>
-            <a:r>
-              <a:rPr lang="en-US" altLang="zh-TW" dirty="0" smtClean="0"/>
-              <a:t> </a:t>
+              <a:t>LSTM </a:t>
             </a:r>
             <a:r>
               <a:rPr lang="en-US" altLang="zh-TW" dirty="0"/>
@@ -13766,7 +13762,7 @@
           <p:cNvPr id="7" name="內容版面配置區 6">
             <a:extLst>
               <a:ext uri="{FF2B5EF4-FFF2-40B4-BE49-F238E27FC236}">
-                <a16:creationId xmlns="" xmlns:a16="http://schemas.microsoft.com/office/drawing/2014/main" id="{E7D68A11-0594-451B-B564-C1C4E791DF02}"/>
+                <a16:creationId xmlns:a16="http://schemas.microsoft.com/office/drawing/2014/main" xmlns="" id="{E7D68A11-0594-451B-B564-C1C4E791DF02}"/>
               </a:ext>
             </a:extLst>
           </p:cNvPr>
@@ -13784,7 +13780,7 @@
                 <a14:useLocalDpi xmlns:a14="http://schemas.microsoft.com/office/drawing/2010/main" val="0"/>
               </a:ext>
               <a:ext uri="{96DAC541-7B7A-43D3-8B79-37D633B846F1}">
-                <asvg:svgBlip xmlns="" xmlns:asvg="http://schemas.microsoft.com/office/drawing/2016/SVG/main" r:embed="rId3"/>
+                <asvg:svgBlip xmlns:asvg="http://schemas.microsoft.com/office/drawing/2016/SVG/main" xmlns="" r:embed="rId3"/>
               </a:ext>
             </a:extLst>
           </a:blip>
@@ -14017,7 +14013,7 @@
           <p:cNvPr id="3" name="íṡḻiḓé" hidden="1">
             <a:extLst>
               <a:ext uri="{FF2B5EF4-FFF2-40B4-BE49-F238E27FC236}">
-                <a16:creationId xmlns="" xmlns:a16="http://schemas.microsoft.com/office/drawing/2014/main" id="{A6A819F1-33AF-45D7-8BF6-2B0A9769CAD4}"/>
+                <a16:creationId xmlns:a16="http://schemas.microsoft.com/office/drawing/2014/main" xmlns="" id="{A6A819F1-33AF-45D7-8BF6-2B0A9769CAD4}"/>
               </a:ext>
             </a:extLst>
           </p:cNvPr>
@@ -14040,7 +14036,7 @@
           <a:graphicData uri="http://schemas.openxmlformats.org/presentationml/2006/ole">
             <mc:AlternateContent xmlns:mc="http://schemas.openxmlformats.org/markup-compatibility/2006">
               <mc:Choice xmlns:v="urn:schemas-microsoft-com:vml" Requires="v">
-                <p:oleObj spid="_x0000_s3169" name="think-cell Slide" r:id="rId5" imgW="347" imgH="348" progId="TCLayout.ActiveDocument.1">
+                <p:oleObj spid="_x0000_s3172" name="think-cell Slide" r:id="rId5" imgW="347" imgH="348" progId="TCLayout.ActiveDocument.1">
                   <p:embed/>
                 </p:oleObj>
               </mc:Choice>
@@ -14052,7 +14048,7 @@
                       <p:cNvPr id="3" name="íṩ1iḑé" hidden="1">
                         <a:extLst>
                           <a:ext uri="{FF2B5EF4-FFF2-40B4-BE49-F238E27FC236}">
-                            <a16:creationId xmlns="" xmlns:a16="http://schemas.microsoft.com/office/drawing/2014/main" id="{A6A819F1-33AF-45D7-8BF6-2B0A9769CAD4}"/>
+                            <a16:creationId xmlns:a16="http://schemas.microsoft.com/office/drawing/2014/main" xmlns="" id="{A6A819F1-33AF-45D7-8BF6-2B0A9769CAD4}"/>
                           </a:ext>
                         </a:extLst>
                       </p:cNvPr>
@@ -14086,7 +14082,7 @@
           <p:cNvPr id="2" name="išľïďe" hidden="1">
             <a:extLst>
               <a:ext uri="{FF2B5EF4-FFF2-40B4-BE49-F238E27FC236}">
-                <a16:creationId xmlns="" xmlns:a16="http://schemas.microsoft.com/office/drawing/2014/main" id="{FF51F16D-1BAD-46EE-A6F4-B8B94C9DF628}"/>
+                <a16:creationId xmlns:a16="http://schemas.microsoft.com/office/drawing/2014/main" xmlns="" id="{FF51F16D-1BAD-46EE-A6F4-B8B94C9DF628}"/>
               </a:ext>
             </a:extLst>
           </p:cNvPr>
@@ -14194,37 +14190,6 @@
       </p:sp>
       <p:sp>
         <p:nvSpPr>
-          <p:cNvPr id="7" name="îšļïdê"/>
-          <p:cNvSpPr>
-            <a:spLocks noGrp="1"/>
-          </p:cNvSpPr>
-          <p:nvPr>
-            <p:ph type="body" sz="quarter" idx="18"/>
-          </p:nvPr>
-        </p:nvSpPr>
-        <p:spPr/>
-        <p:txBody>
-          <a:bodyPr/>
-          <a:lstStyle/>
-          <a:p>
-            <a:r>
-              <a:rPr lang="en-US" altLang="zh-CN"/>
-              <a:t>ww</a:t>
-            </a:r>
-            <a:r>
-              <a:rPr lang="en-US" altLang="zh-CN" sz="100"/>
-              <a:t> </a:t>
-            </a:r>
-            <a:r>
-              <a:rPr lang="en-US" altLang="zh-CN"/>
-              <a:t>w.islide.cc</a:t>
-            </a:r>
-            <a:endParaRPr lang="en-US" altLang="en-US" dirty="0"/>
-          </a:p>
-        </p:txBody>
-      </p:sp>
-      <p:sp>
-        <p:nvSpPr>
           <p:cNvPr id="6" name="iṡ1iḋê"/>
           <p:cNvSpPr>
             <a:spLocks noGrp="1"/>
@@ -14250,7 +14215,7 @@
           <p:cNvPr id="13" name="îṣlíḍe">
             <a:extLst>
               <a:ext uri="{FF2B5EF4-FFF2-40B4-BE49-F238E27FC236}">
-                <a16:creationId xmlns="" xmlns:a16="http://schemas.microsoft.com/office/drawing/2014/main" id="{394FC8CD-4FAD-452B-A6ED-A378816FAA36}"/>
+                <a16:creationId xmlns:a16="http://schemas.microsoft.com/office/drawing/2014/main" xmlns="" id="{394FC8CD-4FAD-452B-A6ED-A378816FAA36}"/>
               </a:ext>
             </a:extLst>
           </p:cNvPr>
@@ -14293,7 +14258,7 @@
           <p:cNvPr id="14" name="ïSḻíďê">
             <a:extLst>
               <a:ext uri="{FF2B5EF4-FFF2-40B4-BE49-F238E27FC236}">
-                <a16:creationId xmlns="" xmlns:a16="http://schemas.microsoft.com/office/drawing/2014/main" id="{7C549D2A-4C2D-40D9-B2D1-E96901BFF877}"/>
+                <a16:creationId xmlns:a16="http://schemas.microsoft.com/office/drawing/2014/main" xmlns="" id="{7C549D2A-4C2D-40D9-B2D1-E96901BFF877}"/>
               </a:ext>
             </a:extLst>
           </p:cNvPr>
@@ -14396,7 +14361,7 @@
           <p:cNvPr id="9" name="î$ḷíḋé">
             <a:extLst>
               <a:ext uri="{FF2B5EF4-FFF2-40B4-BE49-F238E27FC236}">
-                <a16:creationId xmlns="" xmlns:a16="http://schemas.microsoft.com/office/drawing/2014/main" id="{04F69230-F3A6-4586-9371-A858F4763E9F}"/>
+                <a16:creationId xmlns:a16="http://schemas.microsoft.com/office/drawing/2014/main" xmlns="" id="{04F69230-F3A6-4586-9371-A858F4763E9F}"/>
               </a:ext>
             </a:extLst>
           </p:cNvPr>
@@ -15138,7 +15103,7 @@
           <p:cNvPr id="9" name="î$ḷíḋé">
             <a:extLst>
               <a:ext uri="{FF2B5EF4-FFF2-40B4-BE49-F238E27FC236}">
-                <a16:creationId xmlns="" xmlns:a16="http://schemas.microsoft.com/office/drawing/2014/main" id="{04F69230-F3A6-4586-9371-A858F4763E9F}"/>
+                <a16:creationId xmlns:a16="http://schemas.microsoft.com/office/drawing/2014/main" xmlns="" id="{04F69230-F3A6-4586-9371-A858F4763E9F}"/>
               </a:ext>
             </a:extLst>
           </p:cNvPr>
@@ -16683,7 +16648,7 @@
   <a:extraClrSchemeLst/>
   <a:extLst>
     <a:ext uri="{05A4C25C-085E-4340-85A3-A5531E510DB2}">
-      <thm15:themeFamily xmlns="" xmlns:thm15="http://schemas.microsoft.com/office/thememl/2012/main" name="主题5" id="{B8EDB911-D765-4A7B-BBC7-40DBB672FBA6}" vid="{AECAB1C0-5DF6-436C-85E8-20094DBE11C0}"/>
+      <thm15:themeFamily xmlns:thm15="http://schemas.microsoft.com/office/thememl/2012/main" xmlns="" name="主题5" id="{B8EDB911-D765-4A7B-BBC7-40DBB672FBA6}" vid="{AECAB1C0-5DF6-436C-85E8-20094DBE11C0}"/>
     </a:ext>
   </a:extLst>
 </a:theme>
@@ -16944,7 +16909,7 @@
   <a:extraClrSchemeLst/>
   <a:extLst>
     <a:ext uri="{05A4C25C-085E-4340-85A3-A5531E510DB2}">
-      <thm15:themeFamily xmlns="" xmlns:thm15="http://schemas.microsoft.com/office/thememl/2012/main" name="Office Theme" id="{62F939B6-93AF-4DB8-9C6B-D6C7DFDC589F}" vid="{4A3C46E8-61CC-4603-A589-7422A47A8E4A}"/>
+      <thm15:themeFamily xmlns:thm15="http://schemas.microsoft.com/office/thememl/2012/main" xmlns="" name="Office Theme" id="{62F939B6-93AF-4DB8-9C6B-D6C7DFDC589F}" vid="{4A3C46E8-61CC-4603-A589-7422A47A8E4A}"/>
     </a:ext>
   </a:extLst>
 </a:theme>
@@ -17239,7 +17204,7 @@
   <a:extraClrSchemeLst/>
   <a:extLst>
     <a:ext uri="{05A4C25C-085E-4340-85A3-A5531E510DB2}">
-      <thm15:themeFamily xmlns="" xmlns:thm15="http://schemas.microsoft.com/office/thememl/2012/main" name="Office Theme" id="{62F939B6-93AF-4DB8-9C6B-D6C7DFDC589F}" vid="{4A3C46E8-61CC-4603-A589-7422A47A8E4A}"/>
+      <thm15:themeFamily xmlns:thm15="http://schemas.microsoft.com/office/thememl/2012/main" xmlns="" name="Office Theme" id="{62F939B6-93AF-4DB8-9C6B-D6C7DFDC589F}" vid="{4A3C46E8-61CC-4603-A589-7422A47A8E4A}"/>
     </a:ext>
   </a:extLst>
 </a:theme>

--- a/11_23_to_11_27_fourth/4.LSTM.pptx
+++ b/11_23_to_11_27_fourth/4.LSTM.pptx
@@ -137,7 +137,7 @@
   </p:defaultTextStyle>
   <p:extLst>
     <p:ext uri="{EFAFB233-063F-42B5-8137-9DF3F51BA10A}">
-      <p15:sldGuideLst xmlns:p15="http://schemas.microsoft.com/office/powerpoint/2012/main" xmlns="">
+      <p15:sldGuideLst xmlns="" xmlns:p15="http://schemas.microsoft.com/office/powerpoint/2012/main">
         <p15:guide id="1" orient="horz" pos="2160">
           <p15:clr>
             <a:srgbClr val="A4A3A4"/>
@@ -151,7 +151,7 @@
       </p15:sldGuideLst>
     </p:ext>
     <p:ext uri="{2D200454-40CA-4A62-9FC3-DE9A4176ACB9}">
-      <p15:notesGuideLst xmlns:p15="http://schemas.microsoft.com/office/powerpoint/2012/main" xmlns=""/>
+      <p15:notesGuideLst xmlns="" xmlns:p15="http://schemas.microsoft.com/office/powerpoint/2012/main"/>
     </p:ext>
   </p:extLst>
 </p:presentation>
@@ -377,7 +377,7 @@
           <p:cNvPr id="2" name="页眉占位符 1">
             <a:extLst>
               <a:ext uri="{FF2B5EF4-FFF2-40B4-BE49-F238E27FC236}">
-                <a16:creationId xmlns:a16="http://schemas.microsoft.com/office/drawing/2014/main" xmlns="" id="{B9A56829-66AA-42AA-918E-5C6DB1AE50A7}"/>
+                <a16:creationId xmlns="" xmlns:a16="http://schemas.microsoft.com/office/drawing/2014/main" id="{B9A56829-66AA-42AA-918E-5C6DB1AE50A7}"/>
               </a:ext>
             </a:extLst>
           </p:cNvPr>
@@ -414,7 +414,7 @@
           <p:cNvPr id="3" name="日期占位符 2">
             <a:extLst>
               <a:ext uri="{FF2B5EF4-FFF2-40B4-BE49-F238E27FC236}">
-                <a16:creationId xmlns:a16="http://schemas.microsoft.com/office/drawing/2014/main" xmlns="" id="{241084A9-BC5C-4420-B17C-51E328D45576}"/>
+                <a16:creationId xmlns="" xmlns:a16="http://schemas.microsoft.com/office/drawing/2014/main" id="{241084A9-BC5C-4420-B17C-51E328D45576}"/>
               </a:ext>
             </a:extLst>
           </p:cNvPr>
@@ -444,7 +444,7 @@
           <a:p>
             <a:fld id="{B478E0E4-DC06-4041-AFA7-BB6F527FFA3F}" type="datetimeFigureOut">
               <a:rPr lang="zh-CN" altLang="en-US" smtClean="0"/>
-              <a:t>2020/11/26</a:t>
+              <a:t>2020/12/21</a:t>
             </a:fld>
             <a:endParaRPr lang="zh-CN" altLang="en-US"/>
           </a:p>
@@ -455,7 +455,7 @@
           <p:cNvPr id="4" name="页脚占位符 3">
             <a:extLst>
               <a:ext uri="{FF2B5EF4-FFF2-40B4-BE49-F238E27FC236}">
-                <a16:creationId xmlns:a16="http://schemas.microsoft.com/office/drawing/2014/main" xmlns="" id="{0D6F2124-7B35-4E59-B9E8-DB09EE1408A4}"/>
+                <a16:creationId xmlns="" xmlns:a16="http://schemas.microsoft.com/office/drawing/2014/main" id="{0D6F2124-7B35-4E59-B9E8-DB09EE1408A4}"/>
               </a:ext>
             </a:extLst>
           </p:cNvPr>
@@ -492,7 +492,7 @@
           <p:cNvPr id="5" name="灯片编号占位符 4">
             <a:extLst>
               <a:ext uri="{FF2B5EF4-FFF2-40B4-BE49-F238E27FC236}">
-                <a16:creationId xmlns:a16="http://schemas.microsoft.com/office/drawing/2014/main" xmlns="" id="{F2BF8FFE-D997-4E34-9A01-CD2014B95241}"/>
+                <a16:creationId xmlns="" xmlns:a16="http://schemas.microsoft.com/office/drawing/2014/main" id="{F2BF8FFE-D997-4E34-9A01-CD2014B95241}"/>
               </a:ext>
             </a:extLst>
           </p:cNvPr>
@@ -621,7 +621,7 @@
           <a:p>
             <a:fld id="{E86D8963-CFCD-4740-AF60-049850373CDF}" type="datetimeFigureOut">
               <a:rPr lang="zh-CN" altLang="en-US" smtClean="0"/>
-              <a:t>2020/11/26</a:t>
+              <a:t>2020/12/21</a:t>
             </a:fld>
             <a:endParaRPr lang="zh-CN" altLang="en-US"/>
           </a:p>
@@ -910,7 +910,7 @@
           <p:cNvPr id="2" name="îṩ1ïdê">
             <a:extLst>
               <a:ext uri="{FF2B5EF4-FFF2-40B4-BE49-F238E27FC236}">
-                <a16:creationId xmlns:a16="http://schemas.microsoft.com/office/drawing/2014/main" xmlns="" id="{B165F2F7-32E4-4AF8-8657-36AC30D78579}"/>
+                <a16:creationId xmlns="" xmlns:a16="http://schemas.microsoft.com/office/drawing/2014/main" id="{B165F2F7-32E4-4AF8-8657-36AC30D78579}"/>
               </a:ext>
             </a:extLst>
           </p:cNvPr>
@@ -1070,7 +1070,7 @@
           <p:cNvPr id="7" name="组合 6">
             <a:extLst>
               <a:ext uri="{FF2B5EF4-FFF2-40B4-BE49-F238E27FC236}">
-                <a16:creationId xmlns:a16="http://schemas.microsoft.com/office/drawing/2014/main" xmlns="" id="{3491D0C5-E57C-45B4-AFE5-02F7704CDCF6}"/>
+                <a16:creationId xmlns="" xmlns:a16="http://schemas.microsoft.com/office/drawing/2014/main" id="{3491D0C5-E57C-45B4-AFE5-02F7704CDCF6}"/>
               </a:ext>
             </a:extLst>
           </p:cNvPr>
@@ -1090,7 +1090,7 @@
             <p:cNvPr id="11" name="ïş1ïḓe">
               <a:extLst>
                 <a:ext uri="{FF2B5EF4-FFF2-40B4-BE49-F238E27FC236}">
-                  <a16:creationId xmlns:a16="http://schemas.microsoft.com/office/drawing/2014/main" xmlns="" id="{AAEF8C50-AF93-4B64-9F64-BC188B9CC986}"/>
+                  <a16:creationId xmlns="" xmlns:a16="http://schemas.microsoft.com/office/drawing/2014/main" id="{AAEF8C50-AF93-4B64-9F64-BC188B9CC986}"/>
                 </a:ext>
               </a:extLst>
             </p:cNvPr>
@@ -1174,7 +1174,7 @@
             <p:cNvPr id="14" name="ïş1îḓé">
               <a:extLst>
                 <a:ext uri="{FF2B5EF4-FFF2-40B4-BE49-F238E27FC236}">
-                  <a16:creationId xmlns:a16="http://schemas.microsoft.com/office/drawing/2014/main" xmlns="" id="{D1034528-61F0-451C-8439-59044CBBC42D}"/>
+                  <a16:creationId xmlns="" xmlns:a16="http://schemas.microsoft.com/office/drawing/2014/main" id="{D1034528-61F0-451C-8439-59044CBBC42D}"/>
                 </a:ext>
               </a:extLst>
             </p:cNvPr>
@@ -1267,7 +1267,7 @@
             <p:cNvPr id="15" name="íṡ1íḑè">
               <a:extLst>
                 <a:ext uri="{FF2B5EF4-FFF2-40B4-BE49-F238E27FC236}">
-                  <a16:creationId xmlns:a16="http://schemas.microsoft.com/office/drawing/2014/main" xmlns="" id="{443590D7-CA87-4478-AB6B-8DA2AC5C485A}"/>
+                  <a16:creationId xmlns="" xmlns:a16="http://schemas.microsoft.com/office/drawing/2014/main" id="{443590D7-CA87-4478-AB6B-8DA2AC5C485A}"/>
                 </a:ext>
               </a:extLst>
             </p:cNvPr>
@@ -1352,7 +1352,7 @@
             <p:cNvPr id="16" name="îṥḻiḍê">
               <a:extLst>
                 <a:ext uri="{FF2B5EF4-FFF2-40B4-BE49-F238E27FC236}">
-                  <a16:creationId xmlns:a16="http://schemas.microsoft.com/office/drawing/2014/main" xmlns="" id="{FD92C89C-9731-46F9-9B6E-376810BFF18B}"/>
+                  <a16:creationId xmlns="" xmlns:a16="http://schemas.microsoft.com/office/drawing/2014/main" id="{FD92C89C-9731-46F9-9B6E-376810BFF18B}"/>
                 </a:ext>
               </a:extLst>
             </p:cNvPr>
@@ -1437,7 +1437,7 @@
             <p:cNvPr id="17" name="iṥḷiḑè">
               <a:extLst>
                 <a:ext uri="{FF2B5EF4-FFF2-40B4-BE49-F238E27FC236}">
-                  <a16:creationId xmlns:a16="http://schemas.microsoft.com/office/drawing/2014/main" xmlns="" id="{A8591A9D-5538-4DEC-B405-54C510558903}"/>
+                  <a16:creationId xmlns="" xmlns:a16="http://schemas.microsoft.com/office/drawing/2014/main" id="{A8591A9D-5538-4DEC-B405-54C510558903}"/>
                 </a:ext>
               </a:extLst>
             </p:cNvPr>
@@ -1502,7 +1502,7 @@
             <p:cNvPr id="18" name="íṥḻíḑé">
               <a:extLst>
                 <a:ext uri="{FF2B5EF4-FFF2-40B4-BE49-F238E27FC236}">
-                  <a16:creationId xmlns:a16="http://schemas.microsoft.com/office/drawing/2014/main" xmlns="" id="{FC116EBF-5653-4BA4-837E-95BEB302B1FC}"/>
+                  <a16:creationId xmlns="" xmlns:a16="http://schemas.microsoft.com/office/drawing/2014/main" id="{FC116EBF-5653-4BA4-837E-95BEB302B1FC}"/>
                 </a:ext>
               </a:extLst>
             </p:cNvPr>
@@ -1567,7 +1567,7 @@
             <p:cNvPr id="19" name="ïsḷiďê">
               <a:extLst>
                 <a:ext uri="{FF2B5EF4-FFF2-40B4-BE49-F238E27FC236}">
-                  <a16:creationId xmlns:a16="http://schemas.microsoft.com/office/drawing/2014/main" xmlns="" id="{D7181733-982F-4ADC-B787-E92C178D9BE9}"/>
+                  <a16:creationId xmlns="" xmlns:a16="http://schemas.microsoft.com/office/drawing/2014/main" id="{D7181733-982F-4ADC-B787-E92C178D9BE9}"/>
                 </a:ext>
               </a:extLst>
             </p:cNvPr>
@@ -1662,7 +1662,7 @@
             <p:cNvPr id="20" name="îs1iḓê">
               <a:extLst>
                 <a:ext uri="{FF2B5EF4-FFF2-40B4-BE49-F238E27FC236}">
-                  <a16:creationId xmlns:a16="http://schemas.microsoft.com/office/drawing/2014/main" xmlns="" id="{75B1573A-D6DA-4E40-B952-FC6A6E899942}"/>
+                  <a16:creationId xmlns="" xmlns:a16="http://schemas.microsoft.com/office/drawing/2014/main" id="{75B1573A-D6DA-4E40-B952-FC6A6E899942}"/>
                 </a:ext>
               </a:extLst>
             </p:cNvPr>
@@ -1737,7 +1737,7 @@
             <p:cNvPr id="21" name="íṡḻïdé">
               <a:extLst>
                 <a:ext uri="{FF2B5EF4-FFF2-40B4-BE49-F238E27FC236}">
-                  <a16:creationId xmlns:a16="http://schemas.microsoft.com/office/drawing/2014/main" xmlns="" id="{A3C16CC0-0D98-42C3-ACDA-6C6B1AAA14CB}"/>
+                  <a16:creationId xmlns="" xmlns:a16="http://schemas.microsoft.com/office/drawing/2014/main" id="{A3C16CC0-0D98-42C3-ACDA-6C6B1AAA14CB}"/>
                 </a:ext>
               </a:extLst>
             </p:cNvPr>
@@ -1812,7 +1812,7 @@
             <p:cNvPr id="22" name="ïṧľiḑè">
               <a:extLst>
                 <a:ext uri="{FF2B5EF4-FFF2-40B4-BE49-F238E27FC236}">
-                  <a16:creationId xmlns:a16="http://schemas.microsoft.com/office/drawing/2014/main" xmlns="" id="{2EEC5EF2-9731-49D2-8E01-4BAE06CF1807}"/>
+                  <a16:creationId xmlns="" xmlns:a16="http://schemas.microsoft.com/office/drawing/2014/main" id="{2EEC5EF2-9731-49D2-8E01-4BAE06CF1807}"/>
                 </a:ext>
               </a:extLst>
             </p:cNvPr>
@@ -1887,7 +1887,7 @@
             <p:cNvPr id="23" name="íşľîḋè">
               <a:extLst>
                 <a:ext uri="{FF2B5EF4-FFF2-40B4-BE49-F238E27FC236}">
-                  <a16:creationId xmlns:a16="http://schemas.microsoft.com/office/drawing/2014/main" xmlns="" id="{07D33D98-ECF4-43C9-8F9B-502B76AA375A}"/>
+                  <a16:creationId xmlns="" xmlns:a16="http://schemas.microsoft.com/office/drawing/2014/main" id="{07D33D98-ECF4-43C9-8F9B-502B76AA375A}"/>
                 </a:ext>
               </a:extLst>
             </p:cNvPr>
@@ -1952,7 +1952,7 @@
             <p:cNvPr id="24" name="îšḷîḍè">
               <a:extLst>
                 <a:ext uri="{FF2B5EF4-FFF2-40B4-BE49-F238E27FC236}">
-                  <a16:creationId xmlns:a16="http://schemas.microsoft.com/office/drawing/2014/main" xmlns="" id="{06AFAADD-E47D-403A-8BCE-6B991B488491}"/>
+                  <a16:creationId xmlns="" xmlns:a16="http://schemas.microsoft.com/office/drawing/2014/main" id="{06AFAADD-E47D-403A-8BCE-6B991B488491}"/>
                 </a:ext>
               </a:extLst>
             </p:cNvPr>
@@ -2017,7 +2017,7 @@
             <p:cNvPr id="25" name="îŝļiḑè">
               <a:extLst>
                 <a:ext uri="{FF2B5EF4-FFF2-40B4-BE49-F238E27FC236}">
-                  <a16:creationId xmlns:a16="http://schemas.microsoft.com/office/drawing/2014/main" xmlns="" id="{F20679ED-F04B-48C0-86C1-4F4678D0EF44}"/>
+                  <a16:creationId xmlns="" xmlns:a16="http://schemas.microsoft.com/office/drawing/2014/main" id="{F20679ED-F04B-48C0-86C1-4F4678D0EF44}"/>
                 </a:ext>
               </a:extLst>
             </p:cNvPr>
@@ -2079,7 +2079,7 @@
             <p:cNvPr id="26" name="ïsḻïḓe">
               <a:extLst>
                 <a:ext uri="{FF2B5EF4-FFF2-40B4-BE49-F238E27FC236}">
-                  <a16:creationId xmlns:a16="http://schemas.microsoft.com/office/drawing/2014/main" xmlns="" id="{178FE26C-EAE2-489E-9818-2AD90604A6E7}"/>
+                  <a16:creationId xmlns="" xmlns:a16="http://schemas.microsoft.com/office/drawing/2014/main" id="{178FE26C-EAE2-489E-9818-2AD90604A6E7}"/>
                 </a:ext>
               </a:extLst>
             </p:cNvPr>
@@ -2141,7 +2141,7 @@
             <p:cNvPr id="27" name="îṥľíḑê">
               <a:extLst>
                 <a:ext uri="{FF2B5EF4-FFF2-40B4-BE49-F238E27FC236}">
-                  <a16:creationId xmlns:a16="http://schemas.microsoft.com/office/drawing/2014/main" xmlns="" id="{54C937FE-182B-4B4C-8B56-94274EF8727A}"/>
+                  <a16:creationId xmlns="" xmlns:a16="http://schemas.microsoft.com/office/drawing/2014/main" id="{54C937FE-182B-4B4C-8B56-94274EF8727A}"/>
                 </a:ext>
               </a:extLst>
             </p:cNvPr>
@@ -2203,7 +2203,7 @@
             <p:cNvPr id="28" name="iṧľíḑe">
               <a:extLst>
                 <a:ext uri="{FF2B5EF4-FFF2-40B4-BE49-F238E27FC236}">
-                  <a16:creationId xmlns:a16="http://schemas.microsoft.com/office/drawing/2014/main" xmlns="" id="{9EC454E6-4E34-40A0-B134-E27356DF1BD3}"/>
+                  <a16:creationId xmlns="" xmlns:a16="http://schemas.microsoft.com/office/drawing/2014/main" id="{9EC454E6-4E34-40A0-B134-E27356DF1BD3}"/>
                 </a:ext>
               </a:extLst>
             </p:cNvPr>
@@ -2265,7 +2265,7 @@
             <p:cNvPr id="29" name="íşḻïḑê">
               <a:extLst>
                 <a:ext uri="{FF2B5EF4-FFF2-40B4-BE49-F238E27FC236}">
-                  <a16:creationId xmlns:a16="http://schemas.microsoft.com/office/drawing/2014/main" xmlns="" id="{F02A9D5E-CFB2-42AA-A5C5-5E5778C6FCBE}"/>
+                  <a16:creationId xmlns="" xmlns:a16="http://schemas.microsoft.com/office/drawing/2014/main" id="{F02A9D5E-CFB2-42AA-A5C5-5E5778C6FCBE}"/>
                 </a:ext>
               </a:extLst>
             </p:cNvPr>
@@ -2361,7 +2361,7 @@
             <p:cNvPr id="30" name="išḻîḋè">
               <a:extLst>
                 <a:ext uri="{FF2B5EF4-FFF2-40B4-BE49-F238E27FC236}">
-                  <a16:creationId xmlns:a16="http://schemas.microsoft.com/office/drawing/2014/main" xmlns="" id="{2B76FEBA-B0C4-4066-ABF2-E33CBD44C45F}"/>
+                  <a16:creationId xmlns="" xmlns:a16="http://schemas.microsoft.com/office/drawing/2014/main" id="{2B76FEBA-B0C4-4066-ABF2-E33CBD44C45F}"/>
                 </a:ext>
               </a:extLst>
             </p:cNvPr>
@@ -2423,7 +2423,7 @@
             <p:cNvPr id="31" name="ïšliḋé">
               <a:extLst>
                 <a:ext uri="{FF2B5EF4-FFF2-40B4-BE49-F238E27FC236}">
-                  <a16:creationId xmlns:a16="http://schemas.microsoft.com/office/drawing/2014/main" xmlns="" id="{17F7742C-0E9E-453F-BF74-0A1870F594D9}"/>
+                  <a16:creationId xmlns="" xmlns:a16="http://schemas.microsoft.com/office/drawing/2014/main" id="{17F7742C-0E9E-453F-BF74-0A1870F594D9}"/>
                 </a:ext>
               </a:extLst>
             </p:cNvPr>
@@ -2485,7 +2485,7 @@
             <p:cNvPr id="32" name="íṣlídé">
               <a:extLst>
                 <a:ext uri="{FF2B5EF4-FFF2-40B4-BE49-F238E27FC236}">
-                  <a16:creationId xmlns:a16="http://schemas.microsoft.com/office/drawing/2014/main" xmlns="" id="{3B98F7CF-64A1-4A5B-B8EC-9178705C9901}"/>
+                  <a16:creationId xmlns="" xmlns:a16="http://schemas.microsoft.com/office/drawing/2014/main" id="{3B98F7CF-64A1-4A5B-B8EC-9178705C9901}"/>
                 </a:ext>
               </a:extLst>
             </p:cNvPr>
@@ -2547,7 +2547,7 @@
             <p:cNvPr id="33" name="ï$ľïḍé">
               <a:extLst>
                 <a:ext uri="{FF2B5EF4-FFF2-40B4-BE49-F238E27FC236}">
-                  <a16:creationId xmlns:a16="http://schemas.microsoft.com/office/drawing/2014/main" xmlns="" id="{8EB33BF9-35EF-4068-A574-8FBC5EEAC895}"/>
+                  <a16:creationId xmlns="" xmlns:a16="http://schemas.microsoft.com/office/drawing/2014/main" id="{8EB33BF9-35EF-4068-A574-8FBC5EEAC895}"/>
                 </a:ext>
               </a:extLst>
             </p:cNvPr>
@@ -2609,7 +2609,7 @@
             <p:cNvPr id="34" name="ï$1îḑé">
               <a:extLst>
                 <a:ext uri="{FF2B5EF4-FFF2-40B4-BE49-F238E27FC236}">
-                  <a16:creationId xmlns:a16="http://schemas.microsoft.com/office/drawing/2014/main" xmlns="" id="{66235EE7-FC71-4720-94D6-AE9E5A6E3B32}"/>
+                  <a16:creationId xmlns="" xmlns:a16="http://schemas.microsoft.com/office/drawing/2014/main" id="{66235EE7-FC71-4720-94D6-AE9E5A6E3B32}"/>
                 </a:ext>
               </a:extLst>
             </p:cNvPr>
@@ -2671,7 +2671,7 @@
             <p:cNvPr id="35" name="íşļiḓê">
               <a:extLst>
                 <a:ext uri="{FF2B5EF4-FFF2-40B4-BE49-F238E27FC236}">
-                  <a16:creationId xmlns:a16="http://schemas.microsoft.com/office/drawing/2014/main" xmlns="" id="{464E50F4-2AD9-4646-95B0-C615F448F8D7}"/>
+                  <a16:creationId xmlns="" xmlns:a16="http://schemas.microsoft.com/office/drawing/2014/main" id="{464E50F4-2AD9-4646-95B0-C615F448F8D7}"/>
                 </a:ext>
               </a:extLst>
             </p:cNvPr>
@@ -2733,7 +2733,7 @@
             <p:cNvPr id="36" name="iSliḍé">
               <a:extLst>
                 <a:ext uri="{FF2B5EF4-FFF2-40B4-BE49-F238E27FC236}">
-                  <a16:creationId xmlns:a16="http://schemas.microsoft.com/office/drawing/2014/main" xmlns="" id="{08FD15B7-89FA-4BA0-832E-9B9D9FF852D5}"/>
+                  <a16:creationId xmlns="" xmlns:a16="http://schemas.microsoft.com/office/drawing/2014/main" id="{08FD15B7-89FA-4BA0-832E-9B9D9FF852D5}"/>
                 </a:ext>
               </a:extLst>
             </p:cNvPr>
@@ -2795,7 +2795,7 @@
             <p:cNvPr id="37" name="îşļïde">
               <a:extLst>
                 <a:ext uri="{FF2B5EF4-FFF2-40B4-BE49-F238E27FC236}">
-                  <a16:creationId xmlns:a16="http://schemas.microsoft.com/office/drawing/2014/main" xmlns="" id="{4DACA41F-DADA-4149-8933-31488F26C8AD}"/>
+                  <a16:creationId xmlns="" xmlns:a16="http://schemas.microsoft.com/office/drawing/2014/main" id="{4DACA41F-DADA-4149-8933-31488F26C8AD}"/>
                 </a:ext>
               </a:extLst>
             </p:cNvPr>
@@ -2857,7 +2857,7 @@
             <p:cNvPr id="38" name="ï$ḻídè">
               <a:extLst>
                 <a:ext uri="{FF2B5EF4-FFF2-40B4-BE49-F238E27FC236}">
-                  <a16:creationId xmlns:a16="http://schemas.microsoft.com/office/drawing/2014/main" xmlns="" id="{C28E4710-C2A1-4505-AD75-E91E319AE73A}"/>
+                  <a16:creationId xmlns="" xmlns:a16="http://schemas.microsoft.com/office/drawing/2014/main" id="{C28E4710-C2A1-4505-AD75-E91E319AE73A}"/>
                 </a:ext>
               </a:extLst>
             </p:cNvPr>
@@ -2953,7 +2953,7 @@
             <p:cNvPr id="39" name="ísľíḑe">
               <a:extLst>
                 <a:ext uri="{FF2B5EF4-FFF2-40B4-BE49-F238E27FC236}">
-                  <a16:creationId xmlns:a16="http://schemas.microsoft.com/office/drawing/2014/main" xmlns="" id="{C323CC97-7CC7-4FA5-A665-16F8A2FDB29A}"/>
+                  <a16:creationId xmlns="" xmlns:a16="http://schemas.microsoft.com/office/drawing/2014/main" id="{C323CC97-7CC7-4FA5-A665-16F8A2FDB29A}"/>
                 </a:ext>
               </a:extLst>
             </p:cNvPr>
@@ -3018,7 +3018,7 @@
             <p:cNvPr id="40" name="íṩlîḑè">
               <a:extLst>
                 <a:ext uri="{FF2B5EF4-FFF2-40B4-BE49-F238E27FC236}">
-                  <a16:creationId xmlns:a16="http://schemas.microsoft.com/office/drawing/2014/main" xmlns="" id="{26A96D82-53D7-454D-B8F0-08C85B54A508}"/>
+                  <a16:creationId xmlns="" xmlns:a16="http://schemas.microsoft.com/office/drawing/2014/main" id="{26A96D82-53D7-454D-B8F0-08C85B54A508}"/>
                 </a:ext>
               </a:extLst>
             </p:cNvPr>
@@ -3158,7 +3158,7 @@
             <p:cNvPr id="41" name="iṡḻídê">
               <a:extLst>
                 <a:ext uri="{FF2B5EF4-FFF2-40B4-BE49-F238E27FC236}">
-                  <a16:creationId xmlns:a16="http://schemas.microsoft.com/office/drawing/2014/main" xmlns="" id="{00A55C22-40A5-4BCE-AB5C-0DBD7B43CF15}"/>
+                  <a16:creationId xmlns="" xmlns:a16="http://schemas.microsoft.com/office/drawing/2014/main" id="{00A55C22-40A5-4BCE-AB5C-0DBD7B43CF15}"/>
                 </a:ext>
               </a:extLst>
             </p:cNvPr>
@@ -3220,7 +3220,7 @@
             <p:cNvPr id="42" name="íŝḷîḋè">
               <a:extLst>
                 <a:ext uri="{FF2B5EF4-FFF2-40B4-BE49-F238E27FC236}">
-                  <a16:creationId xmlns:a16="http://schemas.microsoft.com/office/drawing/2014/main" xmlns="" id="{1E7E1B5A-4BA7-4930-AB12-641C32CB9B5D}"/>
+                  <a16:creationId xmlns="" xmlns:a16="http://schemas.microsoft.com/office/drawing/2014/main" id="{1E7E1B5A-4BA7-4930-AB12-641C32CB9B5D}"/>
                 </a:ext>
               </a:extLst>
             </p:cNvPr>
@@ -3282,7 +3282,7 @@
             <p:cNvPr id="43" name="işliḓè">
               <a:extLst>
                 <a:ext uri="{FF2B5EF4-FFF2-40B4-BE49-F238E27FC236}">
-                  <a16:creationId xmlns:a16="http://schemas.microsoft.com/office/drawing/2014/main" xmlns="" id="{463C39C0-BA97-46C8-947C-6A6BB4E7C9D1}"/>
+                  <a16:creationId xmlns="" xmlns:a16="http://schemas.microsoft.com/office/drawing/2014/main" id="{463C39C0-BA97-46C8-947C-6A6BB4E7C9D1}"/>
                 </a:ext>
               </a:extLst>
             </p:cNvPr>
@@ -3344,7 +3344,7 @@
             <p:cNvPr id="44" name="îsḻiḑé">
               <a:extLst>
                 <a:ext uri="{FF2B5EF4-FFF2-40B4-BE49-F238E27FC236}">
-                  <a16:creationId xmlns:a16="http://schemas.microsoft.com/office/drawing/2014/main" xmlns="" id="{DF04E304-5F07-4415-828B-0989704C8FE6}"/>
+                  <a16:creationId xmlns="" xmlns:a16="http://schemas.microsoft.com/office/drawing/2014/main" id="{DF04E304-5F07-4415-828B-0989704C8FE6}"/>
                 </a:ext>
               </a:extLst>
             </p:cNvPr>
@@ -3406,7 +3406,7 @@
             <p:cNvPr id="45" name="íṧľiḓê">
               <a:extLst>
                 <a:ext uri="{FF2B5EF4-FFF2-40B4-BE49-F238E27FC236}">
-                  <a16:creationId xmlns:a16="http://schemas.microsoft.com/office/drawing/2014/main" xmlns="" id="{9DE34A69-BC75-47AD-8DE0-15FDFEF5D179}"/>
+                  <a16:creationId xmlns="" xmlns:a16="http://schemas.microsoft.com/office/drawing/2014/main" id="{9DE34A69-BC75-47AD-8DE0-15FDFEF5D179}"/>
                 </a:ext>
               </a:extLst>
             </p:cNvPr>
@@ -3468,7 +3468,7 @@
             <p:cNvPr id="46" name="íSlíďé">
               <a:extLst>
                 <a:ext uri="{FF2B5EF4-FFF2-40B4-BE49-F238E27FC236}">
-                  <a16:creationId xmlns:a16="http://schemas.microsoft.com/office/drawing/2014/main" xmlns="" id="{F19E1891-22A9-4238-9A0E-D54742EB9A67}"/>
+                  <a16:creationId xmlns="" xmlns:a16="http://schemas.microsoft.com/office/drawing/2014/main" id="{F19E1891-22A9-4238-9A0E-D54742EB9A67}"/>
                 </a:ext>
               </a:extLst>
             </p:cNvPr>
@@ -3530,7 +3530,7 @@
             <p:cNvPr id="47" name="iś1ïdè">
               <a:extLst>
                 <a:ext uri="{FF2B5EF4-FFF2-40B4-BE49-F238E27FC236}">
-                  <a16:creationId xmlns:a16="http://schemas.microsoft.com/office/drawing/2014/main" xmlns="" id="{26F87FC7-C5C8-4289-A0E2-8F0511BE4D0F}"/>
+                  <a16:creationId xmlns="" xmlns:a16="http://schemas.microsoft.com/office/drawing/2014/main" id="{26F87FC7-C5C8-4289-A0E2-8F0511BE4D0F}"/>
                 </a:ext>
               </a:extLst>
             </p:cNvPr>
@@ -3592,7 +3592,7 @@
             <p:cNvPr id="48" name="îŝḷïḍé">
               <a:extLst>
                 <a:ext uri="{FF2B5EF4-FFF2-40B4-BE49-F238E27FC236}">
-                  <a16:creationId xmlns:a16="http://schemas.microsoft.com/office/drawing/2014/main" xmlns="" id="{AF3C94AB-652D-4CCA-BFC8-3BC7A5181E1F}"/>
+                  <a16:creationId xmlns="" xmlns:a16="http://schemas.microsoft.com/office/drawing/2014/main" id="{AF3C94AB-652D-4CCA-BFC8-3BC7A5181E1F}"/>
                 </a:ext>
               </a:extLst>
             </p:cNvPr>
@@ -3663,7 +3663,7 @@
             <p:cNvPr id="49" name="ïśļïďé">
               <a:extLst>
                 <a:ext uri="{FF2B5EF4-FFF2-40B4-BE49-F238E27FC236}">
-                  <a16:creationId xmlns:a16="http://schemas.microsoft.com/office/drawing/2014/main" xmlns="" id="{10BC1FCD-F8F1-411F-8B4C-46E128380494}"/>
+                  <a16:creationId xmlns="" xmlns:a16="http://schemas.microsoft.com/office/drawing/2014/main" id="{10BC1FCD-F8F1-411F-8B4C-46E128380494}"/>
                 </a:ext>
               </a:extLst>
             </p:cNvPr>
@@ -3734,7 +3734,7 @@
             <p:cNvPr id="50" name="íṧḷídè">
               <a:extLst>
                 <a:ext uri="{FF2B5EF4-FFF2-40B4-BE49-F238E27FC236}">
-                  <a16:creationId xmlns:a16="http://schemas.microsoft.com/office/drawing/2014/main" xmlns="" id="{D6954D73-841B-4674-94DA-57899B5C83FA}"/>
+                  <a16:creationId xmlns="" xmlns:a16="http://schemas.microsoft.com/office/drawing/2014/main" id="{D6954D73-841B-4674-94DA-57899B5C83FA}"/>
                 </a:ext>
               </a:extLst>
             </p:cNvPr>
@@ -4205,7 +4205,7 @@
           <p:cNvPr id="3" name="组合 2">
             <a:extLst>
               <a:ext uri="{FF2B5EF4-FFF2-40B4-BE49-F238E27FC236}">
-                <a16:creationId xmlns:a16="http://schemas.microsoft.com/office/drawing/2014/main" xmlns="" id="{C629003E-14DA-4608-82C8-F702B03C8C62}"/>
+                <a16:creationId xmlns="" xmlns:a16="http://schemas.microsoft.com/office/drawing/2014/main" id="{C629003E-14DA-4608-82C8-F702B03C8C62}"/>
               </a:ext>
             </a:extLst>
           </p:cNvPr>
@@ -4231,7 +4231,7 @@
             <p:cNvPr id="34" name="iSliḓê">
               <a:extLst>
                 <a:ext uri="{FF2B5EF4-FFF2-40B4-BE49-F238E27FC236}">
-                  <a16:creationId xmlns:a16="http://schemas.microsoft.com/office/drawing/2014/main" xmlns="" id="{80A47D5A-673E-4EDC-8FB1-C2A2486C802A}"/>
+                  <a16:creationId xmlns="" xmlns:a16="http://schemas.microsoft.com/office/drawing/2014/main" id="{80A47D5A-673E-4EDC-8FB1-C2A2486C802A}"/>
                 </a:ext>
               </a:extLst>
             </p:cNvPr>
@@ -4369,7 +4369,7 @@
             <p:cNvPr id="38" name="ïṣlîḓê">
               <a:extLst>
                 <a:ext uri="{FF2B5EF4-FFF2-40B4-BE49-F238E27FC236}">
-                  <a16:creationId xmlns:a16="http://schemas.microsoft.com/office/drawing/2014/main" xmlns="" id="{DCD89878-3878-44CD-816E-D1DB497D642B}"/>
+                  <a16:creationId xmlns="" xmlns:a16="http://schemas.microsoft.com/office/drawing/2014/main" id="{DCD89878-3878-44CD-816E-D1DB497D642B}"/>
                 </a:ext>
               </a:extLst>
             </p:cNvPr>
@@ -4435,7 +4435,7 @@
             <p:cNvPr id="39" name="îṧḻiďê">
               <a:extLst>
                 <a:ext uri="{FF2B5EF4-FFF2-40B4-BE49-F238E27FC236}">
-                  <a16:creationId xmlns:a16="http://schemas.microsoft.com/office/drawing/2014/main" xmlns="" id="{927A350C-74E8-4289-AD50-D152B2F20760}"/>
+                  <a16:creationId xmlns="" xmlns:a16="http://schemas.microsoft.com/office/drawing/2014/main" id="{927A350C-74E8-4289-AD50-D152B2F20760}"/>
                 </a:ext>
               </a:extLst>
             </p:cNvPr>
@@ -4501,7 +4501,7 @@
             <p:cNvPr id="40" name="îsļiďé">
               <a:extLst>
                 <a:ext uri="{FF2B5EF4-FFF2-40B4-BE49-F238E27FC236}">
-                  <a16:creationId xmlns:a16="http://schemas.microsoft.com/office/drawing/2014/main" xmlns="" id="{FA1565F5-351B-46F7-94BA-8DE2B624E1D4}"/>
+                  <a16:creationId xmlns="" xmlns:a16="http://schemas.microsoft.com/office/drawing/2014/main" id="{FA1565F5-351B-46F7-94BA-8DE2B624E1D4}"/>
                 </a:ext>
               </a:extLst>
             </p:cNvPr>
@@ -4567,7 +4567,7 @@
             <p:cNvPr id="41" name="ísľîḑê">
               <a:extLst>
                 <a:ext uri="{FF2B5EF4-FFF2-40B4-BE49-F238E27FC236}">
-                  <a16:creationId xmlns:a16="http://schemas.microsoft.com/office/drawing/2014/main" xmlns="" id="{F46A0CCC-6110-407E-8E6D-A1E655B7B10A}"/>
+                  <a16:creationId xmlns="" xmlns:a16="http://schemas.microsoft.com/office/drawing/2014/main" id="{F46A0CCC-6110-407E-8E6D-A1E655B7B10A}"/>
                 </a:ext>
               </a:extLst>
             </p:cNvPr>
@@ -4633,7 +4633,7 @@
             <p:cNvPr id="42" name="iṥlïďé">
               <a:extLst>
                 <a:ext uri="{FF2B5EF4-FFF2-40B4-BE49-F238E27FC236}">
-                  <a16:creationId xmlns:a16="http://schemas.microsoft.com/office/drawing/2014/main" xmlns="" id="{D83D0A40-C194-4C9B-8119-3AA087712412}"/>
+                  <a16:creationId xmlns="" xmlns:a16="http://schemas.microsoft.com/office/drawing/2014/main" id="{D83D0A40-C194-4C9B-8119-3AA087712412}"/>
                 </a:ext>
               </a:extLst>
             </p:cNvPr>
@@ -4704,7 +4704,7 @@
             <p:cNvPr id="43" name="îşḷiḍè">
               <a:extLst>
                 <a:ext uri="{FF2B5EF4-FFF2-40B4-BE49-F238E27FC236}">
-                  <a16:creationId xmlns:a16="http://schemas.microsoft.com/office/drawing/2014/main" xmlns="" id="{DE854E02-9D47-4D10-A040-E952102AC62D}"/>
+                  <a16:creationId xmlns="" xmlns:a16="http://schemas.microsoft.com/office/drawing/2014/main" id="{DE854E02-9D47-4D10-A040-E952102AC62D}"/>
                 </a:ext>
               </a:extLst>
             </p:cNvPr>
@@ -4806,7 +4806,7 @@
           <p:cNvPr id="3" name="日期占位符 2">
             <a:extLst>
               <a:ext uri="{FF2B5EF4-FFF2-40B4-BE49-F238E27FC236}">
-                <a16:creationId xmlns:a16="http://schemas.microsoft.com/office/drawing/2014/main" xmlns="" id="{9888B6D7-9D3F-49D7-BACE-73A9D1149A74}"/>
+                <a16:creationId xmlns="" xmlns:a16="http://schemas.microsoft.com/office/drawing/2014/main" id="{9888B6D7-9D3F-49D7-BACE-73A9D1149A74}"/>
               </a:ext>
             </a:extLst>
           </p:cNvPr>
@@ -4831,7 +4831,7 @@
           <p:cNvPr id="4" name="页脚占位符 3">
             <a:extLst>
               <a:ext uri="{FF2B5EF4-FFF2-40B4-BE49-F238E27FC236}">
-                <a16:creationId xmlns:a16="http://schemas.microsoft.com/office/drawing/2014/main" xmlns="" id="{7AC997A4-1DD8-4731-B9FD-42398A20FF85}"/>
+                <a16:creationId xmlns="" xmlns:a16="http://schemas.microsoft.com/office/drawing/2014/main" id="{7AC997A4-1DD8-4731-B9FD-42398A20FF85}"/>
               </a:ext>
             </a:extLst>
           </p:cNvPr>
@@ -4868,7 +4868,7 @@
           <p:cNvPr id="5" name="灯片编号占位符 4">
             <a:extLst>
               <a:ext uri="{FF2B5EF4-FFF2-40B4-BE49-F238E27FC236}">
-                <a16:creationId xmlns:a16="http://schemas.microsoft.com/office/drawing/2014/main" xmlns="" id="{DBA9825E-1876-42AD-ABCF-E0E100F351CA}"/>
+                <a16:creationId xmlns="" xmlns:a16="http://schemas.microsoft.com/office/drawing/2014/main" id="{DBA9825E-1876-42AD-ABCF-E0E100F351CA}"/>
               </a:ext>
             </a:extLst>
           </p:cNvPr>
@@ -4898,7 +4898,7 @@
           <p:cNvPr id="6" name="标题 5">
             <a:extLst>
               <a:ext uri="{FF2B5EF4-FFF2-40B4-BE49-F238E27FC236}">
-                <a16:creationId xmlns:a16="http://schemas.microsoft.com/office/drawing/2014/main" xmlns="" id="{D124F9DB-C87A-423F-9657-38C7A2901430}"/>
+                <a16:creationId xmlns="" xmlns:a16="http://schemas.microsoft.com/office/drawing/2014/main" id="{D124F9DB-C87A-423F-9657-38C7A2901430}"/>
               </a:ext>
             </a:extLst>
           </p:cNvPr>
@@ -4931,7 +4931,7 @@
           <p:cNvPr id="8" name="内容占位符 7">
             <a:extLst>
               <a:ext uri="{FF2B5EF4-FFF2-40B4-BE49-F238E27FC236}">
-                <a16:creationId xmlns:a16="http://schemas.microsoft.com/office/drawing/2014/main" xmlns="" id="{2070191C-4093-409C-8FD5-7369A79637AD}"/>
+                <a16:creationId xmlns="" xmlns:a16="http://schemas.microsoft.com/office/drawing/2014/main" id="{2070191C-4093-409C-8FD5-7369A79637AD}"/>
               </a:ext>
             </a:extLst>
           </p:cNvPr>
@@ -5040,7 +5040,7 @@
           <p:cNvPr id="2" name="标题 1">
             <a:extLst>
               <a:ext uri="{FF2B5EF4-FFF2-40B4-BE49-F238E27FC236}">
-                <a16:creationId xmlns:a16="http://schemas.microsoft.com/office/drawing/2014/main" xmlns="" id="{F21C7A1C-3684-4AAF-A408-C63B6CB64104}"/>
+                <a16:creationId xmlns="" xmlns:a16="http://schemas.microsoft.com/office/drawing/2014/main" id="{F21C7A1C-3684-4AAF-A408-C63B6CB64104}"/>
               </a:ext>
             </a:extLst>
           </p:cNvPr>
@@ -5073,7 +5073,7 @@
           <p:cNvPr id="3" name="日期占位符 2">
             <a:extLst>
               <a:ext uri="{FF2B5EF4-FFF2-40B4-BE49-F238E27FC236}">
-                <a16:creationId xmlns:a16="http://schemas.microsoft.com/office/drawing/2014/main" xmlns="" id="{8986EA5F-D77D-4318-90E9-C04AA8ADC0D1}"/>
+                <a16:creationId xmlns="" xmlns:a16="http://schemas.microsoft.com/office/drawing/2014/main" id="{8986EA5F-D77D-4318-90E9-C04AA8ADC0D1}"/>
               </a:ext>
             </a:extLst>
           </p:cNvPr>
@@ -5098,7 +5098,7 @@
           <p:cNvPr id="4" name="页脚占位符 3">
             <a:extLst>
               <a:ext uri="{FF2B5EF4-FFF2-40B4-BE49-F238E27FC236}">
-                <a16:creationId xmlns:a16="http://schemas.microsoft.com/office/drawing/2014/main" xmlns="" id="{00832621-D9D9-445E-BFF9-F8348FA1E262}"/>
+                <a16:creationId xmlns="" xmlns:a16="http://schemas.microsoft.com/office/drawing/2014/main" id="{00832621-D9D9-445E-BFF9-F8348FA1E262}"/>
               </a:ext>
             </a:extLst>
           </p:cNvPr>
@@ -5135,7 +5135,7 @@
           <p:cNvPr id="5" name="灯片编号占位符 4">
             <a:extLst>
               <a:ext uri="{FF2B5EF4-FFF2-40B4-BE49-F238E27FC236}">
-                <a16:creationId xmlns:a16="http://schemas.microsoft.com/office/drawing/2014/main" xmlns="" id="{8371151B-F790-4A9F-962F-B8718A9560A9}"/>
+                <a16:creationId xmlns="" xmlns:a16="http://schemas.microsoft.com/office/drawing/2014/main" id="{8371151B-F790-4A9F-962F-B8718A9560A9}"/>
               </a:ext>
             </a:extLst>
           </p:cNvPr>
@@ -5331,7 +5331,7 @@
           <p:cNvPr id="6" name="文本占位符 5">
             <a:extLst>
               <a:ext uri="{FF2B5EF4-FFF2-40B4-BE49-F238E27FC236}">
-                <a16:creationId xmlns:a16="http://schemas.microsoft.com/office/drawing/2014/main" xmlns="" id="{05EBDA4F-7210-4CAE-8333-80DB24212E78}"/>
+                <a16:creationId xmlns="" xmlns:a16="http://schemas.microsoft.com/office/drawing/2014/main" id="{05EBDA4F-7210-4CAE-8333-80DB24212E78}"/>
               </a:ext>
             </a:extLst>
           </p:cNvPr>
@@ -5392,7 +5392,7 @@
           <p:cNvPr id="7" name="组合 6">
             <a:extLst>
               <a:ext uri="{FF2B5EF4-FFF2-40B4-BE49-F238E27FC236}">
-                <a16:creationId xmlns:a16="http://schemas.microsoft.com/office/drawing/2014/main" xmlns="" id="{5B77603F-656A-4E2F-9228-E30568A2F1D6}"/>
+                <a16:creationId xmlns="" xmlns:a16="http://schemas.microsoft.com/office/drawing/2014/main" id="{5B77603F-656A-4E2F-9228-E30568A2F1D6}"/>
               </a:ext>
             </a:extLst>
           </p:cNvPr>
@@ -5412,7 +5412,7 @@
             <p:cNvPr id="8" name="îSḻïḍè">
               <a:extLst>
                 <a:ext uri="{FF2B5EF4-FFF2-40B4-BE49-F238E27FC236}">
-                  <a16:creationId xmlns:a16="http://schemas.microsoft.com/office/drawing/2014/main" xmlns="" id="{61BDFEB9-90AA-43E9-A12B-EFFF9287F99D}"/>
+                  <a16:creationId xmlns="" xmlns:a16="http://schemas.microsoft.com/office/drawing/2014/main" id="{61BDFEB9-90AA-43E9-A12B-EFFF9287F99D}"/>
                 </a:ext>
               </a:extLst>
             </p:cNvPr>
@@ -5496,7 +5496,7 @@
             <p:cNvPr id="9" name="iṧ1îďè">
               <a:extLst>
                 <a:ext uri="{FF2B5EF4-FFF2-40B4-BE49-F238E27FC236}">
-                  <a16:creationId xmlns:a16="http://schemas.microsoft.com/office/drawing/2014/main" xmlns="" id="{D6E33435-E28A-463E-9EC6-4FEF1432AC96}"/>
+                  <a16:creationId xmlns="" xmlns:a16="http://schemas.microsoft.com/office/drawing/2014/main" id="{D6E33435-E28A-463E-9EC6-4FEF1432AC96}"/>
                 </a:ext>
               </a:extLst>
             </p:cNvPr>
@@ -5589,7 +5589,7 @@
             <p:cNvPr id="10" name="íŝ1îḑê">
               <a:extLst>
                 <a:ext uri="{FF2B5EF4-FFF2-40B4-BE49-F238E27FC236}">
-                  <a16:creationId xmlns:a16="http://schemas.microsoft.com/office/drawing/2014/main" xmlns="" id="{9304A826-F780-4CF2-AEA1-5EB7122B87CE}"/>
+                  <a16:creationId xmlns="" xmlns:a16="http://schemas.microsoft.com/office/drawing/2014/main" id="{9304A826-F780-4CF2-AEA1-5EB7122B87CE}"/>
                 </a:ext>
               </a:extLst>
             </p:cNvPr>
@@ -5674,7 +5674,7 @@
             <p:cNvPr id="11" name="îṩľîḋè">
               <a:extLst>
                 <a:ext uri="{FF2B5EF4-FFF2-40B4-BE49-F238E27FC236}">
-                  <a16:creationId xmlns:a16="http://schemas.microsoft.com/office/drawing/2014/main" xmlns="" id="{276A2E36-748D-419C-9EE2-5DF2A51BE0C6}"/>
+                  <a16:creationId xmlns="" xmlns:a16="http://schemas.microsoft.com/office/drawing/2014/main" id="{276A2E36-748D-419C-9EE2-5DF2A51BE0C6}"/>
                 </a:ext>
               </a:extLst>
             </p:cNvPr>
@@ -5759,7 +5759,7 @@
             <p:cNvPr id="12" name="íṡ1ïḓe">
               <a:extLst>
                 <a:ext uri="{FF2B5EF4-FFF2-40B4-BE49-F238E27FC236}">
-                  <a16:creationId xmlns:a16="http://schemas.microsoft.com/office/drawing/2014/main" xmlns="" id="{20A4A09F-DE16-4168-819D-7F31D973EC1A}"/>
+                  <a16:creationId xmlns="" xmlns:a16="http://schemas.microsoft.com/office/drawing/2014/main" id="{20A4A09F-DE16-4168-819D-7F31D973EC1A}"/>
                 </a:ext>
               </a:extLst>
             </p:cNvPr>
@@ -5824,7 +5824,7 @@
             <p:cNvPr id="14" name="ïŝlîḍê">
               <a:extLst>
                 <a:ext uri="{FF2B5EF4-FFF2-40B4-BE49-F238E27FC236}">
-                  <a16:creationId xmlns:a16="http://schemas.microsoft.com/office/drawing/2014/main" xmlns="" id="{F8657E4E-B533-4A5A-9F5F-E5BE8ACB5AD2}"/>
+                  <a16:creationId xmlns="" xmlns:a16="http://schemas.microsoft.com/office/drawing/2014/main" id="{F8657E4E-B533-4A5A-9F5F-E5BE8ACB5AD2}"/>
                 </a:ext>
               </a:extLst>
             </p:cNvPr>
@@ -5889,7 +5889,7 @@
             <p:cNvPr id="16" name="íṧlîḓé">
               <a:extLst>
                 <a:ext uri="{FF2B5EF4-FFF2-40B4-BE49-F238E27FC236}">
-                  <a16:creationId xmlns:a16="http://schemas.microsoft.com/office/drawing/2014/main" xmlns="" id="{FD71861F-C75F-4733-AFC9-3907B077276A}"/>
+                  <a16:creationId xmlns="" xmlns:a16="http://schemas.microsoft.com/office/drawing/2014/main" id="{FD71861F-C75F-4733-AFC9-3907B077276A}"/>
                 </a:ext>
               </a:extLst>
             </p:cNvPr>
@@ -5984,7 +5984,7 @@
             <p:cNvPr id="17" name="îṡľiḑè">
               <a:extLst>
                 <a:ext uri="{FF2B5EF4-FFF2-40B4-BE49-F238E27FC236}">
-                  <a16:creationId xmlns:a16="http://schemas.microsoft.com/office/drawing/2014/main" xmlns="" id="{C5F246DD-0425-467A-8E23-DF1922ED4240}"/>
+                  <a16:creationId xmlns="" xmlns:a16="http://schemas.microsoft.com/office/drawing/2014/main" id="{C5F246DD-0425-467A-8E23-DF1922ED4240}"/>
                 </a:ext>
               </a:extLst>
             </p:cNvPr>
@@ -6059,7 +6059,7 @@
             <p:cNvPr id="18" name="íš1ïḑé">
               <a:extLst>
                 <a:ext uri="{FF2B5EF4-FFF2-40B4-BE49-F238E27FC236}">
-                  <a16:creationId xmlns:a16="http://schemas.microsoft.com/office/drawing/2014/main" xmlns="" id="{EB196468-BCAE-4BF5-B491-B37AF459C2E0}"/>
+                  <a16:creationId xmlns="" xmlns:a16="http://schemas.microsoft.com/office/drawing/2014/main" id="{EB196468-BCAE-4BF5-B491-B37AF459C2E0}"/>
                 </a:ext>
               </a:extLst>
             </p:cNvPr>
@@ -6134,7 +6134,7 @@
             <p:cNvPr id="19" name="ïṧḷîḍe">
               <a:extLst>
                 <a:ext uri="{FF2B5EF4-FFF2-40B4-BE49-F238E27FC236}">
-                  <a16:creationId xmlns:a16="http://schemas.microsoft.com/office/drawing/2014/main" xmlns="" id="{9A980BB4-0B9C-4CE7-B965-86D1DCCFF04C}"/>
+                  <a16:creationId xmlns="" xmlns:a16="http://schemas.microsoft.com/office/drawing/2014/main" id="{9A980BB4-0B9C-4CE7-B965-86D1DCCFF04C}"/>
                 </a:ext>
               </a:extLst>
             </p:cNvPr>
@@ -6209,7 +6209,7 @@
             <p:cNvPr id="20" name="iṡḻïḑe">
               <a:extLst>
                 <a:ext uri="{FF2B5EF4-FFF2-40B4-BE49-F238E27FC236}">
-                  <a16:creationId xmlns:a16="http://schemas.microsoft.com/office/drawing/2014/main" xmlns="" id="{D932A797-F983-471B-BFA8-F7F77258FAF6}"/>
+                  <a16:creationId xmlns="" xmlns:a16="http://schemas.microsoft.com/office/drawing/2014/main" id="{D932A797-F983-471B-BFA8-F7F77258FAF6}"/>
                 </a:ext>
               </a:extLst>
             </p:cNvPr>
@@ -6274,7 +6274,7 @@
             <p:cNvPr id="21" name="iṣliḋê">
               <a:extLst>
                 <a:ext uri="{FF2B5EF4-FFF2-40B4-BE49-F238E27FC236}">
-                  <a16:creationId xmlns:a16="http://schemas.microsoft.com/office/drawing/2014/main" xmlns="" id="{14E4C1FF-2C4A-414E-B7C1-76FC09803579}"/>
+                  <a16:creationId xmlns="" xmlns:a16="http://schemas.microsoft.com/office/drawing/2014/main" id="{14E4C1FF-2C4A-414E-B7C1-76FC09803579}"/>
                 </a:ext>
               </a:extLst>
             </p:cNvPr>
@@ -6339,7 +6339,7 @@
             <p:cNvPr id="22" name="îsḷïdê">
               <a:extLst>
                 <a:ext uri="{FF2B5EF4-FFF2-40B4-BE49-F238E27FC236}">
-                  <a16:creationId xmlns:a16="http://schemas.microsoft.com/office/drawing/2014/main" xmlns="" id="{22AC134A-B7EA-4D73-BF21-DE75251C3AB3}"/>
+                  <a16:creationId xmlns="" xmlns:a16="http://schemas.microsoft.com/office/drawing/2014/main" id="{22AC134A-B7EA-4D73-BF21-DE75251C3AB3}"/>
                 </a:ext>
               </a:extLst>
             </p:cNvPr>
@@ -6401,7 +6401,7 @@
             <p:cNvPr id="23" name="i$ḻïḍê">
               <a:extLst>
                 <a:ext uri="{FF2B5EF4-FFF2-40B4-BE49-F238E27FC236}">
-                  <a16:creationId xmlns:a16="http://schemas.microsoft.com/office/drawing/2014/main" xmlns="" id="{B2525ADC-09FA-43DB-8CDF-85CDAC67D7D6}"/>
+                  <a16:creationId xmlns="" xmlns:a16="http://schemas.microsoft.com/office/drawing/2014/main" id="{B2525ADC-09FA-43DB-8CDF-85CDAC67D7D6}"/>
                 </a:ext>
               </a:extLst>
             </p:cNvPr>
@@ -6463,7 +6463,7 @@
             <p:cNvPr id="24" name="iş1îďé">
               <a:extLst>
                 <a:ext uri="{FF2B5EF4-FFF2-40B4-BE49-F238E27FC236}">
-                  <a16:creationId xmlns:a16="http://schemas.microsoft.com/office/drawing/2014/main" xmlns="" id="{5797D739-E4EF-4020-8521-6BC146B06A4D}"/>
+                  <a16:creationId xmlns="" xmlns:a16="http://schemas.microsoft.com/office/drawing/2014/main" id="{5797D739-E4EF-4020-8521-6BC146B06A4D}"/>
                 </a:ext>
               </a:extLst>
             </p:cNvPr>
@@ -6525,7 +6525,7 @@
             <p:cNvPr id="25" name="iṧľiḍè">
               <a:extLst>
                 <a:ext uri="{FF2B5EF4-FFF2-40B4-BE49-F238E27FC236}">
-                  <a16:creationId xmlns:a16="http://schemas.microsoft.com/office/drawing/2014/main" xmlns="" id="{420139AB-8C14-45D0-B524-2B38E2B5CC4C}"/>
+                  <a16:creationId xmlns="" xmlns:a16="http://schemas.microsoft.com/office/drawing/2014/main" id="{420139AB-8C14-45D0-B524-2B38E2B5CC4C}"/>
                 </a:ext>
               </a:extLst>
             </p:cNvPr>
@@ -6587,7 +6587,7 @@
             <p:cNvPr id="26" name="îŝḷiďê">
               <a:extLst>
                 <a:ext uri="{FF2B5EF4-FFF2-40B4-BE49-F238E27FC236}">
-                  <a16:creationId xmlns:a16="http://schemas.microsoft.com/office/drawing/2014/main" xmlns="" id="{C2086326-1FF1-4885-9F22-89D180415FAD}"/>
+                  <a16:creationId xmlns="" xmlns:a16="http://schemas.microsoft.com/office/drawing/2014/main" id="{C2086326-1FF1-4885-9F22-89D180415FAD}"/>
                 </a:ext>
               </a:extLst>
             </p:cNvPr>
@@ -6683,7 +6683,7 @@
             <p:cNvPr id="27" name="ï$ḷiḍé">
               <a:extLst>
                 <a:ext uri="{FF2B5EF4-FFF2-40B4-BE49-F238E27FC236}">
-                  <a16:creationId xmlns:a16="http://schemas.microsoft.com/office/drawing/2014/main" xmlns="" id="{6DB36021-5313-40A9-920B-CBDED876EF45}"/>
+                  <a16:creationId xmlns="" xmlns:a16="http://schemas.microsoft.com/office/drawing/2014/main" id="{6DB36021-5313-40A9-920B-CBDED876EF45}"/>
                 </a:ext>
               </a:extLst>
             </p:cNvPr>
@@ -6745,7 +6745,7 @@
             <p:cNvPr id="28" name="ïşḷïḍe">
               <a:extLst>
                 <a:ext uri="{FF2B5EF4-FFF2-40B4-BE49-F238E27FC236}">
-                  <a16:creationId xmlns:a16="http://schemas.microsoft.com/office/drawing/2014/main" xmlns="" id="{6E199C5B-BAA8-49E4-BEB5-B476BF8BC2B1}"/>
+                  <a16:creationId xmlns="" xmlns:a16="http://schemas.microsoft.com/office/drawing/2014/main" id="{6E199C5B-BAA8-49E4-BEB5-B476BF8BC2B1}"/>
                 </a:ext>
               </a:extLst>
             </p:cNvPr>
@@ -6807,7 +6807,7 @@
             <p:cNvPr id="29" name="i$ḻïďé">
               <a:extLst>
                 <a:ext uri="{FF2B5EF4-FFF2-40B4-BE49-F238E27FC236}">
-                  <a16:creationId xmlns:a16="http://schemas.microsoft.com/office/drawing/2014/main" xmlns="" id="{6D1C2096-6C60-4112-830E-BF0A8DBC9AFC}"/>
+                  <a16:creationId xmlns="" xmlns:a16="http://schemas.microsoft.com/office/drawing/2014/main" id="{6D1C2096-6C60-4112-830E-BF0A8DBC9AFC}"/>
                 </a:ext>
               </a:extLst>
             </p:cNvPr>
@@ -6869,7 +6869,7 @@
             <p:cNvPr id="30" name="iṩḷîďè">
               <a:extLst>
                 <a:ext uri="{FF2B5EF4-FFF2-40B4-BE49-F238E27FC236}">
-                  <a16:creationId xmlns:a16="http://schemas.microsoft.com/office/drawing/2014/main" xmlns="" id="{8E2F55A0-1F8B-4DF8-9692-0E52FB38C449}"/>
+                  <a16:creationId xmlns="" xmlns:a16="http://schemas.microsoft.com/office/drawing/2014/main" id="{8E2F55A0-1F8B-4DF8-9692-0E52FB38C449}"/>
                 </a:ext>
               </a:extLst>
             </p:cNvPr>
@@ -6931,7 +6931,7 @@
             <p:cNvPr id="31" name="îśḷiḋè">
               <a:extLst>
                 <a:ext uri="{FF2B5EF4-FFF2-40B4-BE49-F238E27FC236}">
-                  <a16:creationId xmlns:a16="http://schemas.microsoft.com/office/drawing/2014/main" xmlns="" id="{FAEFDB25-C311-444C-8211-CA9D0D3E76C7}"/>
+                  <a16:creationId xmlns="" xmlns:a16="http://schemas.microsoft.com/office/drawing/2014/main" id="{FAEFDB25-C311-444C-8211-CA9D0D3E76C7}"/>
                 </a:ext>
               </a:extLst>
             </p:cNvPr>
@@ -6993,7 +6993,7 @@
             <p:cNvPr id="32" name="işlïďe">
               <a:extLst>
                 <a:ext uri="{FF2B5EF4-FFF2-40B4-BE49-F238E27FC236}">
-                  <a16:creationId xmlns:a16="http://schemas.microsoft.com/office/drawing/2014/main" xmlns="" id="{6F7FE01D-44F0-4E78-AA22-48B1A54F44A8}"/>
+                  <a16:creationId xmlns="" xmlns:a16="http://schemas.microsoft.com/office/drawing/2014/main" id="{6F7FE01D-44F0-4E78-AA22-48B1A54F44A8}"/>
                 </a:ext>
               </a:extLst>
             </p:cNvPr>
@@ -7055,7 +7055,7 @@
             <p:cNvPr id="33" name="iṧļîďê">
               <a:extLst>
                 <a:ext uri="{FF2B5EF4-FFF2-40B4-BE49-F238E27FC236}">
-                  <a16:creationId xmlns:a16="http://schemas.microsoft.com/office/drawing/2014/main" xmlns="" id="{E43ABFED-9DCE-4780-A17B-F275913025D6}"/>
+                  <a16:creationId xmlns="" xmlns:a16="http://schemas.microsoft.com/office/drawing/2014/main" id="{E43ABFED-9DCE-4780-A17B-F275913025D6}"/>
                 </a:ext>
               </a:extLst>
             </p:cNvPr>
@@ -7117,7 +7117,7 @@
             <p:cNvPr id="34" name="ïśľide">
               <a:extLst>
                 <a:ext uri="{FF2B5EF4-FFF2-40B4-BE49-F238E27FC236}">
-                  <a16:creationId xmlns:a16="http://schemas.microsoft.com/office/drawing/2014/main" xmlns="" id="{764B5643-59A7-4278-9C6C-C0772E988BD1}"/>
+                  <a16:creationId xmlns="" xmlns:a16="http://schemas.microsoft.com/office/drawing/2014/main" id="{764B5643-59A7-4278-9C6C-C0772E988BD1}"/>
                 </a:ext>
               </a:extLst>
             </p:cNvPr>
@@ -7179,7 +7179,7 @@
             <p:cNvPr id="35" name="îṣḷiďè">
               <a:extLst>
                 <a:ext uri="{FF2B5EF4-FFF2-40B4-BE49-F238E27FC236}">
-                  <a16:creationId xmlns:a16="http://schemas.microsoft.com/office/drawing/2014/main" xmlns="" id="{A35CCFB0-B280-422B-A372-F1E8A7B37BB7}"/>
+                  <a16:creationId xmlns="" xmlns:a16="http://schemas.microsoft.com/office/drawing/2014/main" id="{A35CCFB0-B280-422B-A372-F1E8A7B37BB7}"/>
                 </a:ext>
               </a:extLst>
             </p:cNvPr>
@@ -7275,7 +7275,7 @@
             <p:cNvPr id="36" name="i$líḓe">
               <a:extLst>
                 <a:ext uri="{FF2B5EF4-FFF2-40B4-BE49-F238E27FC236}">
-                  <a16:creationId xmlns:a16="http://schemas.microsoft.com/office/drawing/2014/main" xmlns="" id="{7F0DCF35-E893-4225-90D5-FBFE48B4C496}"/>
+                  <a16:creationId xmlns="" xmlns:a16="http://schemas.microsoft.com/office/drawing/2014/main" id="{7F0DCF35-E893-4225-90D5-FBFE48B4C496}"/>
                 </a:ext>
               </a:extLst>
             </p:cNvPr>
@@ -7340,7 +7340,7 @@
             <p:cNvPr id="37" name="ïṣḷíḓè">
               <a:extLst>
                 <a:ext uri="{FF2B5EF4-FFF2-40B4-BE49-F238E27FC236}">
-                  <a16:creationId xmlns:a16="http://schemas.microsoft.com/office/drawing/2014/main" xmlns="" id="{A4220D05-442F-428F-ACAE-0BDB7327EE45}"/>
+                  <a16:creationId xmlns="" xmlns:a16="http://schemas.microsoft.com/office/drawing/2014/main" id="{A4220D05-442F-428F-ACAE-0BDB7327EE45}"/>
                 </a:ext>
               </a:extLst>
             </p:cNvPr>
@@ -7480,7 +7480,7 @@
             <p:cNvPr id="38" name="ïślîḓe">
               <a:extLst>
                 <a:ext uri="{FF2B5EF4-FFF2-40B4-BE49-F238E27FC236}">
-                  <a16:creationId xmlns:a16="http://schemas.microsoft.com/office/drawing/2014/main" xmlns="" id="{CA00A810-C422-493F-8762-928602E1666F}"/>
+                  <a16:creationId xmlns="" xmlns:a16="http://schemas.microsoft.com/office/drawing/2014/main" id="{CA00A810-C422-493F-8762-928602E1666F}"/>
                 </a:ext>
               </a:extLst>
             </p:cNvPr>
@@ -7542,7 +7542,7 @@
             <p:cNvPr id="39" name="iṥļïďé">
               <a:extLst>
                 <a:ext uri="{FF2B5EF4-FFF2-40B4-BE49-F238E27FC236}">
-                  <a16:creationId xmlns:a16="http://schemas.microsoft.com/office/drawing/2014/main" xmlns="" id="{8731F971-066B-40AA-B136-58B67564B7ED}"/>
+                  <a16:creationId xmlns="" xmlns:a16="http://schemas.microsoft.com/office/drawing/2014/main" id="{8731F971-066B-40AA-B136-58B67564B7ED}"/>
                 </a:ext>
               </a:extLst>
             </p:cNvPr>
@@ -7604,7 +7604,7 @@
             <p:cNvPr id="40" name="iślíḓé">
               <a:extLst>
                 <a:ext uri="{FF2B5EF4-FFF2-40B4-BE49-F238E27FC236}">
-                  <a16:creationId xmlns:a16="http://schemas.microsoft.com/office/drawing/2014/main" xmlns="" id="{2AABD586-6310-40FF-82C3-735CEE851897}"/>
+                  <a16:creationId xmlns="" xmlns:a16="http://schemas.microsoft.com/office/drawing/2014/main" id="{2AABD586-6310-40FF-82C3-735CEE851897}"/>
                 </a:ext>
               </a:extLst>
             </p:cNvPr>
@@ -7666,7 +7666,7 @@
             <p:cNvPr id="41" name="îşḻïḑé">
               <a:extLst>
                 <a:ext uri="{FF2B5EF4-FFF2-40B4-BE49-F238E27FC236}">
-                  <a16:creationId xmlns:a16="http://schemas.microsoft.com/office/drawing/2014/main" xmlns="" id="{0BDE1E9B-62A3-46F4-AB87-D02F1D6E213F}"/>
+                  <a16:creationId xmlns="" xmlns:a16="http://schemas.microsoft.com/office/drawing/2014/main" id="{0BDE1E9B-62A3-46F4-AB87-D02F1D6E213F}"/>
                 </a:ext>
               </a:extLst>
             </p:cNvPr>
@@ -7728,7 +7728,7 @@
             <p:cNvPr id="42" name="iš1îḓe">
               <a:extLst>
                 <a:ext uri="{FF2B5EF4-FFF2-40B4-BE49-F238E27FC236}">
-                  <a16:creationId xmlns:a16="http://schemas.microsoft.com/office/drawing/2014/main" xmlns="" id="{1846F9CF-B441-4677-B6B7-A82071C6A24C}"/>
+                  <a16:creationId xmlns="" xmlns:a16="http://schemas.microsoft.com/office/drawing/2014/main" id="{1846F9CF-B441-4677-B6B7-A82071C6A24C}"/>
                 </a:ext>
               </a:extLst>
             </p:cNvPr>
@@ -7790,7 +7790,7 @@
             <p:cNvPr id="43" name="iṣļïḋê">
               <a:extLst>
                 <a:ext uri="{FF2B5EF4-FFF2-40B4-BE49-F238E27FC236}">
-                  <a16:creationId xmlns:a16="http://schemas.microsoft.com/office/drawing/2014/main" xmlns="" id="{E6025A34-46AE-457E-AC6F-3CE06D5B4606}"/>
+                  <a16:creationId xmlns="" xmlns:a16="http://schemas.microsoft.com/office/drawing/2014/main" id="{E6025A34-46AE-457E-AC6F-3CE06D5B4606}"/>
                 </a:ext>
               </a:extLst>
             </p:cNvPr>
@@ -7852,7 +7852,7 @@
             <p:cNvPr id="44" name="ïṧḻîdè">
               <a:extLst>
                 <a:ext uri="{FF2B5EF4-FFF2-40B4-BE49-F238E27FC236}">
-                  <a16:creationId xmlns:a16="http://schemas.microsoft.com/office/drawing/2014/main" xmlns="" id="{B3B1207A-F631-4D74-AF71-25164BFA4732}"/>
+                  <a16:creationId xmlns="" xmlns:a16="http://schemas.microsoft.com/office/drawing/2014/main" id="{B3B1207A-F631-4D74-AF71-25164BFA4732}"/>
                 </a:ext>
               </a:extLst>
             </p:cNvPr>
@@ -7914,7 +7914,7 @@
             <p:cNvPr id="45" name="ïṩlîḋè">
               <a:extLst>
                 <a:ext uri="{FF2B5EF4-FFF2-40B4-BE49-F238E27FC236}">
-                  <a16:creationId xmlns:a16="http://schemas.microsoft.com/office/drawing/2014/main" xmlns="" id="{BD4629EF-6FD7-495B-BABC-2117635C362D}"/>
+                  <a16:creationId xmlns="" xmlns:a16="http://schemas.microsoft.com/office/drawing/2014/main" id="{BD4629EF-6FD7-495B-BABC-2117635C362D}"/>
                 </a:ext>
               </a:extLst>
             </p:cNvPr>
@@ -7985,7 +7985,7 @@
             <p:cNvPr id="46" name="îśḻiḑê">
               <a:extLst>
                 <a:ext uri="{FF2B5EF4-FFF2-40B4-BE49-F238E27FC236}">
-                  <a16:creationId xmlns:a16="http://schemas.microsoft.com/office/drawing/2014/main" xmlns="" id="{CEEE656F-2B58-452E-8C4C-A5DC9C34C5FE}"/>
+                  <a16:creationId xmlns="" xmlns:a16="http://schemas.microsoft.com/office/drawing/2014/main" id="{CEEE656F-2B58-452E-8C4C-A5DC9C34C5FE}"/>
                 </a:ext>
               </a:extLst>
             </p:cNvPr>
@@ -8056,7 +8056,7 @@
             <p:cNvPr id="47" name="ísļîḓê">
               <a:extLst>
                 <a:ext uri="{FF2B5EF4-FFF2-40B4-BE49-F238E27FC236}">
-                  <a16:creationId xmlns:a16="http://schemas.microsoft.com/office/drawing/2014/main" xmlns="" id="{30046525-C92C-4D8E-AA3B-B52FFA1759D5}"/>
+                  <a16:creationId xmlns="" xmlns:a16="http://schemas.microsoft.com/office/drawing/2014/main" id="{30046525-C92C-4D8E-AA3B-B52FFA1759D5}"/>
                 </a:ext>
               </a:extLst>
             </p:cNvPr>
@@ -8394,7 +8394,7 @@
           <p:cNvPr id="8" name="日期占位符 7">
             <a:extLst>
               <a:ext uri="{FF2B5EF4-FFF2-40B4-BE49-F238E27FC236}">
-                <a16:creationId xmlns:a16="http://schemas.microsoft.com/office/drawing/2014/main" xmlns="" id="{04388434-9949-479C-A9C3-67A953F6A939}"/>
+                <a16:creationId xmlns="" xmlns:a16="http://schemas.microsoft.com/office/drawing/2014/main" id="{04388434-9949-479C-A9C3-67A953F6A939}"/>
               </a:ext>
             </a:extLst>
           </p:cNvPr>
@@ -8438,7 +8438,7 @@
           <p:cNvPr id="9" name="页脚占位符 8">
             <a:extLst>
               <a:ext uri="{FF2B5EF4-FFF2-40B4-BE49-F238E27FC236}">
-                <a16:creationId xmlns:a16="http://schemas.microsoft.com/office/drawing/2014/main" xmlns="" id="{50A5656E-7A33-4865-A262-1F96263BAA16}"/>
+                <a16:creationId xmlns="" xmlns:a16="http://schemas.microsoft.com/office/drawing/2014/main" id="{50A5656E-7A33-4865-A262-1F96263BAA16}"/>
               </a:ext>
             </a:extLst>
           </p:cNvPr>
@@ -8494,7 +8494,7 @@
           <p:cNvPr id="10" name="灯片编号占位符 9">
             <a:extLst>
               <a:ext uri="{FF2B5EF4-FFF2-40B4-BE49-F238E27FC236}">
-                <a16:creationId xmlns:a16="http://schemas.microsoft.com/office/drawing/2014/main" xmlns="" id="{5BF52F79-380E-4278-8B67-588AFE5840F9}"/>
+                <a16:creationId xmlns="" xmlns:a16="http://schemas.microsoft.com/office/drawing/2014/main" id="{5BF52F79-380E-4278-8B67-588AFE5840F9}"/>
               </a:ext>
             </a:extLst>
           </p:cNvPr>
@@ -8837,7 +8837,7 @@
   </p:txStyles>
   <p:extLst>
     <p:ext uri="{27BBF7A9-308A-43DC-89C8-2F10F3537804}">
-      <p15:sldGuideLst xmlns:p15="http://schemas.microsoft.com/office/powerpoint/2012/main" xmlns="">
+      <p15:sldGuideLst xmlns="" xmlns:p15="http://schemas.microsoft.com/office/powerpoint/2012/main">
         <p15:guide id="1" pos="422" userDrawn="1">
           <p15:clr>
             <a:srgbClr val="F26B43"/>
@@ -8896,7 +8896,7 @@
           <p:cNvPr id="3" name="ïṩḷiḑé" hidden="1">
             <a:extLst>
               <a:ext uri="{FF2B5EF4-FFF2-40B4-BE49-F238E27FC236}">
-                <a16:creationId xmlns:a16="http://schemas.microsoft.com/office/drawing/2014/main" xmlns="" id="{3C326D0B-7DAB-41B6-8030-2E4A18CC949B}"/>
+                <a16:creationId xmlns="" xmlns:a16="http://schemas.microsoft.com/office/drawing/2014/main" id="{3C326D0B-7DAB-41B6-8030-2E4A18CC949B}"/>
               </a:ext>
             </a:extLst>
           </p:cNvPr>
@@ -8919,7 +8919,7 @@
           <a:graphicData uri="http://schemas.openxmlformats.org/presentationml/2006/ole">
             <mc:AlternateContent xmlns:mc="http://schemas.openxmlformats.org/markup-compatibility/2006">
               <mc:Choice xmlns:v="urn:schemas-microsoft-com:vml" Requires="v">
-                <p:oleObj spid="_x0000_s1124" name="think-cell Slide" r:id="rId5" imgW="347" imgH="348" progId="TCLayout.ActiveDocument.1">
+                <p:oleObj spid="_x0000_s1125" name="think-cell Slide" r:id="rId5" imgW="347" imgH="348" progId="TCLayout.ActiveDocument.1">
                   <p:embed/>
                 </p:oleObj>
               </mc:Choice>
@@ -8931,7 +8931,7 @@
                       <p:cNvPr id="3" name="iş1iďé" hidden="1">
                         <a:extLst>
                           <a:ext uri="{FF2B5EF4-FFF2-40B4-BE49-F238E27FC236}">
-                            <a16:creationId xmlns:a16="http://schemas.microsoft.com/office/drawing/2014/main" xmlns="" id="{3C326D0B-7DAB-41B6-8030-2E4A18CC949B}"/>
+                            <a16:creationId xmlns="" xmlns:a16="http://schemas.microsoft.com/office/drawing/2014/main" id="{3C326D0B-7DAB-41B6-8030-2E4A18CC949B}"/>
                           </a:ext>
                         </a:extLst>
                       </p:cNvPr>
@@ -8965,7 +8965,7 @@
           <p:cNvPr id="2" name="ïsľîḑè" hidden="1">
             <a:extLst>
               <a:ext uri="{FF2B5EF4-FFF2-40B4-BE49-F238E27FC236}">
-                <a16:creationId xmlns:a16="http://schemas.microsoft.com/office/drawing/2014/main" xmlns="" id="{EC933494-1B63-4A32-964F-D05236799BAA}"/>
+                <a16:creationId xmlns="" xmlns:a16="http://schemas.microsoft.com/office/drawing/2014/main" id="{EC933494-1B63-4A32-964F-D05236799BAA}"/>
               </a:ext>
             </a:extLst>
           </p:cNvPr>
@@ -9087,8 +9087,13 @@
           <a:p>
             <a:r>
               <a:rPr lang="en-US" altLang="zh-CN" dirty="0"/>
-              <a:t>Sean, 23742</a:t>
-            </a:r>
+              <a:t>Sean, </a:t>
+            </a:r>
+            <a:r>
+              <a:rPr lang="zh-TW" altLang="en-US" dirty="0"/>
+              <a:t>王家祥</a:t>
+            </a:r>
+            <a:endParaRPr lang="en-US" altLang="zh-CN" dirty="0"/>
           </a:p>
         </p:txBody>
       </p:sp>
@@ -10304,7 +10309,7 @@
           <p:cNvPr id="9" name="î$ḷíḋé">
             <a:extLst>
               <a:ext uri="{FF2B5EF4-FFF2-40B4-BE49-F238E27FC236}">
-                <a16:creationId xmlns:a16="http://schemas.microsoft.com/office/drawing/2014/main" xmlns="" id="{04F69230-F3A6-4586-9371-A858F4763E9F}"/>
+                <a16:creationId xmlns="" xmlns:a16="http://schemas.microsoft.com/office/drawing/2014/main" id="{04F69230-F3A6-4586-9371-A858F4763E9F}"/>
               </a:ext>
             </a:extLst>
           </p:cNvPr>
@@ -12411,7 +12416,7 @@
           <p:cNvPr id="2" name="íSliḓè">
             <a:extLst>
               <a:ext uri="{FF2B5EF4-FFF2-40B4-BE49-F238E27FC236}">
-                <a16:creationId xmlns:a16="http://schemas.microsoft.com/office/drawing/2014/main" xmlns="" id="{C0498D3A-B738-48EC-A39C-94C58B88932B}"/>
+                <a16:creationId xmlns="" xmlns:a16="http://schemas.microsoft.com/office/drawing/2014/main" id="{C0498D3A-B738-48EC-A39C-94C58B88932B}"/>
               </a:ext>
             </a:extLst>
           </p:cNvPr>
@@ -12431,7 +12436,7 @@
             <p:cNvPr id="6" name="íSļïdè" descr="本素材由iSlide™ 提供&#10;iSlide™尊重知识产权并注重保护用户享有的各项权利。郑重提醒您：&#10;iSlide™插件中提供的任何信息内容的所有权、知识产权归其原始权利人或权利受让人所有，您免费/购买获得的是信息内容的使用权，并受下述条款的约束；&#10;1. 您仅可以个人非商业用途使用该等信息内容，不可将信息内容的全部或部分用于出售，或以出租、出借、转让、分销、发布等其他任何方式供他人使用；&#10;2. 禁止在接入互联网或移动互联网的任何网站、平台、应用或程序上以任何方式为他人提供iSlide™插件资源内容的下载。&#10;The resource is supplied by iSlide™.&#10;iSlide™ respects all intellectual property rights and protects all the rights its users acquired.Solemnly remind you:&#10;The ownership and intellectual property of the resources supplied in iSlide Add-in belongs to its owner or the assignee of this ownership.you only acquired the usage of the resources supplied in iSlide Add-in, as well as respected the following restrain terms:&#10;1.You are only allowed to use such resource for personal and non-commercial aim, not allowed to use such resource or part of it for the sale; or rent, lend, transfer to others; or distribution or release it in any way.&#10;2.You are not permitted to provide the resource of iSlide Add-in in any website, platform, application access to the Internet or mobile Internet." title="iSlide™ 版权声明  COPYRIGHT NOTICE">
               <a:extLst>
                 <a:ext uri="{FF2B5EF4-FFF2-40B4-BE49-F238E27FC236}">
-                  <a16:creationId xmlns:a16="http://schemas.microsoft.com/office/drawing/2014/main" xmlns="" id="{A759C196-DA28-4241-ABB5-975367026FE9}"/>
+                  <a16:creationId xmlns="" xmlns:a16="http://schemas.microsoft.com/office/drawing/2014/main" id="{A759C196-DA28-4241-ABB5-975367026FE9}"/>
                 </a:ext>
               </a:extLst>
             </p:cNvPr>
@@ -12453,7 +12458,7 @@
               <p:cNvPr id="7" name="îṩḷiḓè">
                 <a:extLst>
                   <a:ext uri="{FF2B5EF4-FFF2-40B4-BE49-F238E27FC236}">
-                    <a16:creationId xmlns:a16="http://schemas.microsoft.com/office/drawing/2014/main" xmlns="" id="{48F70259-7598-4270-874A-6F50772D10F6}"/>
+                    <a16:creationId xmlns="" xmlns:a16="http://schemas.microsoft.com/office/drawing/2014/main" id="{48F70259-7598-4270-874A-6F50772D10F6}"/>
                   </a:ext>
                 </a:extLst>
               </p:cNvPr>
@@ -12718,7 +12723,7 @@
               <p:cNvPr id="8" name="îŝľiḋê">
                 <a:extLst>
                   <a:ext uri="{FF2B5EF4-FFF2-40B4-BE49-F238E27FC236}">
-                    <a16:creationId xmlns:a16="http://schemas.microsoft.com/office/drawing/2014/main" xmlns="" id="{DA1FB18E-FA01-4588-BEF9-FB96A98A84D4}"/>
+                    <a16:creationId xmlns="" xmlns:a16="http://schemas.microsoft.com/office/drawing/2014/main" id="{DA1FB18E-FA01-4588-BEF9-FB96A98A84D4}"/>
                   </a:ext>
                 </a:extLst>
               </p:cNvPr>
@@ -12757,7 +12762,7 @@
               <p:cNvPr id="9" name="ïsľiďé">
                 <a:extLst>
                   <a:ext uri="{FF2B5EF4-FFF2-40B4-BE49-F238E27FC236}">
-                    <a16:creationId xmlns:a16="http://schemas.microsoft.com/office/drawing/2014/main" xmlns="" id="{0DB1D0A1-2667-455C-9387-D7ABF0A00B8C}"/>
+                    <a16:creationId xmlns="" xmlns:a16="http://schemas.microsoft.com/office/drawing/2014/main" id="{0DB1D0A1-2667-455C-9387-D7ABF0A00B8C}"/>
                   </a:ext>
                 </a:extLst>
               </p:cNvPr>
@@ -12829,7 +12834,7 @@
             <p:cNvPr id="10" name="ïṩļiḋe">
               <a:extLst>
                 <a:ext uri="{FF2B5EF4-FFF2-40B4-BE49-F238E27FC236}">
-                  <a16:creationId xmlns:a16="http://schemas.microsoft.com/office/drawing/2014/main" xmlns="" id="{ADAD6BE3-DC11-4582-9F68-50D831ADD001}"/>
+                  <a16:creationId xmlns="" xmlns:a16="http://schemas.microsoft.com/office/drawing/2014/main" id="{ADAD6BE3-DC11-4582-9F68-50D831ADD001}"/>
                 </a:ext>
               </a:extLst>
             </p:cNvPr>
@@ -13596,7 +13601,7 @@
           <p:cNvPr id="9" name="î$ḷíḋé">
             <a:extLst>
               <a:ext uri="{FF2B5EF4-FFF2-40B4-BE49-F238E27FC236}">
-                <a16:creationId xmlns:a16="http://schemas.microsoft.com/office/drawing/2014/main" xmlns="" id="{04F69230-F3A6-4586-9371-A858F4763E9F}"/>
+                <a16:creationId xmlns="" xmlns:a16="http://schemas.microsoft.com/office/drawing/2014/main" id="{04F69230-F3A6-4586-9371-A858F4763E9F}"/>
               </a:ext>
             </a:extLst>
           </p:cNvPr>
@@ -13729,7 +13734,7 @@
           <p:cNvPr id="4" name="標題 3">
             <a:extLst>
               <a:ext uri="{FF2B5EF4-FFF2-40B4-BE49-F238E27FC236}">
-                <a16:creationId xmlns:a16="http://schemas.microsoft.com/office/drawing/2014/main" xmlns="" id="{DBF93AE9-6C3C-43A2-A10D-A15C50A25746}"/>
+                <a16:creationId xmlns="" xmlns:a16="http://schemas.microsoft.com/office/drawing/2014/main" id="{DBF93AE9-6C3C-43A2-A10D-A15C50A25746}"/>
               </a:ext>
             </a:extLst>
           </p:cNvPr>
@@ -13762,7 +13767,7 @@
           <p:cNvPr id="7" name="內容版面配置區 6">
             <a:extLst>
               <a:ext uri="{FF2B5EF4-FFF2-40B4-BE49-F238E27FC236}">
-                <a16:creationId xmlns:a16="http://schemas.microsoft.com/office/drawing/2014/main" xmlns="" id="{E7D68A11-0594-451B-B564-C1C4E791DF02}"/>
+                <a16:creationId xmlns="" xmlns:a16="http://schemas.microsoft.com/office/drawing/2014/main" id="{E7D68A11-0594-451B-B564-C1C4E791DF02}"/>
               </a:ext>
             </a:extLst>
           </p:cNvPr>
@@ -13780,7 +13785,7 @@
                 <a14:useLocalDpi xmlns:a14="http://schemas.microsoft.com/office/drawing/2010/main" val="0"/>
               </a:ext>
               <a:ext uri="{96DAC541-7B7A-43D3-8B79-37D633B846F1}">
-                <asvg:svgBlip xmlns:asvg="http://schemas.microsoft.com/office/drawing/2016/SVG/main" xmlns="" r:embed="rId3"/>
+                <asvg:svgBlip xmlns="" xmlns:asvg="http://schemas.microsoft.com/office/drawing/2016/SVG/main" r:embed="rId3"/>
               </a:ext>
             </a:extLst>
           </a:blip>
@@ -14013,7 +14018,7 @@
           <p:cNvPr id="3" name="íṡḻiḓé" hidden="1">
             <a:extLst>
               <a:ext uri="{FF2B5EF4-FFF2-40B4-BE49-F238E27FC236}">
-                <a16:creationId xmlns:a16="http://schemas.microsoft.com/office/drawing/2014/main" xmlns="" id="{A6A819F1-33AF-45D7-8BF6-2B0A9769CAD4}"/>
+                <a16:creationId xmlns="" xmlns:a16="http://schemas.microsoft.com/office/drawing/2014/main" id="{A6A819F1-33AF-45D7-8BF6-2B0A9769CAD4}"/>
               </a:ext>
             </a:extLst>
           </p:cNvPr>
@@ -14036,7 +14041,7 @@
           <a:graphicData uri="http://schemas.openxmlformats.org/presentationml/2006/ole">
             <mc:AlternateContent xmlns:mc="http://schemas.openxmlformats.org/markup-compatibility/2006">
               <mc:Choice xmlns:v="urn:schemas-microsoft-com:vml" Requires="v">
-                <p:oleObj spid="_x0000_s3172" name="think-cell Slide" r:id="rId5" imgW="347" imgH="348" progId="TCLayout.ActiveDocument.1">
+                <p:oleObj spid="_x0000_s3173" name="think-cell Slide" r:id="rId5" imgW="347" imgH="348" progId="TCLayout.ActiveDocument.1">
                   <p:embed/>
                 </p:oleObj>
               </mc:Choice>
@@ -14048,7 +14053,7 @@
                       <p:cNvPr id="3" name="íṩ1iḑé" hidden="1">
                         <a:extLst>
                           <a:ext uri="{FF2B5EF4-FFF2-40B4-BE49-F238E27FC236}">
-                            <a16:creationId xmlns:a16="http://schemas.microsoft.com/office/drawing/2014/main" xmlns="" id="{A6A819F1-33AF-45D7-8BF6-2B0A9769CAD4}"/>
+                            <a16:creationId xmlns="" xmlns:a16="http://schemas.microsoft.com/office/drawing/2014/main" id="{A6A819F1-33AF-45D7-8BF6-2B0A9769CAD4}"/>
                           </a:ext>
                         </a:extLst>
                       </p:cNvPr>
@@ -14082,7 +14087,7 @@
           <p:cNvPr id="2" name="išľïďe" hidden="1">
             <a:extLst>
               <a:ext uri="{FF2B5EF4-FFF2-40B4-BE49-F238E27FC236}">
-                <a16:creationId xmlns:a16="http://schemas.microsoft.com/office/drawing/2014/main" xmlns="" id="{FF51F16D-1BAD-46EE-A6F4-B8B94C9DF628}"/>
+                <a16:creationId xmlns="" xmlns:a16="http://schemas.microsoft.com/office/drawing/2014/main" id="{FF51F16D-1BAD-46EE-A6F4-B8B94C9DF628}"/>
               </a:ext>
             </a:extLst>
           </p:cNvPr>
@@ -14215,7 +14220,7 @@
           <p:cNvPr id="13" name="îṣlíḍe">
             <a:extLst>
               <a:ext uri="{FF2B5EF4-FFF2-40B4-BE49-F238E27FC236}">
-                <a16:creationId xmlns:a16="http://schemas.microsoft.com/office/drawing/2014/main" xmlns="" id="{394FC8CD-4FAD-452B-A6ED-A378816FAA36}"/>
+                <a16:creationId xmlns="" xmlns:a16="http://schemas.microsoft.com/office/drawing/2014/main" id="{394FC8CD-4FAD-452B-A6ED-A378816FAA36}"/>
               </a:ext>
             </a:extLst>
           </p:cNvPr>
@@ -14258,7 +14263,7 @@
           <p:cNvPr id="14" name="ïSḻíďê">
             <a:extLst>
               <a:ext uri="{FF2B5EF4-FFF2-40B4-BE49-F238E27FC236}">
-                <a16:creationId xmlns:a16="http://schemas.microsoft.com/office/drawing/2014/main" xmlns="" id="{7C549D2A-4C2D-40D9-B2D1-E96901BFF877}"/>
+                <a16:creationId xmlns="" xmlns:a16="http://schemas.microsoft.com/office/drawing/2014/main" id="{7C549D2A-4C2D-40D9-B2D1-E96901BFF877}"/>
               </a:ext>
             </a:extLst>
           </p:cNvPr>
@@ -14361,7 +14366,7 @@
           <p:cNvPr id="9" name="î$ḷíḋé">
             <a:extLst>
               <a:ext uri="{FF2B5EF4-FFF2-40B4-BE49-F238E27FC236}">
-                <a16:creationId xmlns:a16="http://schemas.microsoft.com/office/drawing/2014/main" xmlns="" id="{04F69230-F3A6-4586-9371-A858F4763E9F}"/>
+                <a16:creationId xmlns="" xmlns:a16="http://schemas.microsoft.com/office/drawing/2014/main" id="{04F69230-F3A6-4586-9371-A858F4763E9F}"/>
               </a:ext>
             </a:extLst>
           </p:cNvPr>
@@ -15103,7 +15108,7 @@
           <p:cNvPr id="9" name="î$ḷíḋé">
             <a:extLst>
               <a:ext uri="{FF2B5EF4-FFF2-40B4-BE49-F238E27FC236}">
-                <a16:creationId xmlns:a16="http://schemas.microsoft.com/office/drawing/2014/main" xmlns="" id="{04F69230-F3A6-4586-9371-A858F4763E9F}"/>
+                <a16:creationId xmlns="" xmlns:a16="http://schemas.microsoft.com/office/drawing/2014/main" id="{04F69230-F3A6-4586-9371-A858F4763E9F}"/>
               </a:ext>
             </a:extLst>
           </p:cNvPr>
@@ -16648,7 +16653,7 @@
   <a:extraClrSchemeLst/>
   <a:extLst>
     <a:ext uri="{05A4C25C-085E-4340-85A3-A5531E510DB2}">
-      <thm15:themeFamily xmlns:thm15="http://schemas.microsoft.com/office/thememl/2012/main" xmlns="" name="主题5" id="{B8EDB911-D765-4A7B-BBC7-40DBB672FBA6}" vid="{AECAB1C0-5DF6-436C-85E8-20094DBE11C0}"/>
+      <thm15:themeFamily xmlns="" xmlns:thm15="http://schemas.microsoft.com/office/thememl/2012/main" name="主题5" id="{B8EDB911-D765-4A7B-BBC7-40DBB672FBA6}" vid="{AECAB1C0-5DF6-436C-85E8-20094DBE11C0}"/>
     </a:ext>
   </a:extLst>
 </a:theme>
@@ -16909,7 +16914,7 @@
   <a:extraClrSchemeLst/>
   <a:extLst>
     <a:ext uri="{05A4C25C-085E-4340-85A3-A5531E510DB2}">
-      <thm15:themeFamily xmlns:thm15="http://schemas.microsoft.com/office/thememl/2012/main" xmlns="" name="Office Theme" id="{62F939B6-93AF-4DB8-9C6B-D6C7DFDC589F}" vid="{4A3C46E8-61CC-4603-A589-7422A47A8E4A}"/>
+      <thm15:themeFamily xmlns="" xmlns:thm15="http://schemas.microsoft.com/office/thememl/2012/main" name="Office Theme" id="{62F939B6-93AF-4DB8-9C6B-D6C7DFDC589F}" vid="{4A3C46E8-61CC-4603-A589-7422A47A8E4A}"/>
     </a:ext>
   </a:extLst>
 </a:theme>
@@ -17204,7 +17209,7 @@
   <a:extraClrSchemeLst/>
   <a:extLst>
     <a:ext uri="{05A4C25C-085E-4340-85A3-A5531E510DB2}">
-      <thm15:themeFamily xmlns:thm15="http://schemas.microsoft.com/office/thememl/2012/main" xmlns="" name="Office Theme" id="{62F939B6-93AF-4DB8-9C6B-D6C7DFDC589F}" vid="{4A3C46E8-61CC-4603-A589-7422A47A8E4A}"/>
+      <thm15:themeFamily xmlns="" xmlns:thm15="http://schemas.microsoft.com/office/thememl/2012/main" name="Office Theme" id="{62F939B6-93AF-4DB8-9C6B-D6C7DFDC589F}" vid="{4A3C46E8-61CC-4603-A589-7422A47A8E4A}"/>
     </a:ext>
   </a:extLst>
 </a:theme>

--- a/11_23_to_11_27_fourth/4.LSTM.pptx
+++ b/11_23_to_11_27_fourth/4.LSTM.pptx
@@ -137,7 +137,7 @@
   </p:defaultTextStyle>
   <p:extLst>
     <p:ext uri="{EFAFB233-063F-42B5-8137-9DF3F51BA10A}">
-      <p15:sldGuideLst xmlns="" xmlns:p15="http://schemas.microsoft.com/office/powerpoint/2012/main">
+      <p15:sldGuideLst xmlns:p15="http://schemas.microsoft.com/office/powerpoint/2012/main" xmlns="">
         <p15:guide id="1" orient="horz" pos="2160">
           <p15:clr>
             <a:srgbClr val="A4A3A4"/>
@@ -151,7 +151,7 @@
       </p15:sldGuideLst>
     </p:ext>
     <p:ext uri="{2D200454-40CA-4A62-9FC3-DE9A4176ACB9}">
-      <p15:notesGuideLst xmlns="" xmlns:p15="http://schemas.microsoft.com/office/powerpoint/2012/main"/>
+      <p15:notesGuideLst xmlns:p15="http://schemas.microsoft.com/office/powerpoint/2012/main" xmlns=""/>
     </p:ext>
   </p:extLst>
 </p:presentation>
@@ -377,7 +377,7 @@
           <p:cNvPr id="2" name="页眉占位符 1">
             <a:extLst>
               <a:ext uri="{FF2B5EF4-FFF2-40B4-BE49-F238E27FC236}">
-                <a16:creationId xmlns="" xmlns:a16="http://schemas.microsoft.com/office/drawing/2014/main" id="{B9A56829-66AA-42AA-918E-5C6DB1AE50A7}"/>
+                <a16:creationId xmlns:a16="http://schemas.microsoft.com/office/drawing/2014/main" xmlns="" id="{B9A56829-66AA-42AA-918E-5C6DB1AE50A7}"/>
               </a:ext>
             </a:extLst>
           </p:cNvPr>
@@ -414,7 +414,7 @@
           <p:cNvPr id="3" name="日期占位符 2">
             <a:extLst>
               <a:ext uri="{FF2B5EF4-FFF2-40B4-BE49-F238E27FC236}">
-                <a16:creationId xmlns="" xmlns:a16="http://schemas.microsoft.com/office/drawing/2014/main" id="{241084A9-BC5C-4420-B17C-51E328D45576}"/>
+                <a16:creationId xmlns:a16="http://schemas.microsoft.com/office/drawing/2014/main" xmlns="" id="{241084A9-BC5C-4420-B17C-51E328D45576}"/>
               </a:ext>
             </a:extLst>
           </p:cNvPr>
@@ -444,7 +444,7 @@
           <a:p>
             <a:fld id="{B478E0E4-DC06-4041-AFA7-BB6F527FFA3F}" type="datetimeFigureOut">
               <a:rPr lang="zh-CN" altLang="en-US" smtClean="0"/>
-              <a:t>2020/12/21</a:t>
+              <a:t>2020/12/22</a:t>
             </a:fld>
             <a:endParaRPr lang="zh-CN" altLang="en-US"/>
           </a:p>
@@ -455,7 +455,7 @@
           <p:cNvPr id="4" name="页脚占位符 3">
             <a:extLst>
               <a:ext uri="{FF2B5EF4-FFF2-40B4-BE49-F238E27FC236}">
-                <a16:creationId xmlns="" xmlns:a16="http://schemas.microsoft.com/office/drawing/2014/main" id="{0D6F2124-7B35-4E59-B9E8-DB09EE1408A4}"/>
+                <a16:creationId xmlns:a16="http://schemas.microsoft.com/office/drawing/2014/main" xmlns="" id="{0D6F2124-7B35-4E59-B9E8-DB09EE1408A4}"/>
               </a:ext>
             </a:extLst>
           </p:cNvPr>
@@ -492,7 +492,7 @@
           <p:cNvPr id="5" name="灯片编号占位符 4">
             <a:extLst>
               <a:ext uri="{FF2B5EF4-FFF2-40B4-BE49-F238E27FC236}">
-                <a16:creationId xmlns="" xmlns:a16="http://schemas.microsoft.com/office/drawing/2014/main" id="{F2BF8FFE-D997-4E34-9A01-CD2014B95241}"/>
+                <a16:creationId xmlns:a16="http://schemas.microsoft.com/office/drawing/2014/main" xmlns="" id="{F2BF8FFE-D997-4E34-9A01-CD2014B95241}"/>
               </a:ext>
             </a:extLst>
           </p:cNvPr>
@@ -621,7 +621,7 @@
           <a:p>
             <a:fld id="{E86D8963-CFCD-4740-AF60-049850373CDF}" type="datetimeFigureOut">
               <a:rPr lang="zh-CN" altLang="en-US" smtClean="0"/>
-              <a:t>2020/12/21</a:t>
+              <a:t>2020/12/22</a:t>
             </a:fld>
             <a:endParaRPr lang="zh-CN" altLang="en-US"/>
           </a:p>
@@ -910,7 +910,7 @@
           <p:cNvPr id="2" name="îṩ1ïdê">
             <a:extLst>
               <a:ext uri="{FF2B5EF4-FFF2-40B4-BE49-F238E27FC236}">
-                <a16:creationId xmlns="" xmlns:a16="http://schemas.microsoft.com/office/drawing/2014/main" id="{B165F2F7-32E4-4AF8-8657-36AC30D78579}"/>
+                <a16:creationId xmlns:a16="http://schemas.microsoft.com/office/drawing/2014/main" xmlns="" id="{B165F2F7-32E4-4AF8-8657-36AC30D78579}"/>
               </a:ext>
             </a:extLst>
           </p:cNvPr>
@@ -1070,7 +1070,7 @@
           <p:cNvPr id="7" name="组合 6">
             <a:extLst>
               <a:ext uri="{FF2B5EF4-FFF2-40B4-BE49-F238E27FC236}">
-                <a16:creationId xmlns="" xmlns:a16="http://schemas.microsoft.com/office/drawing/2014/main" id="{3491D0C5-E57C-45B4-AFE5-02F7704CDCF6}"/>
+                <a16:creationId xmlns:a16="http://schemas.microsoft.com/office/drawing/2014/main" xmlns="" id="{3491D0C5-E57C-45B4-AFE5-02F7704CDCF6}"/>
               </a:ext>
             </a:extLst>
           </p:cNvPr>
@@ -1090,7 +1090,7 @@
             <p:cNvPr id="11" name="ïş1ïḓe">
               <a:extLst>
                 <a:ext uri="{FF2B5EF4-FFF2-40B4-BE49-F238E27FC236}">
-                  <a16:creationId xmlns="" xmlns:a16="http://schemas.microsoft.com/office/drawing/2014/main" id="{AAEF8C50-AF93-4B64-9F64-BC188B9CC986}"/>
+                  <a16:creationId xmlns:a16="http://schemas.microsoft.com/office/drawing/2014/main" xmlns="" id="{AAEF8C50-AF93-4B64-9F64-BC188B9CC986}"/>
                 </a:ext>
               </a:extLst>
             </p:cNvPr>
@@ -1174,7 +1174,7 @@
             <p:cNvPr id="14" name="ïş1îḓé">
               <a:extLst>
                 <a:ext uri="{FF2B5EF4-FFF2-40B4-BE49-F238E27FC236}">
-                  <a16:creationId xmlns="" xmlns:a16="http://schemas.microsoft.com/office/drawing/2014/main" id="{D1034528-61F0-451C-8439-59044CBBC42D}"/>
+                  <a16:creationId xmlns:a16="http://schemas.microsoft.com/office/drawing/2014/main" xmlns="" id="{D1034528-61F0-451C-8439-59044CBBC42D}"/>
                 </a:ext>
               </a:extLst>
             </p:cNvPr>
@@ -1267,7 +1267,7 @@
             <p:cNvPr id="15" name="íṡ1íḑè">
               <a:extLst>
                 <a:ext uri="{FF2B5EF4-FFF2-40B4-BE49-F238E27FC236}">
-                  <a16:creationId xmlns="" xmlns:a16="http://schemas.microsoft.com/office/drawing/2014/main" id="{443590D7-CA87-4478-AB6B-8DA2AC5C485A}"/>
+                  <a16:creationId xmlns:a16="http://schemas.microsoft.com/office/drawing/2014/main" xmlns="" id="{443590D7-CA87-4478-AB6B-8DA2AC5C485A}"/>
                 </a:ext>
               </a:extLst>
             </p:cNvPr>
@@ -1352,7 +1352,7 @@
             <p:cNvPr id="16" name="îṥḻiḍê">
               <a:extLst>
                 <a:ext uri="{FF2B5EF4-FFF2-40B4-BE49-F238E27FC236}">
-                  <a16:creationId xmlns="" xmlns:a16="http://schemas.microsoft.com/office/drawing/2014/main" id="{FD92C89C-9731-46F9-9B6E-376810BFF18B}"/>
+                  <a16:creationId xmlns:a16="http://schemas.microsoft.com/office/drawing/2014/main" xmlns="" id="{FD92C89C-9731-46F9-9B6E-376810BFF18B}"/>
                 </a:ext>
               </a:extLst>
             </p:cNvPr>
@@ -1437,7 +1437,7 @@
             <p:cNvPr id="17" name="iṥḷiḑè">
               <a:extLst>
                 <a:ext uri="{FF2B5EF4-FFF2-40B4-BE49-F238E27FC236}">
-                  <a16:creationId xmlns="" xmlns:a16="http://schemas.microsoft.com/office/drawing/2014/main" id="{A8591A9D-5538-4DEC-B405-54C510558903}"/>
+                  <a16:creationId xmlns:a16="http://schemas.microsoft.com/office/drawing/2014/main" xmlns="" id="{A8591A9D-5538-4DEC-B405-54C510558903}"/>
                 </a:ext>
               </a:extLst>
             </p:cNvPr>
@@ -1502,7 +1502,7 @@
             <p:cNvPr id="18" name="íṥḻíḑé">
               <a:extLst>
                 <a:ext uri="{FF2B5EF4-FFF2-40B4-BE49-F238E27FC236}">
-                  <a16:creationId xmlns="" xmlns:a16="http://schemas.microsoft.com/office/drawing/2014/main" id="{FC116EBF-5653-4BA4-837E-95BEB302B1FC}"/>
+                  <a16:creationId xmlns:a16="http://schemas.microsoft.com/office/drawing/2014/main" xmlns="" id="{FC116EBF-5653-4BA4-837E-95BEB302B1FC}"/>
                 </a:ext>
               </a:extLst>
             </p:cNvPr>
@@ -1567,7 +1567,7 @@
             <p:cNvPr id="19" name="ïsḷiďê">
               <a:extLst>
                 <a:ext uri="{FF2B5EF4-FFF2-40B4-BE49-F238E27FC236}">
-                  <a16:creationId xmlns="" xmlns:a16="http://schemas.microsoft.com/office/drawing/2014/main" id="{D7181733-982F-4ADC-B787-E92C178D9BE9}"/>
+                  <a16:creationId xmlns:a16="http://schemas.microsoft.com/office/drawing/2014/main" xmlns="" id="{D7181733-982F-4ADC-B787-E92C178D9BE9}"/>
                 </a:ext>
               </a:extLst>
             </p:cNvPr>
@@ -1662,7 +1662,7 @@
             <p:cNvPr id="20" name="îs1iḓê">
               <a:extLst>
                 <a:ext uri="{FF2B5EF4-FFF2-40B4-BE49-F238E27FC236}">
-                  <a16:creationId xmlns="" xmlns:a16="http://schemas.microsoft.com/office/drawing/2014/main" id="{75B1573A-D6DA-4E40-B952-FC6A6E899942}"/>
+                  <a16:creationId xmlns:a16="http://schemas.microsoft.com/office/drawing/2014/main" xmlns="" id="{75B1573A-D6DA-4E40-B952-FC6A6E899942}"/>
                 </a:ext>
               </a:extLst>
             </p:cNvPr>
@@ -1737,7 +1737,7 @@
             <p:cNvPr id="21" name="íṡḻïdé">
               <a:extLst>
                 <a:ext uri="{FF2B5EF4-FFF2-40B4-BE49-F238E27FC236}">
-                  <a16:creationId xmlns="" xmlns:a16="http://schemas.microsoft.com/office/drawing/2014/main" id="{A3C16CC0-0D98-42C3-ACDA-6C6B1AAA14CB}"/>
+                  <a16:creationId xmlns:a16="http://schemas.microsoft.com/office/drawing/2014/main" xmlns="" id="{A3C16CC0-0D98-42C3-ACDA-6C6B1AAA14CB}"/>
                 </a:ext>
               </a:extLst>
             </p:cNvPr>
@@ -1812,7 +1812,7 @@
             <p:cNvPr id="22" name="ïṧľiḑè">
               <a:extLst>
                 <a:ext uri="{FF2B5EF4-FFF2-40B4-BE49-F238E27FC236}">
-                  <a16:creationId xmlns="" xmlns:a16="http://schemas.microsoft.com/office/drawing/2014/main" id="{2EEC5EF2-9731-49D2-8E01-4BAE06CF1807}"/>
+                  <a16:creationId xmlns:a16="http://schemas.microsoft.com/office/drawing/2014/main" xmlns="" id="{2EEC5EF2-9731-49D2-8E01-4BAE06CF1807}"/>
                 </a:ext>
               </a:extLst>
             </p:cNvPr>
@@ -1887,7 +1887,7 @@
             <p:cNvPr id="23" name="íşľîḋè">
               <a:extLst>
                 <a:ext uri="{FF2B5EF4-FFF2-40B4-BE49-F238E27FC236}">
-                  <a16:creationId xmlns="" xmlns:a16="http://schemas.microsoft.com/office/drawing/2014/main" id="{07D33D98-ECF4-43C9-8F9B-502B76AA375A}"/>
+                  <a16:creationId xmlns:a16="http://schemas.microsoft.com/office/drawing/2014/main" xmlns="" id="{07D33D98-ECF4-43C9-8F9B-502B76AA375A}"/>
                 </a:ext>
               </a:extLst>
             </p:cNvPr>
@@ -1952,7 +1952,7 @@
             <p:cNvPr id="24" name="îšḷîḍè">
               <a:extLst>
                 <a:ext uri="{FF2B5EF4-FFF2-40B4-BE49-F238E27FC236}">
-                  <a16:creationId xmlns="" xmlns:a16="http://schemas.microsoft.com/office/drawing/2014/main" id="{06AFAADD-E47D-403A-8BCE-6B991B488491}"/>
+                  <a16:creationId xmlns:a16="http://schemas.microsoft.com/office/drawing/2014/main" xmlns="" id="{06AFAADD-E47D-403A-8BCE-6B991B488491}"/>
                 </a:ext>
               </a:extLst>
             </p:cNvPr>
@@ -2017,7 +2017,7 @@
             <p:cNvPr id="25" name="îŝļiḑè">
               <a:extLst>
                 <a:ext uri="{FF2B5EF4-FFF2-40B4-BE49-F238E27FC236}">
-                  <a16:creationId xmlns="" xmlns:a16="http://schemas.microsoft.com/office/drawing/2014/main" id="{F20679ED-F04B-48C0-86C1-4F4678D0EF44}"/>
+                  <a16:creationId xmlns:a16="http://schemas.microsoft.com/office/drawing/2014/main" xmlns="" id="{F20679ED-F04B-48C0-86C1-4F4678D0EF44}"/>
                 </a:ext>
               </a:extLst>
             </p:cNvPr>
@@ -2079,7 +2079,7 @@
             <p:cNvPr id="26" name="ïsḻïḓe">
               <a:extLst>
                 <a:ext uri="{FF2B5EF4-FFF2-40B4-BE49-F238E27FC236}">
-                  <a16:creationId xmlns="" xmlns:a16="http://schemas.microsoft.com/office/drawing/2014/main" id="{178FE26C-EAE2-489E-9818-2AD90604A6E7}"/>
+                  <a16:creationId xmlns:a16="http://schemas.microsoft.com/office/drawing/2014/main" xmlns="" id="{178FE26C-EAE2-489E-9818-2AD90604A6E7}"/>
                 </a:ext>
               </a:extLst>
             </p:cNvPr>
@@ -2141,7 +2141,7 @@
             <p:cNvPr id="27" name="îṥľíḑê">
               <a:extLst>
                 <a:ext uri="{FF2B5EF4-FFF2-40B4-BE49-F238E27FC236}">
-                  <a16:creationId xmlns="" xmlns:a16="http://schemas.microsoft.com/office/drawing/2014/main" id="{54C937FE-182B-4B4C-8B56-94274EF8727A}"/>
+                  <a16:creationId xmlns:a16="http://schemas.microsoft.com/office/drawing/2014/main" xmlns="" id="{54C937FE-182B-4B4C-8B56-94274EF8727A}"/>
                 </a:ext>
               </a:extLst>
             </p:cNvPr>
@@ -2203,7 +2203,7 @@
             <p:cNvPr id="28" name="iṧľíḑe">
               <a:extLst>
                 <a:ext uri="{FF2B5EF4-FFF2-40B4-BE49-F238E27FC236}">
-                  <a16:creationId xmlns="" xmlns:a16="http://schemas.microsoft.com/office/drawing/2014/main" id="{9EC454E6-4E34-40A0-B134-E27356DF1BD3}"/>
+                  <a16:creationId xmlns:a16="http://schemas.microsoft.com/office/drawing/2014/main" xmlns="" id="{9EC454E6-4E34-40A0-B134-E27356DF1BD3}"/>
                 </a:ext>
               </a:extLst>
             </p:cNvPr>
@@ -2265,7 +2265,7 @@
             <p:cNvPr id="29" name="íşḻïḑê">
               <a:extLst>
                 <a:ext uri="{FF2B5EF4-FFF2-40B4-BE49-F238E27FC236}">
-                  <a16:creationId xmlns="" xmlns:a16="http://schemas.microsoft.com/office/drawing/2014/main" id="{F02A9D5E-CFB2-42AA-A5C5-5E5778C6FCBE}"/>
+                  <a16:creationId xmlns:a16="http://schemas.microsoft.com/office/drawing/2014/main" xmlns="" id="{F02A9D5E-CFB2-42AA-A5C5-5E5778C6FCBE}"/>
                 </a:ext>
               </a:extLst>
             </p:cNvPr>
@@ -2361,7 +2361,7 @@
             <p:cNvPr id="30" name="išḻîḋè">
               <a:extLst>
                 <a:ext uri="{FF2B5EF4-FFF2-40B4-BE49-F238E27FC236}">
-                  <a16:creationId xmlns="" xmlns:a16="http://schemas.microsoft.com/office/drawing/2014/main" id="{2B76FEBA-B0C4-4066-ABF2-E33CBD44C45F}"/>
+                  <a16:creationId xmlns:a16="http://schemas.microsoft.com/office/drawing/2014/main" xmlns="" id="{2B76FEBA-B0C4-4066-ABF2-E33CBD44C45F}"/>
                 </a:ext>
               </a:extLst>
             </p:cNvPr>
@@ -2423,7 +2423,7 @@
             <p:cNvPr id="31" name="ïšliḋé">
               <a:extLst>
                 <a:ext uri="{FF2B5EF4-FFF2-40B4-BE49-F238E27FC236}">
-                  <a16:creationId xmlns="" xmlns:a16="http://schemas.microsoft.com/office/drawing/2014/main" id="{17F7742C-0E9E-453F-BF74-0A1870F594D9}"/>
+                  <a16:creationId xmlns:a16="http://schemas.microsoft.com/office/drawing/2014/main" xmlns="" id="{17F7742C-0E9E-453F-BF74-0A1870F594D9}"/>
                 </a:ext>
               </a:extLst>
             </p:cNvPr>
@@ -2485,7 +2485,7 @@
             <p:cNvPr id="32" name="íṣlídé">
               <a:extLst>
                 <a:ext uri="{FF2B5EF4-FFF2-40B4-BE49-F238E27FC236}">
-                  <a16:creationId xmlns="" xmlns:a16="http://schemas.microsoft.com/office/drawing/2014/main" id="{3B98F7CF-64A1-4A5B-B8EC-9178705C9901}"/>
+                  <a16:creationId xmlns:a16="http://schemas.microsoft.com/office/drawing/2014/main" xmlns="" id="{3B98F7CF-64A1-4A5B-B8EC-9178705C9901}"/>
                 </a:ext>
               </a:extLst>
             </p:cNvPr>
@@ -2547,7 +2547,7 @@
             <p:cNvPr id="33" name="ï$ľïḍé">
               <a:extLst>
                 <a:ext uri="{FF2B5EF4-FFF2-40B4-BE49-F238E27FC236}">
-                  <a16:creationId xmlns="" xmlns:a16="http://schemas.microsoft.com/office/drawing/2014/main" id="{8EB33BF9-35EF-4068-A574-8FBC5EEAC895}"/>
+                  <a16:creationId xmlns:a16="http://schemas.microsoft.com/office/drawing/2014/main" xmlns="" id="{8EB33BF9-35EF-4068-A574-8FBC5EEAC895}"/>
                 </a:ext>
               </a:extLst>
             </p:cNvPr>
@@ -2609,7 +2609,7 @@
             <p:cNvPr id="34" name="ï$1îḑé">
               <a:extLst>
                 <a:ext uri="{FF2B5EF4-FFF2-40B4-BE49-F238E27FC236}">
-                  <a16:creationId xmlns="" xmlns:a16="http://schemas.microsoft.com/office/drawing/2014/main" id="{66235EE7-FC71-4720-94D6-AE9E5A6E3B32}"/>
+                  <a16:creationId xmlns:a16="http://schemas.microsoft.com/office/drawing/2014/main" xmlns="" id="{66235EE7-FC71-4720-94D6-AE9E5A6E3B32}"/>
                 </a:ext>
               </a:extLst>
             </p:cNvPr>
@@ -2671,7 +2671,7 @@
             <p:cNvPr id="35" name="íşļiḓê">
               <a:extLst>
                 <a:ext uri="{FF2B5EF4-FFF2-40B4-BE49-F238E27FC236}">
-                  <a16:creationId xmlns="" xmlns:a16="http://schemas.microsoft.com/office/drawing/2014/main" id="{464E50F4-2AD9-4646-95B0-C615F448F8D7}"/>
+                  <a16:creationId xmlns:a16="http://schemas.microsoft.com/office/drawing/2014/main" xmlns="" id="{464E50F4-2AD9-4646-95B0-C615F448F8D7}"/>
                 </a:ext>
               </a:extLst>
             </p:cNvPr>
@@ -2733,7 +2733,7 @@
             <p:cNvPr id="36" name="iSliḍé">
               <a:extLst>
                 <a:ext uri="{FF2B5EF4-FFF2-40B4-BE49-F238E27FC236}">
-                  <a16:creationId xmlns="" xmlns:a16="http://schemas.microsoft.com/office/drawing/2014/main" id="{08FD15B7-89FA-4BA0-832E-9B9D9FF852D5}"/>
+                  <a16:creationId xmlns:a16="http://schemas.microsoft.com/office/drawing/2014/main" xmlns="" id="{08FD15B7-89FA-4BA0-832E-9B9D9FF852D5}"/>
                 </a:ext>
               </a:extLst>
             </p:cNvPr>
@@ -2795,7 +2795,7 @@
             <p:cNvPr id="37" name="îşļïde">
               <a:extLst>
                 <a:ext uri="{FF2B5EF4-FFF2-40B4-BE49-F238E27FC236}">
-                  <a16:creationId xmlns="" xmlns:a16="http://schemas.microsoft.com/office/drawing/2014/main" id="{4DACA41F-DADA-4149-8933-31488F26C8AD}"/>
+                  <a16:creationId xmlns:a16="http://schemas.microsoft.com/office/drawing/2014/main" xmlns="" id="{4DACA41F-DADA-4149-8933-31488F26C8AD}"/>
                 </a:ext>
               </a:extLst>
             </p:cNvPr>
@@ -2857,7 +2857,7 @@
             <p:cNvPr id="38" name="ï$ḻídè">
               <a:extLst>
                 <a:ext uri="{FF2B5EF4-FFF2-40B4-BE49-F238E27FC236}">
-                  <a16:creationId xmlns="" xmlns:a16="http://schemas.microsoft.com/office/drawing/2014/main" id="{C28E4710-C2A1-4505-AD75-E91E319AE73A}"/>
+                  <a16:creationId xmlns:a16="http://schemas.microsoft.com/office/drawing/2014/main" xmlns="" id="{C28E4710-C2A1-4505-AD75-E91E319AE73A}"/>
                 </a:ext>
               </a:extLst>
             </p:cNvPr>
@@ -2953,7 +2953,7 @@
             <p:cNvPr id="39" name="ísľíḑe">
               <a:extLst>
                 <a:ext uri="{FF2B5EF4-FFF2-40B4-BE49-F238E27FC236}">
-                  <a16:creationId xmlns="" xmlns:a16="http://schemas.microsoft.com/office/drawing/2014/main" id="{C323CC97-7CC7-4FA5-A665-16F8A2FDB29A}"/>
+                  <a16:creationId xmlns:a16="http://schemas.microsoft.com/office/drawing/2014/main" xmlns="" id="{C323CC97-7CC7-4FA5-A665-16F8A2FDB29A}"/>
                 </a:ext>
               </a:extLst>
             </p:cNvPr>
@@ -3018,7 +3018,7 @@
             <p:cNvPr id="40" name="íṩlîḑè">
               <a:extLst>
                 <a:ext uri="{FF2B5EF4-FFF2-40B4-BE49-F238E27FC236}">
-                  <a16:creationId xmlns="" xmlns:a16="http://schemas.microsoft.com/office/drawing/2014/main" id="{26A96D82-53D7-454D-B8F0-08C85B54A508}"/>
+                  <a16:creationId xmlns:a16="http://schemas.microsoft.com/office/drawing/2014/main" xmlns="" id="{26A96D82-53D7-454D-B8F0-08C85B54A508}"/>
                 </a:ext>
               </a:extLst>
             </p:cNvPr>
@@ -3158,7 +3158,7 @@
             <p:cNvPr id="41" name="iṡḻídê">
               <a:extLst>
                 <a:ext uri="{FF2B5EF4-FFF2-40B4-BE49-F238E27FC236}">
-                  <a16:creationId xmlns="" xmlns:a16="http://schemas.microsoft.com/office/drawing/2014/main" id="{00A55C22-40A5-4BCE-AB5C-0DBD7B43CF15}"/>
+                  <a16:creationId xmlns:a16="http://schemas.microsoft.com/office/drawing/2014/main" xmlns="" id="{00A55C22-40A5-4BCE-AB5C-0DBD7B43CF15}"/>
                 </a:ext>
               </a:extLst>
             </p:cNvPr>
@@ -3220,7 +3220,7 @@
             <p:cNvPr id="42" name="íŝḷîḋè">
               <a:extLst>
                 <a:ext uri="{FF2B5EF4-FFF2-40B4-BE49-F238E27FC236}">
-                  <a16:creationId xmlns="" xmlns:a16="http://schemas.microsoft.com/office/drawing/2014/main" id="{1E7E1B5A-4BA7-4930-AB12-641C32CB9B5D}"/>
+                  <a16:creationId xmlns:a16="http://schemas.microsoft.com/office/drawing/2014/main" xmlns="" id="{1E7E1B5A-4BA7-4930-AB12-641C32CB9B5D}"/>
                 </a:ext>
               </a:extLst>
             </p:cNvPr>
@@ -3282,7 +3282,7 @@
             <p:cNvPr id="43" name="işliḓè">
               <a:extLst>
                 <a:ext uri="{FF2B5EF4-FFF2-40B4-BE49-F238E27FC236}">
-                  <a16:creationId xmlns="" xmlns:a16="http://schemas.microsoft.com/office/drawing/2014/main" id="{463C39C0-BA97-46C8-947C-6A6BB4E7C9D1}"/>
+                  <a16:creationId xmlns:a16="http://schemas.microsoft.com/office/drawing/2014/main" xmlns="" id="{463C39C0-BA97-46C8-947C-6A6BB4E7C9D1}"/>
                 </a:ext>
               </a:extLst>
             </p:cNvPr>
@@ -3344,7 +3344,7 @@
             <p:cNvPr id="44" name="îsḻiḑé">
               <a:extLst>
                 <a:ext uri="{FF2B5EF4-FFF2-40B4-BE49-F238E27FC236}">
-                  <a16:creationId xmlns="" xmlns:a16="http://schemas.microsoft.com/office/drawing/2014/main" id="{DF04E304-5F07-4415-828B-0989704C8FE6}"/>
+                  <a16:creationId xmlns:a16="http://schemas.microsoft.com/office/drawing/2014/main" xmlns="" id="{DF04E304-5F07-4415-828B-0989704C8FE6}"/>
                 </a:ext>
               </a:extLst>
             </p:cNvPr>
@@ -3406,7 +3406,7 @@
             <p:cNvPr id="45" name="íṧľiḓê">
               <a:extLst>
                 <a:ext uri="{FF2B5EF4-FFF2-40B4-BE49-F238E27FC236}">
-                  <a16:creationId xmlns="" xmlns:a16="http://schemas.microsoft.com/office/drawing/2014/main" id="{9DE34A69-BC75-47AD-8DE0-15FDFEF5D179}"/>
+                  <a16:creationId xmlns:a16="http://schemas.microsoft.com/office/drawing/2014/main" xmlns="" id="{9DE34A69-BC75-47AD-8DE0-15FDFEF5D179}"/>
                 </a:ext>
               </a:extLst>
             </p:cNvPr>
@@ -3468,7 +3468,7 @@
             <p:cNvPr id="46" name="íSlíďé">
               <a:extLst>
                 <a:ext uri="{FF2B5EF4-FFF2-40B4-BE49-F238E27FC236}">
-                  <a16:creationId xmlns="" xmlns:a16="http://schemas.microsoft.com/office/drawing/2014/main" id="{F19E1891-22A9-4238-9A0E-D54742EB9A67}"/>
+                  <a16:creationId xmlns:a16="http://schemas.microsoft.com/office/drawing/2014/main" xmlns="" id="{F19E1891-22A9-4238-9A0E-D54742EB9A67}"/>
                 </a:ext>
               </a:extLst>
             </p:cNvPr>
@@ -3530,7 +3530,7 @@
             <p:cNvPr id="47" name="iś1ïdè">
               <a:extLst>
                 <a:ext uri="{FF2B5EF4-FFF2-40B4-BE49-F238E27FC236}">
-                  <a16:creationId xmlns="" xmlns:a16="http://schemas.microsoft.com/office/drawing/2014/main" id="{26F87FC7-C5C8-4289-A0E2-8F0511BE4D0F}"/>
+                  <a16:creationId xmlns:a16="http://schemas.microsoft.com/office/drawing/2014/main" xmlns="" id="{26F87FC7-C5C8-4289-A0E2-8F0511BE4D0F}"/>
                 </a:ext>
               </a:extLst>
             </p:cNvPr>
@@ -3592,7 +3592,7 @@
             <p:cNvPr id="48" name="îŝḷïḍé">
               <a:extLst>
                 <a:ext uri="{FF2B5EF4-FFF2-40B4-BE49-F238E27FC236}">
-                  <a16:creationId xmlns="" xmlns:a16="http://schemas.microsoft.com/office/drawing/2014/main" id="{AF3C94AB-652D-4CCA-BFC8-3BC7A5181E1F}"/>
+                  <a16:creationId xmlns:a16="http://schemas.microsoft.com/office/drawing/2014/main" xmlns="" id="{AF3C94AB-652D-4CCA-BFC8-3BC7A5181E1F}"/>
                 </a:ext>
               </a:extLst>
             </p:cNvPr>
@@ -3663,7 +3663,7 @@
             <p:cNvPr id="49" name="ïśļïďé">
               <a:extLst>
                 <a:ext uri="{FF2B5EF4-FFF2-40B4-BE49-F238E27FC236}">
-                  <a16:creationId xmlns="" xmlns:a16="http://schemas.microsoft.com/office/drawing/2014/main" id="{10BC1FCD-F8F1-411F-8B4C-46E128380494}"/>
+                  <a16:creationId xmlns:a16="http://schemas.microsoft.com/office/drawing/2014/main" xmlns="" id="{10BC1FCD-F8F1-411F-8B4C-46E128380494}"/>
                 </a:ext>
               </a:extLst>
             </p:cNvPr>
@@ -3734,7 +3734,7 @@
             <p:cNvPr id="50" name="íṧḷídè">
               <a:extLst>
                 <a:ext uri="{FF2B5EF4-FFF2-40B4-BE49-F238E27FC236}">
-                  <a16:creationId xmlns="" xmlns:a16="http://schemas.microsoft.com/office/drawing/2014/main" id="{D6954D73-841B-4674-94DA-57899B5C83FA}"/>
+                  <a16:creationId xmlns:a16="http://schemas.microsoft.com/office/drawing/2014/main" xmlns="" id="{D6954D73-841B-4674-94DA-57899B5C83FA}"/>
                 </a:ext>
               </a:extLst>
             </p:cNvPr>
@@ -4205,7 +4205,7 @@
           <p:cNvPr id="3" name="组合 2">
             <a:extLst>
               <a:ext uri="{FF2B5EF4-FFF2-40B4-BE49-F238E27FC236}">
-                <a16:creationId xmlns="" xmlns:a16="http://schemas.microsoft.com/office/drawing/2014/main" id="{C629003E-14DA-4608-82C8-F702B03C8C62}"/>
+                <a16:creationId xmlns:a16="http://schemas.microsoft.com/office/drawing/2014/main" xmlns="" id="{C629003E-14DA-4608-82C8-F702B03C8C62}"/>
               </a:ext>
             </a:extLst>
           </p:cNvPr>
@@ -4231,7 +4231,7 @@
             <p:cNvPr id="34" name="iSliḓê">
               <a:extLst>
                 <a:ext uri="{FF2B5EF4-FFF2-40B4-BE49-F238E27FC236}">
-                  <a16:creationId xmlns="" xmlns:a16="http://schemas.microsoft.com/office/drawing/2014/main" id="{80A47D5A-673E-4EDC-8FB1-C2A2486C802A}"/>
+                  <a16:creationId xmlns:a16="http://schemas.microsoft.com/office/drawing/2014/main" xmlns="" id="{80A47D5A-673E-4EDC-8FB1-C2A2486C802A}"/>
                 </a:ext>
               </a:extLst>
             </p:cNvPr>
@@ -4369,7 +4369,7 @@
             <p:cNvPr id="38" name="ïṣlîḓê">
               <a:extLst>
                 <a:ext uri="{FF2B5EF4-FFF2-40B4-BE49-F238E27FC236}">
-                  <a16:creationId xmlns="" xmlns:a16="http://schemas.microsoft.com/office/drawing/2014/main" id="{DCD89878-3878-44CD-816E-D1DB497D642B}"/>
+                  <a16:creationId xmlns:a16="http://schemas.microsoft.com/office/drawing/2014/main" xmlns="" id="{DCD89878-3878-44CD-816E-D1DB497D642B}"/>
                 </a:ext>
               </a:extLst>
             </p:cNvPr>
@@ -4435,7 +4435,7 @@
             <p:cNvPr id="39" name="îṧḻiďê">
               <a:extLst>
                 <a:ext uri="{FF2B5EF4-FFF2-40B4-BE49-F238E27FC236}">
-                  <a16:creationId xmlns="" xmlns:a16="http://schemas.microsoft.com/office/drawing/2014/main" id="{927A350C-74E8-4289-AD50-D152B2F20760}"/>
+                  <a16:creationId xmlns:a16="http://schemas.microsoft.com/office/drawing/2014/main" xmlns="" id="{927A350C-74E8-4289-AD50-D152B2F20760}"/>
                 </a:ext>
               </a:extLst>
             </p:cNvPr>
@@ -4501,7 +4501,7 @@
             <p:cNvPr id="40" name="îsļiďé">
               <a:extLst>
                 <a:ext uri="{FF2B5EF4-FFF2-40B4-BE49-F238E27FC236}">
-                  <a16:creationId xmlns="" xmlns:a16="http://schemas.microsoft.com/office/drawing/2014/main" id="{FA1565F5-351B-46F7-94BA-8DE2B624E1D4}"/>
+                  <a16:creationId xmlns:a16="http://schemas.microsoft.com/office/drawing/2014/main" xmlns="" id="{FA1565F5-351B-46F7-94BA-8DE2B624E1D4}"/>
                 </a:ext>
               </a:extLst>
             </p:cNvPr>
@@ -4567,7 +4567,7 @@
             <p:cNvPr id="41" name="ísľîḑê">
               <a:extLst>
                 <a:ext uri="{FF2B5EF4-FFF2-40B4-BE49-F238E27FC236}">
-                  <a16:creationId xmlns="" xmlns:a16="http://schemas.microsoft.com/office/drawing/2014/main" id="{F46A0CCC-6110-407E-8E6D-A1E655B7B10A}"/>
+                  <a16:creationId xmlns:a16="http://schemas.microsoft.com/office/drawing/2014/main" xmlns="" id="{F46A0CCC-6110-407E-8E6D-A1E655B7B10A}"/>
                 </a:ext>
               </a:extLst>
             </p:cNvPr>
@@ -4633,7 +4633,7 @@
             <p:cNvPr id="42" name="iṥlïďé">
               <a:extLst>
                 <a:ext uri="{FF2B5EF4-FFF2-40B4-BE49-F238E27FC236}">
-                  <a16:creationId xmlns="" xmlns:a16="http://schemas.microsoft.com/office/drawing/2014/main" id="{D83D0A40-C194-4C9B-8119-3AA087712412}"/>
+                  <a16:creationId xmlns:a16="http://schemas.microsoft.com/office/drawing/2014/main" xmlns="" id="{D83D0A40-C194-4C9B-8119-3AA087712412}"/>
                 </a:ext>
               </a:extLst>
             </p:cNvPr>
@@ -4704,7 +4704,7 @@
             <p:cNvPr id="43" name="îşḷiḍè">
               <a:extLst>
                 <a:ext uri="{FF2B5EF4-FFF2-40B4-BE49-F238E27FC236}">
-                  <a16:creationId xmlns="" xmlns:a16="http://schemas.microsoft.com/office/drawing/2014/main" id="{DE854E02-9D47-4D10-A040-E952102AC62D}"/>
+                  <a16:creationId xmlns:a16="http://schemas.microsoft.com/office/drawing/2014/main" xmlns="" id="{DE854E02-9D47-4D10-A040-E952102AC62D}"/>
                 </a:ext>
               </a:extLst>
             </p:cNvPr>
@@ -4806,7 +4806,7 @@
           <p:cNvPr id="3" name="日期占位符 2">
             <a:extLst>
               <a:ext uri="{FF2B5EF4-FFF2-40B4-BE49-F238E27FC236}">
-                <a16:creationId xmlns="" xmlns:a16="http://schemas.microsoft.com/office/drawing/2014/main" id="{9888B6D7-9D3F-49D7-BACE-73A9D1149A74}"/>
+                <a16:creationId xmlns:a16="http://schemas.microsoft.com/office/drawing/2014/main" xmlns="" id="{9888B6D7-9D3F-49D7-BACE-73A9D1149A74}"/>
               </a:ext>
             </a:extLst>
           </p:cNvPr>
@@ -4831,7 +4831,7 @@
           <p:cNvPr id="4" name="页脚占位符 3">
             <a:extLst>
               <a:ext uri="{FF2B5EF4-FFF2-40B4-BE49-F238E27FC236}">
-                <a16:creationId xmlns="" xmlns:a16="http://schemas.microsoft.com/office/drawing/2014/main" id="{7AC997A4-1DD8-4731-B9FD-42398A20FF85}"/>
+                <a16:creationId xmlns:a16="http://schemas.microsoft.com/office/drawing/2014/main" xmlns="" id="{7AC997A4-1DD8-4731-B9FD-42398A20FF85}"/>
               </a:ext>
             </a:extLst>
           </p:cNvPr>
@@ -4868,7 +4868,7 @@
           <p:cNvPr id="5" name="灯片编号占位符 4">
             <a:extLst>
               <a:ext uri="{FF2B5EF4-FFF2-40B4-BE49-F238E27FC236}">
-                <a16:creationId xmlns="" xmlns:a16="http://schemas.microsoft.com/office/drawing/2014/main" id="{DBA9825E-1876-42AD-ABCF-E0E100F351CA}"/>
+                <a16:creationId xmlns:a16="http://schemas.microsoft.com/office/drawing/2014/main" xmlns="" id="{DBA9825E-1876-42AD-ABCF-E0E100F351CA}"/>
               </a:ext>
             </a:extLst>
           </p:cNvPr>
@@ -4898,7 +4898,7 @@
           <p:cNvPr id="6" name="标题 5">
             <a:extLst>
               <a:ext uri="{FF2B5EF4-FFF2-40B4-BE49-F238E27FC236}">
-                <a16:creationId xmlns="" xmlns:a16="http://schemas.microsoft.com/office/drawing/2014/main" id="{D124F9DB-C87A-423F-9657-38C7A2901430}"/>
+                <a16:creationId xmlns:a16="http://schemas.microsoft.com/office/drawing/2014/main" xmlns="" id="{D124F9DB-C87A-423F-9657-38C7A2901430}"/>
               </a:ext>
             </a:extLst>
           </p:cNvPr>
@@ -4931,7 +4931,7 @@
           <p:cNvPr id="8" name="内容占位符 7">
             <a:extLst>
               <a:ext uri="{FF2B5EF4-FFF2-40B4-BE49-F238E27FC236}">
-                <a16:creationId xmlns="" xmlns:a16="http://schemas.microsoft.com/office/drawing/2014/main" id="{2070191C-4093-409C-8FD5-7369A79637AD}"/>
+                <a16:creationId xmlns:a16="http://schemas.microsoft.com/office/drawing/2014/main" xmlns="" id="{2070191C-4093-409C-8FD5-7369A79637AD}"/>
               </a:ext>
             </a:extLst>
           </p:cNvPr>
@@ -5040,7 +5040,7 @@
           <p:cNvPr id="2" name="标题 1">
             <a:extLst>
               <a:ext uri="{FF2B5EF4-FFF2-40B4-BE49-F238E27FC236}">
-                <a16:creationId xmlns="" xmlns:a16="http://schemas.microsoft.com/office/drawing/2014/main" id="{F21C7A1C-3684-4AAF-A408-C63B6CB64104}"/>
+                <a16:creationId xmlns:a16="http://schemas.microsoft.com/office/drawing/2014/main" xmlns="" id="{F21C7A1C-3684-4AAF-A408-C63B6CB64104}"/>
               </a:ext>
             </a:extLst>
           </p:cNvPr>
@@ -5073,7 +5073,7 @@
           <p:cNvPr id="3" name="日期占位符 2">
             <a:extLst>
               <a:ext uri="{FF2B5EF4-FFF2-40B4-BE49-F238E27FC236}">
-                <a16:creationId xmlns="" xmlns:a16="http://schemas.microsoft.com/office/drawing/2014/main" id="{8986EA5F-D77D-4318-90E9-C04AA8ADC0D1}"/>
+                <a16:creationId xmlns:a16="http://schemas.microsoft.com/office/drawing/2014/main" xmlns="" id="{8986EA5F-D77D-4318-90E9-C04AA8ADC0D1}"/>
               </a:ext>
             </a:extLst>
           </p:cNvPr>
@@ -5098,7 +5098,7 @@
           <p:cNvPr id="4" name="页脚占位符 3">
             <a:extLst>
               <a:ext uri="{FF2B5EF4-FFF2-40B4-BE49-F238E27FC236}">
-                <a16:creationId xmlns="" xmlns:a16="http://schemas.microsoft.com/office/drawing/2014/main" id="{00832621-D9D9-445E-BFF9-F8348FA1E262}"/>
+                <a16:creationId xmlns:a16="http://schemas.microsoft.com/office/drawing/2014/main" xmlns="" id="{00832621-D9D9-445E-BFF9-F8348FA1E262}"/>
               </a:ext>
             </a:extLst>
           </p:cNvPr>
@@ -5135,7 +5135,7 @@
           <p:cNvPr id="5" name="灯片编号占位符 4">
             <a:extLst>
               <a:ext uri="{FF2B5EF4-FFF2-40B4-BE49-F238E27FC236}">
-                <a16:creationId xmlns="" xmlns:a16="http://schemas.microsoft.com/office/drawing/2014/main" id="{8371151B-F790-4A9F-962F-B8718A9560A9}"/>
+                <a16:creationId xmlns:a16="http://schemas.microsoft.com/office/drawing/2014/main" xmlns="" id="{8371151B-F790-4A9F-962F-B8718A9560A9}"/>
               </a:ext>
             </a:extLst>
           </p:cNvPr>
@@ -5331,7 +5331,7 @@
           <p:cNvPr id="6" name="文本占位符 5">
             <a:extLst>
               <a:ext uri="{FF2B5EF4-FFF2-40B4-BE49-F238E27FC236}">
-                <a16:creationId xmlns="" xmlns:a16="http://schemas.microsoft.com/office/drawing/2014/main" id="{05EBDA4F-7210-4CAE-8333-80DB24212E78}"/>
+                <a16:creationId xmlns:a16="http://schemas.microsoft.com/office/drawing/2014/main" xmlns="" id="{05EBDA4F-7210-4CAE-8333-80DB24212E78}"/>
               </a:ext>
             </a:extLst>
           </p:cNvPr>
@@ -5392,7 +5392,7 @@
           <p:cNvPr id="7" name="组合 6">
             <a:extLst>
               <a:ext uri="{FF2B5EF4-FFF2-40B4-BE49-F238E27FC236}">
-                <a16:creationId xmlns="" xmlns:a16="http://schemas.microsoft.com/office/drawing/2014/main" id="{5B77603F-656A-4E2F-9228-E30568A2F1D6}"/>
+                <a16:creationId xmlns:a16="http://schemas.microsoft.com/office/drawing/2014/main" xmlns="" id="{5B77603F-656A-4E2F-9228-E30568A2F1D6}"/>
               </a:ext>
             </a:extLst>
           </p:cNvPr>
@@ -5412,7 +5412,7 @@
             <p:cNvPr id="8" name="îSḻïḍè">
               <a:extLst>
                 <a:ext uri="{FF2B5EF4-FFF2-40B4-BE49-F238E27FC236}">
-                  <a16:creationId xmlns="" xmlns:a16="http://schemas.microsoft.com/office/drawing/2014/main" id="{61BDFEB9-90AA-43E9-A12B-EFFF9287F99D}"/>
+                  <a16:creationId xmlns:a16="http://schemas.microsoft.com/office/drawing/2014/main" xmlns="" id="{61BDFEB9-90AA-43E9-A12B-EFFF9287F99D}"/>
                 </a:ext>
               </a:extLst>
             </p:cNvPr>
@@ -5496,7 +5496,7 @@
             <p:cNvPr id="9" name="iṧ1îďè">
               <a:extLst>
                 <a:ext uri="{FF2B5EF4-FFF2-40B4-BE49-F238E27FC236}">
-                  <a16:creationId xmlns="" xmlns:a16="http://schemas.microsoft.com/office/drawing/2014/main" id="{D6E33435-E28A-463E-9EC6-4FEF1432AC96}"/>
+                  <a16:creationId xmlns:a16="http://schemas.microsoft.com/office/drawing/2014/main" xmlns="" id="{D6E33435-E28A-463E-9EC6-4FEF1432AC96}"/>
                 </a:ext>
               </a:extLst>
             </p:cNvPr>
@@ -5589,7 +5589,7 @@
             <p:cNvPr id="10" name="íŝ1îḑê">
               <a:extLst>
                 <a:ext uri="{FF2B5EF4-FFF2-40B4-BE49-F238E27FC236}">
-                  <a16:creationId xmlns="" xmlns:a16="http://schemas.microsoft.com/office/drawing/2014/main" id="{9304A826-F780-4CF2-AEA1-5EB7122B87CE}"/>
+                  <a16:creationId xmlns:a16="http://schemas.microsoft.com/office/drawing/2014/main" xmlns="" id="{9304A826-F780-4CF2-AEA1-5EB7122B87CE}"/>
                 </a:ext>
               </a:extLst>
             </p:cNvPr>
@@ -5674,7 +5674,7 @@
             <p:cNvPr id="11" name="îṩľîḋè">
               <a:extLst>
                 <a:ext uri="{FF2B5EF4-FFF2-40B4-BE49-F238E27FC236}">
-                  <a16:creationId xmlns="" xmlns:a16="http://schemas.microsoft.com/office/drawing/2014/main" id="{276A2E36-748D-419C-9EE2-5DF2A51BE0C6}"/>
+                  <a16:creationId xmlns:a16="http://schemas.microsoft.com/office/drawing/2014/main" xmlns="" id="{276A2E36-748D-419C-9EE2-5DF2A51BE0C6}"/>
                 </a:ext>
               </a:extLst>
             </p:cNvPr>
@@ -5759,7 +5759,7 @@
             <p:cNvPr id="12" name="íṡ1ïḓe">
               <a:extLst>
                 <a:ext uri="{FF2B5EF4-FFF2-40B4-BE49-F238E27FC236}">
-                  <a16:creationId xmlns="" xmlns:a16="http://schemas.microsoft.com/office/drawing/2014/main" id="{20A4A09F-DE16-4168-819D-7F31D973EC1A}"/>
+                  <a16:creationId xmlns:a16="http://schemas.microsoft.com/office/drawing/2014/main" xmlns="" id="{20A4A09F-DE16-4168-819D-7F31D973EC1A}"/>
                 </a:ext>
               </a:extLst>
             </p:cNvPr>
@@ -5824,7 +5824,7 @@
             <p:cNvPr id="14" name="ïŝlîḍê">
               <a:extLst>
                 <a:ext uri="{FF2B5EF4-FFF2-40B4-BE49-F238E27FC236}">
-                  <a16:creationId xmlns="" xmlns:a16="http://schemas.microsoft.com/office/drawing/2014/main" id="{F8657E4E-B533-4A5A-9F5F-E5BE8ACB5AD2}"/>
+                  <a16:creationId xmlns:a16="http://schemas.microsoft.com/office/drawing/2014/main" xmlns="" id="{F8657E4E-B533-4A5A-9F5F-E5BE8ACB5AD2}"/>
                 </a:ext>
               </a:extLst>
             </p:cNvPr>
@@ -5889,7 +5889,7 @@
             <p:cNvPr id="16" name="íṧlîḓé">
               <a:extLst>
                 <a:ext uri="{FF2B5EF4-FFF2-40B4-BE49-F238E27FC236}">
-                  <a16:creationId xmlns="" xmlns:a16="http://schemas.microsoft.com/office/drawing/2014/main" id="{FD71861F-C75F-4733-AFC9-3907B077276A}"/>
+                  <a16:creationId xmlns:a16="http://schemas.microsoft.com/office/drawing/2014/main" xmlns="" id="{FD71861F-C75F-4733-AFC9-3907B077276A}"/>
                 </a:ext>
               </a:extLst>
             </p:cNvPr>
@@ -5984,7 +5984,7 @@
             <p:cNvPr id="17" name="îṡľiḑè">
               <a:extLst>
                 <a:ext uri="{FF2B5EF4-FFF2-40B4-BE49-F238E27FC236}">
-                  <a16:creationId xmlns="" xmlns:a16="http://schemas.microsoft.com/office/drawing/2014/main" id="{C5F246DD-0425-467A-8E23-DF1922ED4240}"/>
+                  <a16:creationId xmlns:a16="http://schemas.microsoft.com/office/drawing/2014/main" xmlns="" id="{C5F246DD-0425-467A-8E23-DF1922ED4240}"/>
                 </a:ext>
               </a:extLst>
             </p:cNvPr>
@@ -6059,7 +6059,7 @@
             <p:cNvPr id="18" name="íš1ïḑé">
               <a:extLst>
                 <a:ext uri="{FF2B5EF4-FFF2-40B4-BE49-F238E27FC236}">
-                  <a16:creationId xmlns="" xmlns:a16="http://schemas.microsoft.com/office/drawing/2014/main" id="{EB196468-BCAE-4BF5-B491-B37AF459C2E0}"/>
+                  <a16:creationId xmlns:a16="http://schemas.microsoft.com/office/drawing/2014/main" xmlns="" id="{EB196468-BCAE-4BF5-B491-B37AF459C2E0}"/>
                 </a:ext>
               </a:extLst>
             </p:cNvPr>
@@ -6134,7 +6134,7 @@
             <p:cNvPr id="19" name="ïṧḷîḍe">
               <a:extLst>
                 <a:ext uri="{FF2B5EF4-FFF2-40B4-BE49-F238E27FC236}">
-                  <a16:creationId xmlns="" xmlns:a16="http://schemas.microsoft.com/office/drawing/2014/main" id="{9A980BB4-0B9C-4CE7-B965-86D1DCCFF04C}"/>
+                  <a16:creationId xmlns:a16="http://schemas.microsoft.com/office/drawing/2014/main" xmlns="" id="{9A980BB4-0B9C-4CE7-B965-86D1DCCFF04C}"/>
                 </a:ext>
               </a:extLst>
             </p:cNvPr>
@@ -6209,7 +6209,7 @@
             <p:cNvPr id="20" name="iṡḻïḑe">
               <a:extLst>
                 <a:ext uri="{FF2B5EF4-FFF2-40B4-BE49-F238E27FC236}">
-                  <a16:creationId xmlns="" xmlns:a16="http://schemas.microsoft.com/office/drawing/2014/main" id="{D932A797-F983-471B-BFA8-F7F77258FAF6}"/>
+                  <a16:creationId xmlns:a16="http://schemas.microsoft.com/office/drawing/2014/main" xmlns="" id="{D932A797-F983-471B-BFA8-F7F77258FAF6}"/>
                 </a:ext>
               </a:extLst>
             </p:cNvPr>
@@ -6274,7 +6274,7 @@
             <p:cNvPr id="21" name="iṣliḋê">
               <a:extLst>
                 <a:ext uri="{FF2B5EF4-FFF2-40B4-BE49-F238E27FC236}">
-                  <a16:creationId xmlns="" xmlns:a16="http://schemas.microsoft.com/office/drawing/2014/main" id="{14E4C1FF-2C4A-414E-B7C1-76FC09803579}"/>
+                  <a16:creationId xmlns:a16="http://schemas.microsoft.com/office/drawing/2014/main" xmlns="" id="{14E4C1FF-2C4A-414E-B7C1-76FC09803579}"/>
                 </a:ext>
               </a:extLst>
             </p:cNvPr>
@@ -6339,7 +6339,7 @@
             <p:cNvPr id="22" name="îsḷïdê">
               <a:extLst>
                 <a:ext uri="{FF2B5EF4-FFF2-40B4-BE49-F238E27FC236}">
-                  <a16:creationId xmlns="" xmlns:a16="http://schemas.microsoft.com/office/drawing/2014/main" id="{22AC134A-B7EA-4D73-BF21-DE75251C3AB3}"/>
+                  <a16:creationId xmlns:a16="http://schemas.microsoft.com/office/drawing/2014/main" xmlns="" id="{22AC134A-B7EA-4D73-BF21-DE75251C3AB3}"/>
                 </a:ext>
               </a:extLst>
             </p:cNvPr>
@@ -6401,7 +6401,7 @@
             <p:cNvPr id="23" name="i$ḻïḍê">
               <a:extLst>
                 <a:ext uri="{FF2B5EF4-FFF2-40B4-BE49-F238E27FC236}">
-                  <a16:creationId xmlns="" xmlns:a16="http://schemas.microsoft.com/office/drawing/2014/main" id="{B2525ADC-09FA-43DB-8CDF-85CDAC67D7D6}"/>
+                  <a16:creationId xmlns:a16="http://schemas.microsoft.com/office/drawing/2014/main" xmlns="" id="{B2525ADC-09FA-43DB-8CDF-85CDAC67D7D6}"/>
                 </a:ext>
               </a:extLst>
             </p:cNvPr>
@@ -6463,7 +6463,7 @@
             <p:cNvPr id="24" name="iş1îďé">
               <a:extLst>
                 <a:ext uri="{FF2B5EF4-FFF2-40B4-BE49-F238E27FC236}">
-                  <a16:creationId xmlns="" xmlns:a16="http://schemas.microsoft.com/office/drawing/2014/main" id="{5797D739-E4EF-4020-8521-6BC146B06A4D}"/>
+                  <a16:creationId xmlns:a16="http://schemas.microsoft.com/office/drawing/2014/main" xmlns="" id="{5797D739-E4EF-4020-8521-6BC146B06A4D}"/>
                 </a:ext>
               </a:extLst>
             </p:cNvPr>
@@ -6525,7 +6525,7 @@
             <p:cNvPr id="25" name="iṧľiḍè">
               <a:extLst>
                 <a:ext uri="{FF2B5EF4-FFF2-40B4-BE49-F238E27FC236}">
-                  <a16:creationId xmlns="" xmlns:a16="http://schemas.microsoft.com/office/drawing/2014/main" id="{420139AB-8C14-45D0-B524-2B38E2B5CC4C}"/>
+                  <a16:creationId xmlns:a16="http://schemas.microsoft.com/office/drawing/2014/main" xmlns="" id="{420139AB-8C14-45D0-B524-2B38E2B5CC4C}"/>
                 </a:ext>
               </a:extLst>
             </p:cNvPr>
@@ -6587,7 +6587,7 @@
             <p:cNvPr id="26" name="îŝḷiďê">
               <a:extLst>
                 <a:ext uri="{FF2B5EF4-FFF2-40B4-BE49-F238E27FC236}">
-                  <a16:creationId xmlns="" xmlns:a16="http://schemas.microsoft.com/office/drawing/2014/main" id="{C2086326-1FF1-4885-9F22-89D180415FAD}"/>
+                  <a16:creationId xmlns:a16="http://schemas.microsoft.com/office/drawing/2014/main" xmlns="" id="{C2086326-1FF1-4885-9F22-89D180415FAD}"/>
                 </a:ext>
               </a:extLst>
             </p:cNvPr>
@@ -6683,7 +6683,7 @@
             <p:cNvPr id="27" name="ï$ḷiḍé">
               <a:extLst>
                 <a:ext uri="{FF2B5EF4-FFF2-40B4-BE49-F238E27FC236}">
-                  <a16:creationId xmlns="" xmlns:a16="http://schemas.microsoft.com/office/drawing/2014/main" id="{6DB36021-5313-40A9-920B-CBDED876EF45}"/>
+                  <a16:creationId xmlns:a16="http://schemas.microsoft.com/office/drawing/2014/main" xmlns="" id="{6DB36021-5313-40A9-920B-CBDED876EF45}"/>
                 </a:ext>
               </a:extLst>
             </p:cNvPr>
@@ -6745,7 +6745,7 @@
             <p:cNvPr id="28" name="ïşḷïḍe">
               <a:extLst>
                 <a:ext uri="{FF2B5EF4-FFF2-40B4-BE49-F238E27FC236}">
-                  <a16:creationId xmlns="" xmlns:a16="http://schemas.microsoft.com/office/drawing/2014/main" id="{6E199C5B-BAA8-49E4-BEB5-B476BF8BC2B1}"/>
+                  <a16:creationId xmlns:a16="http://schemas.microsoft.com/office/drawing/2014/main" xmlns="" id="{6E199C5B-BAA8-49E4-BEB5-B476BF8BC2B1}"/>
                 </a:ext>
               </a:extLst>
             </p:cNvPr>
@@ -6807,7 +6807,7 @@
             <p:cNvPr id="29" name="i$ḻïďé">
               <a:extLst>
                 <a:ext uri="{FF2B5EF4-FFF2-40B4-BE49-F238E27FC236}">
-                  <a16:creationId xmlns="" xmlns:a16="http://schemas.microsoft.com/office/drawing/2014/main" id="{6D1C2096-6C60-4112-830E-BF0A8DBC9AFC}"/>
+                  <a16:creationId xmlns:a16="http://schemas.microsoft.com/office/drawing/2014/main" xmlns="" id="{6D1C2096-6C60-4112-830E-BF0A8DBC9AFC}"/>
                 </a:ext>
               </a:extLst>
             </p:cNvPr>
@@ -6869,7 +6869,7 @@
             <p:cNvPr id="30" name="iṩḷîďè">
               <a:extLst>
                 <a:ext uri="{FF2B5EF4-FFF2-40B4-BE49-F238E27FC236}">
-                  <a16:creationId xmlns="" xmlns:a16="http://schemas.microsoft.com/office/drawing/2014/main" id="{8E2F55A0-1F8B-4DF8-9692-0E52FB38C449}"/>
+                  <a16:creationId xmlns:a16="http://schemas.microsoft.com/office/drawing/2014/main" xmlns="" id="{8E2F55A0-1F8B-4DF8-9692-0E52FB38C449}"/>
                 </a:ext>
               </a:extLst>
             </p:cNvPr>
@@ -6931,7 +6931,7 @@
             <p:cNvPr id="31" name="îśḷiḋè">
               <a:extLst>
                 <a:ext uri="{FF2B5EF4-FFF2-40B4-BE49-F238E27FC236}">
-                  <a16:creationId xmlns="" xmlns:a16="http://schemas.microsoft.com/office/drawing/2014/main" id="{FAEFDB25-C311-444C-8211-CA9D0D3E76C7}"/>
+                  <a16:creationId xmlns:a16="http://schemas.microsoft.com/office/drawing/2014/main" xmlns="" id="{FAEFDB25-C311-444C-8211-CA9D0D3E76C7}"/>
                 </a:ext>
               </a:extLst>
             </p:cNvPr>
@@ -6993,7 +6993,7 @@
             <p:cNvPr id="32" name="işlïďe">
               <a:extLst>
                 <a:ext uri="{FF2B5EF4-FFF2-40B4-BE49-F238E27FC236}">
-                  <a16:creationId xmlns="" xmlns:a16="http://schemas.microsoft.com/office/drawing/2014/main" id="{6F7FE01D-44F0-4E78-AA22-48B1A54F44A8}"/>
+                  <a16:creationId xmlns:a16="http://schemas.microsoft.com/office/drawing/2014/main" xmlns="" id="{6F7FE01D-44F0-4E78-AA22-48B1A54F44A8}"/>
                 </a:ext>
               </a:extLst>
             </p:cNvPr>
@@ -7055,7 +7055,7 @@
             <p:cNvPr id="33" name="iṧļîďê">
               <a:extLst>
                 <a:ext uri="{FF2B5EF4-FFF2-40B4-BE49-F238E27FC236}">
-                  <a16:creationId xmlns="" xmlns:a16="http://schemas.microsoft.com/office/drawing/2014/main" id="{E43ABFED-9DCE-4780-A17B-F275913025D6}"/>
+                  <a16:creationId xmlns:a16="http://schemas.microsoft.com/office/drawing/2014/main" xmlns="" id="{E43ABFED-9DCE-4780-A17B-F275913025D6}"/>
                 </a:ext>
               </a:extLst>
             </p:cNvPr>
@@ -7117,7 +7117,7 @@
             <p:cNvPr id="34" name="ïśľide">
               <a:extLst>
                 <a:ext uri="{FF2B5EF4-FFF2-40B4-BE49-F238E27FC236}">
-                  <a16:creationId xmlns="" xmlns:a16="http://schemas.microsoft.com/office/drawing/2014/main" id="{764B5643-59A7-4278-9C6C-C0772E988BD1}"/>
+                  <a16:creationId xmlns:a16="http://schemas.microsoft.com/office/drawing/2014/main" xmlns="" id="{764B5643-59A7-4278-9C6C-C0772E988BD1}"/>
                 </a:ext>
               </a:extLst>
             </p:cNvPr>
@@ -7179,7 +7179,7 @@
             <p:cNvPr id="35" name="îṣḷiďè">
               <a:extLst>
                 <a:ext uri="{FF2B5EF4-FFF2-40B4-BE49-F238E27FC236}">
-                  <a16:creationId xmlns="" xmlns:a16="http://schemas.microsoft.com/office/drawing/2014/main" id="{A35CCFB0-B280-422B-A372-F1E8A7B37BB7}"/>
+                  <a16:creationId xmlns:a16="http://schemas.microsoft.com/office/drawing/2014/main" xmlns="" id="{A35CCFB0-B280-422B-A372-F1E8A7B37BB7}"/>
                 </a:ext>
               </a:extLst>
             </p:cNvPr>
@@ -7275,7 +7275,7 @@
             <p:cNvPr id="36" name="i$líḓe">
               <a:extLst>
                 <a:ext uri="{FF2B5EF4-FFF2-40B4-BE49-F238E27FC236}">
-                  <a16:creationId xmlns="" xmlns:a16="http://schemas.microsoft.com/office/drawing/2014/main" id="{7F0DCF35-E893-4225-90D5-FBFE48B4C496}"/>
+                  <a16:creationId xmlns:a16="http://schemas.microsoft.com/office/drawing/2014/main" xmlns="" id="{7F0DCF35-E893-4225-90D5-FBFE48B4C496}"/>
                 </a:ext>
               </a:extLst>
             </p:cNvPr>
@@ -7340,7 +7340,7 @@
             <p:cNvPr id="37" name="ïṣḷíḓè">
               <a:extLst>
                 <a:ext uri="{FF2B5EF4-FFF2-40B4-BE49-F238E27FC236}">
-                  <a16:creationId xmlns="" xmlns:a16="http://schemas.microsoft.com/office/drawing/2014/main" id="{A4220D05-442F-428F-ACAE-0BDB7327EE45}"/>
+                  <a16:creationId xmlns:a16="http://schemas.microsoft.com/office/drawing/2014/main" xmlns="" id="{A4220D05-442F-428F-ACAE-0BDB7327EE45}"/>
                 </a:ext>
               </a:extLst>
             </p:cNvPr>
@@ -7480,7 +7480,7 @@
             <p:cNvPr id="38" name="ïślîḓe">
               <a:extLst>
                 <a:ext uri="{FF2B5EF4-FFF2-40B4-BE49-F238E27FC236}">
-                  <a16:creationId xmlns="" xmlns:a16="http://schemas.microsoft.com/office/drawing/2014/main" id="{CA00A810-C422-493F-8762-928602E1666F}"/>
+                  <a16:creationId xmlns:a16="http://schemas.microsoft.com/office/drawing/2014/main" xmlns="" id="{CA00A810-C422-493F-8762-928602E1666F}"/>
                 </a:ext>
               </a:extLst>
             </p:cNvPr>
@@ -7542,7 +7542,7 @@
             <p:cNvPr id="39" name="iṥļïďé">
               <a:extLst>
                 <a:ext uri="{FF2B5EF4-FFF2-40B4-BE49-F238E27FC236}">
-                  <a16:creationId xmlns="" xmlns:a16="http://schemas.microsoft.com/office/drawing/2014/main" id="{8731F971-066B-40AA-B136-58B67564B7ED}"/>
+                  <a16:creationId xmlns:a16="http://schemas.microsoft.com/office/drawing/2014/main" xmlns="" id="{8731F971-066B-40AA-B136-58B67564B7ED}"/>
                 </a:ext>
               </a:extLst>
             </p:cNvPr>
@@ -7604,7 +7604,7 @@
             <p:cNvPr id="40" name="iślíḓé">
               <a:extLst>
                 <a:ext uri="{FF2B5EF4-FFF2-40B4-BE49-F238E27FC236}">
-                  <a16:creationId xmlns="" xmlns:a16="http://schemas.microsoft.com/office/drawing/2014/main" id="{2AABD586-6310-40FF-82C3-735CEE851897}"/>
+                  <a16:creationId xmlns:a16="http://schemas.microsoft.com/office/drawing/2014/main" xmlns="" id="{2AABD586-6310-40FF-82C3-735CEE851897}"/>
                 </a:ext>
               </a:extLst>
             </p:cNvPr>
@@ -7666,7 +7666,7 @@
             <p:cNvPr id="41" name="îşḻïḑé">
               <a:extLst>
                 <a:ext uri="{FF2B5EF4-FFF2-40B4-BE49-F238E27FC236}">
-                  <a16:creationId xmlns="" xmlns:a16="http://schemas.microsoft.com/office/drawing/2014/main" id="{0BDE1E9B-62A3-46F4-AB87-D02F1D6E213F}"/>
+                  <a16:creationId xmlns:a16="http://schemas.microsoft.com/office/drawing/2014/main" xmlns="" id="{0BDE1E9B-62A3-46F4-AB87-D02F1D6E213F}"/>
                 </a:ext>
               </a:extLst>
             </p:cNvPr>
@@ -7728,7 +7728,7 @@
             <p:cNvPr id="42" name="iš1îḓe">
               <a:extLst>
                 <a:ext uri="{FF2B5EF4-FFF2-40B4-BE49-F238E27FC236}">
-                  <a16:creationId xmlns="" xmlns:a16="http://schemas.microsoft.com/office/drawing/2014/main" id="{1846F9CF-B441-4677-B6B7-A82071C6A24C}"/>
+                  <a16:creationId xmlns:a16="http://schemas.microsoft.com/office/drawing/2014/main" xmlns="" id="{1846F9CF-B441-4677-B6B7-A82071C6A24C}"/>
                 </a:ext>
               </a:extLst>
             </p:cNvPr>
@@ -7790,7 +7790,7 @@
             <p:cNvPr id="43" name="iṣļïḋê">
               <a:extLst>
                 <a:ext uri="{FF2B5EF4-FFF2-40B4-BE49-F238E27FC236}">
-                  <a16:creationId xmlns="" xmlns:a16="http://schemas.microsoft.com/office/drawing/2014/main" id="{E6025A34-46AE-457E-AC6F-3CE06D5B4606}"/>
+                  <a16:creationId xmlns:a16="http://schemas.microsoft.com/office/drawing/2014/main" xmlns="" id="{E6025A34-46AE-457E-AC6F-3CE06D5B4606}"/>
                 </a:ext>
               </a:extLst>
             </p:cNvPr>
@@ -7852,7 +7852,7 @@
             <p:cNvPr id="44" name="ïṧḻîdè">
               <a:extLst>
                 <a:ext uri="{FF2B5EF4-FFF2-40B4-BE49-F238E27FC236}">
-                  <a16:creationId xmlns="" xmlns:a16="http://schemas.microsoft.com/office/drawing/2014/main" id="{B3B1207A-F631-4D74-AF71-25164BFA4732}"/>
+                  <a16:creationId xmlns:a16="http://schemas.microsoft.com/office/drawing/2014/main" xmlns="" id="{B3B1207A-F631-4D74-AF71-25164BFA4732}"/>
                 </a:ext>
               </a:extLst>
             </p:cNvPr>
@@ -7914,7 +7914,7 @@
             <p:cNvPr id="45" name="ïṩlîḋè">
               <a:extLst>
                 <a:ext uri="{FF2B5EF4-FFF2-40B4-BE49-F238E27FC236}">
-                  <a16:creationId xmlns="" xmlns:a16="http://schemas.microsoft.com/office/drawing/2014/main" id="{BD4629EF-6FD7-495B-BABC-2117635C362D}"/>
+                  <a16:creationId xmlns:a16="http://schemas.microsoft.com/office/drawing/2014/main" xmlns="" id="{BD4629EF-6FD7-495B-BABC-2117635C362D}"/>
                 </a:ext>
               </a:extLst>
             </p:cNvPr>
@@ -7985,7 +7985,7 @@
             <p:cNvPr id="46" name="îśḻiḑê">
               <a:extLst>
                 <a:ext uri="{FF2B5EF4-FFF2-40B4-BE49-F238E27FC236}">
-                  <a16:creationId xmlns="" xmlns:a16="http://schemas.microsoft.com/office/drawing/2014/main" id="{CEEE656F-2B58-452E-8C4C-A5DC9C34C5FE}"/>
+                  <a16:creationId xmlns:a16="http://schemas.microsoft.com/office/drawing/2014/main" xmlns="" id="{CEEE656F-2B58-452E-8C4C-A5DC9C34C5FE}"/>
                 </a:ext>
               </a:extLst>
             </p:cNvPr>
@@ -8056,7 +8056,7 @@
             <p:cNvPr id="47" name="ísļîḓê">
               <a:extLst>
                 <a:ext uri="{FF2B5EF4-FFF2-40B4-BE49-F238E27FC236}">
-                  <a16:creationId xmlns="" xmlns:a16="http://schemas.microsoft.com/office/drawing/2014/main" id="{30046525-C92C-4D8E-AA3B-B52FFA1759D5}"/>
+                  <a16:creationId xmlns:a16="http://schemas.microsoft.com/office/drawing/2014/main" xmlns="" id="{30046525-C92C-4D8E-AA3B-B52FFA1759D5}"/>
                 </a:ext>
               </a:extLst>
             </p:cNvPr>
@@ -8394,7 +8394,7 @@
           <p:cNvPr id="8" name="日期占位符 7">
             <a:extLst>
               <a:ext uri="{FF2B5EF4-FFF2-40B4-BE49-F238E27FC236}">
-                <a16:creationId xmlns="" xmlns:a16="http://schemas.microsoft.com/office/drawing/2014/main" id="{04388434-9949-479C-A9C3-67A953F6A939}"/>
+                <a16:creationId xmlns:a16="http://schemas.microsoft.com/office/drawing/2014/main" xmlns="" id="{04388434-9949-479C-A9C3-67A953F6A939}"/>
               </a:ext>
             </a:extLst>
           </p:cNvPr>
@@ -8438,7 +8438,7 @@
           <p:cNvPr id="9" name="页脚占位符 8">
             <a:extLst>
               <a:ext uri="{FF2B5EF4-FFF2-40B4-BE49-F238E27FC236}">
-                <a16:creationId xmlns="" xmlns:a16="http://schemas.microsoft.com/office/drawing/2014/main" id="{50A5656E-7A33-4865-A262-1F96263BAA16}"/>
+                <a16:creationId xmlns:a16="http://schemas.microsoft.com/office/drawing/2014/main" xmlns="" id="{50A5656E-7A33-4865-A262-1F96263BAA16}"/>
               </a:ext>
             </a:extLst>
           </p:cNvPr>
@@ -8494,7 +8494,7 @@
           <p:cNvPr id="10" name="灯片编号占位符 9">
             <a:extLst>
               <a:ext uri="{FF2B5EF4-FFF2-40B4-BE49-F238E27FC236}">
-                <a16:creationId xmlns="" xmlns:a16="http://schemas.microsoft.com/office/drawing/2014/main" id="{5BF52F79-380E-4278-8B67-588AFE5840F9}"/>
+                <a16:creationId xmlns:a16="http://schemas.microsoft.com/office/drawing/2014/main" xmlns="" id="{5BF52F79-380E-4278-8B67-588AFE5840F9}"/>
               </a:ext>
             </a:extLst>
           </p:cNvPr>
@@ -8837,7 +8837,7 @@
   </p:txStyles>
   <p:extLst>
     <p:ext uri="{27BBF7A9-308A-43DC-89C8-2F10F3537804}">
-      <p15:sldGuideLst xmlns="" xmlns:p15="http://schemas.microsoft.com/office/powerpoint/2012/main">
+      <p15:sldGuideLst xmlns:p15="http://schemas.microsoft.com/office/powerpoint/2012/main" xmlns="">
         <p15:guide id="1" pos="422" userDrawn="1">
           <p15:clr>
             <a:srgbClr val="F26B43"/>
@@ -8896,7 +8896,7 @@
           <p:cNvPr id="3" name="ïṩḷiḑé" hidden="1">
             <a:extLst>
               <a:ext uri="{FF2B5EF4-FFF2-40B4-BE49-F238E27FC236}">
-                <a16:creationId xmlns="" xmlns:a16="http://schemas.microsoft.com/office/drawing/2014/main" id="{3C326D0B-7DAB-41B6-8030-2E4A18CC949B}"/>
+                <a16:creationId xmlns:a16="http://schemas.microsoft.com/office/drawing/2014/main" xmlns="" id="{3C326D0B-7DAB-41B6-8030-2E4A18CC949B}"/>
               </a:ext>
             </a:extLst>
           </p:cNvPr>
@@ -8919,7 +8919,7 @@
           <a:graphicData uri="http://schemas.openxmlformats.org/presentationml/2006/ole">
             <mc:AlternateContent xmlns:mc="http://schemas.openxmlformats.org/markup-compatibility/2006">
               <mc:Choice xmlns:v="urn:schemas-microsoft-com:vml" Requires="v">
-                <p:oleObj spid="_x0000_s1125" name="think-cell Slide" r:id="rId5" imgW="347" imgH="348" progId="TCLayout.ActiveDocument.1">
+                <p:oleObj spid="_x0000_s1126" name="think-cell Slide" r:id="rId5" imgW="347" imgH="348" progId="TCLayout.ActiveDocument.1">
                   <p:embed/>
                 </p:oleObj>
               </mc:Choice>
@@ -8931,7 +8931,7 @@
                       <p:cNvPr id="3" name="iş1iďé" hidden="1">
                         <a:extLst>
                           <a:ext uri="{FF2B5EF4-FFF2-40B4-BE49-F238E27FC236}">
-                            <a16:creationId xmlns="" xmlns:a16="http://schemas.microsoft.com/office/drawing/2014/main" id="{3C326D0B-7DAB-41B6-8030-2E4A18CC949B}"/>
+                            <a16:creationId xmlns:a16="http://schemas.microsoft.com/office/drawing/2014/main" xmlns="" id="{3C326D0B-7DAB-41B6-8030-2E4A18CC949B}"/>
                           </a:ext>
                         </a:extLst>
                       </p:cNvPr>
@@ -8965,7 +8965,7 @@
           <p:cNvPr id="2" name="ïsľîḑè" hidden="1">
             <a:extLst>
               <a:ext uri="{FF2B5EF4-FFF2-40B4-BE49-F238E27FC236}">
-                <a16:creationId xmlns="" xmlns:a16="http://schemas.microsoft.com/office/drawing/2014/main" id="{EC933494-1B63-4A32-964F-D05236799BAA}"/>
+                <a16:creationId xmlns:a16="http://schemas.microsoft.com/office/drawing/2014/main" xmlns="" id="{EC933494-1B63-4A32-964F-D05236799BAA}"/>
               </a:ext>
             </a:extLst>
           </p:cNvPr>
@@ -10309,7 +10309,7 @@
           <p:cNvPr id="9" name="î$ḷíḋé">
             <a:extLst>
               <a:ext uri="{FF2B5EF4-FFF2-40B4-BE49-F238E27FC236}">
-                <a16:creationId xmlns="" xmlns:a16="http://schemas.microsoft.com/office/drawing/2014/main" id="{04F69230-F3A6-4586-9371-A858F4763E9F}"/>
+                <a16:creationId xmlns:a16="http://schemas.microsoft.com/office/drawing/2014/main" xmlns="" id="{04F69230-F3A6-4586-9371-A858F4763E9F}"/>
               </a:ext>
             </a:extLst>
           </p:cNvPr>
@@ -12416,7 +12416,7 @@
           <p:cNvPr id="2" name="íSliḓè">
             <a:extLst>
               <a:ext uri="{FF2B5EF4-FFF2-40B4-BE49-F238E27FC236}">
-                <a16:creationId xmlns="" xmlns:a16="http://schemas.microsoft.com/office/drawing/2014/main" id="{C0498D3A-B738-48EC-A39C-94C58B88932B}"/>
+                <a16:creationId xmlns:a16="http://schemas.microsoft.com/office/drawing/2014/main" xmlns="" id="{C0498D3A-B738-48EC-A39C-94C58B88932B}"/>
               </a:ext>
             </a:extLst>
           </p:cNvPr>
@@ -12436,7 +12436,7 @@
             <p:cNvPr id="6" name="íSļïdè" descr="本素材由iSlide™ 提供&#10;iSlide™尊重知识产权并注重保护用户享有的各项权利。郑重提醒您：&#10;iSlide™插件中提供的任何信息内容的所有权、知识产权归其原始权利人或权利受让人所有，您免费/购买获得的是信息内容的使用权，并受下述条款的约束；&#10;1. 您仅可以个人非商业用途使用该等信息内容，不可将信息内容的全部或部分用于出售，或以出租、出借、转让、分销、发布等其他任何方式供他人使用；&#10;2. 禁止在接入互联网或移动互联网的任何网站、平台、应用或程序上以任何方式为他人提供iSlide™插件资源内容的下载。&#10;The resource is supplied by iSlide™.&#10;iSlide™ respects all intellectual property rights and protects all the rights its users acquired.Solemnly remind you:&#10;The ownership and intellectual property of the resources supplied in iSlide Add-in belongs to its owner or the assignee of this ownership.you only acquired the usage of the resources supplied in iSlide Add-in, as well as respected the following restrain terms:&#10;1.You are only allowed to use such resource for personal and non-commercial aim, not allowed to use such resource or part of it for the sale; or rent, lend, transfer to others; or distribution or release it in any way.&#10;2.You are not permitted to provide the resource of iSlide Add-in in any website, platform, application access to the Internet or mobile Internet." title="iSlide™ 版权声明  COPYRIGHT NOTICE">
               <a:extLst>
                 <a:ext uri="{FF2B5EF4-FFF2-40B4-BE49-F238E27FC236}">
-                  <a16:creationId xmlns="" xmlns:a16="http://schemas.microsoft.com/office/drawing/2014/main" id="{A759C196-DA28-4241-ABB5-975367026FE9}"/>
+                  <a16:creationId xmlns:a16="http://schemas.microsoft.com/office/drawing/2014/main" xmlns="" id="{A759C196-DA28-4241-ABB5-975367026FE9}"/>
                 </a:ext>
               </a:extLst>
             </p:cNvPr>
@@ -12458,7 +12458,7 @@
               <p:cNvPr id="7" name="îṩḷiḓè">
                 <a:extLst>
                   <a:ext uri="{FF2B5EF4-FFF2-40B4-BE49-F238E27FC236}">
-                    <a16:creationId xmlns="" xmlns:a16="http://schemas.microsoft.com/office/drawing/2014/main" id="{48F70259-7598-4270-874A-6F50772D10F6}"/>
+                    <a16:creationId xmlns:a16="http://schemas.microsoft.com/office/drawing/2014/main" xmlns="" id="{48F70259-7598-4270-874A-6F50772D10F6}"/>
                   </a:ext>
                 </a:extLst>
               </p:cNvPr>
@@ -12723,7 +12723,7 @@
               <p:cNvPr id="8" name="îŝľiḋê">
                 <a:extLst>
                   <a:ext uri="{FF2B5EF4-FFF2-40B4-BE49-F238E27FC236}">
-                    <a16:creationId xmlns="" xmlns:a16="http://schemas.microsoft.com/office/drawing/2014/main" id="{DA1FB18E-FA01-4588-BEF9-FB96A98A84D4}"/>
+                    <a16:creationId xmlns:a16="http://schemas.microsoft.com/office/drawing/2014/main" xmlns="" id="{DA1FB18E-FA01-4588-BEF9-FB96A98A84D4}"/>
                   </a:ext>
                 </a:extLst>
               </p:cNvPr>
@@ -12762,7 +12762,7 @@
               <p:cNvPr id="9" name="ïsľiďé">
                 <a:extLst>
                   <a:ext uri="{FF2B5EF4-FFF2-40B4-BE49-F238E27FC236}">
-                    <a16:creationId xmlns="" xmlns:a16="http://schemas.microsoft.com/office/drawing/2014/main" id="{0DB1D0A1-2667-455C-9387-D7ABF0A00B8C}"/>
+                    <a16:creationId xmlns:a16="http://schemas.microsoft.com/office/drawing/2014/main" xmlns="" id="{0DB1D0A1-2667-455C-9387-D7ABF0A00B8C}"/>
                   </a:ext>
                 </a:extLst>
               </p:cNvPr>
@@ -12834,7 +12834,7 @@
             <p:cNvPr id="10" name="ïṩļiḋe">
               <a:extLst>
                 <a:ext uri="{FF2B5EF4-FFF2-40B4-BE49-F238E27FC236}">
-                  <a16:creationId xmlns="" xmlns:a16="http://schemas.microsoft.com/office/drawing/2014/main" id="{ADAD6BE3-DC11-4582-9F68-50D831ADD001}"/>
+                  <a16:creationId xmlns:a16="http://schemas.microsoft.com/office/drawing/2014/main" xmlns="" id="{ADAD6BE3-DC11-4582-9F68-50D831ADD001}"/>
                 </a:ext>
               </a:extLst>
             </p:cNvPr>
@@ -13601,7 +13601,7 @@
           <p:cNvPr id="9" name="î$ḷíḋé">
             <a:extLst>
               <a:ext uri="{FF2B5EF4-FFF2-40B4-BE49-F238E27FC236}">
-                <a16:creationId xmlns="" xmlns:a16="http://schemas.microsoft.com/office/drawing/2014/main" id="{04F69230-F3A6-4586-9371-A858F4763E9F}"/>
+                <a16:creationId xmlns:a16="http://schemas.microsoft.com/office/drawing/2014/main" xmlns="" id="{04F69230-F3A6-4586-9371-A858F4763E9F}"/>
               </a:ext>
             </a:extLst>
           </p:cNvPr>
@@ -13734,7 +13734,7 @@
           <p:cNvPr id="4" name="標題 3">
             <a:extLst>
               <a:ext uri="{FF2B5EF4-FFF2-40B4-BE49-F238E27FC236}">
-                <a16:creationId xmlns="" xmlns:a16="http://schemas.microsoft.com/office/drawing/2014/main" id="{DBF93AE9-6C3C-43A2-A10D-A15C50A25746}"/>
+                <a16:creationId xmlns:a16="http://schemas.microsoft.com/office/drawing/2014/main" xmlns="" id="{DBF93AE9-6C3C-43A2-A10D-A15C50A25746}"/>
               </a:ext>
             </a:extLst>
           </p:cNvPr>
@@ -13767,7 +13767,7 @@
           <p:cNvPr id="7" name="內容版面配置區 6">
             <a:extLst>
               <a:ext uri="{FF2B5EF4-FFF2-40B4-BE49-F238E27FC236}">
-                <a16:creationId xmlns="" xmlns:a16="http://schemas.microsoft.com/office/drawing/2014/main" id="{E7D68A11-0594-451B-B564-C1C4E791DF02}"/>
+                <a16:creationId xmlns:a16="http://schemas.microsoft.com/office/drawing/2014/main" xmlns="" id="{E7D68A11-0594-451B-B564-C1C4E791DF02}"/>
               </a:ext>
             </a:extLst>
           </p:cNvPr>
@@ -13785,7 +13785,7 @@
                 <a14:useLocalDpi xmlns:a14="http://schemas.microsoft.com/office/drawing/2010/main" val="0"/>
               </a:ext>
               <a:ext uri="{96DAC541-7B7A-43D3-8B79-37D633B846F1}">
-                <asvg:svgBlip xmlns="" xmlns:asvg="http://schemas.microsoft.com/office/drawing/2016/SVG/main" r:embed="rId3"/>
+                <asvg:svgBlip xmlns:asvg="http://schemas.microsoft.com/office/drawing/2016/SVG/main" xmlns="" r:embed="rId3"/>
               </a:ext>
             </a:extLst>
           </a:blip>
@@ -14018,7 +14018,7 @@
           <p:cNvPr id="3" name="íṡḻiḓé" hidden="1">
             <a:extLst>
               <a:ext uri="{FF2B5EF4-FFF2-40B4-BE49-F238E27FC236}">
-                <a16:creationId xmlns="" xmlns:a16="http://schemas.microsoft.com/office/drawing/2014/main" id="{A6A819F1-33AF-45D7-8BF6-2B0A9769CAD4}"/>
+                <a16:creationId xmlns:a16="http://schemas.microsoft.com/office/drawing/2014/main" xmlns="" id="{A6A819F1-33AF-45D7-8BF6-2B0A9769CAD4}"/>
               </a:ext>
             </a:extLst>
           </p:cNvPr>
@@ -14041,7 +14041,7 @@
           <a:graphicData uri="http://schemas.openxmlformats.org/presentationml/2006/ole">
             <mc:AlternateContent xmlns:mc="http://schemas.openxmlformats.org/markup-compatibility/2006">
               <mc:Choice xmlns:v="urn:schemas-microsoft-com:vml" Requires="v">
-                <p:oleObj spid="_x0000_s3173" name="think-cell Slide" r:id="rId5" imgW="347" imgH="348" progId="TCLayout.ActiveDocument.1">
+                <p:oleObj spid="_x0000_s3174" name="think-cell Slide" r:id="rId5" imgW="347" imgH="348" progId="TCLayout.ActiveDocument.1">
                   <p:embed/>
                 </p:oleObj>
               </mc:Choice>
@@ -14053,7 +14053,7 @@
                       <p:cNvPr id="3" name="íṩ1iḑé" hidden="1">
                         <a:extLst>
                           <a:ext uri="{FF2B5EF4-FFF2-40B4-BE49-F238E27FC236}">
-                            <a16:creationId xmlns="" xmlns:a16="http://schemas.microsoft.com/office/drawing/2014/main" id="{A6A819F1-33AF-45D7-8BF6-2B0A9769CAD4}"/>
+                            <a16:creationId xmlns:a16="http://schemas.microsoft.com/office/drawing/2014/main" xmlns="" id="{A6A819F1-33AF-45D7-8BF6-2B0A9769CAD4}"/>
                           </a:ext>
                         </a:extLst>
                       </p:cNvPr>
@@ -14087,7 +14087,7 @@
           <p:cNvPr id="2" name="išľïďe" hidden="1">
             <a:extLst>
               <a:ext uri="{FF2B5EF4-FFF2-40B4-BE49-F238E27FC236}">
-                <a16:creationId xmlns="" xmlns:a16="http://schemas.microsoft.com/office/drawing/2014/main" id="{FF51F16D-1BAD-46EE-A6F4-B8B94C9DF628}"/>
+                <a16:creationId xmlns:a16="http://schemas.microsoft.com/office/drawing/2014/main" xmlns="" id="{FF51F16D-1BAD-46EE-A6F4-B8B94C9DF628}"/>
               </a:ext>
             </a:extLst>
           </p:cNvPr>
@@ -14209,9 +14209,10 @@
           <a:lstStyle/>
           <a:p>
             <a:r>
-              <a:rPr lang="en-US" altLang="zh-CN" dirty="0"/>
-              <a:t>Sean,23742</a:t>
-            </a:r>
+              <a:rPr lang="en-US" altLang="zh-CN" smtClean="0"/>
+              <a:t>Sean</a:t>
+            </a:r>
+            <a:endParaRPr lang="en-US" altLang="zh-CN" dirty="0"/>
           </a:p>
         </p:txBody>
       </p:sp>
@@ -14220,7 +14221,7 @@
           <p:cNvPr id="13" name="îṣlíḍe">
             <a:extLst>
               <a:ext uri="{FF2B5EF4-FFF2-40B4-BE49-F238E27FC236}">
-                <a16:creationId xmlns="" xmlns:a16="http://schemas.microsoft.com/office/drawing/2014/main" id="{394FC8CD-4FAD-452B-A6ED-A378816FAA36}"/>
+                <a16:creationId xmlns:a16="http://schemas.microsoft.com/office/drawing/2014/main" xmlns="" id="{394FC8CD-4FAD-452B-A6ED-A378816FAA36}"/>
               </a:ext>
             </a:extLst>
           </p:cNvPr>
@@ -14263,7 +14264,7 @@
           <p:cNvPr id="14" name="ïSḻíďê">
             <a:extLst>
               <a:ext uri="{FF2B5EF4-FFF2-40B4-BE49-F238E27FC236}">
-                <a16:creationId xmlns="" xmlns:a16="http://schemas.microsoft.com/office/drawing/2014/main" id="{7C549D2A-4C2D-40D9-B2D1-E96901BFF877}"/>
+                <a16:creationId xmlns:a16="http://schemas.microsoft.com/office/drawing/2014/main" xmlns="" id="{7C549D2A-4C2D-40D9-B2D1-E96901BFF877}"/>
               </a:ext>
             </a:extLst>
           </p:cNvPr>
@@ -14366,7 +14367,7 @@
           <p:cNvPr id="9" name="î$ḷíḋé">
             <a:extLst>
               <a:ext uri="{FF2B5EF4-FFF2-40B4-BE49-F238E27FC236}">
-                <a16:creationId xmlns="" xmlns:a16="http://schemas.microsoft.com/office/drawing/2014/main" id="{04F69230-F3A6-4586-9371-A858F4763E9F}"/>
+                <a16:creationId xmlns:a16="http://schemas.microsoft.com/office/drawing/2014/main" xmlns="" id="{04F69230-F3A6-4586-9371-A858F4763E9F}"/>
               </a:ext>
             </a:extLst>
           </p:cNvPr>
@@ -15108,7 +15109,7 @@
           <p:cNvPr id="9" name="î$ḷíḋé">
             <a:extLst>
               <a:ext uri="{FF2B5EF4-FFF2-40B4-BE49-F238E27FC236}">
-                <a16:creationId xmlns="" xmlns:a16="http://schemas.microsoft.com/office/drawing/2014/main" id="{04F69230-F3A6-4586-9371-A858F4763E9F}"/>
+                <a16:creationId xmlns:a16="http://schemas.microsoft.com/office/drawing/2014/main" xmlns="" id="{04F69230-F3A6-4586-9371-A858F4763E9F}"/>
               </a:ext>
             </a:extLst>
           </p:cNvPr>
@@ -16653,7 +16654,7 @@
   <a:extraClrSchemeLst/>
   <a:extLst>
     <a:ext uri="{05A4C25C-085E-4340-85A3-A5531E510DB2}">
-      <thm15:themeFamily xmlns="" xmlns:thm15="http://schemas.microsoft.com/office/thememl/2012/main" name="主题5" id="{B8EDB911-D765-4A7B-BBC7-40DBB672FBA6}" vid="{AECAB1C0-5DF6-436C-85E8-20094DBE11C0}"/>
+      <thm15:themeFamily xmlns:thm15="http://schemas.microsoft.com/office/thememl/2012/main" xmlns="" name="主题5" id="{B8EDB911-D765-4A7B-BBC7-40DBB672FBA6}" vid="{AECAB1C0-5DF6-436C-85E8-20094DBE11C0}"/>
     </a:ext>
   </a:extLst>
 </a:theme>
@@ -16914,7 +16915,7 @@
   <a:extraClrSchemeLst/>
   <a:extLst>
     <a:ext uri="{05A4C25C-085E-4340-85A3-A5531E510DB2}">
-      <thm15:themeFamily xmlns="" xmlns:thm15="http://schemas.microsoft.com/office/thememl/2012/main" name="Office Theme" id="{62F939B6-93AF-4DB8-9C6B-D6C7DFDC589F}" vid="{4A3C46E8-61CC-4603-A589-7422A47A8E4A}"/>
+      <thm15:themeFamily xmlns:thm15="http://schemas.microsoft.com/office/thememl/2012/main" xmlns="" name="Office Theme" id="{62F939B6-93AF-4DB8-9C6B-D6C7DFDC589F}" vid="{4A3C46E8-61CC-4603-A589-7422A47A8E4A}"/>
     </a:ext>
   </a:extLst>
 </a:theme>
@@ -17209,7 +17210,7 @@
   <a:extraClrSchemeLst/>
   <a:extLst>
     <a:ext uri="{05A4C25C-085E-4340-85A3-A5531E510DB2}">
-      <thm15:themeFamily xmlns="" xmlns:thm15="http://schemas.microsoft.com/office/thememl/2012/main" name="Office Theme" id="{62F939B6-93AF-4DB8-9C6B-D6C7DFDC589F}" vid="{4A3C46E8-61CC-4603-A589-7422A47A8E4A}"/>
+      <thm15:themeFamily xmlns:thm15="http://schemas.microsoft.com/office/thememl/2012/main" xmlns="" name="Office Theme" id="{62F939B6-93AF-4DB8-9C6B-D6C7DFDC589F}" vid="{4A3C46E8-61CC-4603-A589-7422A47A8E4A}"/>
     </a:ext>
   </a:extLst>
 </a:theme>
